--- a/Project_Submission/Presentation.pptx
+++ b/Project_Submission/Presentation.pptx
@@ -17,6 +17,8 @@
     <p:sldId id="264" r:id="rId13"/>
     <p:sldId id="265" r:id="rId14"/>
     <p:sldId id="266" r:id="rId15"/>
+    <p:sldId id="267" r:id="rId16"/>
+    <p:sldId id="268" r:id="rId17"/>
   </p:sldIdLst>
   <p:sldSz cx="9144000" cy="5143500" type="screen16x9"/>
   <p:notesSz cx="9144000" cy="5143500"/>
@@ -5552,6 +5554,13 @@
 <file path=ppt/slides/slide10.xml><?xml version="1.0" encoding="utf-8"?>
 <p:sld xmlns:a="http://schemas.openxmlformats.org/drawingml/2006/main" xmlns:r="http://schemas.openxmlformats.org/officeDocument/2006/relationships" xmlns:p="http://schemas.openxmlformats.org/presentationml/2006/main" xmlns:m="http://schemas.openxmlformats.org/officeDocument/2006/math" xmlns:w="http://schemas.openxmlformats.org/wordprocessingml/2006/main" showMasterPhAnim="0" show="1">
   <p:cSld name="">
+    <p:bg>
+      <p:bgPr shadeToTitle="0">
+        <a:solidFill>
+          <a:schemeClr val="bg1"/>
+        </a:solidFill>
+      </p:bgPr>
+    </p:bg>
     <p:spTree>
       <p:nvGrpSpPr>
         <p:cNvPr id="1" name=""/>
@@ -5568,43 +5577,14 @@
       </p:grpSpPr>
       <p:sp>
         <p:nvSpPr>
-          <p:cNvPr id="3" name="CasellaDiTesto 2"/>
+          <p:cNvPr id="1562649539" name="CasellaDiTesto 9"/>
           <p:cNvSpPr txBox="1"/>
           <p:nvPr/>
         </p:nvSpPr>
         <p:spPr bwMode="auto">
           <a:xfrm>
-            <a:off x="367988" y="334537"/>
-            <a:ext cx="7984632" cy="366119"/>
-          </a:xfrm>
-          <a:prstGeom prst="rect">
-            <a:avLst/>
-          </a:prstGeom>
-          <a:noFill/>
-        </p:spPr>
-        <p:txBody>
-          <a:bodyPr wrap="square" rtlCol="0">
-            <a:spAutoFit/>
-          </a:bodyPr>
-          <a:lstStyle/>
-          <a:p>
-            <a:pPr>
-              <a:defRPr/>
-            </a:pPr>
-            <a:endParaRPr/>
-          </a:p>
-        </p:txBody>
-      </p:sp>
-      <p:sp>
-        <p:nvSpPr>
-          <p:cNvPr id="6" name="CasellaDiTesto 5"/>
-          <p:cNvSpPr txBox="1"/>
-          <p:nvPr/>
-        </p:nvSpPr>
-        <p:spPr bwMode="auto">
-          <a:xfrm>
-            <a:off x="8711953" y="4800698"/>
-            <a:ext cx="432047" cy="307777"/>
+            <a:off x="8711952" y="4800697"/>
+            <a:ext cx="432046" cy="307776"/>
           </a:xfrm>
           <a:prstGeom prst="rect">
             <a:avLst/>
@@ -5625,7 +5605,142 @@
                 <a:latin typeface="Calibri"/>
                 <a:cs typeface="Calibri"/>
               </a:rPr>
-              <a:t>3</a:t>
+              <a:t>2</a:t>
+            </a:r>
+            <a:endParaRPr/>
+          </a:p>
+        </p:txBody>
+      </p:sp>
+      <p:cxnSp>
+        <p:nvCxnSpPr>
+          <p:cNvPr id="1226417988" name=""/>
+          <p:cNvCxnSpPr>
+            <a:cxnSpLocks/>
+          </p:cNvCxnSpPr>
+          <p:nvPr/>
+        </p:nvCxnSpPr>
+        <p:spPr bwMode="auto">
+          <a:xfrm flipH="0" flipV="1">
+            <a:off x="15643" y="1019472"/>
+            <a:ext cx="9190136" cy="0"/>
+          </a:xfrm>
+          <a:prstGeom prst="line">
+            <a:avLst/>
+          </a:prstGeom>
+          <a:ln w="38099" cap="flat" cmpd="sng" algn="ctr">
+            <a:solidFill>
+              <a:srgbClr val="FFC000"/>
+            </a:solidFill>
+            <a:prstDash val="solid"/>
+            <a:miter/>
+          </a:ln>
+        </p:spPr>
+        <p:style>
+          <a:lnRef idx="1">
+            <a:schemeClr val="accent1">
+              <a:shade val="50000"/>
+            </a:schemeClr>
+          </a:lnRef>
+          <a:fillRef idx="0">
+            <a:schemeClr val="accent1"/>
+          </a:fillRef>
+          <a:effectRef idx="0">
+            <a:schemeClr val="accent1"/>
+          </a:effectRef>
+          <a:fontRef idx="minor">
+            <a:schemeClr val="tx1"/>
+          </a:fontRef>
+        </p:style>
+      </p:cxnSp>
+      <p:sp>
+        <p:nvSpPr>
+          <p:cNvPr id="1532416214" name=""/>
+          <p:cNvSpPr txBox="1"/>
+          <p:nvPr/>
+        </p:nvSpPr>
+        <p:spPr bwMode="auto">
+          <a:xfrm flipH="0" flipV="0">
+            <a:off x="238886" y="3705224"/>
+            <a:ext cx="8779449" cy="914760"/>
+          </a:xfrm>
+          <a:prstGeom prst="rect">
+            <a:avLst/>
+          </a:prstGeom>
+          <a:noFill/>
+        </p:spPr>
+        <p:txBody>
+          <a:bodyPr vertOverflow="overflow" horzOverflow="overflow" vert="horz" wrap="square" lIns="91440" tIns="45720" rIns="91440" bIns="45720" numCol="1" spcCol="0" rtlCol="0" fromWordArt="0" anchor="t" anchorCtr="0" forceAA="0" upright="0" compatLnSpc="0">
+            <a:spAutoFit/>
+          </a:bodyPr>
+          <a:p>
+            <a:pPr>
+              <a:defRPr/>
+            </a:pPr>
+            <a:r>
+              <a:rPr/>
+              <a:t>Edge-Cloud communication using MQTT Protocol, with an additional overhead for sending the packages of 0.032s between packages. The package message is 44 bytes, with 27 bytes corresponding to the Topic.</a:t>
+            </a:r>
+            <a:endParaRPr/>
+          </a:p>
+        </p:txBody>
+      </p:sp>
+      <p:pic>
+        <p:nvPicPr>
+          <p:cNvPr id="1850655442" name=""/>
+          <p:cNvPicPr>
+            <a:picLocks noChangeAspect="1"/>
+          </p:cNvPicPr>
+          <p:nvPr/>
+        </p:nvPicPr>
+        <p:blipFill>
+          <a:blip r:embed="rId2"/>
+          <a:stretch/>
+        </p:blipFill>
+        <p:spPr bwMode="auto">
+          <a:xfrm flipH="0" flipV="0">
+            <a:off x="61781" y="1120675"/>
+            <a:ext cx="8866195" cy="2419559"/>
+          </a:xfrm>
+          <a:prstGeom prst="rect">
+            <a:avLst/>
+          </a:prstGeom>
+        </p:spPr>
+      </p:pic>
+      <p:sp>
+        <p:nvSpPr>
+          <p:cNvPr id="1456481976" name="CasellaDiTesto 2"/>
+          <p:cNvSpPr txBox="1"/>
+          <p:nvPr/>
+        </p:nvSpPr>
+        <p:spPr bwMode="auto">
+          <a:xfrm>
+            <a:off x="347779" y="453153"/>
+            <a:ext cx="8485518" cy="457559"/>
+          </a:xfrm>
+          <a:prstGeom prst="rect">
+            <a:avLst/>
+          </a:prstGeom>
+          <a:noFill/>
+        </p:spPr>
+        <p:txBody>
+          <a:bodyPr wrap="square" rtlCol="0">
+            <a:spAutoFit/>
+          </a:bodyPr>
+          <a:lstStyle/>
+          <a:p>
+            <a:pPr>
+              <a:defRPr/>
+            </a:pPr>
+            <a:r>
+              <a:rPr lang="it-IT" sz="2400" b="1" i="0" u="none" strike="noStrike" cap="none" spc="0">
+                <a:solidFill>
+                  <a:schemeClr val="tx1"/>
+                </a:solidFill>
+                <a:latin typeface="Calibri"/>
+                <a:ea typeface="Source Han Sans CN Medium"/>
+                <a:cs typeface="Calibri"/>
+              </a:rPr>
+              <a:t>MQTT Protocol</a:t>
             </a:r>
             <a:endParaRPr/>
           </a:p>
@@ -5648,6 +5763,384 @@
 </file>
 
 <file path=ppt/slides/slide11.xml><?xml version="1.0" encoding="utf-8"?>
+<p:sld xmlns:a="http://schemas.openxmlformats.org/drawingml/2006/main" xmlns:r="http://schemas.openxmlformats.org/officeDocument/2006/relationships" xmlns:p="http://schemas.openxmlformats.org/presentationml/2006/main" xmlns:m="http://schemas.openxmlformats.org/officeDocument/2006/math" xmlns:w="http://schemas.openxmlformats.org/wordprocessingml/2006/main" showMasterPhAnim="0" show="1">
+  <p:cSld name="">
+    <p:bg>
+      <p:bgPr shadeToTitle="0">
+        <a:solidFill>
+          <a:schemeClr val="bg1"/>
+        </a:solidFill>
+      </p:bgPr>
+    </p:bg>
+    <p:spTree>
+      <p:nvGrpSpPr>
+        <p:cNvPr id="1" name=""/>
+        <p:cNvGrpSpPr/>
+        <p:nvPr/>
+      </p:nvGrpSpPr>
+      <p:grpSpPr bwMode="auto">
+        <a:xfrm>
+          <a:off x="0" y="0"/>
+          <a:ext cx="0" cy="0"/>
+          <a:chOff x="0" y="0"/>
+          <a:chExt cx="0" cy="0"/>
+        </a:xfrm>
+      </p:grpSpPr>
+      <p:sp>
+        <p:nvSpPr>
+          <p:cNvPr id="2095595168" name="CasellaDiTesto 9"/>
+          <p:cNvSpPr txBox="1"/>
+          <p:nvPr/>
+        </p:nvSpPr>
+        <p:spPr bwMode="auto">
+          <a:xfrm>
+            <a:off x="8711951" y="4800696"/>
+            <a:ext cx="432045" cy="307775"/>
+          </a:xfrm>
+          <a:prstGeom prst="rect">
+            <a:avLst/>
+          </a:prstGeom>
+          <a:noFill/>
+        </p:spPr>
+        <p:txBody>
+          <a:bodyPr wrap="square" rtlCol="0">
+            <a:spAutoFit/>
+          </a:bodyPr>
+          <a:lstStyle/>
+          <a:p>
+            <a:pPr>
+              <a:defRPr/>
+            </a:pPr>
+            <a:r>
+              <a:rPr lang="it-IT" sz="1400">
+                <a:latin typeface="Calibri"/>
+                <a:cs typeface="Calibri"/>
+              </a:rPr>
+              <a:t>2</a:t>
+            </a:r>
+            <a:endParaRPr/>
+          </a:p>
+        </p:txBody>
+      </p:sp>
+      <p:cxnSp>
+        <p:nvCxnSpPr>
+          <p:cNvPr id="751105426" name=""/>
+          <p:cNvCxnSpPr>
+            <a:cxnSpLocks/>
+          </p:cNvCxnSpPr>
+          <p:nvPr/>
+        </p:nvCxnSpPr>
+        <p:spPr bwMode="auto">
+          <a:xfrm flipH="0" flipV="1">
+            <a:off x="15643" y="1019471"/>
+            <a:ext cx="9190135" cy="0"/>
+          </a:xfrm>
+          <a:prstGeom prst="line">
+            <a:avLst/>
+          </a:prstGeom>
+          <a:ln w="38099" cap="flat" cmpd="sng" algn="ctr">
+            <a:solidFill>
+              <a:srgbClr val="FFC000"/>
+            </a:solidFill>
+            <a:prstDash val="solid"/>
+            <a:miter/>
+          </a:ln>
+        </p:spPr>
+        <p:style>
+          <a:lnRef idx="1">
+            <a:schemeClr val="accent1">
+              <a:shade val="50000"/>
+            </a:schemeClr>
+          </a:lnRef>
+          <a:fillRef idx="0">
+            <a:schemeClr val="accent1"/>
+          </a:fillRef>
+          <a:effectRef idx="0">
+            <a:schemeClr val="accent1"/>
+          </a:effectRef>
+          <a:fontRef idx="minor">
+            <a:schemeClr val="tx1"/>
+          </a:fontRef>
+        </p:style>
+      </p:cxnSp>
+      <p:sp>
+        <p:nvSpPr>
+          <p:cNvPr id="787631973" name=""/>
+          <p:cNvSpPr txBox="1"/>
+          <p:nvPr/>
+        </p:nvSpPr>
+        <p:spPr bwMode="auto">
+          <a:xfrm flipH="0" flipV="0">
+            <a:off x="238885" y="3705223"/>
+            <a:ext cx="8779448" cy="914760"/>
+          </a:xfrm>
+          <a:prstGeom prst="rect">
+            <a:avLst/>
+          </a:prstGeom>
+          <a:noFill/>
+        </p:spPr>
+        <p:txBody>
+          <a:bodyPr vertOverflow="overflow" horzOverflow="overflow" vert="horz" wrap="square" lIns="91440" tIns="45720" rIns="91440" bIns="45720" numCol="1" spcCol="0" rtlCol="0" fromWordArt="0" anchor="t" anchorCtr="0" forceAA="0" upright="0" compatLnSpc="0">
+            <a:spAutoFit/>
+          </a:bodyPr>
+          <a:p>
+            <a:pPr>
+              <a:defRPr/>
+            </a:pPr>
+            <a:r>
+              <a:rPr/>
+              <a:t>Edge-Cloud communication using MQTT Protocol, with an additional overhead for sending the packages of 0.032s between packages. The package message is 44 bytes, with 27 bytes corresponding to the Topic.</a:t>
+            </a:r>
+            <a:endParaRPr/>
+          </a:p>
+        </p:txBody>
+      </p:sp>
+      <p:sp>
+        <p:nvSpPr>
+          <p:cNvPr id="422432619" name="CasellaDiTesto 2"/>
+          <p:cNvSpPr txBox="1"/>
+          <p:nvPr/>
+        </p:nvSpPr>
+        <p:spPr bwMode="auto">
+          <a:xfrm>
+            <a:off x="347778" y="453152"/>
+            <a:ext cx="8487677" cy="457559"/>
+          </a:xfrm>
+          <a:prstGeom prst="rect">
+            <a:avLst/>
+          </a:prstGeom>
+          <a:noFill/>
+        </p:spPr>
+        <p:txBody>
+          <a:bodyPr wrap="square" rtlCol="0">
+            <a:spAutoFit/>
+          </a:bodyPr>
+          <a:lstStyle/>
+          <a:p>
+            <a:pPr>
+              <a:defRPr/>
+            </a:pPr>
+            <a:r>
+              <a:rPr lang="it-IT" sz="2400" b="1" i="0" u="none" strike="noStrike" cap="none" spc="0">
+                <a:solidFill>
+                  <a:schemeClr val="tx1"/>
+                </a:solidFill>
+                <a:latin typeface="Calibri"/>
+                <a:ea typeface="Source Han Sans CN Medium"/>
+                <a:cs typeface="Calibri"/>
+              </a:rPr>
+              <a:t>Redis Protocol</a:t>
+            </a:r>
+            <a:endParaRPr/>
+          </a:p>
+        </p:txBody>
+      </p:sp>
+    </p:spTree>
+  </p:cSld>
+  <p:clrMapOvr>
+    <a:masterClrMapping/>
+  </p:clrMapOvr>
+  <mc:AlternateContent xmlns:mc="http://schemas.openxmlformats.org/markup-compatibility/2006">
+    <mc:Choice xmlns:p14="http://schemas.microsoft.com/office/powerpoint/2010/main" Requires="p14">
+      <p:transition p14:dur="2000" advClick="1"/>
+    </mc:Choice>
+    <mc:Fallback>
+      <p:transition advClick="1"/>
+    </mc:Fallback>
+  </mc:AlternateContent>
+</p:sld>
+</file>
+
+<file path=ppt/slides/slide12.xml><?xml version="1.0" encoding="utf-8"?>
+<p:sld xmlns:a="http://schemas.openxmlformats.org/drawingml/2006/main" xmlns:r="http://schemas.openxmlformats.org/officeDocument/2006/relationships" xmlns:p="http://schemas.openxmlformats.org/presentationml/2006/main" xmlns:m="http://schemas.openxmlformats.org/officeDocument/2006/math" xmlns:w="http://schemas.openxmlformats.org/wordprocessingml/2006/main" showMasterPhAnim="0" show="1">
+  <p:cSld name="">
+    <p:bg>
+      <p:bgPr shadeToTitle="0">
+        <a:solidFill>
+          <a:schemeClr val="bg1"/>
+        </a:solidFill>
+      </p:bgPr>
+    </p:bg>
+    <p:spTree>
+      <p:nvGrpSpPr>
+        <p:cNvPr id="1" name=""/>
+        <p:cNvGrpSpPr/>
+        <p:nvPr/>
+      </p:nvGrpSpPr>
+      <p:grpSpPr bwMode="auto">
+        <a:xfrm>
+          <a:off x="0" y="0"/>
+          <a:ext cx="0" cy="0"/>
+          <a:chOff x="0" y="0"/>
+          <a:chExt cx="0" cy="0"/>
+        </a:xfrm>
+      </p:grpSpPr>
+      <p:sp>
+        <p:nvSpPr>
+          <p:cNvPr id="1492324361" name="CasellaDiTesto 9"/>
+          <p:cNvSpPr txBox="1"/>
+          <p:nvPr/>
+        </p:nvSpPr>
+        <p:spPr bwMode="auto">
+          <a:xfrm>
+            <a:off x="8711951" y="4800696"/>
+            <a:ext cx="432045" cy="307775"/>
+          </a:xfrm>
+          <a:prstGeom prst="rect">
+            <a:avLst/>
+          </a:prstGeom>
+          <a:noFill/>
+        </p:spPr>
+        <p:txBody>
+          <a:bodyPr wrap="square" rtlCol="0">
+            <a:spAutoFit/>
+          </a:bodyPr>
+          <a:lstStyle/>
+          <a:p>
+            <a:pPr>
+              <a:defRPr/>
+            </a:pPr>
+            <a:r>
+              <a:rPr lang="it-IT" sz="1400">
+                <a:latin typeface="Calibri"/>
+                <a:cs typeface="Calibri"/>
+              </a:rPr>
+              <a:t>2</a:t>
+            </a:r>
+            <a:endParaRPr/>
+          </a:p>
+        </p:txBody>
+      </p:sp>
+      <p:cxnSp>
+        <p:nvCxnSpPr>
+          <p:cNvPr id="1674946916" name=""/>
+          <p:cNvCxnSpPr>
+            <a:cxnSpLocks/>
+          </p:cNvCxnSpPr>
+          <p:nvPr/>
+        </p:nvCxnSpPr>
+        <p:spPr bwMode="auto">
+          <a:xfrm flipH="0" flipV="1">
+            <a:off x="15643" y="1019471"/>
+            <a:ext cx="9190135" cy="0"/>
+          </a:xfrm>
+          <a:prstGeom prst="line">
+            <a:avLst/>
+          </a:prstGeom>
+          <a:ln w="38099" cap="flat" cmpd="sng" algn="ctr">
+            <a:solidFill>
+              <a:srgbClr val="FFC000"/>
+            </a:solidFill>
+            <a:prstDash val="solid"/>
+            <a:miter/>
+          </a:ln>
+        </p:spPr>
+        <p:style>
+          <a:lnRef idx="1">
+            <a:schemeClr val="accent1">
+              <a:shade val="50000"/>
+            </a:schemeClr>
+          </a:lnRef>
+          <a:fillRef idx="0">
+            <a:schemeClr val="accent1"/>
+          </a:fillRef>
+          <a:effectRef idx="0">
+            <a:schemeClr val="accent1"/>
+          </a:effectRef>
+          <a:fontRef idx="minor">
+            <a:schemeClr val="tx1"/>
+          </a:fontRef>
+        </p:style>
+      </p:cxnSp>
+      <p:sp>
+        <p:nvSpPr>
+          <p:cNvPr id="1737196924" name=""/>
+          <p:cNvSpPr txBox="1"/>
+          <p:nvPr/>
+        </p:nvSpPr>
+        <p:spPr bwMode="auto">
+          <a:xfrm flipH="0" flipV="0">
+            <a:off x="238885" y="3705223"/>
+            <a:ext cx="8779448" cy="914760"/>
+          </a:xfrm>
+          <a:prstGeom prst="rect">
+            <a:avLst/>
+          </a:prstGeom>
+          <a:noFill/>
+        </p:spPr>
+        <p:txBody>
+          <a:bodyPr vertOverflow="overflow" horzOverflow="overflow" vert="horz" wrap="square" lIns="91440" tIns="45720" rIns="91440" bIns="45720" numCol="1" spcCol="0" rtlCol="0" fromWordArt="0" anchor="t" anchorCtr="0" forceAA="0" upright="0" compatLnSpc="0">
+            <a:spAutoFit/>
+          </a:bodyPr>
+          <a:p>
+            <a:pPr>
+              <a:defRPr/>
+            </a:pPr>
+            <a:r>
+              <a:rPr/>
+              <a:t>Edge-Cloud communication using MQTT Protocol, with an additional overhead for sending the packages of 0.032s between packages. The package message is 44 bytes, with 27 bytes corresponding to the Topic.</a:t>
+            </a:r>
+            <a:endParaRPr/>
+          </a:p>
+        </p:txBody>
+      </p:sp>
+      <p:sp>
+        <p:nvSpPr>
+          <p:cNvPr id="656646015" name="CasellaDiTesto 2"/>
+          <p:cNvSpPr txBox="1"/>
+          <p:nvPr/>
+        </p:nvSpPr>
+        <p:spPr bwMode="auto">
+          <a:xfrm>
+            <a:off x="347778" y="453152"/>
+            <a:ext cx="8495237" cy="457559"/>
+          </a:xfrm>
+          <a:prstGeom prst="rect">
+            <a:avLst/>
+          </a:prstGeom>
+          <a:noFill/>
+        </p:spPr>
+        <p:txBody>
+          <a:bodyPr wrap="square" rtlCol="0">
+            <a:spAutoFit/>
+          </a:bodyPr>
+          <a:lstStyle/>
+          <a:p>
+            <a:pPr>
+              <a:defRPr/>
+            </a:pPr>
+            <a:r>
+              <a:rPr lang="it-IT" sz="2400" b="1" i="0" u="none" strike="noStrike" cap="none" spc="0">
+                <a:solidFill>
+                  <a:schemeClr val="tx1"/>
+                </a:solidFill>
+                <a:latin typeface="Calibri"/>
+                <a:ea typeface="Source Han Sans CN Medium"/>
+                <a:cs typeface="Calibri"/>
+              </a:rPr>
+              <a:t>REST Server Structure</a:t>
+            </a:r>
+            <a:endParaRPr/>
+          </a:p>
+        </p:txBody>
+      </p:sp>
+    </p:spTree>
+  </p:cSld>
+  <p:clrMapOvr>
+    <a:masterClrMapping/>
+  </p:clrMapOvr>
+  <mc:AlternateContent xmlns:mc="http://schemas.openxmlformats.org/markup-compatibility/2006">
+    <mc:Choice xmlns:p14="http://schemas.microsoft.com/office/powerpoint/2010/main" Requires="p14">
+      <p:transition p14:dur="2000" advClick="1"/>
+    </mc:Choice>
+    <mc:Fallback>
+      <p:transition advClick="1"/>
+    </mc:Fallback>
+  </mc:AlternateContent>
+</p:sld>
+</file>
+
+<file path=ppt/slides/slide13.xml><?xml version="1.0" encoding="utf-8"?>
 <p:sld xmlns:a="http://schemas.openxmlformats.org/drawingml/2006/main" xmlns:r="http://schemas.openxmlformats.org/officeDocument/2006/relationships" xmlns:p="http://schemas.openxmlformats.org/presentationml/2006/main" xmlns:m="http://schemas.openxmlformats.org/officeDocument/2006/math" xmlns:w="http://schemas.openxmlformats.org/wordprocessingml/2006/main" showMasterPhAnim="0" show="1">
   <p:cSld name="">
     <p:bg>
@@ -6647,7 +7140,7 @@
         </p:nvCxnSpPr>
         <p:spPr bwMode="auto">
           <a:xfrm flipH="0" flipV="1">
-            <a:off x="15644" y="1019472"/>
+            <a:off x="15643" y="1019472"/>
             <a:ext cx="9190136" cy="0"/>
           </a:xfrm>
           <a:prstGeom prst="line">
@@ -6806,7 +7299,7 @@
         </p:nvCxnSpPr>
         <p:spPr bwMode="auto">
           <a:xfrm flipH="0" flipV="1">
-            <a:off x="15644" y="1019472"/>
+            <a:off x="15643" y="1019472"/>
             <a:ext cx="9190136" cy="0"/>
           </a:xfrm>
           <a:prstGeom prst="line">
@@ -7159,7 +7652,7 @@
         </p:nvCxnSpPr>
         <p:spPr bwMode="auto">
           <a:xfrm flipH="0" flipV="1">
-            <a:off x="15644" y="1019472"/>
+            <a:off x="15643" y="1019472"/>
             <a:ext cx="9190136" cy="0"/>
           </a:xfrm>
           <a:prstGeom prst="line">
@@ -7435,7 +7928,7 @@
         </p:nvCxnSpPr>
         <p:spPr bwMode="auto">
           <a:xfrm flipH="0" flipV="1">
-            <a:off x="15644" y="1019472"/>
+            <a:off x="15643" y="1019472"/>
             <a:ext cx="9190136" cy="0"/>
           </a:xfrm>
           <a:prstGeom prst="line">
@@ -7481,7 +7974,7 @@
         <p:spPr bwMode="auto">
           <a:xfrm flipH="0" flipV="0">
             <a:off x="72447" y="1517451"/>
-            <a:ext cx="3930830" cy="2431553"/>
+            <a:ext cx="3930829" cy="2431553"/>
           </a:xfrm>
           <a:prstGeom prst="rect">
             <a:avLst/>
@@ -7636,7 +8129,7 @@
         </p:nvCxnSpPr>
         <p:spPr bwMode="auto">
           <a:xfrm flipH="0" flipV="1">
-            <a:off x="15644" y="1019472"/>
+            <a:off x="15643" y="1019472"/>
             <a:ext cx="9190136" cy="0"/>
           </a:xfrm>
           <a:prstGeom prst="line">
@@ -7697,7 +8190,7 @@
         </p:nvSpPr>
         <p:spPr bwMode="auto">
           <a:xfrm flipH="0" flipV="0">
-            <a:off x="2687109" y="1451073"/>
+            <a:off x="2687108" y="1451073"/>
             <a:ext cx="3021930" cy="366119"/>
           </a:xfrm>
           <a:prstGeom prst="rect">
@@ -7729,7 +8222,7 @@
         </p:nvSpPr>
         <p:spPr bwMode="auto">
           <a:xfrm flipH="0" flipV="0">
-            <a:off x="2687109" y="2072282"/>
+            <a:off x="2687108" y="2072282"/>
             <a:ext cx="3034890" cy="366119"/>
           </a:xfrm>
           <a:prstGeom prst="rect">
@@ -7761,7 +8254,7 @@
         </p:nvSpPr>
         <p:spPr bwMode="auto">
           <a:xfrm flipH="0" flipV="0">
-            <a:off x="2687109" y="2730697"/>
+            <a:off x="2687108" y="2730697"/>
             <a:ext cx="5767809" cy="366119"/>
           </a:xfrm>
           <a:prstGeom prst="rect">
@@ -7793,7 +8286,7 @@
         </p:nvSpPr>
         <p:spPr bwMode="auto">
           <a:xfrm flipH="0" flipV="0">
-            <a:off x="2687109" y="3339104"/>
+            <a:off x="2687108" y="3339104"/>
             <a:ext cx="5551047" cy="366119"/>
           </a:xfrm>
           <a:prstGeom prst="rect">
@@ -7825,7 +8318,7 @@
         </p:nvSpPr>
         <p:spPr bwMode="auto">
           <a:xfrm flipH="0" flipV="0">
-            <a:off x="2687109" y="3988295"/>
+            <a:off x="2687108" y="3988295"/>
             <a:ext cx="3038490" cy="366119"/>
           </a:xfrm>
           <a:prstGeom prst="rect">
@@ -7975,7 +8468,7 @@
         </p:nvCxnSpPr>
         <p:spPr bwMode="auto">
           <a:xfrm flipH="0" flipV="1">
-            <a:off x="15644" y="1019472"/>
+            <a:off x="15643" y="1019472"/>
             <a:ext cx="9190136" cy="0"/>
           </a:xfrm>
           <a:prstGeom prst="line">
@@ -8186,7 +8679,7 @@
         </p:nvCxnSpPr>
         <p:spPr bwMode="auto">
           <a:xfrm flipH="0" flipV="1">
-            <a:off x="15644" y="1019472"/>
+            <a:off x="15643" y="1019472"/>
             <a:ext cx="9190136" cy="0"/>
           </a:xfrm>
           <a:prstGeom prst="line">
@@ -8327,14 +8820,54 @@
       </p:grpSpPr>
       <p:sp>
         <p:nvSpPr>
-          <p:cNvPr id="1562649539" name="CasellaDiTesto 9"/>
+          <p:cNvPr id="1691707891" name="CasellaDiTesto 2"/>
           <p:cNvSpPr txBox="1"/>
           <p:nvPr/>
         </p:nvSpPr>
         <p:spPr bwMode="auto">
           <a:xfrm>
-            <a:off x="8711952" y="4800697"/>
-            <a:ext cx="432046" cy="307776"/>
+            <a:off x="347778" y="453152"/>
+            <a:ext cx="8493078" cy="457559"/>
+          </a:xfrm>
+          <a:prstGeom prst="rect">
+            <a:avLst/>
+          </a:prstGeom>
+          <a:noFill/>
+        </p:spPr>
+        <p:txBody>
+          <a:bodyPr wrap="square" rtlCol="0">
+            <a:spAutoFit/>
+          </a:bodyPr>
+          <a:lstStyle/>
+          <a:p>
+            <a:pPr>
+              <a:defRPr/>
+            </a:pPr>
+            <a:r>
+              <a:rPr lang="it-IT" sz="2400" b="1" i="0" u="none" strike="noStrike" cap="none" spc="0">
+                <a:solidFill>
+                  <a:schemeClr val="tx1"/>
+                </a:solidFill>
+                <a:latin typeface="Calibri"/>
+                <a:ea typeface="Source Han Sans CN Medium"/>
+                <a:cs typeface="Calibri"/>
+              </a:rPr>
+              <a:t>Model Optimizations and Conversion to TFLite</a:t>
+            </a:r>
+            <a:endParaRPr/>
+          </a:p>
+        </p:txBody>
+      </p:sp>
+      <p:sp>
+        <p:nvSpPr>
+          <p:cNvPr id="897577095" name="CasellaDiTesto 9"/>
+          <p:cNvSpPr txBox="1"/>
+          <p:nvPr/>
+        </p:nvSpPr>
+        <p:spPr bwMode="auto">
+          <a:xfrm>
+            <a:off x="8711951" y="4800696"/>
+            <a:ext cx="432045" cy="307775"/>
           </a:xfrm>
           <a:prstGeom prst="rect">
             <a:avLst/>
@@ -8363,7 +8896,7 @@
       </p:sp>
       <p:cxnSp>
         <p:nvCxnSpPr>
-          <p:cNvPr id="1226417988" name=""/>
+          <p:cNvPr id="1586423967" name=""/>
           <p:cNvCxnSpPr>
             <a:cxnSpLocks/>
           </p:cNvCxnSpPr>
@@ -8371,8 +8904,8 @@
         </p:nvCxnSpPr>
         <p:spPr bwMode="auto">
           <a:xfrm flipH="0" flipV="1">
-            <a:off x="15644" y="1019472"/>
-            <a:ext cx="9190136" cy="0"/>
+            <a:off x="15643" y="1019471"/>
+            <a:ext cx="9190135" cy="0"/>
           </a:xfrm>
           <a:prstGeom prst="line">
             <a:avLst/>
@@ -8402,100 +8935,6 @@
           </a:fontRef>
         </p:style>
       </p:cxnSp>
-      <p:sp>
-        <p:nvSpPr>
-          <p:cNvPr id="1532416214" name=""/>
-          <p:cNvSpPr txBox="1"/>
-          <p:nvPr/>
-        </p:nvSpPr>
-        <p:spPr bwMode="auto">
-          <a:xfrm flipH="0" flipV="0">
-            <a:off x="238886" y="3705224"/>
-            <a:ext cx="8779449" cy="914760"/>
-          </a:xfrm>
-          <a:prstGeom prst="rect">
-            <a:avLst/>
-          </a:prstGeom>
-          <a:noFill/>
-        </p:spPr>
-        <p:txBody>
-          <a:bodyPr vertOverflow="overflow" horzOverflow="overflow" vert="horz" wrap="square" lIns="91440" tIns="45720" rIns="91440" bIns="45720" numCol="1" spcCol="0" rtlCol="0" fromWordArt="0" anchor="t" anchorCtr="0" forceAA="0" upright="0" compatLnSpc="0">
-            <a:spAutoFit/>
-          </a:bodyPr>
-          <a:p>
-            <a:pPr>
-              <a:defRPr/>
-            </a:pPr>
-            <a:r>
-              <a:rPr/>
-              <a:t>Edge-Cloud communication using MQTT Protocol, with an additional overhead for sending the packages of 0.032s between packages. The package message is 44 bytes, with 27 bytes corresponding to the Topic.</a:t>
-            </a:r>
-            <a:endParaRPr/>
-          </a:p>
-        </p:txBody>
-      </p:sp>
-      <p:pic>
-        <p:nvPicPr>
-          <p:cNvPr id="1850655442" name=""/>
-          <p:cNvPicPr>
-            <a:picLocks noChangeAspect="1"/>
-          </p:cNvPicPr>
-          <p:nvPr/>
-        </p:nvPicPr>
-        <p:blipFill>
-          <a:blip r:embed="rId2"/>
-          <a:stretch/>
-        </p:blipFill>
-        <p:spPr bwMode="auto">
-          <a:xfrm flipH="0" flipV="0">
-            <a:off x="61781" y="1120675"/>
-            <a:ext cx="8866195" cy="2419559"/>
-          </a:xfrm>
-          <a:prstGeom prst="rect">
-            <a:avLst/>
-          </a:prstGeom>
-        </p:spPr>
-      </p:pic>
-      <p:sp>
-        <p:nvSpPr>
-          <p:cNvPr id="1456481976" name="CasellaDiTesto 2"/>
-          <p:cNvSpPr txBox="1"/>
-          <p:nvPr/>
-        </p:nvSpPr>
-        <p:spPr bwMode="auto">
-          <a:xfrm>
-            <a:off x="347779" y="453153"/>
-            <a:ext cx="8485518" cy="457559"/>
-          </a:xfrm>
-          <a:prstGeom prst="rect">
-            <a:avLst/>
-          </a:prstGeom>
-          <a:noFill/>
-        </p:spPr>
-        <p:txBody>
-          <a:bodyPr wrap="square" rtlCol="0">
-            <a:spAutoFit/>
-          </a:bodyPr>
-          <a:lstStyle/>
-          <a:p>
-            <a:pPr>
-              <a:defRPr/>
-            </a:pPr>
-            <a:r>
-              <a:rPr lang="it-IT" sz="2400" b="1" i="0" u="none" strike="noStrike" cap="none" spc="0">
-                <a:solidFill>
-                  <a:schemeClr val="tx1"/>
-                </a:solidFill>
-                <a:latin typeface="Calibri"/>
-                <a:ea typeface="Source Han Sans CN Medium"/>
-                <a:cs typeface="Calibri"/>
-              </a:rPr>
-              <a:t>MQTT Protocol</a:t>
-            </a:r>
-            <a:endParaRPr/>
-          </a:p>
-        </p:txBody>
-      </p:sp>
     </p:spTree>
   </p:cSld>
   <p:clrMapOvr>

--- a/Project_Submission/Presentation.pptx
+++ b/Project_Submission/Presentation.pptx
@@ -5660,8 +5660,8 @@
         </p:nvSpPr>
         <p:spPr bwMode="auto">
           <a:xfrm flipH="0" flipV="0">
-            <a:off x="238886" y="3705224"/>
-            <a:ext cx="8779449" cy="914760"/>
+            <a:off x="238885" y="3705223"/>
+            <a:ext cx="8791328" cy="914760"/>
           </a:xfrm>
           <a:prstGeom prst="rect">
             <a:avLst/>
@@ -5678,7 +5678,7 @@
             </a:pPr>
             <a:r>
               <a:rPr/>
-              <a:t>Edge-Cloud communication using MQTT Protocol, with an additional overhead for sending the packages of 0.032s between packages. The package message is 44 bytes, with 27 bytes corresponding to the Topic.</a:t>
+              <a:t>Edge-Cloud communication using MQTT Protocol, with an additional overhead for sending the packages of 0.032s between packages. The package message is 44 bytes, with 27 bytes corresponding to the Topic and could be further optimized.</a:t>
             </a:r>
             <a:endParaRPr/>
           </a:p>
@@ -5871,8 +5871,8 @@
         </p:nvSpPr>
         <p:spPr bwMode="auto">
           <a:xfrm flipH="0" flipV="0">
-            <a:off x="238885" y="3705223"/>
-            <a:ext cx="8779448" cy="914760"/>
+            <a:off x="220806" y="3962696"/>
+            <a:ext cx="8868007" cy="914760"/>
           </a:xfrm>
           <a:prstGeom prst="rect">
             <a:avLst/>
@@ -5889,7 +5889,7 @@
             </a:pPr>
             <a:r>
               <a:rPr/>
-              <a:t>Edge-Cloud communication using MQTT Protocol, with an additional overhead for sending the packages of 0.032s between packages. The package message is 44 bytes, with 27 bytes corresponding to the Topic.</a:t>
+              <a:t>Package for adding an element to the timeseries on a redis server, most of the communication cannot be optimized and it runs on a TCP protocol, thus requiring the redis server to send an aknowledge and adding additional timing.</a:t>
             </a:r>
             <a:endParaRPr/>
           </a:p>
@@ -5935,6 +5935,28 @@
           </a:p>
         </p:txBody>
       </p:sp>
+      <p:pic>
+        <p:nvPicPr>
+          <p:cNvPr id="970455713" name=""/>
+          <p:cNvPicPr>
+            <a:picLocks noChangeAspect="1"/>
+          </p:cNvPicPr>
+          <p:nvPr/>
+        </p:nvPicPr>
+        <p:blipFill>
+          <a:blip r:embed="rId2"/>
+          <a:stretch/>
+        </p:blipFill>
+        <p:spPr bwMode="auto">
+          <a:xfrm flipH="0" flipV="0">
+            <a:off x="119824" y="1065184"/>
+            <a:ext cx="8901665" cy="2695748"/>
+          </a:xfrm>
+          <a:prstGeom prst="rect">
+            <a:avLst/>
+          </a:prstGeom>
+        </p:spPr>
+      </p:pic>
     </p:spTree>
   </p:cSld>
   <p:clrMapOvr>
@@ -6054,38 +6076,6 @@
       </p:cxnSp>
       <p:sp>
         <p:nvSpPr>
-          <p:cNvPr id="1737196924" name=""/>
-          <p:cNvSpPr txBox="1"/>
-          <p:nvPr/>
-        </p:nvSpPr>
-        <p:spPr bwMode="auto">
-          <a:xfrm flipH="0" flipV="0">
-            <a:off x="238885" y="3705223"/>
-            <a:ext cx="8779448" cy="914760"/>
-          </a:xfrm>
-          <a:prstGeom prst="rect">
-            <a:avLst/>
-          </a:prstGeom>
-          <a:noFill/>
-        </p:spPr>
-        <p:txBody>
-          <a:bodyPr vertOverflow="overflow" horzOverflow="overflow" vert="horz" wrap="square" lIns="91440" tIns="45720" rIns="91440" bIns="45720" numCol="1" spcCol="0" rtlCol="0" fromWordArt="0" anchor="t" anchorCtr="0" forceAA="0" upright="0" compatLnSpc="0">
-            <a:spAutoFit/>
-          </a:bodyPr>
-          <a:p>
-            <a:pPr>
-              <a:defRPr/>
-            </a:pPr>
-            <a:r>
-              <a:rPr/>
-              <a:t>Edge-Cloud communication using MQTT Protocol, with an additional overhead for sending the packages of 0.032s between packages. The package message is 44 bytes, with 27 bytes corresponding to the Topic.</a:t>
-            </a:r>
-            <a:endParaRPr/>
-          </a:p>
-        </p:txBody>
-      </p:sp>
-      <p:sp>
-        <p:nvSpPr>
           <p:cNvPr id="656646015" name="CasellaDiTesto 2"/>
           <p:cNvSpPr txBox="1"/>
           <p:nvPr/>
@@ -6124,6 +6114,290 @@
           </a:p>
         </p:txBody>
       </p:sp>
+      <p:sp>
+        <p:nvSpPr>
+          <p:cNvPr id="1251678922" name=""/>
+          <p:cNvSpPr/>
+          <p:nvPr/>
+        </p:nvSpPr>
+        <p:spPr bwMode="auto">
+          <a:xfrm flipH="0" flipV="0">
+            <a:off x="3668941" y="1395114"/>
+            <a:ext cx="1629667" cy="1071562"/>
+          </a:xfrm>
+          <a:prstGeom prst="ellipse">
+            <a:avLst/>
+          </a:prstGeom>
+          <a:solidFill>
+            <a:schemeClr val="accent6">
+              <a:lumMod val="60000"/>
+              <a:lumOff val="40000"/>
+            </a:schemeClr>
+          </a:solidFill>
+          <a:ln w="25400" cap="flat" cmpd="sng" algn="ctr">
+            <a:solidFill>
+              <a:schemeClr val="tx1"/>
+            </a:solidFill>
+            <a:prstDash val="solid"/>
+            <a:miter/>
+          </a:ln>
+        </p:spPr>
+        <p:style>
+          <a:lnRef idx="2">
+            <a:schemeClr val="accent1">
+              <a:shade val="50000"/>
+            </a:schemeClr>
+          </a:lnRef>
+          <a:fillRef idx="1">
+            <a:schemeClr val="accent1"/>
+          </a:fillRef>
+          <a:effectRef idx="0">
+            <a:schemeClr val="accent1"/>
+          </a:effectRef>
+          <a:fontRef idx="minor">
+            <a:schemeClr val="lt1"/>
+          </a:fontRef>
+        </p:style>
+        <p:txBody>
+          <a:bodyPr/>
+          <a:p>
+            <a:pPr algn="ctr">
+              <a:defRPr/>
+            </a:pPr>
+            <a:r>
+              <a:rPr sz="2600" b="1">
+                <a:solidFill>
+                  <a:schemeClr val="tx1"/>
+                </a:solidFill>
+              </a:rPr>
+              <a:t>Root</a:t>
+            </a:r>
+            <a:endParaRPr b="1">
+              <a:solidFill>
+                <a:schemeClr val="tx1"/>
+              </a:solidFill>
+            </a:endParaRPr>
+          </a:p>
+        </p:txBody>
+      </p:sp>
+      <p:sp>
+        <p:nvSpPr>
+          <p:cNvPr id="381614394" name=""/>
+          <p:cNvSpPr/>
+          <p:nvPr/>
+        </p:nvSpPr>
+        <p:spPr bwMode="auto">
+          <a:xfrm flipH="0" flipV="0">
+            <a:off x="2039274" y="2856904"/>
+            <a:ext cx="1629666" cy="1071561"/>
+          </a:xfrm>
+          <a:prstGeom prst="ellipse">
+            <a:avLst/>
+          </a:prstGeom>
+          <a:solidFill>
+            <a:schemeClr val="accent6">
+              <a:lumMod val="60000"/>
+              <a:lumOff val="40000"/>
+            </a:schemeClr>
+          </a:solidFill>
+          <a:ln w="25400" cap="flat" cmpd="sng" algn="ctr">
+            <a:solidFill>
+              <a:schemeClr val="tx1"/>
+            </a:solidFill>
+            <a:prstDash val="solid"/>
+            <a:miter/>
+          </a:ln>
+        </p:spPr>
+        <p:style>
+          <a:lnRef idx="2">
+            <a:schemeClr val="accent1">
+              <a:shade val="50000"/>
+            </a:schemeClr>
+          </a:lnRef>
+          <a:fillRef idx="1">
+            <a:schemeClr val="accent1"/>
+          </a:fillRef>
+          <a:effectRef idx="0">
+            <a:schemeClr val="accent1"/>
+          </a:effectRef>
+          <a:fontRef idx="minor">
+            <a:schemeClr val="lt1"/>
+          </a:fontRef>
+        </p:style>
+        <p:txBody>
+          <a:bodyPr/>
+          <a:p>
+            <a:pPr>
+              <a:defRPr/>
+            </a:pPr>
+            <a:r>
+              <a:rPr lang="it-IT" sz="2000" b="1" i="0" u="none" strike="noStrike" cap="none" spc="0">
+                <a:solidFill>
+                  <a:schemeClr val="tx1"/>
+                </a:solidFill>
+                <a:latin typeface="+mn-lt"/>
+                <a:ea typeface="+mn-ea"/>
+                <a:cs typeface="+mn-cs"/>
+              </a:rPr>
+              <a:t>Devices</a:t>
+            </a:r>
+            <a:endParaRPr/>
+          </a:p>
+        </p:txBody>
+      </p:sp>
+      <p:sp>
+        <p:nvSpPr>
+          <p:cNvPr id="2049705959" name=""/>
+          <p:cNvSpPr/>
+          <p:nvPr/>
+        </p:nvSpPr>
+        <p:spPr bwMode="auto">
+          <a:xfrm flipH="0" flipV="0">
+            <a:off x="5261402" y="2856904"/>
+            <a:ext cx="1629666" cy="1071561"/>
+          </a:xfrm>
+          <a:prstGeom prst="ellipse">
+            <a:avLst/>
+          </a:prstGeom>
+          <a:solidFill>
+            <a:schemeClr val="accent6">
+              <a:lumMod val="60000"/>
+              <a:lumOff val="40000"/>
+            </a:schemeClr>
+          </a:solidFill>
+          <a:ln w="25400" cap="flat" cmpd="sng" algn="ctr">
+            <a:solidFill>
+              <a:schemeClr val="tx1"/>
+            </a:solidFill>
+            <a:prstDash val="solid"/>
+            <a:miter/>
+          </a:ln>
+        </p:spPr>
+        <p:style>
+          <a:lnRef idx="2">
+            <a:schemeClr val="accent1">
+              <a:shade val="50000"/>
+            </a:schemeClr>
+          </a:lnRef>
+          <a:fillRef idx="1">
+            <a:schemeClr val="accent1"/>
+          </a:fillRef>
+          <a:effectRef idx="0">
+            <a:schemeClr val="accent1"/>
+          </a:effectRef>
+          <a:fontRef idx="minor">
+            <a:schemeClr val="lt1"/>
+          </a:fontRef>
+        </p:style>
+        <p:txBody>
+          <a:bodyPr/>
+          <a:p>
+            <a:pPr>
+              <a:defRPr/>
+            </a:pPr>
+            <a:r>
+              <a:rPr lang="it-IT" sz="1800" b="1" i="0" u="none" strike="noStrike" cap="none" spc="0">
+                <a:solidFill>
+                  <a:schemeClr val="tx1"/>
+                </a:solidFill>
+                <a:latin typeface="Arial"/>
+                <a:ea typeface="DejaVu Sans"/>
+                <a:cs typeface="DejaVu Sans"/>
+              </a:rPr>
+              <a:t>Device</a:t>
+            </a:r>
+            <a:endParaRPr/>
+          </a:p>
+        </p:txBody>
+      </p:sp>
+      <p:cxnSp>
+        <p:nvCxnSpPr>
+          <p:cNvPr id="0" name=""/>
+          <p:cNvCxnSpPr>
+            <a:cxnSpLocks/>
+            <a:stCxn id="1251678922" idx="3"/>
+            <a:endCxn id="381614394" idx="7"/>
+          </p:cNvCxnSpPr>
+          <p:nvPr/>
+        </p:nvCxnSpPr>
+        <p:spPr bwMode="auto">
+          <a:xfrm rot="5399978" flipH="0" flipV="0">
+            <a:off x="3316901" y="2423131"/>
+            <a:ext cx="704081" cy="477317"/>
+          </a:xfrm>
+          <a:prstGeom prst="line">
+            <a:avLst/>
+          </a:prstGeom>
+          <a:ln w="57150" cap="flat" cmpd="sng" algn="ctr">
+            <a:solidFill>
+              <a:schemeClr val="tx1"/>
+            </a:solidFill>
+            <a:prstDash val="solid"/>
+            <a:miter/>
+            <a:tailEnd type="arrow" len="med"/>
+          </a:ln>
+        </p:spPr>
+        <p:style>
+          <a:lnRef idx="1">
+            <a:schemeClr val="accent1">
+              <a:shade val="50000"/>
+            </a:schemeClr>
+          </a:lnRef>
+          <a:fillRef idx="0">
+            <a:schemeClr val="accent1"/>
+          </a:fillRef>
+          <a:effectRef idx="0">
+            <a:schemeClr val="accent1"/>
+          </a:effectRef>
+          <a:fontRef idx="minor">
+            <a:schemeClr val="tx1"/>
+          </a:fontRef>
+        </p:style>
+      </p:cxnSp>
+      <p:cxnSp>
+        <p:nvCxnSpPr>
+          <p:cNvPr id="0" name=""/>
+          <p:cNvCxnSpPr>
+            <a:cxnSpLocks/>
+            <a:stCxn id="1251678922" idx="5"/>
+            <a:endCxn id="2049705959" idx="1"/>
+          </p:cNvCxnSpPr>
+          <p:nvPr/>
+        </p:nvCxnSpPr>
+        <p:spPr bwMode="auto">
+          <a:xfrm rot="5399978" flipH="0" flipV="1">
+            <a:off x="4927965" y="2441735"/>
+            <a:ext cx="704081" cy="440111"/>
+          </a:xfrm>
+          <a:prstGeom prst="line">
+            <a:avLst/>
+          </a:prstGeom>
+          <a:ln w="57150" cap="flat" cmpd="sng" algn="ctr">
+            <a:solidFill>
+              <a:schemeClr val="tx1"/>
+            </a:solidFill>
+            <a:prstDash val="solid"/>
+            <a:miter/>
+            <a:tailEnd type="arrow" len="med"/>
+          </a:ln>
+        </p:spPr>
+        <p:style>
+          <a:lnRef idx="1">
+            <a:schemeClr val="accent1">
+              <a:shade val="50000"/>
+            </a:schemeClr>
+          </a:lnRef>
+          <a:fillRef idx="0">
+            <a:schemeClr val="accent1"/>
+          </a:fillRef>
+          <a:effectRef idx="0">
+            <a:schemeClr val="accent1"/>
+          </a:effectRef>
+          <a:fontRef idx="minor">
+            <a:schemeClr val="tx1"/>
+          </a:fontRef>
+        </p:style>
+      </p:cxnSp>
     </p:spTree>
   </p:cSld>
   <p:clrMapOvr>

--- a/Project_Submission/Presentation.pptx
+++ b/Project_Submission/Presentation.pptx
@@ -6321,7 +6321,7 @@
           <p:nvPr/>
         </p:nvCxnSpPr>
         <p:spPr bwMode="auto">
-          <a:xfrm rot="5399978" flipH="0" flipV="0">
+          <a:xfrm rot="5399977" flipH="0" flipV="0">
             <a:off x="3316901" y="2423131"/>
             <a:ext cx="704081" cy="477317"/>
           </a:xfrm>
@@ -6365,7 +6365,7 @@
           <p:nvPr/>
         </p:nvCxnSpPr>
         <p:spPr bwMode="auto">
-          <a:xfrm rot="5399978" flipH="0" flipV="1">
+          <a:xfrm rot="5399977" flipH="0" flipV="1">
             <a:off x="4927965" y="2441735"/>
             <a:ext cx="704081" cy="440111"/>
           </a:xfrm>
@@ -7445,6 +7445,48 @@
           </a:fontRef>
         </p:style>
       </p:cxnSp>
+      <p:sp>
+        <p:nvSpPr>
+          <p:cNvPr id="1077261246" name=""/>
+          <p:cNvSpPr/>
+          <p:nvPr/>
+        </p:nvSpPr>
+        <p:spPr bwMode="auto">
+          <a:xfrm flipH="0" flipV="0">
+            <a:off x="7598437" y="1778495"/>
+            <a:ext cx="1384101" cy="133945"/>
+          </a:xfrm>
+          <a:prstGeom prst="rect">
+            <a:avLst/>
+          </a:prstGeom>
+          <a:solidFill>
+            <a:schemeClr val="bg1"/>
+          </a:solidFill>
+          <a:ln w="25400" cap="flat" cmpd="sng" algn="ctr">
+            <a:solidFill>
+              <a:schemeClr val="bg1"/>
+            </a:solidFill>
+            <a:prstDash val="solid"/>
+            <a:miter/>
+          </a:ln>
+        </p:spPr>
+        <p:style>
+          <a:lnRef idx="2">
+            <a:schemeClr val="accent1">
+              <a:shade val="50000"/>
+            </a:schemeClr>
+          </a:lnRef>
+          <a:fillRef idx="1">
+            <a:schemeClr val="accent1"/>
+          </a:fillRef>
+          <a:effectRef idx="0">
+            <a:schemeClr val="accent1"/>
+          </a:effectRef>
+          <a:fontRef idx="minor">
+            <a:schemeClr val="lt1"/>
+          </a:fontRef>
+        </p:style>
+      </p:sp>
     </p:spTree>
   </p:cSld>
   <p:clrMapOvr>

--- a/Project_Submission/Presentation.pptx
+++ b/Project_Submission/Presentation.pptx
@@ -6321,7 +6321,7 @@
           <p:nvPr/>
         </p:nvCxnSpPr>
         <p:spPr bwMode="auto">
-          <a:xfrm rot="5399977" flipH="0" flipV="0">
+          <a:xfrm rot="5399976" flipH="0" flipV="0">
             <a:off x="3316901" y="2423131"/>
             <a:ext cx="704081" cy="477317"/>
           </a:xfrm>
@@ -6365,7 +6365,7 @@
           <p:nvPr/>
         </p:nvCxnSpPr>
         <p:spPr bwMode="auto">
-          <a:xfrm rot="5399977" flipH="0" flipV="1">
+          <a:xfrm rot="5399976" flipH="0" flipV="1">
             <a:off x="4927965" y="2441735"/>
             <a:ext cx="704081" cy="440111"/>
           </a:xfrm>
@@ -8845,8 +8845,8 @@
         </p:nvSpPr>
         <p:spPr bwMode="auto">
           <a:xfrm flipH="0" flipV="0">
-            <a:off x="3818202" y="1480839"/>
-            <a:ext cx="4448872" cy="640440"/>
+            <a:off x="3818201" y="1480838"/>
+            <a:ext cx="4451391" cy="1189079"/>
           </a:xfrm>
           <a:prstGeom prst="rect">
             <a:avLst/>
@@ -8863,9 +8863,243 @@
             </a:pPr>
             <a:r>
               <a:rPr/>
-              <a:t>The model expands the one that we build in class with the papers of [¹] and [2]</a:t>
+              <a:t>The model expands the one that we build in class with the papers of </a:t>
+            </a:r>
+            <a:r>
+              <a:rPr lang="it-IT" sz="1800" b="0" i="0" u="none" strike="noStrike" cap="none" spc="0">
+                <a:solidFill>
+                  <a:schemeClr val="tx1"/>
+                </a:solidFill>
+                <a:latin typeface="Arial"/>
+                <a:cs typeface="Arial"/>
+              </a:rPr>
+              <a:t>Palanisamy et al. </a:t>
+            </a:r>
+            <a:r>
+              <a:rPr/>
+              <a:t>[1] and </a:t>
+            </a:r>
+            <a:r>
+              <a:rPr lang="it-IT" sz="1800" b="0" i="0" u="none" strike="noStrike" cap="none" spc="0">
+                <a:solidFill>
+                  <a:schemeClr val="tx1"/>
+                </a:solidFill>
+                <a:latin typeface="Arial"/>
+                <a:cs typeface="Arial"/>
+              </a:rPr>
+              <a:t>Peter Mølgaard</a:t>
+            </a:r>
+            <a:endParaRPr lang="it-IT" sz="1800" b="0" i="0" u="none" strike="noStrike" cap="none" spc="0">
+              <a:solidFill>
+                <a:schemeClr val="tx1"/>
+              </a:solidFill>
+              <a:latin typeface="Arial"/>
+              <a:cs typeface="Arial"/>
+            </a:endParaRPr>
+          </a:p>
+          <a:p>
+            <a:pPr>
+              <a:defRPr/>
+            </a:pPr>
+            <a:r>
+              <a:rPr lang="it-IT" sz="1800" b="0" i="0" u="none" strike="noStrike" cap="none" spc="0">
+                <a:solidFill>
+                  <a:schemeClr val="tx1"/>
+                </a:solidFill>
+                <a:latin typeface="Arial"/>
+                <a:cs typeface="Arial"/>
+              </a:rPr>
+              <a:t>Sørensen et al. [2]</a:t>
             </a:r>
             <a:endParaRPr/>
+          </a:p>
+        </p:txBody>
+      </p:sp>
+      <p:sp>
+        <p:nvSpPr>
+          <p:cNvPr id="1941262258" name=""/>
+          <p:cNvSpPr/>
+          <p:nvPr/>
+        </p:nvSpPr>
+        <p:spPr bwMode="auto">
+          <a:xfrm flipH="0" flipV="0">
+            <a:off x="464755" y="1200247"/>
+            <a:ext cx="2871738" cy="3908224"/>
+          </a:xfrm>
+          <a:prstGeom prst="rect">
+            <a:avLst/>
+          </a:prstGeom>
+          <a:noFill/>
+          <a:ln w="12699" cap="flat" cmpd="sng" algn="ctr">
+            <a:solidFill>
+              <a:schemeClr val="tx1"/>
+            </a:solidFill>
+            <a:prstDash val="solid"/>
+            <a:miter/>
+          </a:ln>
+        </p:spPr>
+        <p:style>
+          <a:lnRef idx="2">
+            <a:schemeClr val="accent1">
+              <a:shade val="50000"/>
+            </a:schemeClr>
+          </a:lnRef>
+          <a:fillRef idx="1">
+            <a:schemeClr val="accent1"/>
+          </a:fillRef>
+          <a:effectRef idx="0">
+            <a:schemeClr val="accent1"/>
+          </a:effectRef>
+          <a:fontRef idx="minor">
+            <a:schemeClr val="lt1"/>
+          </a:fontRef>
+        </p:style>
+      </p:sp>
+      <p:sp>
+        <p:nvSpPr>
+          <p:cNvPr id="1181741086" name=""/>
+          <p:cNvSpPr txBox="1"/>
+          <p:nvPr/>
+        </p:nvSpPr>
+        <p:spPr bwMode="auto">
+          <a:xfrm flipH="0" flipV="0">
+            <a:off x="3437749" y="4541436"/>
+            <a:ext cx="5490225" cy="518519"/>
+          </a:xfrm>
+          <a:prstGeom prst="rect">
+            <a:avLst/>
+          </a:prstGeom>
+          <a:noFill/>
+        </p:spPr>
+        <p:txBody>
+          <a:bodyPr vertOverflow="overflow" horzOverflow="overflow" vert="horz" wrap="square" lIns="91440" tIns="45720" rIns="91440" bIns="45720" numCol="1" spcCol="0" rtlCol="0" fromWordArt="0" anchor="t" anchorCtr="0" forceAA="0" upright="0" compatLnSpc="0">
+            <a:spAutoFit/>
+          </a:bodyPr>
+          <a:p>
+            <a:pPr>
+              <a:defRPr/>
+            </a:pPr>
+            <a:r>
+              <a:rPr lang="it-IT" sz="700" b="0" i="0" u="none" strike="noStrike" cap="none" spc="0">
+                <a:solidFill>
+                  <a:schemeClr val="tx1"/>
+                </a:solidFill>
+                <a:latin typeface="+mn-lt"/>
+                <a:ea typeface="+mn-ea"/>
+                <a:cs typeface="+mn-cs"/>
+              </a:rPr>
+              <a:t>[1]</a:t>
+            </a:r>
+            <a:r>
+              <a:rPr lang="it-IT" sz="700" b="0" i="0" u="none" strike="noStrike" cap="none" spc="0">
+                <a:solidFill>
+                  <a:schemeClr val="tx1"/>
+                </a:solidFill>
+                <a:latin typeface="Arial"/>
+                <a:cs typeface="Arial"/>
+              </a:rPr>
+              <a:t> Kamalesh Palanisamy, Dipika Singhania, Angela Yao, ”Rethinking CNN </a:t>
+            </a:r>
+            <a:r>
+              <a:rPr lang="it-IT" sz="700" b="0" i="0" u="none" strike="noStrike" cap="none" spc="0">
+                <a:solidFill>
+                  <a:schemeClr val="tx1"/>
+                </a:solidFill>
+                <a:latin typeface="Arial"/>
+                <a:cs typeface="Arial"/>
+              </a:rPr>
+              <a:t>Models for Audio Classification” in arXiv 2020 (https://arxiv.org/pdf/ </a:t>
+            </a:r>
+            <a:r>
+              <a:rPr lang="it-IT" sz="700" b="0" i="0" u="none" strike="noStrike" cap="none" spc="0">
+                <a:solidFill>
+                  <a:schemeClr val="tx1"/>
+                </a:solidFill>
+                <a:latin typeface="Arial"/>
+                <a:cs typeface="Arial"/>
+              </a:rPr>
+              <a:t>2007.11154.pdf)</a:t>
+            </a:r>
+            <a:endParaRPr lang="it-IT" sz="700" b="0" i="0" u="none" strike="noStrike" cap="none" spc="0">
+              <a:solidFill>
+                <a:schemeClr val="tx1"/>
+              </a:solidFill>
+              <a:latin typeface="Arial"/>
+              <a:cs typeface="Arial"/>
+            </a:endParaRPr>
+          </a:p>
+          <a:p>
+            <a:pPr>
+              <a:defRPr/>
+            </a:pPr>
+            <a:r>
+              <a:rPr lang="it-IT" sz="700" b="0" i="0" u="none" strike="noStrike" cap="none" spc="0">
+                <a:solidFill>
+                  <a:schemeClr val="tx1"/>
+                </a:solidFill>
+                <a:latin typeface="Arial"/>
+                <a:ea typeface="Arial"/>
+                <a:cs typeface="Arial"/>
+              </a:rPr>
+              <a:t>[2]</a:t>
+            </a:r>
+            <a:r>
+              <a:rPr lang="it-IT" sz="700" b="0" i="0" u="none" strike="noStrike" cap="none" spc="0">
+                <a:solidFill>
+                  <a:schemeClr val="tx1"/>
+                </a:solidFill>
+                <a:latin typeface="Arial"/>
+                <a:cs typeface="Arial"/>
+              </a:rPr>
+              <a:t> Sørensen, P.M., Epp, B. &amp; May, T. ”A depthwise separable convolutional </a:t>
+            </a:r>
+            <a:r>
+              <a:rPr lang="it-IT" sz="700" b="0" i="0" u="none" strike="noStrike" cap="none" spc="0">
+                <a:solidFill>
+                  <a:schemeClr val="tx1"/>
+                </a:solidFill>
+                <a:latin typeface="Arial"/>
+                <a:cs typeface="Arial"/>
+              </a:rPr>
+              <a:t>neural network for keyword spotting on an embedded system.” J AUDIO </a:t>
+            </a:r>
+            <a:r>
+              <a:rPr lang="it-IT" sz="700" b="0" i="0" u="none" strike="noStrike" cap="none" spc="0">
+                <a:solidFill>
+                  <a:schemeClr val="tx1"/>
+                </a:solidFill>
+                <a:latin typeface="Arial"/>
+                <a:cs typeface="Arial"/>
+              </a:rPr>
+              <a:t>SPEECH MUSIC PROC. 2020, 10 (2020). (https://doi.org/10.1186/ </a:t>
+            </a:r>
+            <a:r>
+              <a:rPr lang="it-IT" sz="700" b="0" i="0" u="none" strike="noStrike" cap="none" spc="0">
+                <a:solidFill>
+                  <a:schemeClr val="tx1"/>
+                </a:solidFill>
+                <a:latin typeface="Arial"/>
+                <a:cs typeface="Arial"/>
+              </a:rPr>
+              <a:t>s13636-020-00176-2</a:t>
+            </a:r>
+            <a:r>
+              <a:rPr lang="it-IT" sz="700" b="0" i="0" u="none" strike="noStrike" cap="none" spc="0">
+                <a:solidFill>
+                  <a:schemeClr val="tx1"/>
+                </a:solidFill>
+                <a:latin typeface="Arial"/>
+                <a:cs typeface="Arial"/>
+              </a:rPr>
+              <a:t>)</a:t>
+            </a:r>
+            <a:endParaRPr lang="it-IT" sz="700" b="0" i="0" u="none" strike="noStrike" cap="none" spc="0">
+              <a:solidFill>
+                <a:schemeClr val="tx1"/>
+              </a:solidFill>
+              <a:latin typeface="Arial"/>
+              <a:cs typeface="Arial"/>
+            </a:endParaRPr>
           </a:p>
         </p:txBody>
       </p:sp>

--- a/Project_Submission/Presentation.pptx
+++ b/Project_Submission/Presentation.pptx
@@ -4837,6 +4837,10 @@
             <a:pPr algn="ctr">
               <a:defRPr/>
             </a:pPr>
+            <a:r>
+              <a:rPr lang="en-US"/>
+              <a:t>        </a:t>
+            </a:r>
             <a:endParaRPr lang="en-US"/>
           </a:p>
         </p:txBody>
@@ -8845,7 +8849,7 @@
         </p:nvSpPr>
         <p:spPr bwMode="auto">
           <a:xfrm flipH="0" flipV="0">
-            <a:off x="3818201" y="1480838"/>
+            <a:off x="3818201" y="1480837"/>
             <a:ext cx="4451391" cy="1189079"/>
           </a:xfrm>
           <a:prstGeom prst="rect">
@@ -9485,6 +9489,114 @@
           </a:fontRef>
         </p:style>
       </p:cxnSp>
+      <p:pic>
+        <p:nvPicPr>
+          <p:cNvPr id="262918332" name=""/>
+          <p:cNvPicPr>
+            <a:picLocks noChangeAspect="1"/>
+          </p:cNvPicPr>
+          <p:nvPr/>
+        </p:nvPicPr>
+        <p:blipFill>
+          <a:blip r:embed="rId2"/>
+          <a:stretch/>
+        </p:blipFill>
+        <p:spPr bwMode="auto">
+          <a:xfrm flipH="0" flipV="0">
+            <a:off x="5163903" y="2081807"/>
+            <a:ext cx="3756850" cy="1223525"/>
+          </a:xfrm>
+          <a:prstGeom prst="rect">
+            <a:avLst/>
+          </a:prstGeom>
+        </p:spPr>
+      </p:pic>
+      <p:pic>
+        <p:nvPicPr>
+          <p:cNvPr id="428030264" name=""/>
+          <p:cNvPicPr>
+            <a:picLocks noChangeAspect="1"/>
+          </p:cNvPicPr>
+          <p:nvPr/>
+        </p:nvPicPr>
+        <p:blipFill>
+          <a:blip r:embed="rId3"/>
+          <a:stretch/>
+        </p:blipFill>
+        <p:spPr bwMode="auto">
+          <a:xfrm flipH="0" flipV="0">
+            <a:off x="40394" y="1458078"/>
+            <a:ext cx="4570315" cy="2265759"/>
+          </a:xfrm>
+          <a:prstGeom prst="rect">
+            <a:avLst/>
+          </a:prstGeom>
+        </p:spPr>
+      </p:pic>
+      <p:sp>
+        <p:nvSpPr>
+          <p:cNvPr id="110610465" name=""/>
+          <p:cNvSpPr txBox="1"/>
+          <p:nvPr/>
+        </p:nvSpPr>
+        <p:spPr bwMode="auto">
+          <a:xfrm flipH="0" flipV="0">
+            <a:off x="412752" y="3943945"/>
+            <a:ext cx="3827038" cy="640440"/>
+          </a:xfrm>
+          <a:prstGeom prst="rect">
+            <a:avLst/>
+          </a:prstGeom>
+          <a:noFill/>
+        </p:spPr>
+        <p:txBody>
+          <a:bodyPr vertOverflow="overflow" horzOverflow="overflow" vert="horz" wrap="square" lIns="91440" tIns="45720" rIns="91440" bIns="45720" numCol="1" spcCol="0" rtlCol="0" fromWordArt="0" anchor="t" anchorCtr="0" forceAA="0" upright="0" compatLnSpc="0">
+            <a:spAutoFit/>
+          </a:bodyPr>
+          <a:p>
+            <a:pPr>
+              <a:defRPr/>
+            </a:pPr>
+            <a:r>
+              <a:rPr/>
+              <a:t>Neural network that uses DS convolutional layers</a:t>
+            </a:r>
+            <a:endParaRPr/>
+          </a:p>
+        </p:txBody>
+      </p:sp>
+      <p:sp>
+        <p:nvSpPr>
+          <p:cNvPr id="1642235389" name=""/>
+          <p:cNvSpPr txBox="1"/>
+          <p:nvPr/>
+        </p:nvSpPr>
+        <p:spPr bwMode="auto">
+          <a:xfrm flipH="0" flipV="0">
+            <a:off x="5339234" y="3611615"/>
+            <a:ext cx="3503060" cy="1189079"/>
+          </a:xfrm>
+          <a:prstGeom prst="rect">
+            <a:avLst/>
+          </a:prstGeom>
+          <a:noFill/>
+        </p:spPr>
+        <p:txBody>
+          <a:bodyPr vertOverflow="overflow" horzOverflow="overflow" vert="horz" wrap="square" lIns="91440" tIns="45720" rIns="91440" bIns="45720" numCol="1" spcCol="0" rtlCol="0" fromWordArt="0" anchor="t" anchorCtr="0" forceAA="0" upright="0" compatLnSpc="0">
+            <a:spAutoFit/>
+          </a:bodyPr>
+          <a:p>
+            <a:pPr>
+              <a:defRPr/>
+            </a:pPr>
+            <a:r>
+              <a:rPr/>
+              <a:t>Width Scaling for reducing model complexity and this reducing time required for training</a:t>
+            </a:r>
+            <a:endParaRPr/>
+          </a:p>
+        </p:txBody>
+      </p:sp>
     </p:spTree>
   </p:cSld>
   <p:clrMapOvr>

--- a/Project_Submission/Presentation.pptx
+++ b/Project_Submission/Presentation.pptx
@@ -5475,7 +5475,7 @@
                     <p:cTn id="3" fill="hold">
                       <p:stCondLst>
                         <p:cond delay="indefinite"/>
-                        <p:cond evt="onBegin" delay="0">
+                        <p:cond evt="begin" delay="0">
                           <p:tn val="2"/>
                         </p:cond>
                       </p:stCondLst>
@@ -5487,17 +5487,14 @@
                             </p:stCondLst>
                             <p:childTnLst>
                               <p:par>
-                                <p:cTn id="5" presetID="10" presetClass="entr" presetSubtype="0" fill="hold" nodeType="withEffect">
+                                <p:cTn id="5" presetID="16" presetClass="entr" presetSubtype="21" fill="hold" grpId="0" nodeType="withEffect">
                                   <p:stCondLst>
                                     <p:cond delay="1000"/>
                                   </p:stCondLst>
-                                  <p:iterate type="lt">
-                                    <p:tmPct val="10000"/>
-                                  </p:iterate>
                                   <p:childTnLst>
                                     <p:set>
                                       <p:cBhvr>
-                                        <p:cTn id="6" dur="1" fill="hold">
+                                        <p:cTn id="7" dur="1" fill="hold">
                                           <p:stCondLst>
                                             <p:cond delay="0"/>
                                           </p:stCondLst>
@@ -5513,9 +5510,9 @@
                                         <p:strVal val="visible"/>
                                       </p:to>
                                     </p:set>
-                                    <p:animEffect transition="in" filter="fade">
+                                    <p:animEffect transition="in" filter="barn(inVertical)">
                                       <p:cBhvr>
-                                        <p:cTn id="7" dur="400"/>
+                                        <p:cTn id="6" dur="500"/>
                                         <p:tgtEl>
                                           <p:spTgt spid="158"/>
                                         </p:tgtEl>
@@ -5763,6 +5760,234 @@
       <p:transition advClick="1"/>
     </mc:Fallback>
   </mc:AlternateContent>
+  <p:timing>
+    <p:tnLst>
+      <p:par>
+        <p:cTn id="1" dur="indefinite" restart="never" nodeType="tmRoot">
+          <p:childTnLst>
+            <p:seq concurrent="1" nextAc="seek">
+              <p:cTn id="2" dur="indefinite" nodeType="mainSeq">
+                <p:childTnLst>
+                  <p:par>
+                    <p:cTn id="10" fill="hold">
+                      <p:stCondLst>
+                        <p:cond delay="indefinite"/>
+                      </p:stCondLst>
+                      <p:childTnLst>
+                        <p:par>
+                          <p:cTn id="11" fill="hold">
+                            <p:stCondLst>
+                              <p:cond delay="0"/>
+                            </p:stCondLst>
+                            <p:childTnLst>
+                              <p:par>
+                                <p:cTn id="12" presetID="53" presetClass="entr" presetSubtype="16" fill="hold" grpId="0" nodeType="clickEffect">
+                                  <p:stCondLst>
+                                    <p:cond delay="0"/>
+                                  </p:stCondLst>
+                                  <p:childTnLst>
+                                    <p:set>
+                                      <p:cBhvr>
+                                        <p:cTn id="16" dur="1" fill="hold">
+                                          <p:stCondLst>
+                                            <p:cond delay="0"/>
+                                          </p:stCondLst>
+                                        </p:cTn>
+                                        <p:tgtEl>
+                                          <p:spTgt spid="1850655442"/>
+                                        </p:tgtEl>
+                                        <p:attrNameLst>
+                                          <p:attrName>style.visibility</p:attrName>
+                                        </p:attrNameLst>
+                                      </p:cBhvr>
+                                      <p:to>
+                                        <p:strVal val="visible"/>
+                                      </p:to>
+                                    </p:set>
+                                    <p:anim calcmode="lin" valueType="num">
+                                      <p:cBhvr>
+                                        <p:cTn id="15" dur="500" fill="hold"/>
+                                        <p:tgtEl>
+                                          <p:spTgt spid="1850655442"/>
+                                        </p:tgtEl>
+                                        <p:attrNameLst>
+                                          <p:attrName>ppt_w</p:attrName>
+                                        </p:attrNameLst>
+                                      </p:cBhvr>
+                                      <p:tavLst>
+                                        <p:tav tm="0">
+                                          <p:val>
+                                            <p:fltVal val="0"/>
+                                          </p:val>
+                                        </p:tav>
+                                        <p:tav tm="100000">
+                                          <p:val>
+                                            <p:strVal val="#ppt_w"/>
+                                          </p:val>
+                                        </p:tav>
+                                      </p:tavLst>
+                                    </p:anim>
+                                    <p:anim calcmode="lin" valueType="num">
+                                      <p:cBhvr>
+                                        <p:cTn id="14" dur="500" fill="hold"/>
+                                        <p:tgtEl>
+                                          <p:spTgt spid="1850655442"/>
+                                        </p:tgtEl>
+                                        <p:attrNameLst>
+                                          <p:attrName>ppt_h</p:attrName>
+                                        </p:attrNameLst>
+                                      </p:cBhvr>
+                                      <p:tavLst>
+                                        <p:tav tm="0">
+                                          <p:val>
+                                            <p:fltVal val="0"/>
+                                          </p:val>
+                                        </p:tav>
+                                        <p:tav tm="100000">
+                                          <p:val>
+                                            <p:strVal val="#ppt_h"/>
+                                          </p:val>
+                                        </p:tav>
+                                      </p:tavLst>
+                                    </p:anim>
+                                    <p:animEffect transition="in" filter="fade">
+                                      <p:cBhvr>
+                                        <p:cTn id="13" dur="500"/>
+                                        <p:tgtEl>
+                                          <p:spTgt spid="1850655442"/>
+                                        </p:tgtEl>
+                                      </p:cBhvr>
+                                    </p:animEffect>
+                                  </p:childTnLst>
+                                </p:cTn>
+                              </p:par>
+                            </p:childTnLst>
+                          </p:cTn>
+                        </p:par>
+                      </p:childTnLst>
+                    </p:cTn>
+                  </p:par>
+                  <p:par>
+                    <p:cTn id="3" fill="hold">
+                      <p:stCondLst>
+                        <p:cond delay="indefinite"/>
+                      </p:stCondLst>
+                      <p:childTnLst>
+                        <p:par>
+                          <p:cTn id="4" fill="hold">
+                            <p:stCondLst>
+                              <p:cond delay="0"/>
+                            </p:stCondLst>
+                            <p:childTnLst>
+                              <p:par>
+                                <p:cTn id="5" presetID="42" presetClass="entr" presetSubtype="0" fill="hold" grpId="0" nodeType="clickEffect">
+                                  <p:stCondLst>
+                                    <p:cond delay="0"/>
+                                  </p:stCondLst>
+                                  <p:childTnLst>
+                                    <p:set>
+                                      <p:cBhvr>
+                                        <p:cTn id="9" dur="1" fill="hold">
+                                          <p:stCondLst>
+                                            <p:cond delay="0"/>
+                                          </p:stCondLst>
+                                        </p:cTn>
+                                        <p:tgtEl>
+                                          <p:spTgt spid="1532416214"/>
+                                        </p:tgtEl>
+                                        <p:attrNameLst>
+                                          <p:attrName>style.visibility</p:attrName>
+                                        </p:attrNameLst>
+                                      </p:cBhvr>
+                                      <p:to>
+                                        <p:strVal val="visible"/>
+                                      </p:to>
+                                    </p:set>
+                                    <p:animEffect transition="in" filter="fade">
+                                      <p:cBhvr>
+                                        <p:cTn id="8" dur="1000"/>
+                                        <p:tgtEl>
+                                          <p:spTgt spid="1532416214"/>
+                                        </p:tgtEl>
+                                      </p:cBhvr>
+                                    </p:animEffect>
+                                    <p:anim calcmode="lin" valueType="num">
+                                      <p:cBhvr>
+                                        <p:cTn id="7" dur="1000" fill="hold"/>
+                                        <p:tgtEl>
+                                          <p:spTgt spid="1532416214"/>
+                                        </p:tgtEl>
+                                        <p:attrNameLst>
+                                          <p:attrName>ppt_x</p:attrName>
+                                        </p:attrNameLst>
+                                      </p:cBhvr>
+                                      <p:tavLst>
+                                        <p:tav tm="0">
+                                          <p:val>
+                                            <p:strVal val="#ppt_x"/>
+                                          </p:val>
+                                        </p:tav>
+                                        <p:tav tm="100000">
+                                          <p:val>
+                                            <p:strVal val="#ppt_x"/>
+                                          </p:val>
+                                        </p:tav>
+                                      </p:tavLst>
+                                    </p:anim>
+                                    <p:anim calcmode="lin" valueType="num">
+                                      <p:cBhvr>
+                                        <p:cTn id="6" dur="1000" fill="hold"/>
+                                        <p:tgtEl>
+                                          <p:spTgt spid="1532416214"/>
+                                        </p:tgtEl>
+                                        <p:attrNameLst>
+                                          <p:attrName>ppt_y</p:attrName>
+                                        </p:attrNameLst>
+                                      </p:cBhvr>
+                                      <p:tavLst>
+                                        <p:tav tm="0">
+                                          <p:val>
+                                            <p:strVal val="#ppt_y+.1"/>
+                                          </p:val>
+                                        </p:tav>
+                                        <p:tav tm="100000">
+                                          <p:val>
+                                            <p:strVal val="#ppt_y"/>
+                                          </p:val>
+                                        </p:tav>
+                                      </p:tavLst>
+                                    </p:anim>
+                                  </p:childTnLst>
+                                </p:cTn>
+                              </p:par>
+                            </p:childTnLst>
+                          </p:cTn>
+                        </p:par>
+                      </p:childTnLst>
+                    </p:cTn>
+                  </p:par>
+                </p:childTnLst>
+              </p:cTn>
+              <p:prevCondLst>
+                <p:cond evt="onPrev" delay="0">
+                  <p:tgtEl>
+                    <p:sldTgt/>
+                  </p:tgtEl>
+                </p:cond>
+              </p:prevCondLst>
+              <p:nextCondLst>
+                <p:cond evt="onNext" delay="0">
+                  <p:tgtEl>
+                    <p:sldTgt/>
+                  </p:tgtEl>
+                </p:cond>
+              </p:nextCondLst>
+            </p:seq>
+          </p:childTnLst>
+        </p:cTn>
+      </p:par>
+    </p:tnLst>
+  </p:timing>
 </p:sld>
 </file>
 
@@ -5974,6 +6199,135 @@
       <p:transition advClick="1"/>
     </mc:Fallback>
   </mc:AlternateContent>
+  <p:timing>
+    <p:tnLst>
+      <p:par>
+        <p:cTn id="1" dur="indefinite" restart="never" nodeType="tmRoot">
+          <p:childTnLst>
+            <p:seq concurrent="1" nextAc="seek">
+              <p:cTn id="2" dur="indefinite" nodeType="mainSeq">
+                <p:childTnLst>
+                  <p:par>
+                    <p:cTn id="3" fill="hold">
+                      <p:stCondLst>
+                        <p:cond delay="indefinite"/>
+                      </p:stCondLst>
+                      <p:childTnLst>
+                        <p:par>
+                          <p:cTn id="4" fill="hold">
+                            <p:stCondLst>
+                              <p:cond delay="0"/>
+                            </p:stCondLst>
+                            <p:childTnLst>
+                              <p:par>
+                                <p:cTn id="5" presetID="53" presetClass="entr" presetSubtype="16" fill="hold" grpId="0" nodeType="clickEffect">
+                                  <p:stCondLst>
+                                    <p:cond delay="0"/>
+                                  </p:stCondLst>
+                                  <p:childTnLst>
+                                    <p:set>
+                                      <p:cBhvr>
+                                        <p:cTn id="9" dur="1" fill="hold">
+                                          <p:stCondLst>
+                                            <p:cond delay="0"/>
+                                          </p:stCondLst>
+                                        </p:cTn>
+                                        <p:tgtEl>
+                                          <p:spTgt spid="970455713"/>
+                                        </p:tgtEl>
+                                        <p:attrNameLst>
+                                          <p:attrName>style.visibility</p:attrName>
+                                        </p:attrNameLst>
+                                      </p:cBhvr>
+                                      <p:to>
+                                        <p:strVal val="visible"/>
+                                      </p:to>
+                                    </p:set>
+                                    <p:anim calcmode="lin" valueType="num">
+                                      <p:cBhvr>
+                                        <p:cTn id="8" dur="500" fill="hold"/>
+                                        <p:tgtEl>
+                                          <p:spTgt spid="970455713"/>
+                                        </p:tgtEl>
+                                        <p:attrNameLst>
+                                          <p:attrName>ppt_w</p:attrName>
+                                        </p:attrNameLst>
+                                      </p:cBhvr>
+                                      <p:tavLst>
+                                        <p:tav tm="0">
+                                          <p:val>
+                                            <p:fltVal val="0"/>
+                                          </p:val>
+                                        </p:tav>
+                                        <p:tav tm="100000">
+                                          <p:val>
+                                            <p:strVal val="#ppt_w"/>
+                                          </p:val>
+                                        </p:tav>
+                                      </p:tavLst>
+                                    </p:anim>
+                                    <p:anim calcmode="lin" valueType="num">
+                                      <p:cBhvr>
+                                        <p:cTn id="7" dur="500" fill="hold"/>
+                                        <p:tgtEl>
+                                          <p:spTgt spid="970455713"/>
+                                        </p:tgtEl>
+                                        <p:attrNameLst>
+                                          <p:attrName>ppt_h</p:attrName>
+                                        </p:attrNameLst>
+                                      </p:cBhvr>
+                                      <p:tavLst>
+                                        <p:tav tm="0">
+                                          <p:val>
+                                            <p:fltVal val="0"/>
+                                          </p:val>
+                                        </p:tav>
+                                        <p:tav tm="100000">
+                                          <p:val>
+                                            <p:strVal val="#ppt_h"/>
+                                          </p:val>
+                                        </p:tav>
+                                      </p:tavLst>
+                                    </p:anim>
+                                    <p:animEffect transition="in" filter="fade">
+                                      <p:cBhvr>
+                                        <p:cTn id="6" dur="500"/>
+                                        <p:tgtEl>
+                                          <p:spTgt spid="970455713"/>
+                                        </p:tgtEl>
+                                      </p:cBhvr>
+                                    </p:animEffect>
+                                  </p:childTnLst>
+                                </p:cTn>
+                              </p:par>
+                            </p:childTnLst>
+                          </p:cTn>
+                        </p:par>
+                      </p:childTnLst>
+                    </p:cTn>
+                  </p:par>
+                </p:childTnLst>
+              </p:cTn>
+              <p:prevCondLst>
+                <p:cond evt="onPrev" delay="0">
+                  <p:tgtEl>
+                    <p:sldTgt/>
+                  </p:tgtEl>
+                </p:cond>
+              </p:prevCondLst>
+              <p:nextCondLst>
+                <p:cond evt="onNext" delay="0">
+                  <p:tgtEl>
+                    <p:sldTgt/>
+                  </p:tgtEl>
+                </p:cond>
+              </p:nextCondLst>
+            </p:seq>
+          </p:childTnLst>
+        </p:cTn>
+      </p:par>
+    </p:tnLst>
+  </p:timing>
 </p:sld>
 </file>
 
@@ -6415,6 +6769,301 @@
       <p:transition advClick="1"/>
     </mc:Fallback>
   </mc:AlternateContent>
+  <p:timing>
+    <p:tnLst>
+      <p:par>
+        <p:cTn id="1" dur="indefinite" restart="never" nodeType="tmRoot">
+          <p:childTnLst>
+            <p:seq concurrent="1" nextAc="seek">
+              <p:cTn id="2" dur="indefinite" nodeType="mainSeq">
+                <p:childTnLst>
+                  <p:par>
+                    <p:cTn id="23" fill="hold">
+                      <p:stCondLst>
+                        <p:cond delay="indefinite"/>
+                      </p:stCondLst>
+                      <p:childTnLst>
+                        <p:par>
+                          <p:cTn id="24" fill="hold">
+                            <p:stCondLst>
+                              <p:cond delay="0"/>
+                            </p:stCondLst>
+                            <p:childTnLst>
+                              <p:par>
+                                <p:cTn id="25" presetID="16" presetClass="entr" presetSubtype="21" fill="hold" grpId="0" nodeType="clickEffect">
+                                  <p:stCondLst>
+                                    <p:cond delay="0"/>
+                                  </p:stCondLst>
+                                  <p:childTnLst>
+                                    <p:set>
+                                      <p:cBhvr>
+                                        <p:cTn id="27" dur="1" fill="hold">
+                                          <p:stCondLst>
+                                            <p:cond delay="0"/>
+                                          </p:stCondLst>
+                                        </p:cTn>
+                                        <p:tgtEl>
+                                          <p:spTgt spid="1251678922"/>
+                                        </p:tgtEl>
+                                        <p:attrNameLst>
+                                          <p:attrName>style.visibility</p:attrName>
+                                        </p:attrNameLst>
+                                      </p:cBhvr>
+                                      <p:to>
+                                        <p:strVal val="visible"/>
+                                      </p:to>
+                                    </p:set>
+                                    <p:animEffect transition="in" filter="barn(inVertical)">
+                                      <p:cBhvr>
+                                        <p:cTn id="26" dur="500"/>
+                                        <p:tgtEl>
+                                          <p:spTgt spid="1251678922"/>
+                                        </p:tgtEl>
+                                      </p:cBhvr>
+                                    </p:animEffect>
+                                  </p:childTnLst>
+                                </p:cTn>
+                              </p:par>
+                            </p:childTnLst>
+                          </p:cTn>
+                        </p:par>
+                      </p:childTnLst>
+                    </p:cTn>
+                  </p:par>
+                  <p:par>
+                    <p:cTn id="18" fill="hold">
+                      <p:stCondLst>
+                        <p:cond delay="indefinite"/>
+                      </p:stCondLst>
+                      <p:childTnLst>
+                        <p:par>
+                          <p:cTn id="19" fill="hold">
+                            <p:stCondLst>
+                              <p:cond delay="0"/>
+                            </p:stCondLst>
+                            <p:childTnLst>
+                              <p:par>
+                                <p:cTn id="20" presetID="22" presetClass="entr" presetSubtype="4" fill="hold" grpId="0" nodeType="clickEffect">
+                                  <p:stCondLst>
+                                    <p:cond delay="0"/>
+                                  </p:stCondLst>
+                                  <p:childTnLst>
+                                    <p:set>
+                                      <p:cBhvr>
+                                        <p:cTn id="22" dur="1" fill="hold">
+                                          <p:stCondLst>
+                                            <p:cond delay="0"/>
+                                          </p:stCondLst>
+                                        </p:cTn>
+                                        <p:tgtEl>
+                                          <p:spTgt spid="0"/>
+                                        </p:tgtEl>
+                                        <p:attrNameLst>
+                                          <p:attrName>style.visibility</p:attrName>
+                                        </p:attrNameLst>
+                                      </p:cBhvr>
+                                      <p:to>
+                                        <p:strVal val="visible"/>
+                                      </p:to>
+                                    </p:set>
+                                    <p:animEffect transition="in" filter="wipe(down)">
+                                      <p:cBhvr>
+                                        <p:cTn id="21" dur="500"/>
+                                        <p:tgtEl>
+                                          <p:spTgt spid="0"/>
+                                        </p:tgtEl>
+                                      </p:cBhvr>
+                                    </p:animEffect>
+                                  </p:childTnLst>
+                                </p:cTn>
+                              </p:par>
+                            </p:childTnLst>
+                          </p:cTn>
+                        </p:par>
+                      </p:childTnLst>
+                    </p:cTn>
+                  </p:par>
+                  <p:par>
+                    <p:cTn id="13" fill="hold">
+                      <p:stCondLst>
+                        <p:cond delay="indefinite"/>
+                      </p:stCondLst>
+                      <p:childTnLst>
+                        <p:par>
+                          <p:cTn id="14" fill="hold">
+                            <p:stCondLst>
+                              <p:cond delay="0"/>
+                            </p:stCondLst>
+                            <p:childTnLst>
+                              <p:par>
+                                <p:cTn id="15" presetID="16" presetClass="entr" presetSubtype="21" fill="hold" grpId="0" nodeType="clickEffect">
+                                  <p:stCondLst>
+                                    <p:cond delay="0"/>
+                                  </p:stCondLst>
+                                  <p:childTnLst>
+                                    <p:set>
+                                      <p:cBhvr>
+                                        <p:cTn id="17" dur="1" fill="hold">
+                                          <p:stCondLst>
+                                            <p:cond delay="0"/>
+                                          </p:stCondLst>
+                                        </p:cTn>
+                                        <p:tgtEl>
+                                          <p:spTgt spid="381614394"/>
+                                        </p:tgtEl>
+                                        <p:attrNameLst>
+                                          <p:attrName>style.visibility</p:attrName>
+                                        </p:attrNameLst>
+                                      </p:cBhvr>
+                                      <p:to>
+                                        <p:strVal val="visible"/>
+                                      </p:to>
+                                    </p:set>
+                                    <p:animEffect transition="in" filter="barn(inVertical)">
+                                      <p:cBhvr>
+                                        <p:cTn id="16" dur="500"/>
+                                        <p:tgtEl>
+                                          <p:spTgt spid="381614394"/>
+                                        </p:tgtEl>
+                                      </p:cBhvr>
+                                    </p:animEffect>
+                                  </p:childTnLst>
+                                </p:cTn>
+                              </p:par>
+                            </p:childTnLst>
+                          </p:cTn>
+                        </p:par>
+                      </p:childTnLst>
+                    </p:cTn>
+                  </p:par>
+                  <p:par>
+                    <p:cTn id="8" fill="hold">
+                      <p:stCondLst>
+                        <p:cond delay="indefinite"/>
+                      </p:stCondLst>
+                      <p:childTnLst>
+                        <p:par>
+                          <p:cTn id="9" fill="hold">
+                            <p:stCondLst>
+                              <p:cond delay="0"/>
+                            </p:stCondLst>
+                            <p:childTnLst>
+                              <p:par>
+                                <p:cTn id="10" presetID="22" presetClass="entr" presetSubtype="4" fill="hold" grpId="0" nodeType="clickEffect">
+                                  <p:stCondLst>
+                                    <p:cond delay="0"/>
+                                  </p:stCondLst>
+                                  <p:childTnLst>
+                                    <p:set>
+                                      <p:cBhvr>
+                                        <p:cTn id="12" dur="1" fill="hold">
+                                          <p:stCondLst>
+                                            <p:cond delay="0"/>
+                                          </p:stCondLst>
+                                        </p:cTn>
+                                        <p:tgtEl>
+                                          <p:spTgt spid="0"/>
+                                        </p:tgtEl>
+                                        <p:attrNameLst>
+                                          <p:attrName>style.visibility</p:attrName>
+                                        </p:attrNameLst>
+                                      </p:cBhvr>
+                                      <p:to>
+                                        <p:strVal val="visible"/>
+                                      </p:to>
+                                    </p:set>
+                                    <p:animEffect transition="in" filter="wipe(down)">
+                                      <p:cBhvr>
+                                        <p:cTn id="11" dur="500"/>
+                                        <p:tgtEl>
+                                          <p:spTgt spid="0"/>
+                                        </p:tgtEl>
+                                      </p:cBhvr>
+                                    </p:animEffect>
+                                  </p:childTnLst>
+                                </p:cTn>
+                              </p:par>
+                            </p:childTnLst>
+                          </p:cTn>
+                        </p:par>
+                      </p:childTnLst>
+                    </p:cTn>
+                  </p:par>
+                  <p:par>
+                    <p:cTn id="3" fill="hold">
+                      <p:stCondLst>
+                        <p:cond delay="indefinite"/>
+                      </p:stCondLst>
+                      <p:childTnLst>
+                        <p:par>
+                          <p:cTn id="4" fill="hold">
+                            <p:stCondLst>
+                              <p:cond delay="0"/>
+                            </p:stCondLst>
+                            <p:childTnLst>
+                              <p:par>
+                                <p:cTn id="5" presetID="16" presetClass="entr" presetSubtype="21" fill="hold" grpId="0" nodeType="clickEffect">
+                                  <p:stCondLst>
+                                    <p:cond delay="0"/>
+                                  </p:stCondLst>
+                                  <p:childTnLst>
+                                    <p:set>
+                                      <p:cBhvr>
+                                        <p:cTn id="7" dur="1" fill="hold">
+                                          <p:stCondLst>
+                                            <p:cond delay="0"/>
+                                          </p:stCondLst>
+                                        </p:cTn>
+                                        <p:tgtEl>
+                                          <p:spTgt spid="2049705959"/>
+                                        </p:tgtEl>
+                                        <p:attrNameLst>
+                                          <p:attrName>style.visibility</p:attrName>
+                                        </p:attrNameLst>
+                                      </p:cBhvr>
+                                      <p:to>
+                                        <p:strVal val="visible"/>
+                                      </p:to>
+                                    </p:set>
+                                    <p:animEffect transition="in" filter="barn(inVertical)">
+                                      <p:cBhvr>
+                                        <p:cTn id="6" dur="500"/>
+                                        <p:tgtEl>
+                                          <p:spTgt spid="2049705959"/>
+                                        </p:tgtEl>
+                                      </p:cBhvr>
+                                    </p:animEffect>
+                                  </p:childTnLst>
+                                </p:cTn>
+                              </p:par>
+                            </p:childTnLst>
+                          </p:cTn>
+                        </p:par>
+                      </p:childTnLst>
+                    </p:cTn>
+                  </p:par>
+                </p:childTnLst>
+              </p:cTn>
+              <p:prevCondLst>
+                <p:cond evt="onPrev" delay="0">
+                  <p:tgtEl>
+                    <p:sldTgt/>
+                  </p:tgtEl>
+                </p:cond>
+              </p:prevCondLst>
+              <p:nextCondLst>
+                <p:cond evt="onNext" delay="0">
+                  <p:tgtEl>
+                    <p:sldTgt/>
+                  </p:tgtEl>
+                </p:cond>
+              </p:nextCondLst>
+            </p:seq>
+          </p:childTnLst>
+        </p:cTn>
+      </p:par>
+    </p:tnLst>
+  </p:timing>
 </p:sld>
 </file>
 
@@ -7207,7 +7856,7 @@
                     <p:cTn id="3" fill="hold">
                       <p:stCondLst>
                         <p:cond delay="indefinite"/>
-                        <p:cond evt="onBegin" delay="0">
+                        <p:cond evt="begin" delay="0">
                           <p:tn val="2"/>
                         </p:cond>
                       </p:stCondLst>
@@ -7219,17 +7868,14 @@
                             </p:stCondLst>
                             <p:childTnLst>
                               <p:par>
-                                <p:cTn id="5" presetID="10" presetClass="entr" presetSubtype="0" fill="hold" nodeType="withEffect">
+                                <p:cTn id="5" presetID="31" presetClass="entr" presetSubtype="0" fill="hold" grpId="0" nodeType="withEffect">
                                   <p:stCondLst>
                                     <p:cond delay="1000"/>
                                   </p:stCondLst>
-                                  <p:iterate type="lt">
-                                    <p:tmPct val="10000"/>
-                                  </p:iterate>
                                   <p:childTnLst>
                                     <p:set>
                                       <p:cBhvr>
-                                        <p:cTn id="6" dur="1" fill="hold">
+                                        <p:cTn id="10" dur="1" fill="hold">
                                           <p:stCondLst>
                                             <p:cond delay="0"/>
                                           </p:stCondLst>
@@ -7245,9 +7891,78 @@
                                         <p:strVal val="visible"/>
                                       </p:to>
                                     </p:set>
+                                    <p:anim calcmode="lin" valueType="num">
+                                      <p:cBhvr>
+                                        <p:cTn id="9" dur="1000" fill="hold"/>
+                                        <p:tgtEl>
+                                          <p:spTgt spid="158"/>
+                                        </p:tgtEl>
+                                        <p:attrNameLst>
+                                          <p:attrName>ppt_w</p:attrName>
+                                        </p:attrNameLst>
+                                      </p:cBhvr>
+                                      <p:tavLst>
+                                        <p:tav tm="0">
+                                          <p:val>
+                                            <p:fltVal val="0"/>
+                                          </p:val>
+                                        </p:tav>
+                                        <p:tav tm="100000">
+                                          <p:val>
+                                            <p:strVal val="#ppt_w"/>
+                                          </p:val>
+                                        </p:tav>
+                                      </p:tavLst>
+                                    </p:anim>
+                                    <p:anim calcmode="lin" valueType="num">
+                                      <p:cBhvr>
+                                        <p:cTn id="8" dur="1000" fill="hold"/>
+                                        <p:tgtEl>
+                                          <p:spTgt spid="158"/>
+                                        </p:tgtEl>
+                                        <p:attrNameLst>
+                                          <p:attrName>ppt_h</p:attrName>
+                                        </p:attrNameLst>
+                                      </p:cBhvr>
+                                      <p:tavLst>
+                                        <p:tav tm="0">
+                                          <p:val>
+                                            <p:fltVal val="0"/>
+                                          </p:val>
+                                        </p:tav>
+                                        <p:tav tm="100000">
+                                          <p:val>
+                                            <p:strVal val="#ppt_h"/>
+                                          </p:val>
+                                        </p:tav>
+                                      </p:tavLst>
+                                    </p:anim>
+                                    <p:anim calcmode="lin" valueType="num">
+                                      <p:cBhvr>
+                                        <p:cTn id="7" dur="1000" fill="hold"/>
+                                        <p:tgtEl>
+                                          <p:spTgt spid="158"/>
+                                        </p:tgtEl>
+                                        <p:attrNameLst>
+                                          <p:attrName>style.rotation</p:attrName>
+                                        </p:attrNameLst>
+                                      </p:cBhvr>
+                                      <p:tavLst>
+                                        <p:tav tm="0">
+                                          <p:val>
+                                            <p:fltVal val="90"/>
+                                          </p:val>
+                                        </p:tav>
+                                        <p:tav tm="100000">
+                                          <p:val>
+                                            <p:fltVal val="0"/>
+                                          </p:val>
+                                        </p:tav>
+                                      </p:tavLst>
+                                    </p:anim>
                                     <p:animEffect transition="in" filter="fade">
                                       <p:cBhvr>
-                                        <p:cTn id="7" dur="400"/>
+                                        <p:cTn id="6" dur="1000"/>
                                         <p:tgtEl>
                                           <p:spTgt spid="158"/>
                                         </p:tgtEl>
@@ -7504,6 +8219,89 @@
       <p:transition advClick="1"/>
     </mc:Fallback>
   </mc:AlternateContent>
+  <p:timing>
+    <p:tnLst>
+      <p:par>
+        <p:cTn id="1" dur="indefinite" restart="never" nodeType="tmRoot">
+          <p:childTnLst>
+            <p:seq concurrent="1" nextAc="seek">
+              <p:cTn id="2" dur="indefinite" nodeType="mainSeq">
+                <p:childTnLst>
+                  <p:par>
+                    <p:cTn id="3" fill="hold">
+                      <p:stCondLst>
+                        <p:cond delay="indefinite"/>
+                      </p:stCondLst>
+                      <p:childTnLst>
+                        <p:par>
+                          <p:cTn id="4" fill="hold">
+                            <p:stCondLst>
+                              <p:cond delay="0"/>
+                            </p:stCondLst>
+                            <p:childTnLst>
+                              <p:par>
+                                <p:cTn id="5" presetID="22" presetClass="entr" presetSubtype="4" fill="hold" grpId="0" nodeType="clickEffect">
+                                  <p:stCondLst>
+                                    <p:cond delay="0"/>
+                                  </p:stCondLst>
+                                  <p:childTnLst>
+                                    <p:set>
+                                      <p:cBhvr>
+                                        <p:cTn id="7" dur="1" fill="hold">
+                                          <p:stCondLst>
+                                            <p:cond delay="0"/>
+                                          </p:stCondLst>
+                                        </p:cTn>
+                                        <p:tgtEl>
+                                          <p:spTgt spid="67288744"/>
+                                        </p:tgtEl>
+                                        <p:attrNameLst>
+                                          <p:attrName>style.visibility</p:attrName>
+                                        </p:attrNameLst>
+                                      </p:cBhvr>
+                                      <p:to>
+                                        <p:strVal val="visible"/>
+                                      </p:to>
+                                    </p:set>
+                                    <p:animEffect transition="in" filter="wipe(down)">
+                                      <p:cBhvr>
+                                        <p:cTn id="6" dur="500"/>
+                                        <p:tgtEl>
+                                          <p:spTgt spid="67288744"/>
+                                        </p:tgtEl>
+                                      </p:cBhvr>
+                                    </p:animEffect>
+                                  </p:childTnLst>
+                                </p:cTn>
+                              </p:par>
+                            </p:childTnLst>
+                          </p:cTn>
+                        </p:par>
+                      </p:childTnLst>
+                    </p:cTn>
+                  </p:par>
+                </p:childTnLst>
+              </p:cTn>
+              <p:prevCondLst>
+                <p:cond evt="onPrev" delay="0">
+                  <p:tgtEl>
+                    <p:sldTgt/>
+                  </p:tgtEl>
+                </p:cond>
+              </p:prevCondLst>
+              <p:nextCondLst>
+                <p:cond evt="onNext" delay="0">
+                  <p:tgtEl>
+                    <p:sldTgt/>
+                  </p:tgtEl>
+                </p:cond>
+              </p:nextCondLst>
+            </p:seq>
+          </p:childTnLst>
+        </p:cTn>
+      </p:par>
+    </p:tnLst>
+  </p:timing>
 </p:sld>
 </file>
 
@@ -7839,6 +8637,432 @@
       <p:transition advClick="1"/>
     </mc:Fallback>
   </mc:AlternateContent>
+  <p:timing>
+    <p:tnLst>
+      <p:par>
+        <p:cTn id="1" dur="indefinite" restart="never" nodeType="tmRoot">
+          <p:childTnLst>
+            <p:seq concurrent="1" nextAc="seek">
+              <p:cTn id="2" dur="indefinite" nodeType="mainSeq">
+                <p:childTnLst>
+                  <p:par>
+                    <p:cTn id="24" fill="hold">
+                      <p:stCondLst>
+                        <p:cond delay="indefinite"/>
+                      </p:stCondLst>
+                      <p:childTnLst>
+                        <p:par>
+                          <p:cTn id="25" fill="hold">
+                            <p:stCondLst>
+                              <p:cond delay="0"/>
+                            </p:stCondLst>
+                            <p:childTnLst>
+                              <p:par>
+                                <p:cTn id="26" presetID="42" presetClass="entr" presetSubtype="0" fill="hold" grpId="0" nodeType="clickEffect">
+                                  <p:stCondLst>
+                                    <p:cond delay="0"/>
+                                  </p:stCondLst>
+                                  <p:childTnLst>
+                                    <p:set>
+                                      <p:cBhvr>
+                                        <p:cTn id="30" dur="1" fill="hold">
+                                          <p:stCondLst>
+                                            <p:cond delay="0"/>
+                                          </p:stCondLst>
+                                        </p:cTn>
+                                        <p:tgtEl>
+                                          <p:spTgt spid="589385517"/>
+                                        </p:tgtEl>
+                                        <p:attrNameLst>
+                                          <p:attrName>style.visibility</p:attrName>
+                                        </p:attrNameLst>
+                                      </p:cBhvr>
+                                      <p:to>
+                                        <p:strVal val="visible"/>
+                                      </p:to>
+                                    </p:set>
+                                    <p:animEffect transition="in" filter="fade">
+                                      <p:cBhvr>
+                                        <p:cTn id="29" dur="1000"/>
+                                        <p:tgtEl>
+                                          <p:spTgt spid="589385517"/>
+                                        </p:tgtEl>
+                                      </p:cBhvr>
+                                    </p:animEffect>
+                                    <p:anim calcmode="lin" valueType="num">
+                                      <p:cBhvr>
+                                        <p:cTn id="28" dur="1000" fill="hold"/>
+                                        <p:tgtEl>
+                                          <p:spTgt spid="589385517"/>
+                                        </p:tgtEl>
+                                        <p:attrNameLst>
+                                          <p:attrName>ppt_x</p:attrName>
+                                        </p:attrNameLst>
+                                      </p:cBhvr>
+                                      <p:tavLst>
+                                        <p:tav tm="0">
+                                          <p:val>
+                                            <p:strVal val="#ppt_x"/>
+                                          </p:val>
+                                        </p:tav>
+                                        <p:tav tm="100000">
+                                          <p:val>
+                                            <p:strVal val="#ppt_x"/>
+                                          </p:val>
+                                        </p:tav>
+                                      </p:tavLst>
+                                    </p:anim>
+                                    <p:anim calcmode="lin" valueType="num">
+                                      <p:cBhvr>
+                                        <p:cTn id="27" dur="1000" fill="hold"/>
+                                        <p:tgtEl>
+                                          <p:spTgt spid="589385517"/>
+                                        </p:tgtEl>
+                                        <p:attrNameLst>
+                                          <p:attrName>ppt_y</p:attrName>
+                                        </p:attrNameLst>
+                                      </p:cBhvr>
+                                      <p:tavLst>
+                                        <p:tav tm="0">
+                                          <p:val>
+                                            <p:strVal val="#ppt_y+.1"/>
+                                          </p:val>
+                                        </p:tav>
+                                        <p:tav tm="100000">
+                                          <p:val>
+                                            <p:strVal val="#ppt_y"/>
+                                          </p:val>
+                                        </p:tav>
+                                      </p:tavLst>
+                                    </p:anim>
+                                  </p:childTnLst>
+                                </p:cTn>
+                              </p:par>
+                            </p:childTnLst>
+                          </p:cTn>
+                        </p:par>
+                      </p:childTnLst>
+                    </p:cTn>
+                  </p:par>
+                  <p:par>
+                    <p:cTn id="17" fill="hold">
+                      <p:stCondLst>
+                        <p:cond delay="indefinite"/>
+                      </p:stCondLst>
+                      <p:childTnLst>
+                        <p:par>
+                          <p:cTn id="18" fill="hold">
+                            <p:stCondLst>
+                              <p:cond delay="0"/>
+                            </p:stCondLst>
+                            <p:childTnLst>
+                              <p:par>
+                                <p:cTn id="19" presetID="42" presetClass="entr" presetSubtype="0" fill="hold" grpId="0" nodeType="clickEffect">
+                                  <p:stCondLst>
+                                    <p:cond delay="0"/>
+                                  </p:stCondLst>
+                                  <p:childTnLst>
+                                    <p:set>
+                                      <p:cBhvr>
+                                        <p:cTn id="23" dur="1" fill="hold">
+                                          <p:stCondLst>
+                                            <p:cond delay="0"/>
+                                          </p:stCondLst>
+                                        </p:cTn>
+                                        <p:tgtEl>
+                                          <p:spTgt spid="1144166742"/>
+                                        </p:tgtEl>
+                                        <p:attrNameLst>
+                                          <p:attrName>style.visibility</p:attrName>
+                                        </p:attrNameLst>
+                                      </p:cBhvr>
+                                      <p:to>
+                                        <p:strVal val="visible"/>
+                                      </p:to>
+                                    </p:set>
+                                    <p:animEffect transition="in" filter="fade">
+                                      <p:cBhvr>
+                                        <p:cTn id="22" dur="1000"/>
+                                        <p:tgtEl>
+                                          <p:spTgt spid="1144166742"/>
+                                        </p:tgtEl>
+                                      </p:cBhvr>
+                                    </p:animEffect>
+                                    <p:anim calcmode="lin" valueType="num">
+                                      <p:cBhvr>
+                                        <p:cTn id="21" dur="1000" fill="hold"/>
+                                        <p:tgtEl>
+                                          <p:spTgt spid="1144166742"/>
+                                        </p:tgtEl>
+                                        <p:attrNameLst>
+                                          <p:attrName>ppt_x</p:attrName>
+                                        </p:attrNameLst>
+                                      </p:cBhvr>
+                                      <p:tavLst>
+                                        <p:tav tm="0">
+                                          <p:val>
+                                            <p:strVal val="#ppt_x"/>
+                                          </p:val>
+                                        </p:tav>
+                                        <p:tav tm="100000">
+                                          <p:val>
+                                            <p:strVal val="#ppt_x"/>
+                                          </p:val>
+                                        </p:tav>
+                                      </p:tavLst>
+                                    </p:anim>
+                                    <p:anim calcmode="lin" valueType="num">
+                                      <p:cBhvr>
+                                        <p:cTn id="20" dur="1000" fill="hold"/>
+                                        <p:tgtEl>
+                                          <p:spTgt spid="1144166742"/>
+                                        </p:tgtEl>
+                                        <p:attrNameLst>
+                                          <p:attrName>ppt_y</p:attrName>
+                                        </p:attrNameLst>
+                                      </p:cBhvr>
+                                      <p:tavLst>
+                                        <p:tav tm="0">
+                                          <p:val>
+                                            <p:strVal val="#ppt_y+.1"/>
+                                          </p:val>
+                                        </p:tav>
+                                        <p:tav tm="100000">
+                                          <p:val>
+                                            <p:strVal val="#ppt_y"/>
+                                          </p:val>
+                                        </p:tav>
+                                      </p:tavLst>
+                                    </p:anim>
+                                  </p:childTnLst>
+                                </p:cTn>
+                              </p:par>
+                            </p:childTnLst>
+                          </p:cTn>
+                        </p:par>
+                      </p:childTnLst>
+                    </p:cTn>
+                  </p:par>
+                  <p:par>
+                    <p:cTn id="10" fill="hold">
+                      <p:stCondLst>
+                        <p:cond delay="indefinite"/>
+                      </p:stCondLst>
+                      <p:childTnLst>
+                        <p:par>
+                          <p:cTn id="11" fill="hold">
+                            <p:stCondLst>
+                              <p:cond delay="0"/>
+                            </p:stCondLst>
+                            <p:childTnLst>
+                              <p:par>
+                                <p:cTn id="12" presetID="42" presetClass="entr" presetSubtype="0" fill="hold" grpId="0" nodeType="clickEffect">
+                                  <p:stCondLst>
+                                    <p:cond delay="0"/>
+                                  </p:stCondLst>
+                                  <p:childTnLst>
+                                    <p:set>
+                                      <p:cBhvr>
+                                        <p:cTn id="16" dur="1" fill="hold">
+                                          <p:stCondLst>
+                                            <p:cond delay="0"/>
+                                          </p:stCondLst>
+                                        </p:cTn>
+                                        <p:tgtEl>
+                                          <p:spTgt spid="781800424"/>
+                                        </p:tgtEl>
+                                        <p:attrNameLst>
+                                          <p:attrName>style.visibility</p:attrName>
+                                        </p:attrNameLst>
+                                      </p:cBhvr>
+                                      <p:to>
+                                        <p:strVal val="visible"/>
+                                      </p:to>
+                                    </p:set>
+                                    <p:animEffect transition="in" filter="fade">
+                                      <p:cBhvr>
+                                        <p:cTn id="15" dur="1000"/>
+                                        <p:tgtEl>
+                                          <p:spTgt spid="781800424"/>
+                                        </p:tgtEl>
+                                      </p:cBhvr>
+                                    </p:animEffect>
+                                    <p:anim calcmode="lin" valueType="num">
+                                      <p:cBhvr>
+                                        <p:cTn id="14" dur="1000" fill="hold"/>
+                                        <p:tgtEl>
+                                          <p:spTgt spid="781800424"/>
+                                        </p:tgtEl>
+                                        <p:attrNameLst>
+                                          <p:attrName>ppt_x</p:attrName>
+                                        </p:attrNameLst>
+                                      </p:cBhvr>
+                                      <p:tavLst>
+                                        <p:tav tm="0">
+                                          <p:val>
+                                            <p:strVal val="#ppt_x"/>
+                                          </p:val>
+                                        </p:tav>
+                                        <p:tav tm="100000">
+                                          <p:val>
+                                            <p:strVal val="#ppt_x"/>
+                                          </p:val>
+                                        </p:tav>
+                                      </p:tavLst>
+                                    </p:anim>
+                                    <p:anim calcmode="lin" valueType="num">
+                                      <p:cBhvr>
+                                        <p:cTn id="13" dur="1000" fill="hold"/>
+                                        <p:tgtEl>
+                                          <p:spTgt spid="781800424"/>
+                                        </p:tgtEl>
+                                        <p:attrNameLst>
+                                          <p:attrName>ppt_y</p:attrName>
+                                        </p:attrNameLst>
+                                      </p:cBhvr>
+                                      <p:tavLst>
+                                        <p:tav tm="0">
+                                          <p:val>
+                                            <p:strVal val="#ppt_y+.1"/>
+                                          </p:val>
+                                        </p:tav>
+                                        <p:tav tm="100000">
+                                          <p:val>
+                                            <p:strVal val="#ppt_y"/>
+                                          </p:val>
+                                        </p:tav>
+                                      </p:tavLst>
+                                    </p:anim>
+                                  </p:childTnLst>
+                                </p:cTn>
+                              </p:par>
+                            </p:childTnLst>
+                          </p:cTn>
+                        </p:par>
+                      </p:childTnLst>
+                    </p:cTn>
+                  </p:par>
+                  <p:par>
+                    <p:cTn id="3" fill="hold">
+                      <p:stCondLst>
+                        <p:cond delay="indefinite"/>
+                      </p:stCondLst>
+                      <p:childTnLst>
+                        <p:par>
+                          <p:cTn id="4" fill="hold">
+                            <p:stCondLst>
+                              <p:cond delay="0"/>
+                            </p:stCondLst>
+                            <p:childTnLst>
+                              <p:par>
+                                <p:cTn id="5" presetID="42" presetClass="entr" presetSubtype="0" fill="hold" grpId="0" nodeType="clickEffect">
+                                  <p:stCondLst>
+                                    <p:cond delay="0"/>
+                                  </p:stCondLst>
+                                  <p:childTnLst>
+                                    <p:set>
+                                      <p:cBhvr>
+                                        <p:cTn id="9" dur="1" fill="hold">
+                                          <p:stCondLst>
+                                            <p:cond delay="0"/>
+                                          </p:stCondLst>
+                                        </p:cTn>
+                                        <p:tgtEl>
+                                          <p:spTgt spid="1859465997"/>
+                                        </p:tgtEl>
+                                        <p:attrNameLst>
+                                          <p:attrName>style.visibility</p:attrName>
+                                        </p:attrNameLst>
+                                      </p:cBhvr>
+                                      <p:to>
+                                        <p:strVal val="visible"/>
+                                      </p:to>
+                                    </p:set>
+                                    <p:animEffect transition="in" filter="fade">
+                                      <p:cBhvr>
+                                        <p:cTn id="8" dur="1000"/>
+                                        <p:tgtEl>
+                                          <p:spTgt spid="1859465997"/>
+                                        </p:tgtEl>
+                                      </p:cBhvr>
+                                    </p:animEffect>
+                                    <p:anim calcmode="lin" valueType="num">
+                                      <p:cBhvr>
+                                        <p:cTn id="7" dur="1000" fill="hold"/>
+                                        <p:tgtEl>
+                                          <p:spTgt spid="1859465997"/>
+                                        </p:tgtEl>
+                                        <p:attrNameLst>
+                                          <p:attrName>ppt_x</p:attrName>
+                                        </p:attrNameLst>
+                                      </p:cBhvr>
+                                      <p:tavLst>
+                                        <p:tav tm="0">
+                                          <p:val>
+                                            <p:strVal val="#ppt_x"/>
+                                          </p:val>
+                                        </p:tav>
+                                        <p:tav tm="100000">
+                                          <p:val>
+                                            <p:strVal val="#ppt_x"/>
+                                          </p:val>
+                                        </p:tav>
+                                      </p:tavLst>
+                                    </p:anim>
+                                    <p:anim calcmode="lin" valueType="num">
+                                      <p:cBhvr>
+                                        <p:cTn id="6" dur="1000" fill="hold"/>
+                                        <p:tgtEl>
+                                          <p:spTgt spid="1859465997"/>
+                                        </p:tgtEl>
+                                        <p:attrNameLst>
+                                          <p:attrName>ppt_y</p:attrName>
+                                        </p:attrNameLst>
+                                      </p:cBhvr>
+                                      <p:tavLst>
+                                        <p:tav tm="0">
+                                          <p:val>
+                                            <p:strVal val="#ppt_y+.1"/>
+                                          </p:val>
+                                        </p:tav>
+                                        <p:tav tm="100000">
+                                          <p:val>
+                                            <p:strVal val="#ppt_y"/>
+                                          </p:val>
+                                        </p:tav>
+                                      </p:tavLst>
+                                    </p:anim>
+                                  </p:childTnLst>
+                                </p:cTn>
+                              </p:par>
+                            </p:childTnLst>
+                          </p:cTn>
+                        </p:par>
+                      </p:childTnLst>
+                    </p:cTn>
+                  </p:par>
+                </p:childTnLst>
+              </p:cTn>
+              <p:prevCondLst>
+                <p:cond evt="onPrev" delay="0">
+                  <p:tgtEl>
+                    <p:sldTgt/>
+                  </p:tgtEl>
+                </p:cond>
+              </p:prevCondLst>
+              <p:nextCondLst>
+                <p:cond evt="onNext" delay="0">
+                  <p:tgtEl>
+                    <p:sldTgt/>
+                  </p:tgtEl>
+                </p:cond>
+              </p:nextCondLst>
+            </p:seq>
+          </p:childTnLst>
+        </p:cTn>
+      </p:par>
+    </p:tnLst>
+  </p:timing>
 </p:sld>
 </file>
 
@@ -8124,6 +9348,241 @@
       <p:transition advClick="1"/>
     </mc:Fallback>
   </mc:AlternateContent>
+  <p:timing>
+    <p:tnLst>
+      <p:par>
+        <p:cTn id="1" dur="indefinite" restart="never" nodeType="tmRoot">
+          <p:childTnLst>
+            <p:seq concurrent="1" nextAc="seek">
+              <p:cTn id="2" dur="indefinite" nodeType="mainSeq">
+                <p:childTnLst>
+                  <p:par>
+                    <p:cTn id="13" fill="hold">
+                      <p:stCondLst>
+                        <p:cond delay="indefinite"/>
+                      </p:stCondLst>
+                      <p:childTnLst>
+                        <p:par>
+                          <p:cTn id="14" fill="hold">
+                            <p:stCondLst>
+                              <p:cond delay="0"/>
+                            </p:stCondLst>
+                            <p:childTnLst>
+                              <p:par>
+                                <p:cTn id="15" presetID="53" presetClass="entr" presetSubtype="16" fill="hold" grpId="0" nodeType="clickEffect">
+                                  <p:stCondLst>
+                                    <p:cond delay="0"/>
+                                  </p:stCondLst>
+                                  <p:childTnLst>
+                                    <p:set>
+                                      <p:cBhvr>
+                                        <p:cTn id="19" dur="1" fill="hold">
+                                          <p:stCondLst>
+                                            <p:cond delay="0"/>
+                                          </p:stCondLst>
+                                        </p:cTn>
+                                        <p:tgtEl>
+                                          <p:spTgt spid="1416292219"/>
+                                        </p:tgtEl>
+                                        <p:attrNameLst>
+                                          <p:attrName>style.visibility</p:attrName>
+                                        </p:attrNameLst>
+                                      </p:cBhvr>
+                                      <p:to>
+                                        <p:strVal val="visible"/>
+                                      </p:to>
+                                    </p:set>
+                                    <p:anim calcmode="lin" valueType="num">
+                                      <p:cBhvr>
+                                        <p:cTn id="18" dur="500" fill="hold"/>
+                                        <p:tgtEl>
+                                          <p:spTgt spid="1416292219"/>
+                                        </p:tgtEl>
+                                        <p:attrNameLst>
+                                          <p:attrName>ppt_w</p:attrName>
+                                        </p:attrNameLst>
+                                      </p:cBhvr>
+                                      <p:tavLst>
+                                        <p:tav tm="0">
+                                          <p:val>
+                                            <p:fltVal val="0"/>
+                                          </p:val>
+                                        </p:tav>
+                                        <p:tav tm="100000">
+                                          <p:val>
+                                            <p:strVal val="#ppt_w"/>
+                                          </p:val>
+                                        </p:tav>
+                                      </p:tavLst>
+                                    </p:anim>
+                                    <p:anim calcmode="lin" valueType="num">
+                                      <p:cBhvr>
+                                        <p:cTn id="17" dur="500" fill="hold"/>
+                                        <p:tgtEl>
+                                          <p:spTgt spid="1416292219"/>
+                                        </p:tgtEl>
+                                        <p:attrNameLst>
+                                          <p:attrName>ppt_h</p:attrName>
+                                        </p:attrNameLst>
+                                      </p:cBhvr>
+                                      <p:tavLst>
+                                        <p:tav tm="0">
+                                          <p:val>
+                                            <p:fltVal val="0"/>
+                                          </p:val>
+                                        </p:tav>
+                                        <p:tav tm="100000">
+                                          <p:val>
+                                            <p:strVal val="#ppt_h"/>
+                                          </p:val>
+                                        </p:tav>
+                                      </p:tavLst>
+                                    </p:anim>
+                                    <p:animEffect transition="in" filter="fade">
+                                      <p:cBhvr>
+                                        <p:cTn id="16" dur="500"/>
+                                        <p:tgtEl>
+                                          <p:spTgt spid="1416292219"/>
+                                        </p:tgtEl>
+                                      </p:cBhvr>
+                                    </p:animEffect>
+                                  </p:childTnLst>
+                                </p:cTn>
+                              </p:par>
+                            </p:childTnLst>
+                          </p:cTn>
+                        </p:par>
+                      </p:childTnLst>
+                    </p:cTn>
+                  </p:par>
+                  <p:par>
+                    <p:cTn id="8" fill="hold">
+                      <p:stCondLst>
+                        <p:cond delay="indefinite"/>
+                      </p:stCondLst>
+                      <p:childTnLst>
+                        <p:par>
+                          <p:cTn id="9" fill="hold">
+                            <p:stCondLst>
+                              <p:cond delay="0"/>
+                            </p:stCondLst>
+                            <p:childTnLst>
+                              <p:par>
+                                <p:cTn id="10" presetID="22" presetClass="entr" presetSubtype="4" fill="hold" grpId="0" nodeType="clickEffect">
+                                  <p:stCondLst>
+                                    <p:cond delay="0"/>
+                                  </p:stCondLst>
+                                  <p:childTnLst>
+                                    <p:set>
+                                      <p:cBhvr>
+                                        <p:cTn id="12" dur="1" fill="hold">
+                                          <p:stCondLst>
+                                            <p:cond delay="0"/>
+                                          </p:stCondLst>
+                                        </p:cTn>
+                                        <p:tgtEl>
+                                          <p:spTgt spid="1004571076"/>
+                                        </p:tgtEl>
+                                        <p:attrNameLst>
+                                          <p:attrName>style.visibility</p:attrName>
+                                        </p:attrNameLst>
+                                      </p:cBhvr>
+                                      <p:to>
+                                        <p:strVal val="visible"/>
+                                      </p:to>
+                                    </p:set>
+                                    <p:animEffect transition="in" filter="wipe(down)">
+                                      <p:cBhvr>
+                                        <p:cTn id="11" dur="500"/>
+                                        <p:tgtEl>
+                                          <p:spTgt spid="1004571076"/>
+                                        </p:tgtEl>
+                                      </p:cBhvr>
+                                    </p:animEffect>
+                                  </p:childTnLst>
+                                </p:cTn>
+                              </p:par>
+                            </p:childTnLst>
+                          </p:cTn>
+                        </p:par>
+                      </p:childTnLst>
+                    </p:cTn>
+                  </p:par>
+                  <p:par>
+                    <p:cTn id="3" fill="hold">
+                      <p:stCondLst>
+                        <p:cond delay="indefinite"/>
+                      </p:stCondLst>
+                      <p:childTnLst>
+                        <p:par>
+                          <p:cTn id="4" fill="hold">
+                            <p:stCondLst>
+                              <p:cond delay="0"/>
+                            </p:stCondLst>
+                            <p:childTnLst>
+                              <p:par>
+                                <p:cTn id="5" presetID="22" presetClass="entr" presetSubtype="4" fill="hold" grpId="0" nodeType="clickEffect">
+                                  <p:stCondLst>
+                                    <p:cond delay="0"/>
+                                  </p:stCondLst>
+                                  <p:childTnLst>
+                                    <p:set>
+                                      <p:cBhvr>
+                                        <p:cTn id="7" dur="1" fill="hold">
+                                          <p:stCondLst>
+                                            <p:cond delay="0"/>
+                                          </p:stCondLst>
+                                        </p:cTn>
+                                        <p:tgtEl>
+                                          <p:spTgt spid="1058836815"/>
+                                        </p:tgtEl>
+                                        <p:attrNameLst>
+                                          <p:attrName>style.visibility</p:attrName>
+                                        </p:attrNameLst>
+                                      </p:cBhvr>
+                                      <p:to>
+                                        <p:strVal val="visible"/>
+                                      </p:to>
+                                    </p:set>
+                                    <p:animEffect transition="in" filter="wipe(down)">
+                                      <p:cBhvr>
+                                        <p:cTn id="6" dur="500"/>
+                                        <p:tgtEl>
+                                          <p:spTgt spid="1058836815"/>
+                                        </p:tgtEl>
+                                      </p:cBhvr>
+                                    </p:animEffect>
+                                  </p:childTnLst>
+                                </p:cTn>
+                              </p:par>
+                            </p:childTnLst>
+                          </p:cTn>
+                        </p:par>
+                      </p:childTnLst>
+                    </p:cTn>
+                  </p:par>
+                </p:childTnLst>
+              </p:cTn>
+              <p:prevCondLst>
+                <p:cond evt="onPrev" delay="0">
+                  <p:tgtEl>
+                    <p:sldTgt/>
+                  </p:tgtEl>
+                </p:cond>
+              </p:prevCondLst>
+              <p:nextCondLst>
+                <p:cond evt="onNext" delay="0">
+                  <p:tgtEl>
+                    <p:sldTgt/>
+                  </p:tgtEl>
+                </p:cond>
+              </p:nextCondLst>
+            </p:seq>
+          </p:childTnLst>
+        </p:cTn>
+      </p:par>
+    </p:tnLst>
+  </p:timing>
 </p:sld>
 </file>
 
@@ -8336,6 +9795,142 @@
       <p:transition advClick="1"/>
     </mc:Fallback>
   </mc:AlternateContent>
+  <p:timing>
+    <p:tnLst>
+      <p:par>
+        <p:cTn id="1" dur="indefinite" restart="never" nodeType="tmRoot">
+          <p:childTnLst>
+            <p:seq concurrent="1" nextAc="seek">
+              <p:cTn id="2" dur="indefinite" nodeType="mainSeq">
+                <p:childTnLst>
+                  <p:par>
+                    <p:cTn id="8" fill="hold">
+                      <p:stCondLst>
+                        <p:cond delay="indefinite"/>
+                      </p:stCondLst>
+                      <p:childTnLst>
+                        <p:par>
+                          <p:cTn id="9" fill="hold">
+                            <p:stCondLst>
+                              <p:cond delay="0"/>
+                            </p:stCondLst>
+                            <p:childTnLst>
+                              <p:par>
+                                <p:cTn id="10" presetID="22" presetClass="entr" presetSubtype="4" fill="hold" grpId="0" nodeType="clickEffect">
+                                  <p:stCondLst>
+                                    <p:cond delay="0"/>
+                                  </p:stCondLst>
+                                  <p:childTnLst>
+                                    <p:set>
+                                      <p:cBhvr>
+                                        <p:cTn id="12" dur="1" fill="hold">
+                                          <p:stCondLst>
+                                            <p:cond delay="0"/>
+                                          </p:stCondLst>
+                                        </p:cTn>
+                                        <p:tgtEl>
+                                          <p:spTgt spid="1508824160"/>
+                                        </p:tgtEl>
+                                        <p:attrNameLst>
+                                          <p:attrName>style.visibility</p:attrName>
+                                        </p:attrNameLst>
+                                      </p:cBhvr>
+                                      <p:to>
+                                        <p:strVal val="visible"/>
+                                      </p:to>
+                                    </p:set>
+                                    <p:animEffect transition="in" filter="wipe(down)">
+                                      <p:cBhvr>
+                                        <p:cTn id="11" dur="500"/>
+                                        <p:tgtEl>
+                                          <p:spTgt spid="1508824160"/>
+                                        </p:tgtEl>
+                                      </p:cBhvr>
+                                    </p:animEffect>
+                                  </p:childTnLst>
+                                </p:cTn>
+                              </p:par>
+                            </p:childTnLst>
+                          </p:cTn>
+                        </p:par>
+                      </p:childTnLst>
+                    </p:cTn>
+                  </p:par>
+                  <p:par>
+                    <p:cTn id="3" fill="hold">
+                      <p:stCondLst>
+                        <p:cond delay="indefinite"/>
+                      </p:stCondLst>
+                      <p:childTnLst>
+                        <p:par>
+                          <p:cTn id="4" fill="hold">
+                            <p:stCondLst>
+                              <p:cond delay="0"/>
+                            </p:stCondLst>
+                            <p:childTnLst>
+                              <p:par>
+                                <p:cTn id="5" presetID="22" presetClass="entr" presetSubtype="4" fill="hold" grpId="0" nodeType="clickEffect">
+                                  <p:stCondLst>
+                                    <p:cond delay="0"/>
+                                  </p:stCondLst>
+                                  <p:childTnLst>
+                                    <p:set>
+                                      <p:cBhvr>
+                                        <p:cTn id="7" dur="1" fill="hold">
+                                          <p:stCondLst>
+                                            <p:cond delay="0"/>
+                                          </p:stCondLst>
+                                        </p:cTn>
+                                        <p:tgtEl>
+                                          <p:spTgt spid="1052775387"/>
+                                        </p:tgtEl>
+                                        <p:attrNameLst>
+                                          <p:attrName>style.visibility</p:attrName>
+                                        </p:attrNameLst>
+                                      </p:cBhvr>
+                                      <p:to>
+                                        <p:strVal val="visible"/>
+                                      </p:to>
+                                    </p:set>
+                                    <p:animEffect transition="in" filter="wipe(down)">
+                                      <p:cBhvr>
+                                        <p:cTn id="6" dur="500"/>
+                                        <p:tgtEl>
+                                          <p:spTgt spid="1052775387"/>
+                                        </p:tgtEl>
+                                      </p:cBhvr>
+                                    </p:animEffect>
+                                  </p:childTnLst>
+                                </p:cTn>
+                              </p:par>
+                            </p:childTnLst>
+                          </p:cTn>
+                        </p:par>
+                      </p:childTnLst>
+                    </p:cTn>
+                  </p:par>
+                </p:childTnLst>
+              </p:cTn>
+              <p:prevCondLst>
+                <p:cond evt="onPrev" delay="0">
+                  <p:tgtEl>
+                    <p:sldTgt/>
+                  </p:tgtEl>
+                </p:cond>
+              </p:prevCondLst>
+              <p:nextCondLst>
+                <p:cond evt="onNext" delay="0">
+                  <p:tgtEl>
+                    <p:sldTgt/>
+                  </p:tgtEl>
+                </p:cond>
+              </p:nextCondLst>
+            </p:seq>
+          </p:childTnLst>
+        </p:cTn>
+      </p:par>
+    </p:tnLst>
+  </p:timing>
 </p:sld>
 </file>
 
@@ -8675,6 +10270,392 @@
       <p:transition advClick="1"/>
     </mc:Fallback>
   </mc:AlternateContent>
+  <p:timing>
+    <p:tnLst>
+      <p:par>
+        <p:cTn id="1" dur="indefinite" restart="never" nodeType="tmRoot">
+          <p:childTnLst>
+            <p:seq concurrent="1" nextAc="seek">
+              <p:cTn id="2" dur="indefinite" nodeType="mainSeq">
+                <p:childTnLst>
+                  <p:par>
+                    <p:cTn id="28" fill="hold">
+                      <p:stCondLst>
+                        <p:cond delay="indefinite"/>
+                      </p:stCondLst>
+                      <p:childTnLst>
+                        <p:par>
+                          <p:cTn id="29" fill="hold">
+                            <p:stCondLst>
+                              <p:cond delay="0"/>
+                            </p:stCondLst>
+                            <p:childTnLst>
+                              <p:par>
+                                <p:cTn id="30" presetID="2" presetClass="entr" presetSubtype="4" fill="hold" grpId="0" nodeType="clickEffect">
+                                  <p:stCondLst>
+                                    <p:cond delay="0"/>
+                                  </p:stCondLst>
+                                  <p:childTnLst>
+                                    <p:set>
+                                      <p:cBhvr>
+                                        <p:cTn id="33" dur="1" fill="hold">
+                                          <p:stCondLst>
+                                            <p:cond delay="0"/>
+                                          </p:stCondLst>
+                                        </p:cTn>
+                                        <p:tgtEl>
+                                          <p:spTgt spid="1856821301"/>
+                                        </p:tgtEl>
+                                        <p:attrNameLst>
+                                          <p:attrName>style.visibility</p:attrName>
+                                        </p:attrNameLst>
+                                      </p:cBhvr>
+                                      <p:to>
+                                        <p:strVal val="visible"/>
+                                      </p:to>
+                                    </p:set>
+                                    <p:anim calcmode="lin" valueType="num">
+                                      <p:cBhvr additive="base">
+                                        <p:cTn id="32" dur="500" fill="hold"/>
+                                        <p:tgtEl>
+                                          <p:spTgt spid="1856821301"/>
+                                        </p:tgtEl>
+                                        <p:attrNameLst>
+                                          <p:attrName>ppt_x</p:attrName>
+                                        </p:attrNameLst>
+                                      </p:cBhvr>
+                                      <p:tavLst>
+                                        <p:tav tm="0">
+                                          <p:val>
+                                            <p:strVal val="#ppt_x"/>
+                                          </p:val>
+                                        </p:tav>
+                                        <p:tav tm="100000">
+                                          <p:val>
+                                            <p:strVal val="#ppt_x"/>
+                                          </p:val>
+                                        </p:tav>
+                                      </p:tavLst>
+                                    </p:anim>
+                                    <p:anim calcmode="lin" valueType="num">
+                                      <p:cBhvr additive="base">
+                                        <p:cTn id="31" dur="500" fill="hold"/>
+                                        <p:tgtEl>
+                                          <p:spTgt spid="1856821301"/>
+                                        </p:tgtEl>
+                                        <p:attrNameLst>
+                                          <p:attrName>ppt_y</p:attrName>
+                                        </p:attrNameLst>
+                                      </p:cBhvr>
+                                      <p:tavLst>
+                                        <p:tav tm="0">
+                                          <p:val>
+                                            <p:strVal val="1+#ppt_h/2"/>
+                                          </p:val>
+                                        </p:tav>
+                                        <p:tav tm="100000">
+                                          <p:val>
+                                            <p:strVal val="#ppt_y"/>
+                                          </p:val>
+                                        </p:tav>
+                                      </p:tavLst>
+                                    </p:anim>
+                                  </p:childTnLst>
+                                </p:cTn>
+                              </p:par>
+                            </p:childTnLst>
+                          </p:cTn>
+                        </p:par>
+                      </p:childTnLst>
+                    </p:cTn>
+                  </p:par>
+                  <p:par>
+                    <p:cTn id="23" fill="hold">
+                      <p:stCondLst>
+                        <p:cond delay="indefinite"/>
+                      </p:stCondLst>
+                      <p:childTnLst>
+                        <p:par>
+                          <p:cTn id="24" fill="hold">
+                            <p:stCondLst>
+                              <p:cond delay="0"/>
+                            </p:stCondLst>
+                            <p:childTnLst>
+                              <p:par>
+                                <p:cTn id="25" presetID="16" presetClass="entr" presetSubtype="21" fill="hold" grpId="0" nodeType="clickEffect">
+                                  <p:stCondLst>
+                                    <p:cond delay="0"/>
+                                  </p:stCondLst>
+                                  <p:childTnLst>
+                                    <p:set>
+                                      <p:cBhvr>
+                                        <p:cTn id="27" dur="1" fill="hold">
+                                          <p:stCondLst>
+                                            <p:cond delay="0"/>
+                                          </p:stCondLst>
+                                        </p:cTn>
+                                        <p:tgtEl>
+                                          <p:spTgt spid="666085102"/>
+                                        </p:tgtEl>
+                                        <p:attrNameLst>
+                                          <p:attrName>style.visibility</p:attrName>
+                                        </p:attrNameLst>
+                                      </p:cBhvr>
+                                      <p:to>
+                                        <p:strVal val="visible"/>
+                                      </p:to>
+                                    </p:set>
+                                    <p:animEffect transition="in" filter="barn(inVertical)">
+                                      <p:cBhvr>
+                                        <p:cTn id="26" dur="500"/>
+                                        <p:tgtEl>
+                                          <p:spTgt spid="666085102"/>
+                                        </p:tgtEl>
+                                      </p:cBhvr>
+                                    </p:animEffect>
+                                  </p:childTnLst>
+                                </p:cTn>
+                              </p:par>
+                            </p:childTnLst>
+                          </p:cTn>
+                        </p:par>
+                      </p:childTnLst>
+                    </p:cTn>
+                  </p:par>
+                  <p:par>
+                    <p:cTn id="18" fill="hold">
+                      <p:stCondLst>
+                        <p:cond delay="indefinite"/>
+                      </p:stCondLst>
+                      <p:childTnLst>
+                        <p:par>
+                          <p:cTn id="19" fill="hold">
+                            <p:stCondLst>
+                              <p:cond delay="0"/>
+                            </p:stCondLst>
+                            <p:childTnLst>
+                              <p:par>
+                                <p:cTn id="20" presetID="16" presetClass="entr" presetSubtype="21" fill="hold" grpId="0" nodeType="clickEffect">
+                                  <p:stCondLst>
+                                    <p:cond delay="0"/>
+                                  </p:stCondLst>
+                                  <p:childTnLst>
+                                    <p:set>
+                                      <p:cBhvr>
+                                        <p:cTn id="22" dur="1" fill="hold">
+                                          <p:stCondLst>
+                                            <p:cond delay="0"/>
+                                          </p:stCondLst>
+                                        </p:cTn>
+                                        <p:tgtEl>
+                                          <p:spTgt spid="468156093"/>
+                                        </p:tgtEl>
+                                        <p:attrNameLst>
+                                          <p:attrName>style.visibility</p:attrName>
+                                        </p:attrNameLst>
+                                      </p:cBhvr>
+                                      <p:to>
+                                        <p:strVal val="visible"/>
+                                      </p:to>
+                                    </p:set>
+                                    <p:animEffect transition="in" filter="barn(inVertical)">
+                                      <p:cBhvr>
+                                        <p:cTn id="21" dur="500"/>
+                                        <p:tgtEl>
+                                          <p:spTgt spid="468156093"/>
+                                        </p:tgtEl>
+                                      </p:cBhvr>
+                                    </p:animEffect>
+                                  </p:childTnLst>
+                                </p:cTn>
+                              </p:par>
+                            </p:childTnLst>
+                          </p:cTn>
+                        </p:par>
+                      </p:childTnLst>
+                    </p:cTn>
+                  </p:par>
+                  <p:par>
+                    <p:cTn id="13" fill="hold">
+                      <p:stCondLst>
+                        <p:cond delay="indefinite"/>
+                      </p:stCondLst>
+                      <p:childTnLst>
+                        <p:par>
+                          <p:cTn id="14" fill="hold">
+                            <p:stCondLst>
+                              <p:cond delay="0"/>
+                            </p:stCondLst>
+                            <p:childTnLst>
+                              <p:par>
+                                <p:cTn id="15" presetID="16" presetClass="entr" presetSubtype="21" fill="hold" grpId="0" nodeType="clickEffect">
+                                  <p:stCondLst>
+                                    <p:cond delay="0"/>
+                                  </p:stCondLst>
+                                  <p:childTnLst>
+                                    <p:set>
+                                      <p:cBhvr>
+                                        <p:cTn id="17" dur="1" fill="hold">
+                                          <p:stCondLst>
+                                            <p:cond delay="0"/>
+                                          </p:stCondLst>
+                                        </p:cTn>
+                                        <p:tgtEl>
+                                          <p:spTgt spid="393003503"/>
+                                        </p:tgtEl>
+                                        <p:attrNameLst>
+                                          <p:attrName>style.visibility</p:attrName>
+                                        </p:attrNameLst>
+                                      </p:cBhvr>
+                                      <p:to>
+                                        <p:strVal val="visible"/>
+                                      </p:to>
+                                    </p:set>
+                                    <p:animEffect transition="in" filter="barn(inVertical)">
+                                      <p:cBhvr>
+                                        <p:cTn id="16" dur="500"/>
+                                        <p:tgtEl>
+                                          <p:spTgt spid="393003503"/>
+                                        </p:tgtEl>
+                                      </p:cBhvr>
+                                    </p:animEffect>
+                                  </p:childTnLst>
+                                </p:cTn>
+                              </p:par>
+                            </p:childTnLst>
+                          </p:cTn>
+                        </p:par>
+                      </p:childTnLst>
+                    </p:cTn>
+                  </p:par>
+                  <p:par>
+                    <p:cTn id="8" fill="hold">
+                      <p:stCondLst>
+                        <p:cond delay="indefinite"/>
+                      </p:stCondLst>
+                      <p:childTnLst>
+                        <p:par>
+                          <p:cTn id="9" fill="hold">
+                            <p:stCondLst>
+                              <p:cond delay="0"/>
+                            </p:stCondLst>
+                            <p:childTnLst>
+                              <p:par>
+                                <p:cTn id="10" presetID="16" presetClass="entr" presetSubtype="21" fill="hold" grpId="0" nodeType="clickEffect">
+                                  <p:stCondLst>
+                                    <p:cond delay="0"/>
+                                  </p:stCondLst>
+                                  <p:childTnLst>
+                                    <p:set>
+                                      <p:cBhvr>
+                                        <p:cTn id="12" dur="1" fill="hold">
+                                          <p:stCondLst>
+                                            <p:cond delay="0"/>
+                                          </p:stCondLst>
+                                        </p:cTn>
+                                        <p:tgtEl>
+                                          <p:spTgt spid="347786409"/>
+                                        </p:tgtEl>
+                                        <p:attrNameLst>
+                                          <p:attrName>style.visibility</p:attrName>
+                                        </p:attrNameLst>
+                                      </p:cBhvr>
+                                      <p:to>
+                                        <p:strVal val="visible"/>
+                                      </p:to>
+                                    </p:set>
+                                    <p:animEffect transition="in" filter="barn(inVertical)">
+                                      <p:cBhvr>
+                                        <p:cTn id="11" dur="500"/>
+                                        <p:tgtEl>
+                                          <p:spTgt spid="347786409"/>
+                                        </p:tgtEl>
+                                      </p:cBhvr>
+                                    </p:animEffect>
+                                  </p:childTnLst>
+                                </p:cTn>
+                              </p:par>
+                            </p:childTnLst>
+                          </p:cTn>
+                        </p:par>
+                      </p:childTnLst>
+                    </p:cTn>
+                  </p:par>
+                  <p:par>
+                    <p:cTn id="3" fill="hold">
+                      <p:stCondLst>
+                        <p:cond delay="indefinite"/>
+                      </p:stCondLst>
+                      <p:childTnLst>
+                        <p:par>
+                          <p:cTn id="4" fill="hold">
+                            <p:stCondLst>
+                              <p:cond delay="0"/>
+                            </p:stCondLst>
+                            <p:childTnLst>
+                              <p:par>
+                                <p:cTn id="5" presetID="16" presetClass="entr" presetSubtype="21" fill="hold" grpId="0" nodeType="clickEffect">
+                                  <p:stCondLst>
+                                    <p:cond delay="0"/>
+                                  </p:stCondLst>
+                                  <p:childTnLst>
+                                    <p:set>
+                                      <p:cBhvr>
+                                        <p:cTn id="7" dur="1" fill="hold">
+                                          <p:stCondLst>
+                                            <p:cond delay="0"/>
+                                          </p:stCondLst>
+                                        </p:cTn>
+                                        <p:tgtEl>
+                                          <p:spTgt spid="1126746440"/>
+                                        </p:tgtEl>
+                                        <p:attrNameLst>
+                                          <p:attrName>style.visibility</p:attrName>
+                                        </p:attrNameLst>
+                                      </p:cBhvr>
+                                      <p:to>
+                                        <p:strVal val="visible"/>
+                                      </p:to>
+                                    </p:set>
+                                    <p:animEffect transition="in" filter="barn(inVertical)">
+                                      <p:cBhvr>
+                                        <p:cTn id="6" dur="500"/>
+                                        <p:tgtEl>
+                                          <p:spTgt spid="1126746440"/>
+                                        </p:tgtEl>
+                                      </p:cBhvr>
+                                    </p:animEffect>
+                                  </p:childTnLst>
+                                </p:cTn>
+                              </p:par>
+                            </p:childTnLst>
+                          </p:cTn>
+                        </p:par>
+                      </p:childTnLst>
+                    </p:cTn>
+                  </p:par>
+                </p:childTnLst>
+              </p:cTn>
+              <p:prevCondLst>
+                <p:cond evt="onPrev" delay="0">
+                  <p:tgtEl>
+                    <p:sldTgt/>
+                  </p:tgtEl>
+                </p:cond>
+              </p:prevCondLst>
+              <p:nextCondLst>
+                <p:cond evt="onNext" delay="0">
+                  <p:tgtEl>
+                    <p:sldTgt/>
+                  </p:tgtEl>
+                </p:cond>
+              </p:nextCondLst>
+            </p:seq>
+          </p:childTnLst>
+        </p:cTn>
+      </p:par>
+    </p:tnLst>
+  </p:timing>
 </p:sld>
 </file>
 
@@ -9120,6 +11101,233 @@
       <p:transition advClick="1"/>
     </mc:Fallback>
   </mc:AlternateContent>
+  <p:timing>
+    <p:tnLst>
+      <p:par>
+        <p:cTn id="1" dur="indefinite" restart="never" nodeType="tmRoot">
+          <p:childTnLst>
+            <p:seq concurrent="1" nextAc="seek">
+              <p:cTn id="2" dur="indefinite" nodeType="mainSeq">
+                <p:childTnLst>
+                  <p:par>
+                    <p:cTn id="13" fill="hold">
+                      <p:stCondLst>
+                        <p:cond delay="indefinite"/>
+                      </p:stCondLst>
+                      <p:childTnLst>
+                        <p:par>
+                          <p:cTn id="14" fill="hold">
+                            <p:stCondLst>
+                              <p:cond delay="0"/>
+                            </p:stCondLst>
+                            <p:childTnLst>
+                              <p:par>
+                                <p:cTn id="15" presetID="2" presetClass="entr" presetSubtype="4" fill="hold" grpId="0" nodeType="clickEffect">
+                                  <p:stCondLst>
+                                    <p:cond delay="0"/>
+                                  </p:stCondLst>
+                                  <p:childTnLst>
+                                    <p:set>
+                                      <p:cBhvr>
+                                        <p:cTn id="18" dur="1" fill="hold">
+                                          <p:stCondLst>
+                                            <p:cond delay="0"/>
+                                          </p:stCondLst>
+                                        </p:cTn>
+                                        <p:tgtEl>
+                                          <p:spTgt spid="213835799"/>
+                                        </p:tgtEl>
+                                        <p:attrNameLst>
+                                          <p:attrName>style.visibility</p:attrName>
+                                        </p:attrNameLst>
+                                      </p:cBhvr>
+                                      <p:to>
+                                        <p:strVal val="visible"/>
+                                      </p:to>
+                                    </p:set>
+                                    <p:anim calcmode="lin" valueType="num">
+                                      <p:cBhvr additive="base">
+                                        <p:cTn id="17" dur="500" fill="hold"/>
+                                        <p:tgtEl>
+                                          <p:spTgt spid="213835799"/>
+                                        </p:tgtEl>
+                                        <p:attrNameLst>
+                                          <p:attrName>ppt_x</p:attrName>
+                                        </p:attrNameLst>
+                                      </p:cBhvr>
+                                      <p:tavLst>
+                                        <p:tav tm="0">
+                                          <p:val>
+                                            <p:strVal val="#ppt_x"/>
+                                          </p:val>
+                                        </p:tav>
+                                        <p:tav tm="100000">
+                                          <p:val>
+                                            <p:strVal val="#ppt_x"/>
+                                          </p:val>
+                                        </p:tav>
+                                      </p:tavLst>
+                                    </p:anim>
+                                    <p:anim calcmode="lin" valueType="num">
+                                      <p:cBhvr additive="base">
+                                        <p:cTn id="16" dur="500" fill="hold"/>
+                                        <p:tgtEl>
+                                          <p:spTgt spid="213835799"/>
+                                        </p:tgtEl>
+                                        <p:attrNameLst>
+                                          <p:attrName>ppt_y</p:attrName>
+                                        </p:attrNameLst>
+                                      </p:cBhvr>
+                                      <p:tavLst>
+                                        <p:tav tm="0">
+                                          <p:val>
+                                            <p:strVal val="1+#ppt_h/2"/>
+                                          </p:val>
+                                        </p:tav>
+                                        <p:tav tm="100000">
+                                          <p:val>
+                                            <p:strVal val="#ppt_y"/>
+                                          </p:val>
+                                        </p:tav>
+                                      </p:tavLst>
+                                    </p:anim>
+                                  </p:childTnLst>
+                                </p:cTn>
+                              </p:par>
+                            </p:childTnLst>
+                          </p:cTn>
+                        </p:par>
+                      </p:childTnLst>
+                    </p:cTn>
+                  </p:par>
+                  <p:par>
+                    <p:cTn id="8" fill="hold">
+                      <p:stCondLst>
+                        <p:cond delay="indefinite"/>
+                      </p:stCondLst>
+                      <p:childTnLst>
+                        <p:par>
+                          <p:cTn id="9" fill="hold">
+                            <p:stCondLst>
+                              <p:cond delay="0"/>
+                            </p:stCondLst>
+                            <p:childTnLst>
+                              <p:par>
+                                <p:cTn id="10" presetID="16" presetClass="entr" presetSubtype="21" fill="hold" grpId="0" nodeType="clickEffect">
+                                  <p:stCondLst>
+                                    <p:cond delay="0"/>
+                                  </p:stCondLst>
+                                  <p:childTnLst>
+                                    <p:set>
+                                      <p:cBhvr>
+                                        <p:cTn id="12" dur="1" fill="hold">
+                                          <p:stCondLst>
+                                            <p:cond delay="0"/>
+                                          </p:stCondLst>
+                                        </p:cTn>
+                                        <p:tgtEl>
+                                          <p:spTgt spid="1865535841"/>
+                                        </p:tgtEl>
+                                        <p:attrNameLst>
+                                          <p:attrName>style.visibility</p:attrName>
+                                        </p:attrNameLst>
+                                      </p:cBhvr>
+                                      <p:to>
+                                        <p:strVal val="visible"/>
+                                      </p:to>
+                                    </p:set>
+                                    <p:animEffect transition="in" filter="barn(inVertical)">
+                                      <p:cBhvr>
+                                        <p:cTn id="11" dur="500"/>
+                                        <p:tgtEl>
+                                          <p:spTgt spid="1865535841"/>
+                                        </p:tgtEl>
+                                      </p:cBhvr>
+                                    </p:animEffect>
+                                  </p:childTnLst>
+                                </p:cTn>
+                              </p:par>
+                            </p:childTnLst>
+                          </p:cTn>
+                        </p:par>
+                      </p:childTnLst>
+                    </p:cTn>
+                  </p:par>
+                  <p:par>
+                    <p:cTn id="3" fill="hold">
+                      <p:stCondLst>
+                        <p:cond delay="indefinite"/>
+                      </p:stCondLst>
+                      <p:childTnLst>
+                        <p:par>
+                          <p:cTn id="4" fill="hold">
+                            <p:stCondLst>
+                              <p:cond delay="0"/>
+                            </p:stCondLst>
+                            <p:childTnLst>
+                              <p:par>
+                                <p:cTn id="5" presetID="16" presetClass="entr" presetSubtype="21" fill="hold" grpId="0" nodeType="clickEffect">
+                                  <p:stCondLst>
+                                    <p:cond delay="0"/>
+                                  </p:stCondLst>
+                                  <p:childTnLst>
+                                    <p:set>
+                                      <p:cBhvr>
+                                        <p:cTn id="7" dur="1" fill="hold">
+                                          <p:stCondLst>
+                                            <p:cond delay="0"/>
+                                          </p:stCondLst>
+                                        </p:cTn>
+                                        <p:tgtEl>
+                                          <p:spTgt spid="1181741086"/>
+                                        </p:tgtEl>
+                                        <p:attrNameLst>
+                                          <p:attrName>style.visibility</p:attrName>
+                                        </p:attrNameLst>
+                                      </p:cBhvr>
+                                      <p:to>
+                                        <p:strVal val="visible"/>
+                                      </p:to>
+                                    </p:set>
+                                    <p:animEffect transition="in" filter="barn(inVertical)">
+                                      <p:cBhvr>
+                                        <p:cTn id="6" dur="500"/>
+                                        <p:tgtEl>
+                                          <p:spTgt spid="1181741086"/>
+                                        </p:tgtEl>
+                                      </p:cBhvr>
+                                    </p:animEffect>
+                                  </p:childTnLst>
+                                </p:cTn>
+                              </p:par>
+                            </p:childTnLst>
+                          </p:cTn>
+                        </p:par>
+                      </p:childTnLst>
+                    </p:cTn>
+                  </p:par>
+                </p:childTnLst>
+              </p:cTn>
+              <p:prevCondLst>
+                <p:cond evt="onPrev" delay="0">
+                  <p:tgtEl>
+                    <p:sldTgt/>
+                  </p:tgtEl>
+                </p:cond>
+              </p:prevCondLst>
+              <p:nextCondLst>
+                <p:cond evt="onNext" delay="0">
+                  <p:tgtEl>
+                    <p:sldTgt/>
+                  </p:tgtEl>
+                </p:cond>
+              </p:nextCondLst>
+            </p:seq>
+          </p:childTnLst>
+        </p:cTn>
+      </p:par>
+    </p:tnLst>
+  </p:timing>
 </p:sld>
 </file>
 
@@ -9294,8 +11502,8 @@
         </p:nvSpPr>
         <p:spPr bwMode="auto">
           <a:xfrm flipH="0" flipV="0">
-            <a:off x="4567152" y="2030731"/>
-            <a:ext cx="4156319" cy="1463400"/>
+            <a:off x="4567151" y="2030730"/>
+            <a:ext cx="4157038" cy="1189079"/>
           </a:xfrm>
           <a:prstGeom prst="rect">
             <a:avLst/>
@@ -9316,14 +11524,8 @@
             </a:r>
             <a:r>
               <a:rPr/>
-              <a:t> still able to achieve over 92%</a:t>
+              <a:t> still able to achieve over 92% </a:t>
             </a:r>
-            <a:endParaRPr/>
-          </a:p>
-          <a:p>
-            <a:pPr>
-              <a:defRPr/>
-            </a:pPr>
             <a:r>
               <a:rPr/>
               <a:t>accuracy</a:t>
@@ -9345,6 +11547,188 @@
       <p:transition advClick="1"/>
     </mc:Fallback>
   </mc:AlternateContent>
+  <p:timing>
+    <p:tnLst>
+      <p:par>
+        <p:cTn id="1" dur="indefinite" restart="never" nodeType="tmRoot">
+          <p:childTnLst>
+            <p:seq concurrent="1" nextAc="seek">
+              <p:cTn id="2" dur="indefinite" nodeType="mainSeq">
+                <p:childTnLst>
+                  <p:par>
+                    <p:cTn id="10" fill="hold">
+                      <p:stCondLst>
+                        <p:cond delay="indefinite"/>
+                      </p:stCondLst>
+                      <p:childTnLst>
+                        <p:par>
+                          <p:cTn id="11" fill="hold">
+                            <p:stCondLst>
+                              <p:cond delay="0"/>
+                            </p:stCondLst>
+                            <p:childTnLst>
+                              <p:par>
+                                <p:cTn id="12" presetID="22" presetClass="entr" presetSubtype="4" fill="hold" grpId="0" nodeType="clickEffect">
+                                  <p:stCondLst>
+                                    <p:cond delay="0"/>
+                                  </p:stCondLst>
+                                  <p:childTnLst>
+                                    <p:set>
+                                      <p:cBhvr>
+                                        <p:cTn id="14" dur="1" fill="hold">
+                                          <p:stCondLst>
+                                            <p:cond delay="0"/>
+                                          </p:stCondLst>
+                                        </p:cTn>
+                                        <p:tgtEl>
+                                          <p:spTgt spid="60411840"/>
+                                        </p:tgtEl>
+                                        <p:attrNameLst>
+                                          <p:attrName>style.visibility</p:attrName>
+                                        </p:attrNameLst>
+                                      </p:cBhvr>
+                                      <p:to>
+                                        <p:strVal val="visible"/>
+                                      </p:to>
+                                    </p:set>
+                                    <p:animEffect transition="in" filter="wipe(down)">
+                                      <p:cBhvr>
+                                        <p:cTn id="13" dur="500"/>
+                                        <p:tgtEl>
+                                          <p:spTgt spid="60411840"/>
+                                        </p:tgtEl>
+                                      </p:cBhvr>
+                                    </p:animEffect>
+                                  </p:childTnLst>
+                                </p:cTn>
+                              </p:par>
+                            </p:childTnLst>
+                          </p:cTn>
+                        </p:par>
+                      </p:childTnLst>
+                    </p:cTn>
+                  </p:par>
+                  <p:par>
+                    <p:cTn id="3" fill="hold">
+                      <p:stCondLst>
+                        <p:cond delay="indefinite"/>
+                      </p:stCondLst>
+                      <p:childTnLst>
+                        <p:par>
+                          <p:cTn id="4" fill="hold">
+                            <p:stCondLst>
+                              <p:cond delay="0"/>
+                            </p:stCondLst>
+                            <p:childTnLst>
+                              <p:par>
+                                <p:cTn id="5" presetID="53" presetClass="entr" presetSubtype="16" fill="hold" grpId="0" nodeType="clickEffect">
+                                  <p:stCondLst>
+                                    <p:cond delay="0"/>
+                                  </p:stCondLst>
+                                  <p:childTnLst>
+                                    <p:set>
+                                      <p:cBhvr>
+                                        <p:cTn id="9" dur="1" fill="hold">
+                                          <p:stCondLst>
+                                            <p:cond delay="0"/>
+                                          </p:stCondLst>
+                                        </p:cTn>
+                                        <p:tgtEl>
+                                          <p:spTgt spid="2057849900"/>
+                                        </p:tgtEl>
+                                        <p:attrNameLst>
+                                          <p:attrName>style.visibility</p:attrName>
+                                        </p:attrNameLst>
+                                      </p:cBhvr>
+                                      <p:to>
+                                        <p:strVal val="visible"/>
+                                      </p:to>
+                                    </p:set>
+                                    <p:anim calcmode="lin" valueType="num">
+                                      <p:cBhvr>
+                                        <p:cTn id="8" dur="500" fill="hold"/>
+                                        <p:tgtEl>
+                                          <p:spTgt spid="2057849900"/>
+                                        </p:tgtEl>
+                                        <p:attrNameLst>
+                                          <p:attrName>ppt_w</p:attrName>
+                                        </p:attrNameLst>
+                                      </p:cBhvr>
+                                      <p:tavLst>
+                                        <p:tav tm="0">
+                                          <p:val>
+                                            <p:fltVal val="0"/>
+                                          </p:val>
+                                        </p:tav>
+                                        <p:tav tm="100000">
+                                          <p:val>
+                                            <p:strVal val="#ppt_w"/>
+                                          </p:val>
+                                        </p:tav>
+                                      </p:tavLst>
+                                    </p:anim>
+                                    <p:anim calcmode="lin" valueType="num">
+                                      <p:cBhvr>
+                                        <p:cTn id="7" dur="500" fill="hold"/>
+                                        <p:tgtEl>
+                                          <p:spTgt spid="2057849900"/>
+                                        </p:tgtEl>
+                                        <p:attrNameLst>
+                                          <p:attrName>ppt_h</p:attrName>
+                                        </p:attrNameLst>
+                                      </p:cBhvr>
+                                      <p:tavLst>
+                                        <p:tav tm="0">
+                                          <p:val>
+                                            <p:fltVal val="0"/>
+                                          </p:val>
+                                        </p:tav>
+                                        <p:tav tm="100000">
+                                          <p:val>
+                                            <p:strVal val="#ppt_h"/>
+                                          </p:val>
+                                        </p:tav>
+                                      </p:tavLst>
+                                    </p:anim>
+                                    <p:animEffect transition="in" filter="fade">
+                                      <p:cBhvr>
+                                        <p:cTn id="6" dur="500"/>
+                                        <p:tgtEl>
+                                          <p:spTgt spid="2057849900"/>
+                                        </p:tgtEl>
+                                      </p:cBhvr>
+                                    </p:animEffect>
+                                  </p:childTnLst>
+                                </p:cTn>
+                              </p:par>
+                            </p:childTnLst>
+                          </p:cTn>
+                        </p:par>
+                      </p:childTnLst>
+                    </p:cTn>
+                  </p:par>
+                </p:childTnLst>
+              </p:cTn>
+              <p:prevCondLst>
+                <p:cond evt="onPrev" delay="0">
+                  <p:tgtEl>
+                    <p:sldTgt/>
+                  </p:tgtEl>
+                </p:cond>
+              </p:prevCondLst>
+              <p:nextCondLst>
+                <p:cond evt="onNext" delay="0">
+                  <p:tgtEl>
+                    <p:sldTgt/>
+                  </p:tgtEl>
+                </p:cond>
+              </p:nextCondLst>
+            </p:seq>
+          </p:childTnLst>
+        </p:cTn>
+      </p:par>
+    </p:tnLst>
+  </p:timing>
 </p:sld>
 </file>
 
@@ -9610,6 +11994,340 @@
       <p:transition advClick="1"/>
     </mc:Fallback>
   </mc:AlternateContent>
+  <p:timing>
+    <p:tnLst>
+      <p:par>
+        <p:cTn id="1" dur="indefinite" restart="never" nodeType="tmRoot">
+          <p:childTnLst>
+            <p:seq concurrent="1" nextAc="seek">
+              <p:cTn id="2" dur="indefinite" nodeType="mainSeq">
+                <p:childTnLst>
+                  <p:par>
+                    <p:cTn id="20" fill="hold">
+                      <p:stCondLst>
+                        <p:cond delay="indefinite"/>
+                      </p:stCondLst>
+                      <p:childTnLst>
+                        <p:par>
+                          <p:cTn id="21" fill="hold">
+                            <p:stCondLst>
+                              <p:cond delay="0"/>
+                            </p:stCondLst>
+                            <p:childTnLst>
+                              <p:par>
+                                <p:cTn id="22" presetID="53" presetClass="entr" presetSubtype="16" fill="hold" grpId="0" nodeType="clickEffect">
+                                  <p:stCondLst>
+                                    <p:cond delay="0"/>
+                                  </p:stCondLst>
+                                  <p:childTnLst>
+                                    <p:set>
+                                      <p:cBhvr>
+                                        <p:cTn id="26" dur="1" fill="hold">
+                                          <p:stCondLst>
+                                            <p:cond delay="0"/>
+                                          </p:stCondLst>
+                                        </p:cTn>
+                                        <p:tgtEl>
+                                          <p:spTgt spid="428030264"/>
+                                        </p:tgtEl>
+                                        <p:attrNameLst>
+                                          <p:attrName>style.visibility</p:attrName>
+                                        </p:attrNameLst>
+                                      </p:cBhvr>
+                                      <p:to>
+                                        <p:strVal val="visible"/>
+                                      </p:to>
+                                    </p:set>
+                                    <p:anim calcmode="lin" valueType="num">
+                                      <p:cBhvr>
+                                        <p:cTn id="25" dur="500" fill="hold"/>
+                                        <p:tgtEl>
+                                          <p:spTgt spid="428030264"/>
+                                        </p:tgtEl>
+                                        <p:attrNameLst>
+                                          <p:attrName>ppt_w</p:attrName>
+                                        </p:attrNameLst>
+                                      </p:cBhvr>
+                                      <p:tavLst>
+                                        <p:tav tm="0">
+                                          <p:val>
+                                            <p:fltVal val="0"/>
+                                          </p:val>
+                                        </p:tav>
+                                        <p:tav tm="100000">
+                                          <p:val>
+                                            <p:strVal val="#ppt_w"/>
+                                          </p:val>
+                                        </p:tav>
+                                      </p:tavLst>
+                                    </p:anim>
+                                    <p:anim calcmode="lin" valueType="num">
+                                      <p:cBhvr>
+                                        <p:cTn id="24" dur="500" fill="hold"/>
+                                        <p:tgtEl>
+                                          <p:spTgt spid="428030264"/>
+                                        </p:tgtEl>
+                                        <p:attrNameLst>
+                                          <p:attrName>ppt_h</p:attrName>
+                                        </p:attrNameLst>
+                                      </p:cBhvr>
+                                      <p:tavLst>
+                                        <p:tav tm="0">
+                                          <p:val>
+                                            <p:fltVal val="0"/>
+                                          </p:val>
+                                        </p:tav>
+                                        <p:tav tm="100000">
+                                          <p:val>
+                                            <p:strVal val="#ppt_h"/>
+                                          </p:val>
+                                        </p:tav>
+                                      </p:tavLst>
+                                    </p:anim>
+                                    <p:animEffect transition="in" filter="fade">
+                                      <p:cBhvr>
+                                        <p:cTn id="23" dur="500"/>
+                                        <p:tgtEl>
+                                          <p:spTgt spid="428030264"/>
+                                        </p:tgtEl>
+                                      </p:cBhvr>
+                                    </p:animEffect>
+                                  </p:childTnLst>
+                                </p:cTn>
+                              </p:par>
+                            </p:childTnLst>
+                          </p:cTn>
+                        </p:par>
+                      </p:childTnLst>
+                    </p:cTn>
+                  </p:par>
+                  <p:par>
+                    <p:cTn id="15" fill="hold">
+                      <p:stCondLst>
+                        <p:cond delay="indefinite"/>
+                      </p:stCondLst>
+                      <p:childTnLst>
+                        <p:par>
+                          <p:cTn id="16" fill="hold">
+                            <p:stCondLst>
+                              <p:cond delay="0"/>
+                            </p:stCondLst>
+                            <p:childTnLst>
+                              <p:par>
+                                <p:cTn id="17" presetID="16" presetClass="entr" presetSubtype="21" fill="hold" grpId="0" nodeType="clickEffect">
+                                  <p:stCondLst>
+                                    <p:cond delay="0"/>
+                                  </p:stCondLst>
+                                  <p:childTnLst>
+                                    <p:set>
+                                      <p:cBhvr>
+                                        <p:cTn id="19" dur="1" fill="hold">
+                                          <p:stCondLst>
+                                            <p:cond delay="0"/>
+                                          </p:stCondLst>
+                                        </p:cTn>
+                                        <p:tgtEl>
+                                          <p:spTgt spid="110610465"/>
+                                        </p:tgtEl>
+                                        <p:attrNameLst>
+                                          <p:attrName>style.visibility</p:attrName>
+                                        </p:attrNameLst>
+                                      </p:cBhvr>
+                                      <p:to>
+                                        <p:strVal val="visible"/>
+                                      </p:to>
+                                    </p:set>
+                                    <p:animEffect transition="in" filter="barn(inVertical)">
+                                      <p:cBhvr>
+                                        <p:cTn id="18" dur="500"/>
+                                        <p:tgtEl>
+                                          <p:spTgt spid="110610465"/>
+                                        </p:tgtEl>
+                                      </p:cBhvr>
+                                    </p:animEffect>
+                                  </p:childTnLst>
+                                </p:cTn>
+                              </p:par>
+                            </p:childTnLst>
+                          </p:cTn>
+                        </p:par>
+                      </p:childTnLst>
+                    </p:cTn>
+                  </p:par>
+                  <p:par>
+                    <p:cTn id="8" fill="hold">
+                      <p:stCondLst>
+                        <p:cond delay="indefinite"/>
+                      </p:stCondLst>
+                      <p:childTnLst>
+                        <p:par>
+                          <p:cTn id="9" fill="hold">
+                            <p:stCondLst>
+                              <p:cond delay="0"/>
+                            </p:stCondLst>
+                            <p:childTnLst>
+                              <p:par>
+                                <p:cTn id="10" presetID="53" presetClass="entr" presetSubtype="16" fill="hold" grpId="0" nodeType="clickEffect">
+                                  <p:stCondLst>
+                                    <p:cond delay="0"/>
+                                  </p:stCondLst>
+                                  <p:childTnLst>
+                                    <p:set>
+                                      <p:cBhvr>
+                                        <p:cTn id="14" dur="1" fill="hold">
+                                          <p:stCondLst>
+                                            <p:cond delay="0"/>
+                                          </p:stCondLst>
+                                        </p:cTn>
+                                        <p:tgtEl>
+                                          <p:spTgt spid="262918332"/>
+                                        </p:tgtEl>
+                                        <p:attrNameLst>
+                                          <p:attrName>style.visibility</p:attrName>
+                                        </p:attrNameLst>
+                                      </p:cBhvr>
+                                      <p:to>
+                                        <p:strVal val="visible"/>
+                                      </p:to>
+                                    </p:set>
+                                    <p:anim calcmode="lin" valueType="num">
+                                      <p:cBhvr>
+                                        <p:cTn id="13" dur="500" fill="hold"/>
+                                        <p:tgtEl>
+                                          <p:spTgt spid="262918332"/>
+                                        </p:tgtEl>
+                                        <p:attrNameLst>
+                                          <p:attrName>ppt_w</p:attrName>
+                                        </p:attrNameLst>
+                                      </p:cBhvr>
+                                      <p:tavLst>
+                                        <p:tav tm="0">
+                                          <p:val>
+                                            <p:fltVal val="0"/>
+                                          </p:val>
+                                        </p:tav>
+                                        <p:tav tm="100000">
+                                          <p:val>
+                                            <p:strVal val="#ppt_w"/>
+                                          </p:val>
+                                        </p:tav>
+                                      </p:tavLst>
+                                    </p:anim>
+                                    <p:anim calcmode="lin" valueType="num">
+                                      <p:cBhvr>
+                                        <p:cTn id="12" dur="500" fill="hold"/>
+                                        <p:tgtEl>
+                                          <p:spTgt spid="262918332"/>
+                                        </p:tgtEl>
+                                        <p:attrNameLst>
+                                          <p:attrName>ppt_h</p:attrName>
+                                        </p:attrNameLst>
+                                      </p:cBhvr>
+                                      <p:tavLst>
+                                        <p:tav tm="0">
+                                          <p:val>
+                                            <p:fltVal val="0"/>
+                                          </p:val>
+                                        </p:tav>
+                                        <p:tav tm="100000">
+                                          <p:val>
+                                            <p:strVal val="#ppt_h"/>
+                                          </p:val>
+                                        </p:tav>
+                                      </p:tavLst>
+                                    </p:anim>
+                                    <p:animEffect transition="in" filter="fade">
+                                      <p:cBhvr>
+                                        <p:cTn id="11" dur="500"/>
+                                        <p:tgtEl>
+                                          <p:spTgt spid="262918332"/>
+                                        </p:tgtEl>
+                                      </p:cBhvr>
+                                    </p:animEffect>
+                                  </p:childTnLst>
+                                </p:cTn>
+                              </p:par>
+                            </p:childTnLst>
+                          </p:cTn>
+                        </p:par>
+                      </p:childTnLst>
+                    </p:cTn>
+                  </p:par>
+                  <p:par>
+                    <p:cTn id="3" fill="hold">
+                      <p:stCondLst>
+                        <p:cond delay="indefinite"/>
+                      </p:stCondLst>
+                      <p:childTnLst>
+                        <p:par>
+                          <p:cTn id="4" fill="hold">
+                            <p:stCondLst>
+                              <p:cond delay="0"/>
+                            </p:stCondLst>
+                            <p:childTnLst>
+                              <p:par>
+                                <p:cTn id="5" presetID="22" presetClass="entr" presetSubtype="4" fill="hold" grpId="0" nodeType="clickEffect">
+                                  <p:stCondLst>
+                                    <p:cond delay="0"/>
+                                  </p:stCondLst>
+                                  <p:childTnLst>
+                                    <p:set>
+                                      <p:cBhvr>
+                                        <p:cTn id="7" dur="1" fill="hold">
+                                          <p:stCondLst>
+                                            <p:cond delay="0"/>
+                                          </p:stCondLst>
+                                        </p:cTn>
+                                        <p:tgtEl>
+                                          <p:spTgt spid="1642235389"/>
+                                        </p:tgtEl>
+                                        <p:attrNameLst>
+                                          <p:attrName>style.visibility</p:attrName>
+                                        </p:attrNameLst>
+                                      </p:cBhvr>
+                                      <p:to>
+                                        <p:strVal val="visible"/>
+                                      </p:to>
+                                    </p:set>
+                                    <p:animEffect transition="in" filter="wipe(down)">
+                                      <p:cBhvr>
+                                        <p:cTn id="6" dur="500"/>
+                                        <p:tgtEl>
+                                          <p:spTgt spid="1642235389"/>
+                                        </p:tgtEl>
+                                      </p:cBhvr>
+                                    </p:animEffect>
+                                  </p:childTnLst>
+                                </p:cTn>
+                              </p:par>
+                            </p:childTnLst>
+                          </p:cTn>
+                        </p:par>
+                      </p:childTnLst>
+                    </p:cTn>
+                  </p:par>
+                </p:childTnLst>
+              </p:cTn>
+              <p:prevCondLst>
+                <p:cond evt="onPrev" delay="0">
+                  <p:tgtEl>
+                    <p:sldTgt/>
+                  </p:tgtEl>
+                </p:cond>
+              </p:prevCondLst>
+              <p:nextCondLst>
+                <p:cond evt="onNext" delay="0">
+                  <p:tgtEl>
+                    <p:sldTgt/>
+                  </p:tgtEl>
+                </p:cond>
+              </p:nextCondLst>
+            </p:seq>
+          </p:childTnLst>
+        </p:cTn>
+      </p:par>
+    </p:tnLst>
+  </p:timing>
 </p:sld>
 </file>
 

--- a/Project_Submission/Presentation.pptx
+++ b/Project_Submission/Presentation.pptx
@@ -19,6 +19,7 @@
     <p:sldId id="266" r:id="rId15"/>
     <p:sldId id="267" r:id="rId16"/>
     <p:sldId id="268" r:id="rId17"/>
+    <p:sldId id="269" r:id="rId18"/>
   </p:sldIdLst>
   <p:sldSz cx="9144000" cy="5143500" type="screen16x9"/>
   <p:notesSz cx="9144000" cy="5143500"/>
@@ -791,8 +792,18 @@
 </file>
 
 <file path=ppt/slideLayouts/slideLayout13.xml><?xml version="1.0" encoding="utf-8"?>
-<p:sldLayout xmlns:a="http://schemas.openxmlformats.org/drawingml/2006/main" xmlns:r="http://schemas.openxmlformats.org/officeDocument/2006/relationships" xmlns:p="http://schemas.openxmlformats.org/presentationml/2006/main" xmlns:m="http://schemas.openxmlformats.org/officeDocument/2006/math" xmlns:w="http://schemas.openxmlformats.org/wordprocessingml/2006/main" matchingName="" preserve="1" showMasterPhAnim="0" type="blank" userDrawn="1">
-  <p:cSld name="Blank Slide">
+<p:sldLayout xmlns:a="http://schemas.openxmlformats.org/drawingml/2006/main" xmlns:r="http://schemas.openxmlformats.org/officeDocument/2006/relationships" xmlns:p="http://schemas.openxmlformats.org/presentationml/2006/main" xmlns:m="http://schemas.openxmlformats.org/officeDocument/2006/math" xmlns:w="http://schemas.openxmlformats.org/wordprocessingml/2006/main" matchingName="" preserve="0" showMasterPhAnim="0" type="title" userDrawn="1">
+  <p:cSld name="Title Slide">
+    <p:bg>
+      <p:bgPr shadeToTitle="0">
+        <a:blipFill>
+          <a:blip r:embed="rId2">
+            <a:lum/>
+          </a:blip>
+          <a:stretch/>
+        </a:blipFill>
+      </p:bgPr>
+    </p:bg>
     <p:spTree>
       <p:nvGrpSpPr>
         <p:cNvPr id="1" name=""/>
@@ -807,6 +818,714 @@
           <a:chExt cx="0" cy="0"/>
         </a:xfrm>
       </p:grpSpPr>
+      <p:sp>
+        <p:nvSpPr>
+          <p:cNvPr id="7" name="Прямоугольник 6"/>
+          <p:cNvSpPr/>
+          <p:nvPr userDrawn="1"/>
+        </p:nvSpPr>
+        <p:spPr bwMode="auto">
+          <a:xfrm flipH="1" flipV="1">
+            <a:off x="3790661" y="5906"/>
+            <a:ext cx="1682740" cy="5137011"/>
+          </a:xfrm>
+          <a:prstGeom prst="rect">
+            <a:avLst/>
+          </a:prstGeom>
+          <a:solidFill>
+            <a:srgbClr val="6E9A26">
+              <a:alpha val="35000"/>
+            </a:srgbClr>
+          </a:solidFill>
+          <a:ln>
+            <a:noFill/>
+          </a:ln>
+        </p:spPr>
+      </p:sp>
+      <p:sp>
+        <p:nvSpPr>
+          <p:cNvPr id="17" name="Прямоугольник 16"/>
+          <p:cNvSpPr/>
+          <p:nvPr userDrawn="1"/>
+        </p:nvSpPr>
+        <p:spPr bwMode="auto">
+          <a:xfrm flipH="1" flipV="1">
+            <a:off x="5000448" y="9675"/>
+            <a:ext cx="307563" cy="5133824"/>
+          </a:xfrm>
+          <a:prstGeom prst="rect">
+            <a:avLst/>
+          </a:prstGeom>
+          <a:solidFill>
+            <a:schemeClr val="bg1">
+              <a:alpha val="70000"/>
+            </a:schemeClr>
+          </a:solidFill>
+          <a:ln>
+            <a:noFill/>
+          </a:ln>
+        </p:spPr>
+      </p:sp>
+      <p:sp>
+        <p:nvSpPr>
+          <p:cNvPr id="19" name="Прямоугольник 18"/>
+          <p:cNvSpPr/>
+          <p:nvPr userDrawn="1"/>
+        </p:nvSpPr>
+        <p:spPr bwMode="auto">
+          <a:xfrm flipH="1" flipV="1">
+            <a:off x="3647646" y="5904"/>
+            <a:ext cx="789061" cy="5137011"/>
+          </a:xfrm>
+          <a:prstGeom prst="rect">
+            <a:avLst/>
+          </a:prstGeom>
+          <a:solidFill>
+            <a:schemeClr val="bg1">
+              <a:alpha val="43000"/>
+            </a:schemeClr>
+          </a:solidFill>
+          <a:ln>
+            <a:noFill/>
+          </a:ln>
+        </p:spPr>
+      </p:sp>
+      <p:sp>
+        <p:nvSpPr>
+          <p:cNvPr id="20" name="Прямоугольник 19"/>
+          <p:cNvSpPr/>
+          <p:nvPr userDrawn="1"/>
+        </p:nvSpPr>
+        <p:spPr bwMode="auto">
+          <a:xfrm flipH="1" flipV="1">
+            <a:off x="5715293" y="-5006"/>
+            <a:ext cx="289523" cy="5146237"/>
+          </a:xfrm>
+          <a:prstGeom prst="rect">
+            <a:avLst/>
+          </a:prstGeom>
+          <a:solidFill>
+            <a:schemeClr val="bg1">
+              <a:alpha val="43000"/>
+            </a:schemeClr>
+          </a:solidFill>
+          <a:ln>
+            <a:noFill/>
+          </a:ln>
+        </p:spPr>
+      </p:sp>
+      <p:sp>
+        <p:nvSpPr>
+          <p:cNvPr id="22" name="Прямоугольник 21"/>
+          <p:cNvSpPr/>
+          <p:nvPr userDrawn="1"/>
+        </p:nvSpPr>
+        <p:spPr bwMode="auto">
+          <a:xfrm flipH="1" flipV="1">
+            <a:off x="4436709" y="5899"/>
+            <a:ext cx="195319" cy="5137011"/>
+          </a:xfrm>
+          <a:prstGeom prst="rect">
+            <a:avLst/>
+          </a:prstGeom>
+          <a:solidFill>
+            <a:schemeClr val="bg1">
+              <a:alpha val="34000"/>
+            </a:schemeClr>
+          </a:solidFill>
+          <a:ln>
+            <a:noFill/>
+          </a:ln>
+        </p:spPr>
+      </p:sp>
+      <p:sp>
+        <p:nvSpPr>
+          <p:cNvPr id="23" name="Прямоугольник 22"/>
+          <p:cNvSpPr/>
+          <p:nvPr userDrawn="1"/>
+        </p:nvSpPr>
+        <p:spPr bwMode="auto">
+          <a:xfrm flipH="1" flipV="1">
+            <a:off x="1979712" y="5904"/>
+            <a:ext cx="789855" cy="5137011"/>
+          </a:xfrm>
+          <a:prstGeom prst="rect">
+            <a:avLst/>
+          </a:prstGeom>
+          <a:solidFill>
+            <a:srgbClr val="6E9A26">
+              <a:alpha val="41000"/>
+            </a:srgbClr>
+          </a:solidFill>
+          <a:ln>
+            <a:noFill/>
+          </a:ln>
+        </p:spPr>
+      </p:sp>
+      <p:sp>
+        <p:nvSpPr>
+          <p:cNvPr id="25" name="Прямоугольник 24"/>
+          <p:cNvSpPr/>
+          <p:nvPr userDrawn="1"/>
+        </p:nvSpPr>
+        <p:spPr bwMode="auto">
+          <a:xfrm flipH="1" flipV="1">
+            <a:off x="6294344" y="5906"/>
+            <a:ext cx="1085965" cy="5137011"/>
+          </a:xfrm>
+          <a:prstGeom prst="rect">
+            <a:avLst/>
+          </a:prstGeom>
+          <a:solidFill>
+            <a:schemeClr val="bg1">
+              <a:alpha val="26000"/>
+            </a:schemeClr>
+          </a:solidFill>
+          <a:ln>
+            <a:noFill/>
+          </a:ln>
+        </p:spPr>
+      </p:sp>
+      <p:sp>
+        <p:nvSpPr>
+          <p:cNvPr id="27" name="Прямоугольник 26"/>
+          <p:cNvSpPr/>
+          <p:nvPr userDrawn="1"/>
+        </p:nvSpPr>
+        <p:spPr bwMode="auto">
+          <a:xfrm flipH="1" flipV="1">
+            <a:off x="6330051" y="5906"/>
+            <a:ext cx="292902" cy="5137011"/>
+          </a:xfrm>
+          <a:prstGeom prst="rect">
+            <a:avLst/>
+          </a:prstGeom>
+          <a:solidFill>
+            <a:schemeClr val="bg1">
+              <a:alpha val="56000"/>
+            </a:schemeClr>
+          </a:solidFill>
+          <a:ln>
+            <a:noFill/>
+          </a:ln>
+        </p:spPr>
+      </p:sp>
+      <p:sp>
+        <p:nvSpPr>
+          <p:cNvPr id="28" name="Прямоугольник 27"/>
+          <p:cNvSpPr/>
+          <p:nvPr userDrawn="1"/>
+        </p:nvSpPr>
+        <p:spPr bwMode="auto">
+          <a:xfrm flipH="1" flipV="1">
+            <a:off x="3647647" y="5904"/>
+            <a:ext cx="286025" cy="5137011"/>
+          </a:xfrm>
+          <a:prstGeom prst="rect">
+            <a:avLst/>
+          </a:prstGeom>
+          <a:solidFill>
+            <a:schemeClr val="bg1">
+              <a:alpha val="30000"/>
+            </a:schemeClr>
+          </a:solidFill>
+          <a:ln>
+            <a:noFill/>
+          </a:ln>
+        </p:spPr>
+      </p:sp>
+      <p:sp>
+        <p:nvSpPr>
+          <p:cNvPr id="29" name="Прямоугольник 28"/>
+          <p:cNvSpPr/>
+          <p:nvPr userDrawn="1"/>
+        </p:nvSpPr>
+        <p:spPr bwMode="auto">
+          <a:xfrm flipH="1" flipV="1">
+            <a:off x="5313847" y="5904"/>
+            <a:ext cx="319110" cy="5137011"/>
+          </a:xfrm>
+          <a:prstGeom prst="rect">
+            <a:avLst/>
+          </a:prstGeom>
+          <a:solidFill>
+            <a:schemeClr val="bg1">
+              <a:alpha val="44000"/>
+            </a:schemeClr>
+          </a:solidFill>
+          <a:ln>
+            <a:noFill/>
+          </a:ln>
+        </p:spPr>
+      </p:sp>
+      <p:sp>
+        <p:nvSpPr>
+          <p:cNvPr id="26" name="Прямоугольник 25"/>
+          <p:cNvSpPr/>
+          <p:nvPr userDrawn="1"/>
+        </p:nvSpPr>
+        <p:spPr bwMode="auto">
+          <a:xfrm flipH="1" flipV="1">
+            <a:off x="2427615" y="-5006"/>
+            <a:ext cx="528711" cy="5146237"/>
+          </a:xfrm>
+          <a:prstGeom prst="rect">
+            <a:avLst/>
+          </a:prstGeom>
+          <a:solidFill>
+            <a:schemeClr val="bg1">
+              <a:alpha val="49000"/>
+            </a:schemeClr>
+          </a:solidFill>
+          <a:ln>
+            <a:noFill/>
+          </a:ln>
+        </p:spPr>
+      </p:sp>
+      <p:sp>
+        <p:nvSpPr>
+          <p:cNvPr id="21" name="Прямоугольник 20"/>
+          <p:cNvSpPr/>
+          <p:nvPr userDrawn="1"/>
+        </p:nvSpPr>
+        <p:spPr bwMode="auto">
+          <a:xfrm flipH="1" flipV="1">
+            <a:off x="3144663" y="5906"/>
+            <a:ext cx="425932" cy="5137011"/>
+          </a:xfrm>
+          <a:prstGeom prst="rect">
+            <a:avLst/>
+          </a:prstGeom>
+          <a:solidFill>
+            <a:schemeClr val="bg1">
+              <a:alpha val="78000"/>
+            </a:schemeClr>
+          </a:solidFill>
+          <a:ln>
+            <a:noFill/>
+          </a:ln>
+        </p:spPr>
+      </p:sp>
+      <p:sp>
+        <p:nvSpPr>
+          <p:cNvPr id="44" name="Прямоугольник 43"/>
+          <p:cNvSpPr/>
+          <p:nvPr userDrawn="1"/>
+        </p:nvSpPr>
+        <p:spPr bwMode="auto">
+          <a:xfrm flipH="1" flipV="1">
+            <a:off x="7022868" y="5904"/>
+            <a:ext cx="230253" cy="5137011"/>
+          </a:xfrm>
+          <a:prstGeom prst="rect">
+            <a:avLst/>
+          </a:prstGeom>
+          <a:solidFill>
+            <a:schemeClr val="bg1">
+              <a:alpha val="58999"/>
+            </a:schemeClr>
+          </a:solidFill>
+          <a:ln>
+            <a:noFill/>
+          </a:ln>
+        </p:spPr>
+      </p:sp>
+      <p:sp>
+        <p:nvSpPr>
+          <p:cNvPr id="46" name="Прямоугольник 45"/>
+          <p:cNvSpPr/>
+          <p:nvPr userDrawn="1"/>
+        </p:nvSpPr>
+        <p:spPr bwMode="auto">
+          <a:xfrm flipH="1" flipV="1">
+            <a:off x="2097439" y="5905"/>
+            <a:ext cx="45718" cy="5137011"/>
+          </a:xfrm>
+          <a:prstGeom prst="rect">
+            <a:avLst/>
+          </a:prstGeom>
+          <a:solidFill>
+            <a:schemeClr val="bg1">
+              <a:alpha val="78000"/>
+            </a:schemeClr>
+          </a:solidFill>
+          <a:ln>
+            <a:noFill/>
+          </a:ln>
+        </p:spPr>
+      </p:sp>
+      <p:sp>
+        <p:nvSpPr>
+          <p:cNvPr id="45" name="Прямоугольник 44"/>
+          <p:cNvSpPr/>
+          <p:nvPr userDrawn="1"/>
+        </p:nvSpPr>
+        <p:spPr bwMode="auto">
+          <a:xfrm>
+            <a:off x="1835695" y="1383617"/>
+            <a:ext cx="5832648" cy="2754306"/>
+          </a:xfrm>
+          <a:prstGeom prst="rect">
+            <a:avLst/>
+          </a:prstGeom>
+          <a:solidFill>
+            <a:schemeClr val="bg1"/>
+          </a:solidFill>
+          <a:ln w="57150" cap="rnd" cmpd="sng">
+            <a:noFill/>
+            <a:prstDash val="sysDot"/>
+          </a:ln>
+          <a:effectLst>
+            <a:outerShdw blurRad="50800" dist="38100" dir="5400000" algn="t" rotWithShape="0">
+              <a:prstClr val="black">
+                <a:alpha val="40000"/>
+              </a:prstClr>
+            </a:outerShdw>
+          </a:effectLst>
+        </p:spPr>
+      </p:sp>
+      <p:sp>
+        <p:nvSpPr>
+          <p:cNvPr id="3" name="Subtitle 2"/>
+          <p:cNvSpPr>
+            <a:spLocks noGrp="1"/>
+          </p:cNvSpPr>
+          <p:nvPr>
+            <p:ph type="subTitle" idx="1"/>
+          </p:nvPr>
+        </p:nvSpPr>
+        <p:spPr bwMode="auto">
+          <a:xfrm>
+            <a:off x="2374639" y="3057803"/>
+            <a:ext cx="4648227" cy="864095"/>
+          </a:xfrm>
+        </p:spPr>
+        <p:txBody>
+          <a:bodyPr>
+            <a:normAutofit/>
+          </a:bodyPr>
+          <a:lstStyle>
+            <a:lvl1pPr marL="0" indent="0" algn="ctr">
+              <a:buNone/>
+              <a:defRPr sz="2400" b="0" i="0" cap="none" spc="119">
+                <a:solidFill>
+                  <a:schemeClr val="tx2">
+                    <a:lumMod val="50000"/>
+                  </a:schemeClr>
+                </a:solidFill>
+              </a:defRPr>
+            </a:lvl1pPr>
+            <a:lvl2pPr marL="457200" indent="0" algn="ctr">
+              <a:buNone/>
+              <a:defRPr>
+                <a:solidFill>
+                  <a:schemeClr val="tx1">
+                    <a:tint val="75000"/>
+                  </a:schemeClr>
+                </a:solidFill>
+              </a:defRPr>
+            </a:lvl2pPr>
+            <a:lvl3pPr marL="914400" indent="0" algn="ctr">
+              <a:buNone/>
+              <a:defRPr>
+                <a:solidFill>
+                  <a:schemeClr val="tx1">
+                    <a:tint val="75000"/>
+                  </a:schemeClr>
+                </a:solidFill>
+              </a:defRPr>
+            </a:lvl3pPr>
+            <a:lvl4pPr marL="1371600" indent="0" algn="ctr">
+              <a:buNone/>
+              <a:defRPr>
+                <a:solidFill>
+                  <a:schemeClr val="tx1">
+                    <a:tint val="75000"/>
+                  </a:schemeClr>
+                </a:solidFill>
+              </a:defRPr>
+            </a:lvl4pPr>
+            <a:lvl5pPr marL="1828800" indent="0" algn="ctr">
+              <a:buNone/>
+              <a:defRPr>
+                <a:solidFill>
+                  <a:schemeClr val="tx1">
+                    <a:tint val="75000"/>
+                  </a:schemeClr>
+                </a:solidFill>
+              </a:defRPr>
+            </a:lvl5pPr>
+            <a:lvl6pPr marL="2286000" indent="0" algn="ctr">
+              <a:buNone/>
+              <a:defRPr>
+                <a:solidFill>
+                  <a:schemeClr val="tx1">
+                    <a:tint val="75000"/>
+                  </a:schemeClr>
+                </a:solidFill>
+              </a:defRPr>
+            </a:lvl6pPr>
+            <a:lvl7pPr marL="2743200" indent="0" algn="ctr">
+              <a:buNone/>
+              <a:defRPr>
+                <a:solidFill>
+                  <a:schemeClr val="tx1">
+                    <a:tint val="75000"/>
+                  </a:schemeClr>
+                </a:solidFill>
+              </a:defRPr>
+            </a:lvl7pPr>
+            <a:lvl8pPr marL="3200400" indent="0" algn="ctr">
+              <a:buNone/>
+              <a:defRPr>
+                <a:solidFill>
+                  <a:schemeClr val="tx1">
+                    <a:tint val="75000"/>
+                  </a:schemeClr>
+                </a:solidFill>
+              </a:defRPr>
+            </a:lvl8pPr>
+            <a:lvl9pPr marL="3657600" indent="0" algn="ctr">
+              <a:buNone/>
+              <a:defRPr>
+                <a:solidFill>
+                  <a:schemeClr val="tx1">
+                    <a:tint val="75000"/>
+                  </a:schemeClr>
+                </a:solidFill>
+              </a:defRPr>
+            </a:lvl9pPr>
+          </a:lstStyle>
+          <a:p>
+            <a:pPr>
+              <a:defRPr/>
+            </a:pPr>
+            <a:r>
+              <a:rPr lang="ru-RU"/>
+              <a:t>Образец подзаголовка</a:t>
+            </a:r>
+            <a:endParaRPr lang="en-US"/>
+          </a:p>
+        </p:txBody>
+      </p:sp>
+      <p:sp>
+        <p:nvSpPr>
+          <p:cNvPr id="10" name="Title 9"/>
+          <p:cNvSpPr>
+            <a:spLocks noGrp="1"/>
+          </p:cNvSpPr>
+          <p:nvPr>
+            <p:ph type="title"/>
+          </p:nvPr>
+        </p:nvSpPr>
+        <p:spPr bwMode="auto">
+          <a:xfrm>
+            <a:off x="2386195" y="1653647"/>
+            <a:ext cx="4636672" cy="1188131"/>
+          </a:xfrm>
+        </p:spPr>
+        <p:txBody>
+          <a:bodyPr>
+            <a:normAutofit/>
+          </a:bodyPr>
+          <a:lstStyle>
+            <a:lvl1pPr algn="ctr">
+              <a:defRPr sz="4000" cap="small">
+                <a:solidFill>
+                  <a:schemeClr val="tx2">
+                    <a:lumMod val="50000"/>
+                  </a:schemeClr>
+                </a:solidFill>
+              </a:defRPr>
+            </a:lvl1pPr>
+          </a:lstStyle>
+          <a:p>
+            <a:pPr>
+              <a:defRPr/>
+            </a:pPr>
+            <a:r>
+              <a:rPr lang="ru-RU"/>
+              <a:t>Образец заголовка</a:t>
+            </a:r>
+            <a:endParaRPr lang="en-US"/>
+          </a:p>
+        </p:txBody>
+      </p:sp>
+      <p:cxnSp>
+        <p:nvCxnSpPr>
+          <p:cNvPr id="49" name="Прямая соединительная линия 48"/>
+          <p:cNvCxnSpPr>
+            <a:cxnSpLocks/>
+          </p:cNvCxnSpPr>
+          <p:nvPr userDrawn="1"/>
+        </p:nvCxnSpPr>
+        <p:spPr bwMode="auto">
+          <a:xfrm>
+            <a:off x="2374639" y="2949791"/>
+            <a:ext cx="2159730" cy="0"/>
+          </a:xfrm>
+          <a:prstGeom prst="line">
+            <a:avLst/>
+          </a:prstGeom>
+          <a:ln w="9525" cap="flat" cmpd="sng" algn="ctr">
+            <a:solidFill>
+              <a:srgbClr val="6E9A26"/>
+            </a:solidFill>
+            <a:prstDash val="sysDash"/>
+          </a:ln>
+          <a:effectLst/>
+        </p:spPr>
+        <p:style>
+          <a:lnRef idx="1">
+            <a:schemeClr val="accent1"/>
+          </a:lnRef>
+          <a:fillRef idx="0">
+            <a:schemeClr val="accent1"/>
+          </a:fillRef>
+          <a:effectRef idx="0">
+            <a:schemeClr val="accent1"/>
+          </a:effectRef>
+          <a:fontRef idx="minor">
+            <a:schemeClr val="tx1"/>
+          </a:fontRef>
+        </p:style>
+      </p:cxnSp>
+      <p:sp>
+        <p:nvSpPr>
+          <p:cNvPr id="51" name="Овал 50"/>
+          <p:cNvSpPr/>
+          <p:nvPr userDrawn="1"/>
+        </p:nvSpPr>
+        <p:spPr bwMode="auto">
+          <a:xfrm>
+            <a:off x="4629614" y="2922065"/>
+            <a:ext cx="72007" cy="54006"/>
+          </a:xfrm>
+          <a:prstGeom prst="ellipse">
+            <a:avLst/>
+          </a:prstGeom>
+          <a:solidFill>
+            <a:srgbClr val="6E9A26"/>
+          </a:solidFill>
+          <a:ln>
+            <a:noFill/>
+          </a:ln>
+          <a:effectLst/>
+        </p:spPr>
+      </p:sp>
+      <p:cxnSp>
+        <p:nvCxnSpPr>
+          <p:cNvPr id="54" name="Прямая соединительная линия 53"/>
+          <p:cNvCxnSpPr>
+            <a:cxnSpLocks/>
+          </p:cNvCxnSpPr>
+          <p:nvPr userDrawn="1"/>
+        </p:nvCxnSpPr>
+        <p:spPr bwMode="auto">
+          <a:xfrm>
+            <a:off x="4788023" y="2949068"/>
+            <a:ext cx="2253795" cy="0"/>
+          </a:xfrm>
+          <a:prstGeom prst="line">
+            <a:avLst/>
+          </a:prstGeom>
+          <a:ln w="9525" cap="flat" cmpd="sng" algn="ctr">
+            <a:solidFill>
+              <a:srgbClr val="6E9A26"/>
+            </a:solidFill>
+            <a:prstDash val="sysDash"/>
+          </a:ln>
+          <a:effectLst/>
+        </p:spPr>
+        <p:style>
+          <a:lnRef idx="1">
+            <a:schemeClr val="accent1"/>
+          </a:lnRef>
+          <a:fillRef idx="0">
+            <a:schemeClr val="accent1"/>
+          </a:fillRef>
+          <a:effectRef idx="0">
+            <a:schemeClr val="accent1"/>
+          </a:effectRef>
+          <a:fontRef idx="minor">
+            <a:schemeClr val="tx1"/>
+          </a:fontRef>
+        </p:style>
+      </p:cxnSp>
+      <p:sp>
+        <p:nvSpPr>
+          <p:cNvPr id="4" name="Дата 3"/>
+          <p:cNvSpPr>
+            <a:spLocks noGrp="1"/>
+          </p:cNvSpPr>
+          <p:nvPr>
+            <p:ph type="dt" sz="half" idx="10"/>
+          </p:nvPr>
+        </p:nvSpPr>
+        <p:spPr bwMode="auto"/>
+        <p:txBody>
+          <a:bodyPr/>
+          <a:lstStyle/>
+          <a:p>
+            <a:pPr>
+              <a:defRPr/>
+            </a:pPr>
+            <a:fld id="{51E84241-D031-42DE-84E4-CC10C30232F4}" type="datetimeFigureOut">
+              <a:rPr lang="ru-RU"/>
+              <a:t/>
+            </a:fld>
+            <a:endParaRPr lang="ru-RU"/>
+          </a:p>
+        </p:txBody>
+      </p:sp>
+      <p:sp>
+        <p:nvSpPr>
+          <p:cNvPr id="5" name="Нижний колонтитул 4"/>
+          <p:cNvSpPr>
+            <a:spLocks noGrp="1"/>
+          </p:cNvSpPr>
+          <p:nvPr>
+            <p:ph type="ftr" sz="quarter" idx="11"/>
+          </p:nvPr>
+        </p:nvSpPr>
+        <p:spPr bwMode="auto"/>
+        <p:txBody>
+          <a:bodyPr/>
+          <a:lstStyle/>
+          <a:p>
+            <a:pPr>
+              <a:defRPr/>
+            </a:pPr>
+            <a:endParaRPr lang="ru-RU"/>
+          </a:p>
+        </p:txBody>
+      </p:sp>
+      <p:sp>
+        <p:nvSpPr>
+          <p:cNvPr id="6" name="Номер слайда 5"/>
+          <p:cNvSpPr>
+            <a:spLocks noGrp="1"/>
+          </p:cNvSpPr>
+          <p:nvPr>
+            <p:ph type="sldNum" sz="quarter" idx="12"/>
+          </p:nvPr>
+        </p:nvSpPr>
+        <p:spPr bwMode="auto"/>
+        <p:txBody>
+          <a:bodyPr/>
+          <a:lstStyle/>
+          <a:p>
+            <a:pPr>
+              <a:defRPr/>
+            </a:pPr>
+            <a:fld id="{6B5AA3AA-5EA9-4976-BF6C-9891F6110747}" type="slidenum">
+              <a:rPr lang="ru-RU"/>
+              <a:t/>
+            </a:fld>
+            <a:endParaRPr lang="ru-RU"/>
+          </a:p>
+        </p:txBody>
+      </p:sp>
     </p:spTree>
   </p:cSld>
   <p:clrMapOvr>
@@ -816,8 +1535,8 @@
 </file>
 
 <file path=ppt/slideLayouts/slideLayout14.xml><?xml version="1.0" encoding="utf-8"?>
-<p:sldLayout xmlns:a="http://schemas.openxmlformats.org/drawingml/2006/main" xmlns:r="http://schemas.openxmlformats.org/officeDocument/2006/relationships" xmlns:p="http://schemas.openxmlformats.org/presentationml/2006/main" xmlns:m="http://schemas.openxmlformats.org/officeDocument/2006/math" xmlns:w="http://schemas.openxmlformats.org/wordprocessingml/2006/main" matchingName="" preserve="1" showMasterPhAnim="0" type="tx" userDrawn="1">
-  <p:cSld name="Title Slide">
+<p:sldLayout xmlns:a="http://schemas.openxmlformats.org/drawingml/2006/main" xmlns:r="http://schemas.openxmlformats.org/officeDocument/2006/relationships" xmlns:p="http://schemas.openxmlformats.org/presentationml/2006/main" xmlns:m="http://schemas.openxmlformats.org/officeDocument/2006/math" xmlns:w="http://schemas.openxmlformats.org/wordprocessingml/2006/main" matchingName="" preserve="0" showMasterPhAnim="0" type="obj" userDrawn="1">
+  <p:cSld name="Title and Content">
     <p:spTree>
       <p:nvGrpSpPr>
         <p:cNvPr id="1" name=""/>
@@ -834,7 +1553,7 @@
       </p:grpSpPr>
       <p:sp>
         <p:nvSpPr>
-          <p:cNvPr id="40" name="PlaceHolder 1"/>
+          <p:cNvPr id="2" name="Заголовок 1"/>
           <p:cNvSpPr>
             <a:spLocks noGrp="1"/>
           </p:cNvSpPr>
@@ -842,69 +1561,159 @@
             <p:ph type="title"/>
           </p:nvPr>
         </p:nvSpPr>
-        <p:spPr bwMode="auto">
-          <a:xfrm>
-            <a:off x="457200" y="205200"/>
-            <a:ext cx="8229240" cy="858600"/>
-          </a:xfrm>
-          <a:prstGeom prst="rect">
-            <a:avLst/>
-          </a:prstGeom>
-          <a:noFill/>
-          <a:ln w="0">
-            <a:noFill/>
-          </a:ln>
-        </p:spPr>
-        <p:txBody>
-          <a:bodyPr lIns="0" tIns="0" rIns="0" bIns="0" anchor="ctr">
-            <a:noAutofit/>
-          </a:bodyPr>
+        <p:spPr bwMode="auto"/>
+        <p:txBody>
+          <a:bodyPr/>
           <a:lstStyle/>
           <a:p>
-            <a:pPr algn="ctr">
-              <a:defRPr/>
-            </a:pPr>
-            <a:endParaRPr lang="it-IT" sz="4400" b="0" strike="noStrike" spc="-1">
-              <a:latin typeface="Arial"/>
-            </a:endParaRPr>
-          </a:p>
-        </p:txBody>
-      </p:sp>
-      <p:sp>
-        <p:nvSpPr>
-          <p:cNvPr id="41" name="PlaceHolder 2"/>
+            <a:pPr>
+              <a:defRPr/>
+            </a:pPr>
+            <a:r>
+              <a:rPr lang="ru-RU"/>
+              <a:t>Образец заголовка</a:t>
+            </a:r>
+            <a:endParaRPr lang="ru-RU"/>
+          </a:p>
+        </p:txBody>
+      </p:sp>
+      <p:sp>
+        <p:nvSpPr>
+          <p:cNvPr id="3" name="Объект 2"/>
           <p:cNvSpPr>
             <a:spLocks noGrp="1"/>
           </p:cNvSpPr>
           <p:nvPr>
-            <p:ph type="subTitle"/>
+            <p:ph idx="1"/>
           </p:nvPr>
         </p:nvSpPr>
-        <p:spPr bwMode="auto">
-          <a:xfrm>
-            <a:off x="457200" y="1203480"/>
-            <a:ext cx="8229240" cy="2983320"/>
-          </a:xfrm>
-          <a:prstGeom prst="rect">
-            <a:avLst/>
-          </a:prstGeom>
-          <a:noFill/>
-          <a:ln w="0">
-            <a:noFill/>
-          </a:ln>
-        </p:spPr>
-        <p:txBody>
-          <a:bodyPr lIns="0" tIns="0" rIns="0" bIns="0" anchor="ctr">
-            <a:noAutofit/>
-          </a:bodyPr>
+        <p:spPr bwMode="auto"/>
+        <p:txBody>
+          <a:bodyPr/>
           <a:lstStyle/>
           <a:p>
-            <a:pPr algn="ctr">
-              <a:defRPr/>
-            </a:pPr>
-            <a:endParaRPr lang="it-IT" sz="3200" b="0" strike="noStrike" spc="-1">
-              <a:latin typeface="Arial"/>
-            </a:endParaRPr>
+            <a:pPr lvl="0">
+              <a:defRPr/>
+            </a:pPr>
+            <a:r>
+              <a:rPr lang="ru-RU"/>
+              <a:t>Образец текста</a:t>
+            </a:r>
+            <a:endParaRPr/>
+          </a:p>
+          <a:p>
+            <a:pPr lvl="1">
+              <a:defRPr/>
+            </a:pPr>
+            <a:r>
+              <a:rPr lang="ru-RU"/>
+              <a:t>Второй уровень</a:t>
+            </a:r>
+            <a:endParaRPr/>
+          </a:p>
+          <a:p>
+            <a:pPr lvl="2">
+              <a:defRPr/>
+            </a:pPr>
+            <a:r>
+              <a:rPr lang="ru-RU"/>
+              <a:t>Третий уровень</a:t>
+            </a:r>
+            <a:endParaRPr/>
+          </a:p>
+          <a:p>
+            <a:pPr lvl="3">
+              <a:defRPr/>
+            </a:pPr>
+            <a:r>
+              <a:rPr lang="ru-RU"/>
+              <a:t>Четвертый уровень</a:t>
+            </a:r>
+            <a:endParaRPr/>
+          </a:p>
+          <a:p>
+            <a:pPr lvl="4">
+              <a:defRPr/>
+            </a:pPr>
+            <a:r>
+              <a:rPr lang="ru-RU"/>
+              <a:t>Пятый уровень</a:t>
+            </a:r>
+            <a:endParaRPr lang="ru-RU"/>
+          </a:p>
+        </p:txBody>
+      </p:sp>
+      <p:sp>
+        <p:nvSpPr>
+          <p:cNvPr id="4" name="Дата 3"/>
+          <p:cNvSpPr>
+            <a:spLocks noGrp="1"/>
+          </p:cNvSpPr>
+          <p:nvPr>
+            <p:ph type="dt" sz="half" idx="10"/>
+          </p:nvPr>
+        </p:nvSpPr>
+        <p:spPr bwMode="auto"/>
+        <p:txBody>
+          <a:bodyPr/>
+          <a:lstStyle/>
+          <a:p>
+            <a:pPr>
+              <a:defRPr/>
+            </a:pPr>
+            <a:fld id="{51E84241-D031-42DE-84E4-CC10C30232F4}" type="datetimeFigureOut">
+              <a:rPr lang="ru-RU"/>
+              <a:t/>
+            </a:fld>
+            <a:endParaRPr lang="ru-RU"/>
+          </a:p>
+        </p:txBody>
+      </p:sp>
+      <p:sp>
+        <p:nvSpPr>
+          <p:cNvPr id="5" name="Нижний колонтитул 4"/>
+          <p:cNvSpPr>
+            <a:spLocks noGrp="1"/>
+          </p:cNvSpPr>
+          <p:nvPr>
+            <p:ph type="ftr" sz="quarter" idx="11"/>
+          </p:nvPr>
+        </p:nvSpPr>
+        <p:spPr bwMode="auto"/>
+        <p:txBody>
+          <a:bodyPr/>
+          <a:lstStyle/>
+          <a:p>
+            <a:pPr>
+              <a:defRPr/>
+            </a:pPr>
+            <a:endParaRPr lang="ru-RU"/>
+          </a:p>
+        </p:txBody>
+      </p:sp>
+      <p:sp>
+        <p:nvSpPr>
+          <p:cNvPr id="6" name="Номер слайда 5"/>
+          <p:cNvSpPr>
+            <a:spLocks noGrp="1"/>
+          </p:cNvSpPr>
+          <p:nvPr>
+            <p:ph type="sldNum" sz="quarter" idx="12"/>
+          </p:nvPr>
+        </p:nvSpPr>
+        <p:spPr bwMode="auto"/>
+        <p:txBody>
+          <a:bodyPr/>
+          <a:lstStyle/>
+          <a:p>
+            <a:pPr>
+              <a:defRPr/>
+            </a:pPr>
+            <a:fld id="{6B5AA3AA-5EA9-4976-BF6C-9891F6110747}" type="slidenum">
+              <a:rPr lang="ru-RU"/>
+              <a:t/>
+            </a:fld>
+            <a:endParaRPr lang="ru-RU"/>
           </a:p>
         </p:txBody>
       </p:sp>
@@ -917,8 +1726,8 @@
 </file>
 
 <file path=ppt/slideLayouts/slideLayout15.xml><?xml version="1.0" encoding="utf-8"?>
-<p:sldLayout xmlns:a="http://schemas.openxmlformats.org/drawingml/2006/main" xmlns:r="http://schemas.openxmlformats.org/officeDocument/2006/relationships" xmlns:p="http://schemas.openxmlformats.org/presentationml/2006/main" xmlns:m="http://schemas.openxmlformats.org/officeDocument/2006/math" xmlns:w="http://schemas.openxmlformats.org/wordprocessingml/2006/main" matchingName="" preserve="1" showMasterPhAnim="0" type="obj" userDrawn="1">
-  <p:cSld name="Title, Content">
+<p:sldLayout xmlns:a="http://schemas.openxmlformats.org/drawingml/2006/main" xmlns:r="http://schemas.openxmlformats.org/officeDocument/2006/relationships" xmlns:p="http://schemas.openxmlformats.org/presentationml/2006/main" xmlns:m="http://schemas.openxmlformats.org/officeDocument/2006/math" xmlns:w="http://schemas.openxmlformats.org/wordprocessingml/2006/main" matchingName="" preserve="0" showMasterPhAnim="0" type="secHead" userDrawn="1">
+  <p:cSld name="Section Header">
     <p:spTree>
       <p:nvGrpSpPr>
         <p:cNvPr id="1" name=""/>
@@ -935,7 +1744,203 @@
       </p:grpSpPr>
       <p:sp>
         <p:nvSpPr>
-          <p:cNvPr id="42" name="PlaceHolder 1"/>
+          <p:cNvPr id="3" name="Текст 2"/>
+          <p:cNvSpPr>
+            <a:spLocks noGrp="1"/>
+          </p:cNvSpPr>
+          <p:nvPr>
+            <p:ph type="body" idx="1"/>
+          </p:nvPr>
+        </p:nvSpPr>
+        <p:spPr bwMode="auto">
+          <a:xfrm>
+            <a:off x="722313" y="897563"/>
+            <a:ext cx="7772400" cy="3672407"/>
+          </a:xfrm>
+        </p:spPr>
+        <p:txBody>
+          <a:bodyPr anchor="t" anchorCtr="0">
+            <a:normAutofit/>
+          </a:bodyPr>
+          <a:lstStyle>
+            <a:lvl1pPr marL="0" indent="0">
+              <a:buNone/>
+              <a:defRPr sz="2400">
+                <a:solidFill>
+                  <a:schemeClr val="tx1"/>
+                </a:solidFill>
+              </a:defRPr>
+            </a:lvl1pPr>
+            <a:lvl2pPr marL="457200" indent="0">
+              <a:buNone/>
+              <a:defRPr sz="1800">
+                <a:solidFill>
+                  <a:schemeClr val="tx1">
+                    <a:tint val="75000"/>
+                  </a:schemeClr>
+                </a:solidFill>
+              </a:defRPr>
+            </a:lvl2pPr>
+            <a:lvl3pPr marL="914400" indent="0">
+              <a:buNone/>
+              <a:defRPr sz="1600">
+                <a:solidFill>
+                  <a:schemeClr val="tx1">
+                    <a:tint val="75000"/>
+                  </a:schemeClr>
+                </a:solidFill>
+              </a:defRPr>
+            </a:lvl3pPr>
+            <a:lvl4pPr marL="1371600" indent="0">
+              <a:buNone/>
+              <a:defRPr sz="1400">
+                <a:solidFill>
+                  <a:schemeClr val="tx1">
+                    <a:tint val="75000"/>
+                  </a:schemeClr>
+                </a:solidFill>
+              </a:defRPr>
+            </a:lvl4pPr>
+            <a:lvl5pPr marL="1828800" indent="0">
+              <a:buNone/>
+              <a:defRPr sz="1400">
+                <a:solidFill>
+                  <a:schemeClr val="tx1">
+                    <a:tint val="75000"/>
+                  </a:schemeClr>
+                </a:solidFill>
+              </a:defRPr>
+            </a:lvl5pPr>
+            <a:lvl6pPr marL="2286000" indent="0">
+              <a:buNone/>
+              <a:defRPr sz="1400">
+                <a:solidFill>
+                  <a:schemeClr val="tx1">
+                    <a:tint val="75000"/>
+                  </a:schemeClr>
+                </a:solidFill>
+              </a:defRPr>
+            </a:lvl6pPr>
+            <a:lvl7pPr marL="2743200" indent="0">
+              <a:buNone/>
+              <a:defRPr sz="1400">
+                <a:solidFill>
+                  <a:schemeClr val="tx1">
+                    <a:tint val="75000"/>
+                  </a:schemeClr>
+                </a:solidFill>
+              </a:defRPr>
+            </a:lvl7pPr>
+            <a:lvl8pPr marL="3200400" indent="0">
+              <a:buNone/>
+              <a:defRPr sz="1400">
+                <a:solidFill>
+                  <a:schemeClr val="tx1">
+                    <a:tint val="75000"/>
+                  </a:schemeClr>
+                </a:solidFill>
+              </a:defRPr>
+            </a:lvl8pPr>
+            <a:lvl9pPr marL="3657600" indent="0">
+              <a:buNone/>
+              <a:defRPr sz="1400">
+                <a:solidFill>
+                  <a:schemeClr val="tx1">
+                    <a:tint val="75000"/>
+                  </a:schemeClr>
+                </a:solidFill>
+              </a:defRPr>
+            </a:lvl9pPr>
+          </a:lstStyle>
+          <a:p>
+            <a:pPr lvl="0">
+              <a:defRPr/>
+            </a:pPr>
+            <a:r>
+              <a:rPr lang="ru-RU"/>
+              <a:t>Образец текста</a:t>
+            </a:r>
+            <a:endParaRPr/>
+          </a:p>
+        </p:txBody>
+      </p:sp>
+      <p:sp>
+        <p:nvSpPr>
+          <p:cNvPr id="4" name="Дата 3"/>
+          <p:cNvSpPr>
+            <a:spLocks noGrp="1"/>
+          </p:cNvSpPr>
+          <p:nvPr>
+            <p:ph type="dt" sz="half" idx="10"/>
+          </p:nvPr>
+        </p:nvSpPr>
+        <p:spPr bwMode="auto"/>
+        <p:txBody>
+          <a:bodyPr/>
+          <a:lstStyle/>
+          <a:p>
+            <a:pPr>
+              <a:defRPr/>
+            </a:pPr>
+            <a:fld id="{51E84241-D031-42DE-84E4-CC10C30232F4}" type="datetimeFigureOut">
+              <a:rPr lang="ru-RU"/>
+              <a:t/>
+            </a:fld>
+            <a:endParaRPr lang="ru-RU"/>
+          </a:p>
+        </p:txBody>
+      </p:sp>
+      <p:sp>
+        <p:nvSpPr>
+          <p:cNvPr id="5" name="Нижний колонтитул 4"/>
+          <p:cNvSpPr>
+            <a:spLocks noGrp="1"/>
+          </p:cNvSpPr>
+          <p:nvPr>
+            <p:ph type="ftr" sz="quarter" idx="11"/>
+          </p:nvPr>
+        </p:nvSpPr>
+        <p:spPr bwMode="auto"/>
+        <p:txBody>
+          <a:bodyPr/>
+          <a:lstStyle/>
+          <a:p>
+            <a:pPr>
+              <a:defRPr/>
+            </a:pPr>
+            <a:endParaRPr lang="ru-RU"/>
+          </a:p>
+        </p:txBody>
+      </p:sp>
+      <p:sp>
+        <p:nvSpPr>
+          <p:cNvPr id="6" name="Номер слайда 5"/>
+          <p:cNvSpPr>
+            <a:spLocks noGrp="1"/>
+          </p:cNvSpPr>
+          <p:nvPr>
+            <p:ph type="sldNum" sz="quarter" idx="12"/>
+          </p:nvPr>
+        </p:nvSpPr>
+        <p:spPr bwMode="auto"/>
+        <p:txBody>
+          <a:bodyPr/>
+          <a:lstStyle/>
+          <a:p>
+            <a:pPr>
+              <a:defRPr/>
+            </a:pPr>
+            <a:fld id="{6B5AA3AA-5EA9-4976-BF6C-9891F6110747}" type="slidenum">
+              <a:rPr lang="ru-RU"/>
+              <a:t/>
+            </a:fld>
+            <a:endParaRPr lang="ru-RU"/>
+          </a:p>
+        </p:txBody>
+      </p:sp>
+      <p:sp>
+        <p:nvSpPr>
+          <p:cNvPr id="7" name="Заголовок 1"/>
           <p:cNvSpPr>
             <a:spLocks noGrp="1"/>
           </p:cNvSpPr>
@@ -945,67 +1950,22 @@
         </p:nvSpPr>
         <p:spPr bwMode="auto">
           <a:xfrm>
-            <a:off x="457200" y="205200"/>
-            <a:ext cx="8229240" cy="858600"/>
-          </a:xfrm>
-          <a:prstGeom prst="rect">
-            <a:avLst/>
-          </a:prstGeom>
-          <a:noFill/>
-          <a:ln w="0">
-            <a:noFill/>
-          </a:ln>
-        </p:spPr>
-        <p:txBody>
-          <a:bodyPr lIns="0" tIns="0" rIns="0" bIns="0" anchor="ctr">
-            <a:noAutofit/>
-          </a:bodyPr>
+            <a:off x="539551" y="141480"/>
+            <a:ext cx="8064895" cy="648072"/>
+          </a:xfrm>
+        </p:spPr>
+        <p:txBody>
+          <a:bodyPr/>
           <a:lstStyle/>
           <a:p>
-            <a:pPr algn="ctr">
-              <a:defRPr/>
-            </a:pPr>
-            <a:endParaRPr lang="it-IT" sz="4400" b="0" strike="noStrike" spc="-1">
-              <a:latin typeface="Arial"/>
-            </a:endParaRPr>
-          </a:p>
-        </p:txBody>
-      </p:sp>
-      <p:sp>
-        <p:nvSpPr>
-          <p:cNvPr id="43" name="PlaceHolder 2"/>
-          <p:cNvSpPr>
-            <a:spLocks noGrp="1"/>
-          </p:cNvSpPr>
-          <p:nvPr>
-            <p:ph/>
-          </p:nvPr>
-        </p:nvSpPr>
-        <p:spPr bwMode="auto">
-          <a:xfrm>
-            <a:off x="457200" y="1203480"/>
-            <a:ext cx="8229240" cy="2983320"/>
-          </a:xfrm>
-          <a:prstGeom prst="rect">
-            <a:avLst/>
-          </a:prstGeom>
-          <a:noFill/>
-          <a:ln w="0">
-            <a:noFill/>
-          </a:ln>
-        </p:spPr>
-        <p:txBody>
-          <a:bodyPr lIns="0" tIns="0" rIns="0" bIns="0" anchor="t">
-            <a:noAutofit/>
-          </a:bodyPr>
-          <a:lstStyle/>
-          <a:p>
             <a:pPr>
               <a:defRPr/>
             </a:pPr>
-            <a:endParaRPr lang="it-IT" sz="3200" b="0" strike="noStrike" spc="-1">
-              <a:latin typeface="Arial"/>
-            </a:endParaRPr>
+            <a:r>
+              <a:rPr lang="ru-RU"/>
+              <a:t>Образец заголовка</a:t>
+            </a:r>
+            <a:endParaRPr lang="ru-RU"/>
           </a:p>
         </p:txBody>
       </p:sp>
@@ -1018,8 +1978,8 @@
 </file>
 
 <file path=ppt/slideLayouts/slideLayout16.xml><?xml version="1.0" encoding="utf-8"?>
-<p:sldLayout xmlns:a="http://schemas.openxmlformats.org/drawingml/2006/main" xmlns:r="http://schemas.openxmlformats.org/officeDocument/2006/relationships" xmlns:p="http://schemas.openxmlformats.org/presentationml/2006/main" xmlns:m="http://schemas.openxmlformats.org/officeDocument/2006/math" xmlns:w="http://schemas.openxmlformats.org/wordprocessingml/2006/main" matchingName="" preserve="1" showMasterPhAnim="0" type="twoObj" userDrawn="1">
-  <p:cSld name="Title, 2 Content">
+<p:sldLayout xmlns:a="http://schemas.openxmlformats.org/drawingml/2006/main" xmlns:r="http://schemas.openxmlformats.org/officeDocument/2006/relationships" xmlns:p="http://schemas.openxmlformats.org/presentationml/2006/main" xmlns:m="http://schemas.openxmlformats.org/officeDocument/2006/math" xmlns:w="http://schemas.openxmlformats.org/wordprocessingml/2006/main" matchingName="" preserve="0" showMasterPhAnim="0" type="twoObj" userDrawn="1">
+  <p:cSld name="Two Content">
     <p:spTree>
       <p:nvGrpSpPr>
         <p:cNvPr id="1" name=""/>
@@ -1036,7 +1996,7 @@
       </p:grpSpPr>
       <p:sp>
         <p:nvSpPr>
-          <p:cNvPr id="44" name="PlaceHolder 1"/>
+          <p:cNvPr id="2" name="Заголовок 1"/>
           <p:cNvSpPr>
             <a:spLocks noGrp="1"/>
           </p:cNvSpPr>
@@ -1044,107 +2004,299 @@
             <p:ph type="title"/>
           </p:nvPr>
         </p:nvSpPr>
-        <p:spPr bwMode="auto">
-          <a:xfrm>
-            <a:off x="457200" y="205200"/>
-            <a:ext cx="8229240" cy="858600"/>
-          </a:xfrm>
-          <a:prstGeom prst="rect">
-            <a:avLst/>
-          </a:prstGeom>
-          <a:noFill/>
-          <a:ln w="0">
-            <a:noFill/>
-          </a:ln>
-        </p:spPr>
-        <p:txBody>
-          <a:bodyPr lIns="0" tIns="0" rIns="0" bIns="0" anchor="ctr">
-            <a:noAutofit/>
-          </a:bodyPr>
+        <p:spPr bwMode="auto"/>
+        <p:txBody>
+          <a:bodyPr/>
           <a:lstStyle/>
           <a:p>
-            <a:pPr algn="ctr">
-              <a:defRPr/>
-            </a:pPr>
-            <a:endParaRPr lang="it-IT" sz="4400" b="0" strike="noStrike" spc="-1">
-              <a:latin typeface="Arial"/>
-            </a:endParaRPr>
-          </a:p>
-        </p:txBody>
-      </p:sp>
-      <p:sp>
-        <p:nvSpPr>
-          <p:cNvPr id="45" name="PlaceHolder 2"/>
+            <a:pPr>
+              <a:defRPr/>
+            </a:pPr>
+            <a:r>
+              <a:rPr lang="ru-RU"/>
+              <a:t>Образец заголовка</a:t>
+            </a:r>
+            <a:endParaRPr lang="ru-RU"/>
+          </a:p>
+        </p:txBody>
+      </p:sp>
+      <p:sp>
+        <p:nvSpPr>
+          <p:cNvPr id="3" name="Объект 2"/>
           <p:cNvSpPr>
             <a:spLocks noGrp="1"/>
           </p:cNvSpPr>
           <p:nvPr>
-            <p:ph/>
+            <p:ph sz="half" idx="1"/>
           </p:nvPr>
         </p:nvSpPr>
         <p:spPr bwMode="auto">
           <a:xfrm>
-            <a:off x="457200" y="1203480"/>
-            <a:ext cx="4015800" cy="2983320"/>
+            <a:off x="457200" y="897564"/>
+            <a:ext cx="4038598" cy="3697057"/>
           </a:xfrm>
           <a:prstGeom prst="rect">
             <a:avLst/>
           </a:prstGeom>
           <a:noFill/>
-          <a:ln w="0">
-            <a:noFill/>
-          </a:ln>
-        </p:spPr>
-        <p:txBody>
-          <a:bodyPr lIns="0" tIns="0" rIns="0" bIns="0" anchor="t">
-            <a:noAutofit/>
-          </a:bodyPr>
-          <a:lstStyle/>
-          <a:p>
-            <a:pPr>
-              <a:defRPr/>
-            </a:pPr>
-            <a:endParaRPr lang="it-IT" sz="3200" b="0" strike="noStrike" spc="-1">
-              <a:latin typeface="Arial"/>
-            </a:endParaRPr>
-          </a:p>
-        </p:txBody>
-      </p:sp>
-      <p:sp>
-        <p:nvSpPr>
-          <p:cNvPr id="46" name="PlaceHolder 3"/>
+        </p:spPr>
+        <p:txBody>
+          <a:bodyPr/>
+          <a:lstStyle>
+            <a:lvl1pPr>
+              <a:defRPr sz="2800"/>
+            </a:lvl1pPr>
+            <a:lvl2pPr>
+              <a:defRPr sz="2400"/>
+            </a:lvl2pPr>
+            <a:lvl3pPr>
+              <a:defRPr sz="2000"/>
+            </a:lvl3pPr>
+            <a:lvl4pPr>
+              <a:defRPr sz="1800"/>
+            </a:lvl4pPr>
+            <a:lvl5pPr>
+              <a:defRPr sz="1800"/>
+            </a:lvl5pPr>
+            <a:lvl6pPr>
+              <a:defRPr sz="1800"/>
+            </a:lvl6pPr>
+            <a:lvl7pPr>
+              <a:defRPr sz="1800"/>
+            </a:lvl7pPr>
+            <a:lvl8pPr>
+              <a:defRPr sz="1800"/>
+            </a:lvl8pPr>
+            <a:lvl9pPr>
+              <a:defRPr sz="1800"/>
+            </a:lvl9pPr>
+          </a:lstStyle>
+          <a:p>
+            <a:pPr lvl="0">
+              <a:defRPr/>
+            </a:pPr>
+            <a:r>
+              <a:rPr lang="ru-RU"/>
+              <a:t>Образец текста</a:t>
+            </a:r>
+            <a:endParaRPr/>
+          </a:p>
+          <a:p>
+            <a:pPr lvl="1">
+              <a:defRPr/>
+            </a:pPr>
+            <a:r>
+              <a:rPr lang="ru-RU"/>
+              <a:t>Второй уровень</a:t>
+            </a:r>
+            <a:endParaRPr/>
+          </a:p>
+          <a:p>
+            <a:pPr lvl="2">
+              <a:defRPr/>
+            </a:pPr>
+            <a:r>
+              <a:rPr lang="ru-RU"/>
+              <a:t>Третий уровень</a:t>
+            </a:r>
+            <a:endParaRPr/>
+          </a:p>
+          <a:p>
+            <a:pPr lvl="3">
+              <a:defRPr/>
+            </a:pPr>
+            <a:r>
+              <a:rPr lang="ru-RU"/>
+              <a:t>Четвертый уровень</a:t>
+            </a:r>
+            <a:endParaRPr/>
+          </a:p>
+          <a:p>
+            <a:pPr lvl="4">
+              <a:defRPr/>
+            </a:pPr>
+            <a:r>
+              <a:rPr lang="ru-RU"/>
+              <a:t>Пятый уровень</a:t>
+            </a:r>
+            <a:endParaRPr lang="ru-RU"/>
+          </a:p>
+        </p:txBody>
+      </p:sp>
+      <p:sp>
+        <p:nvSpPr>
+          <p:cNvPr id="4" name="Объект 3"/>
           <p:cNvSpPr>
             <a:spLocks noGrp="1"/>
           </p:cNvSpPr>
           <p:nvPr>
-            <p:ph/>
+            <p:ph sz="half" idx="2"/>
           </p:nvPr>
         </p:nvSpPr>
         <p:spPr bwMode="auto">
           <a:xfrm>
-            <a:off x="4674240" y="1203480"/>
-            <a:ext cx="4015800" cy="2983320"/>
+            <a:off x="4648199" y="897564"/>
+            <a:ext cx="4038598" cy="3697057"/>
           </a:xfrm>
           <a:prstGeom prst="rect">
             <a:avLst/>
           </a:prstGeom>
           <a:noFill/>
-          <a:ln w="0">
-            <a:noFill/>
-          </a:ln>
-        </p:spPr>
-        <p:txBody>
-          <a:bodyPr lIns="0" tIns="0" rIns="0" bIns="0" anchor="t">
-            <a:noAutofit/>
-          </a:bodyPr>
+        </p:spPr>
+        <p:txBody>
+          <a:bodyPr/>
+          <a:lstStyle>
+            <a:lvl1pPr>
+              <a:defRPr sz="2800"/>
+            </a:lvl1pPr>
+            <a:lvl2pPr>
+              <a:defRPr sz="2400"/>
+            </a:lvl2pPr>
+            <a:lvl3pPr>
+              <a:defRPr sz="2000"/>
+            </a:lvl3pPr>
+            <a:lvl4pPr>
+              <a:defRPr sz="1800"/>
+            </a:lvl4pPr>
+            <a:lvl5pPr>
+              <a:defRPr sz="1800"/>
+            </a:lvl5pPr>
+            <a:lvl6pPr>
+              <a:defRPr sz="1800"/>
+            </a:lvl6pPr>
+            <a:lvl7pPr>
+              <a:defRPr sz="1800"/>
+            </a:lvl7pPr>
+            <a:lvl8pPr>
+              <a:defRPr sz="1800"/>
+            </a:lvl8pPr>
+            <a:lvl9pPr>
+              <a:defRPr sz="1800"/>
+            </a:lvl9pPr>
+          </a:lstStyle>
+          <a:p>
+            <a:pPr lvl="0">
+              <a:defRPr/>
+            </a:pPr>
+            <a:r>
+              <a:rPr lang="ru-RU"/>
+              <a:t>Образец текста</a:t>
+            </a:r>
+            <a:endParaRPr/>
+          </a:p>
+          <a:p>
+            <a:pPr lvl="1">
+              <a:defRPr/>
+            </a:pPr>
+            <a:r>
+              <a:rPr lang="ru-RU"/>
+              <a:t>Второй уровень</a:t>
+            </a:r>
+            <a:endParaRPr/>
+          </a:p>
+          <a:p>
+            <a:pPr lvl="2">
+              <a:defRPr/>
+            </a:pPr>
+            <a:r>
+              <a:rPr lang="ru-RU"/>
+              <a:t>Третий уровень</a:t>
+            </a:r>
+            <a:endParaRPr/>
+          </a:p>
+          <a:p>
+            <a:pPr lvl="3">
+              <a:defRPr/>
+            </a:pPr>
+            <a:r>
+              <a:rPr lang="ru-RU"/>
+              <a:t>Четвертый уровень</a:t>
+            </a:r>
+            <a:endParaRPr/>
+          </a:p>
+          <a:p>
+            <a:pPr lvl="4">
+              <a:defRPr/>
+            </a:pPr>
+            <a:r>
+              <a:rPr lang="ru-RU"/>
+              <a:t>Пятый уровень</a:t>
+            </a:r>
+            <a:endParaRPr lang="ru-RU"/>
+          </a:p>
+        </p:txBody>
+      </p:sp>
+      <p:sp>
+        <p:nvSpPr>
+          <p:cNvPr id="5" name="Дата 4"/>
+          <p:cNvSpPr>
+            <a:spLocks noGrp="1"/>
+          </p:cNvSpPr>
+          <p:nvPr>
+            <p:ph type="dt" sz="half" idx="10"/>
+          </p:nvPr>
+        </p:nvSpPr>
+        <p:spPr bwMode="auto"/>
+        <p:txBody>
+          <a:bodyPr/>
           <a:lstStyle/>
           <a:p>
             <a:pPr>
               <a:defRPr/>
             </a:pPr>
-            <a:endParaRPr lang="it-IT" sz="3200" b="0" strike="noStrike" spc="-1">
-              <a:latin typeface="Arial"/>
-            </a:endParaRPr>
+            <a:fld id="{51E84241-D031-42DE-84E4-CC10C30232F4}" type="datetimeFigureOut">
+              <a:rPr lang="ru-RU"/>
+              <a:t/>
+            </a:fld>
+            <a:endParaRPr lang="ru-RU"/>
+          </a:p>
+        </p:txBody>
+      </p:sp>
+      <p:sp>
+        <p:nvSpPr>
+          <p:cNvPr id="6" name="Нижний колонтитул 5"/>
+          <p:cNvSpPr>
+            <a:spLocks noGrp="1"/>
+          </p:cNvSpPr>
+          <p:nvPr>
+            <p:ph type="ftr" sz="quarter" idx="11"/>
+          </p:nvPr>
+        </p:nvSpPr>
+        <p:spPr bwMode="auto"/>
+        <p:txBody>
+          <a:bodyPr/>
+          <a:lstStyle/>
+          <a:p>
+            <a:pPr>
+              <a:defRPr/>
+            </a:pPr>
+            <a:endParaRPr lang="ru-RU"/>
+          </a:p>
+        </p:txBody>
+      </p:sp>
+      <p:sp>
+        <p:nvSpPr>
+          <p:cNvPr id="7" name="Номер слайда 6"/>
+          <p:cNvSpPr>
+            <a:spLocks noGrp="1"/>
+          </p:cNvSpPr>
+          <p:nvPr>
+            <p:ph type="sldNum" sz="quarter" idx="12"/>
+          </p:nvPr>
+        </p:nvSpPr>
+        <p:spPr bwMode="auto"/>
+        <p:txBody>
+          <a:bodyPr/>
+          <a:lstStyle/>
+          <a:p>
+            <a:pPr>
+              <a:defRPr/>
+            </a:pPr>
+            <a:fld id="{6B5AA3AA-5EA9-4976-BF6C-9891F6110747}" type="slidenum">
+              <a:rPr lang="ru-RU"/>
+              <a:t/>
+            </a:fld>
+            <a:endParaRPr lang="ru-RU"/>
           </a:p>
         </p:txBody>
       </p:sp>
@@ -1157,7 +2309,486 @@
 </file>
 
 <file path=ppt/slideLayouts/slideLayout17.xml><?xml version="1.0" encoding="utf-8"?>
-<p:sldLayout xmlns:a="http://schemas.openxmlformats.org/drawingml/2006/main" xmlns:r="http://schemas.openxmlformats.org/officeDocument/2006/relationships" xmlns:p="http://schemas.openxmlformats.org/presentationml/2006/main" xmlns:m="http://schemas.openxmlformats.org/officeDocument/2006/math" xmlns:w="http://schemas.openxmlformats.org/wordprocessingml/2006/main" matchingName="" preserve="1" showMasterPhAnim="0" type="titleOnly" userDrawn="1">
+<p:sldLayout xmlns:a="http://schemas.openxmlformats.org/drawingml/2006/main" xmlns:r="http://schemas.openxmlformats.org/officeDocument/2006/relationships" xmlns:p="http://schemas.openxmlformats.org/presentationml/2006/main" xmlns:m="http://schemas.openxmlformats.org/officeDocument/2006/math" xmlns:w="http://schemas.openxmlformats.org/wordprocessingml/2006/main" matchingName="" preserve="0" showMasterPhAnim="0" type="twoTxTwoObj" userDrawn="1">
+  <p:cSld name="Comparison">
+    <p:spTree>
+      <p:nvGrpSpPr>
+        <p:cNvPr id="1" name=""/>
+        <p:cNvGrpSpPr/>
+        <p:nvPr/>
+      </p:nvGrpSpPr>
+      <p:grpSpPr bwMode="auto">
+        <a:xfrm>
+          <a:off x="0" y="0"/>
+          <a:ext cx="0" cy="0"/>
+          <a:chOff x="0" y="0"/>
+          <a:chExt cx="0" cy="0"/>
+        </a:xfrm>
+      </p:grpSpPr>
+      <p:sp>
+        <p:nvSpPr>
+          <p:cNvPr id="2" name="Заголовок 1"/>
+          <p:cNvSpPr>
+            <a:spLocks noGrp="1"/>
+          </p:cNvSpPr>
+          <p:nvPr>
+            <p:ph type="title"/>
+          </p:nvPr>
+        </p:nvSpPr>
+        <p:spPr bwMode="auto"/>
+        <p:txBody>
+          <a:bodyPr/>
+          <a:lstStyle>
+            <a:lvl1pPr>
+              <a:defRPr/>
+            </a:lvl1pPr>
+          </a:lstStyle>
+          <a:p>
+            <a:pPr>
+              <a:defRPr/>
+            </a:pPr>
+            <a:r>
+              <a:rPr lang="ru-RU"/>
+              <a:t>Образец заголовка</a:t>
+            </a:r>
+            <a:endParaRPr lang="ru-RU"/>
+          </a:p>
+        </p:txBody>
+      </p:sp>
+      <p:sp>
+        <p:nvSpPr>
+          <p:cNvPr id="3" name="Текст 2"/>
+          <p:cNvSpPr>
+            <a:spLocks noGrp="1"/>
+          </p:cNvSpPr>
+          <p:nvPr>
+            <p:ph type="body" idx="1"/>
+          </p:nvPr>
+        </p:nvSpPr>
+        <p:spPr bwMode="auto">
+          <a:xfrm>
+            <a:off x="457200" y="951570"/>
+            <a:ext cx="4040187" cy="479821"/>
+          </a:xfrm>
+          <a:prstGeom prst="rect">
+            <a:avLst/>
+          </a:prstGeom>
+          <a:noFill/>
+        </p:spPr>
+        <p:txBody>
+          <a:bodyPr anchor="b"/>
+          <a:lstStyle>
+            <a:lvl1pPr marL="0" indent="0">
+              <a:buNone/>
+              <a:defRPr sz="2400" b="1"/>
+            </a:lvl1pPr>
+            <a:lvl2pPr marL="457200" indent="0">
+              <a:buNone/>
+              <a:defRPr sz="2000" b="1"/>
+            </a:lvl2pPr>
+            <a:lvl3pPr marL="914400" indent="0">
+              <a:buNone/>
+              <a:defRPr sz="1800" b="1"/>
+            </a:lvl3pPr>
+            <a:lvl4pPr marL="1371600" indent="0">
+              <a:buNone/>
+              <a:defRPr sz="1600" b="1"/>
+            </a:lvl4pPr>
+            <a:lvl5pPr marL="1828800" indent="0">
+              <a:buNone/>
+              <a:defRPr sz="1600" b="1"/>
+            </a:lvl5pPr>
+            <a:lvl6pPr marL="2286000" indent="0">
+              <a:buNone/>
+              <a:defRPr sz="1600" b="1"/>
+            </a:lvl6pPr>
+            <a:lvl7pPr marL="2743200" indent="0">
+              <a:buNone/>
+              <a:defRPr sz="1600" b="1"/>
+            </a:lvl7pPr>
+            <a:lvl8pPr marL="3200400" indent="0">
+              <a:buNone/>
+              <a:defRPr sz="1600" b="1"/>
+            </a:lvl8pPr>
+            <a:lvl9pPr marL="3657600" indent="0">
+              <a:buNone/>
+              <a:defRPr sz="1600" b="1"/>
+            </a:lvl9pPr>
+          </a:lstStyle>
+          <a:p>
+            <a:pPr lvl="0">
+              <a:defRPr/>
+            </a:pPr>
+            <a:r>
+              <a:rPr lang="ru-RU"/>
+              <a:t>Образец текста</a:t>
+            </a:r>
+            <a:endParaRPr/>
+          </a:p>
+        </p:txBody>
+      </p:sp>
+      <p:sp>
+        <p:nvSpPr>
+          <p:cNvPr id="4" name="Объект 3"/>
+          <p:cNvSpPr>
+            <a:spLocks noGrp="1"/>
+          </p:cNvSpPr>
+          <p:nvPr>
+            <p:ph sz="half" idx="2"/>
+          </p:nvPr>
+        </p:nvSpPr>
+        <p:spPr bwMode="auto">
+          <a:xfrm>
+            <a:off x="457200" y="1545636"/>
+            <a:ext cx="4040187" cy="3048985"/>
+          </a:xfrm>
+          <a:prstGeom prst="rect">
+            <a:avLst/>
+          </a:prstGeom>
+          <a:noFill/>
+        </p:spPr>
+        <p:txBody>
+          <a:bodyPr/>
+          <a:lstStyle>
+            <a:lvl1pPr>
+              <a:defRPr sz="2400"/>
+            </a:lvl1pPr>
+            <a:lvl2pPr>
+              <a:defRPr sz="2000"/>
+            </a:lvl2pPr>
+            <a:lvl3pPr>
+              <a:defRPr sz="1800"/>
+            </a:lvl3pPr>
+            <a:lvl4pPr>
+              <a:defRPr sz="1600"/>
+            </a:lvl4pPr>
+            <a:lvl5pPr>
+              <a:defRPr sz="1600"/>
+            </a:lvl5pPr>
+            <a:lvl6pPr>
+              <a:defRPr sz="1600"/>
+            </a:lvl6pPr>
+            <a:lvl7pPr>
+              <a:defRPr sz="1600"/>
+            </a:lvl7pPr>
+            <a:lvl8pPr>
+              <a:defRPr sz="1600"/>
+            </a:lvl8pPr>
+            <a:lvl9pPr>
+              <a:defRPr sz="1600"/>
+            </a:lvl9pPr>
+          </a:lstStyle>
+          <a:p>
+            <a:pPr lvl="0">
+              <a:defRPr/>
+            </a:pPr>
+            <a:r>
+              <a:rPr lang="ru-RU"/>
+              <a:t>Образец текста</a:t>
+            </a:r>
+            <a:endParaRPr/>
+          </a:p>
+          <a:p>
+            <a:pPr lvl="1">
+              <a:defRPr/>
+            </a:pPr>
+            <a:r>
+              <a:rPr lang="ru-RU"/>
+              <a:t>Второй уровень</a:t>
+            </a:r>
+            <a:endParaRPr/>
+          </a:p>
+          <a:p>
+            <a:pPr lvl="2">
+              <a:defRPr/>
+            </a:pPr>
+            <a:r>
+              <a:rPr lang="ru-RU"/>
+              <a:t>Третий уровень</a:t>
+            </a:r>
+            <a:endParaRPr/>
+          </a:p>
+          <a:p>
+            <a:pPr lvl="3">
+              <a:defRPr/>
+            </a:pPr>
+            <a:r>
+              <a:rPr lang="ru-RU"/>
+              <a:t>Четвертый уровень</a:t>
+            </a:r>
+            <a:endParaRPr/>
+          </a:p>
+          <a:p>
+            <a:pPr lvl="4">
+              <a:defRPr/>
+            </a:pPr>
+            <a:r>
+              <a:rPr lang="ru-RU"/>
+              <a:t>Пятый уровень</a:t>
+            </a:r>
+            <a:endParaRPr lang="ru-RU"/>
+          </a:p>
+        </p:txBody>
+      </p:sp>
+      <p:sp>
+        <p:nvSpPr>
+          <p:cNvPr id="5" name="Текст 4"/>
+          <p:cNvSpPr>
+            <a:spLocks noGrp="1"/>
+          </p:cNvSpPr>
+          <p:nvPr>
+            <p:ph type="body" sz="quarter" idx="3"/>
+          </p:nvPr>
+        </p:nvSpPr>
+        <p:spPr bwMode="auto">
+          <a:xfrm>
+            <a:off x="4645026" y="951570"/>
+            <a:ext cx="4041774" cy="479821"/>
+          </a:xfrm>
+          <a:prstGeom prst="rect">
+            <a:avLst/>
+          </a:prstGeom>
+          <a:noFill/>
+        </p:spPr>
+        <p:txBody>
+          <a:bodyPr anchor="b"/>
+          <a:lstStyle>
+            <a:lvl1pPr marL="0" indent="0">
+              <a:buNone/>
+              <a:defRPr sz="2400" b="1"/>
+            </a:lvl1pPr>
+            <a:lvl2pPr marL="457200" indent="0">
+              <a:buNone/>
+              <a:defRPr sz="2000" b="1"/>
+            </a:lvl2pPr>
+            <a:lvl3pPr marL="914400" indent="0">
+              <a:buNone/>
+              <a:defRPr sz="1800" b="1"/>
+            </a:lvl3pPr>
+            <a:lvl4pPr marL="1371600" indent="0">
+              <a:buNone/>
+              <a:defRPr sz="1600" b="1"/>
+            </a:lvl4pPr>
+            <a:lvl5pPr marL="1828800" indent="0">
+              <a:buNone/>
+              <a:defRPr sz="1600" b="1"/>
+            </a:lvl5pPr>
+            <a:lvl6pPr marL="2286000" indent="0">
+              <a:buNone/>
+              <a:defRPr sz="1600" b="1"/>
+            </a:lvl6pPr>
+            <a:lvl7pPr marL="2743200" indent="0">
+              <a:buNone/>
+              <a:defRPr sz="1600" b="1"/>
+            </a:lvl7pPr>
+            <a:lvl8pPr marL="3200400" indent="0">
+              <a:buNone/>
+              <a:defRPr sz="1600" b="1"/>
+            </a:lvl8pPr>
+            <a:lvl9pPr marL="3657600" indent="0">
+              <a:buNone/>
+              <a:defRPr sz="1600" b="1"/>
+            </a:lvl9pPr>
+          </a:lstStyle>
+          <a:p>
+            <a:pPr lvl="0">
+              <a:defRPr/>
+            </a:pPr>
+            <a:r>
+              <a:rPr lang="ru-RU"/>
+              <a:t>Образец текста</a:t>
+            </a:r>
+            <a:endParaRPr/>
+          </a:p>
+        </p:txBody>
+      </p:sp>
+      <p:sp>
+        <p:nvSpPr>
+          <p:cNvPr id="6" name="Объект 5"/>
+          <p:cNvSpPr>
+            <a:spLocks noGrp="1"/>
+          </p:cNvSpPr>
+          <p:nvPr>
+            <p:ph sz="quarter" idx="4"/>
+          </p:nvPr>
+        </p:nvSpPr>
+        <p:spPr bwMode="auto">
+          <a:xfrm>
+            <a:off x="4645026" y="1545636"/>
+            <a:ext cx="4041774" cy="3048985"/>
+          </a:xfrm>
+          <a:prstGeom prst="rect">
+            <a:avLst/>
+          </a:prstGeom>
+          <a:noFill/>
+        </p:spPr>
+        <p:txBody>
+          <a:bodyPr/>
+          <a:lstStyle>
+            <a:lvl1pPr>
+              <a:defRPr sz="2400"/>
+            </a:lvl1pPr>
+            <a:lvl2pPr>
+              <a:defRPr sz="2000"/>
+            </a:lvl2pPr>
+            <a:lvl3pPr>
+              <a:defRPr sz="1800"/>
+            </a:lvl3pPr>
+            <a:lvl4pPr>
+              <a:defRPr sz="1600"/>
+            </a:lvl4pPr>
+            <a:lvl5pPr>
+              <a:defRPr sz="1600"/>
+            </a:lvl5pPr>
+            <a:lvl6pPr>
+              <a:defRPr sz="1600"/>
+            </a:lvl6pPr>
+            <a:lvl7pPr>
+              <a:defRPr sz="1600"/>
+            </a:lvl7pPr>
+            <a:lvl8pPr>
+              <a:defRPr sz="1600"/>
+            </a:lvl8pPr>
+            <a:lvl9pPr>
+              <a:defRPr sz="1600"/>
+            </a:lvl9pPr>
+          </a:lstStyle>
+          <a:p>
+            <a:pPr lvl="0">
+              <a:defRPr/>
+            </a:pPr>
+            <a:r>
+              <a:rPr lang="ru-RU"/>
+              <a:t>Образец текста</a:t>
+            </a:r>
+            <a:endParaRPr/>
+          </a:p>
+          <a:p>
+            <a:pPr lvl="1">
+              <a:defRPr/>
+            </a:pPr>
+            <a:r>
+              <a:rPr lang="ru-RU"/>
+              <a:t>Второй уровень</a:t>
+            </a:r>
+            <a:endParaRPr/>
+          </a:p>
+          <a:p>
+            <a:pPr lvl="2">
+              <a:defRPr/>
+            </a:pPr>
+            <a:r>
+              <a:rPr lang="ru-RU"/>
+              <a:t>Третий уровень</a:t>
+            </a:r>
+            <a:endParaRPr/>
+          </a:p>
+          <a:p>
+            <a:pPr lvl="3">
+              <a:defRPr/>
+            </a:pPr>
+            <a:r>
+              <a:rPr lang="ru-RU"/>
+              <a:t>Четвертый уровень</a:t>
+            </a:r>
+            <a:endParaRPr/>
+          </a:p>
+          <a:p>
+            <a:pPr lvl="4">
+              <a:defRPr/>
+            </a:pPr>
+            <a:r>
+              <a:rPr lang="ru-RU"/>
+              <a:t>Пятый уровень</a:t>
+            </a:r>
+            <a:endParaRPr lang="ru-RU"/>
+          </a:p>
+        </p:txBody>
+      </p:sp>
+      <p:sp>
+        <p:nvSpPr>
+          <p:cNvPr id="7" name="Дата 6"/>
+          <p:cNvSpPr>
+            <a:spLocks noGrp="1"/>
+          </p:cNvSpPr>
+          <p:nvPr>
+            <p:ph type="dt" sz="half" idx="10"/>
+          </p:nvPr>
+        </p:nvSpPr>
+        <p:spPr bwMode="auto"/>
+        <p:txBody>
+          <a:bodyPr/>
+          <a:lstStyle/>
+          <a:p>
+            <a:pPr>
+              <a:defRPr/>
+            </a:pPr>
+            <a:fld id="{51E84241-D031-42DE-84E4-CC10C30232F4}" type="datetimeFigureOut">
+              <a:rPr lang="ru-RU"/>
+              <a:t/>
+            </a:fld>
+            <a:endParaRPr lang="ru-RU"/>
+          </a:p>
+        </p:txBody>
+      </p:sp>
+      <p:sp>
+        <p:nvSpPr>
+          <p:cNvPr id="8" name="Нижний колонтитул 7"/>
+          <p:cNvSpPr>
+            <a:spLocks noGrp="1"/>
+          </p:cNvSpPr>
+          <p:nvPr>
+            <p:ph type="ftr" sz="quarter" idx="11"/>
+          </p:nvPr>
+        </p:nvSpPr>
+        <p:spPr bwMode="auto"/>
+        <p:txBody>
+          <a:bodyPr/>
+          <a:lstStyle/>
+          <a:p>
+            <a:pPr>
+              <a:defRPr/>
+            </a:pPr>
+            <a:endParaRPr lang="ru-RU"/>
+          </a:p>
+        </p:txBody>
+      </p:sp>
+      <p:sp>
+        <p:nvSpPr>
+          <p:cNvPr id="9" name="Номер слайда 8"/>
+          <p:cNvSpPr>
+            <a:spLocks noGrp="1"/>
+          </p:cNvSpPr>
+          <p:nvPr>
+            <p:ph type="sldNum" sz="quarter" idx="12"/>
+          </p:nvPr>
+        </p:nvSpPr>
+        <p:spPr bwMode="auto"/>
+        <p:txBody>
+          <a:bodyPr/>
+          <a:lstStyle/>
+          <a:p>
+            <a:pPr>
+              <a:defRPr/>
+            </a:pPr>
+            <a:fld id="{6B5AA3AA-5EA9-4976-BF6C-9891F6110747}" type="slidenum">
+              <a:rPr lang="ru-RU"/>
+              <a:t/>
+            </a:fld>
+            <a:endParaRPr lang="ru-RU"/>
+          </a:p>
+        </p:txBody>
+      </p:sp>
+    </p:spTree>
+  </p:cSld>
+  <p:clrMapOvr>
+    <a:masterClrMapping/>
+  </p:clrMapOvr>
+</p:sldLayout>
+</file>
+
+<file path=ppt/slideLayouts/slideLayout18.xml><?xml version="1.0" encoding="utf-8"?>
+<p:sldLayout xmlns:a="http://schemas.openxmlformats.org/drawingml/2006/main" xmlns:r="http://schemas.openxmlformats.org/officeDocument/2006/relationships" xmlns:p="http://schemas.openxmlformats.org/presentationml/2006/main" xmlns:m="http://schemas.openxmlformats.org/officeDocument/2006/math" xmlns:w="http://schemas.openxmlformats.org/wordprocessingml/2006/main" matchingName="" preserve="0" showMasterPhAnim="0" type="titleOnly" userDrawn="1">
   <p:cSld name="Title Only">
     <p:spTree>
       <p:nvGrpSpPr>
@@ -1175,7 +2806,7 @@
       </p:grpSpPr>
       <p:sp>
         <p:nvSpPr>
-          <p:cNvPr id="47" name="PlaceHolder 1"/>
+          <p:cNvPr id="2" name="Заголовок 1"/>
           <p:cNvSpPr>
             <a:spLocks noGrp="1"/>
           </p:cNvSpPr>
@@ -1183,31 +2814,93 @@
             <p:ph type="title"/>
           </p:nvPr>
         </p:nvSpPr>
-        <p:spPr bwMode="auto">
-          <a:xfrm>
-            <a:off x="457200" y="205200"/>
-            <a:ext cx="8229240" cy="858600"/>
-          </a:xfrm>
-          <a:prstGeom prst="rect">
-            <a:avLst/>
-          </a:prstGeom>
-          <a:noFill/>
-          <a:ln w="0">
-            <a:noFill/>
-          </a:ln>
-        </p:spPr>
-        <p:txBody>
-          <a:bodyPr lIns="0" tIns="0" rIns="0" bIns="0" anchor="ctr">
-            <a:noAutofit/>
-          </a:bodyPr>
+        <p:spPr bwMode="auto"/>
+        <p:txBody>
+          <a:bodyPr/>
           <a:lstStyle/>
           <a:p>
-            <a:pPr algn="ctr">
-              <a:defRPr/>
-            </a:pPr>
-            <a:endParaRPr lang="it-IT" sz="4400" b="0" strike="noStrike" spc="-1">
-              <a:latin typeface="Arial"/>
-            </a:endParaRPr>
+            <a:pPr>
+              <a:defRPr/>
+            </a:pPr>
+            <a:r>
+              <a:rPr lang="ru-RU"/>
+              <a:t>Образец заголовка</a:t>
+            </a:r>
+            <a:endParaRPr lang="ru-RU"/>
+          </a:p>
+        </p:txBody>
+      </p:sp>
+      <p:sp>
+        <p:nvSpPr>
+          <p:cNvPr id="3" name="Дата 2"/>
+          <p:cNvSpPr>
+            <a:spLocks noGrp="1"/>
+          </p:cNvSpPr>
+          <p:nvPr>
+            <p:ph type="dt" sz="half" idx="10"/>
+          </p:nvPr>
+        </p:nvSpPr>
+        <p:spPr bwMode="auto"/>
+        <p:txBody>
+          <a:bodyPr/>
+          <a:lstStyle/>
+          <a:p>
+            <a:pPr>
+              <a:defRPr/>
+            </a:pPr>
+            <a:fld id="{51E84241-D031-42DE-84E4-CC10C30232F4}" type="datetimeFigureOut">
+              <a:rPr lang="ru-RU"/>
+              <a:t/>
+            </a:fld>
+            <a:endParaRPr lang="ru-RU"/>
+          </a:p>
+        </p:txBody>
+      </p:sp>
+      <p:sp>
+        <p:nvSpPr>
+          <p:cNvPr id="4" name="Нижний колонтитул 3"/>
+          <p:cNvSpPr>
+            <a:spLocks noGrp="1"/>
+          </p:cNvSpPr>
+          <p:nvPr>
+            <p:ph type="ftr" sz="quarter" idx="11"/>
+          </p:nvPr>
+        </p:nvSpPr>
+        <p:spPr bwMode="auto"/>
+        <p:txBody>
+          <a:bodyPr/>
+          <a:lstStyle/>
+          <a:p>
+            <a:pPr>
+              <a:defRPr/>
+            </a:pPr>
+            <a:endParaRPr lang="ru-RU"/>
+          </a:p>
+        </p:txBody>
+      </p:sp>
+      <p:sp>
+        <p:nvSpPr>
+          <p:cNvPr id="5" name="Номер слайда 4"/>
+          <p:cNvSpPr>
+            <a:spLocks noGrp="1"/>
+          </p:cNvSpPr>
+          <p:nvPr>
+            <p:ph type="sldNum" sz="quarter" idx="12"/>
+          </p:nvPr>
+        </p:nvSpPr>
+        <p:spPr bwMode="auto"/>
+        <p:txBody>
+          <a:bodyPr/>
+          <a:lstStyle/>
+          <a:p>
+            <a:pPr>
+              <a:defRPr/>
+            </a:pPr>
+            <a:fld id="{6B5AA3AA-5EA9-4976-BF6C-9891F6110747}" type="slidenum">
+              <a:rPr lang="ru-RU"/>
+              <a:t/>
+            </a:fld>
+            <a:endParaRPr lang="ru-RU"/>
           </a:p>
         </p:txBody>
       </p:sp>
@@ -1219,9 +2912,9 @@
 </p:sldLayout>
 </file>
 
-<file path=ppt/slideLayouts/slideLayout18.xml><?xml version="1.0" encoding="utf-8"?>
-<p:sldLayout xmlns:a="http://schemas.openxmlformats.org/drawingml/2006/main" xmlns:r="http://schemas.openxmlformats.org/officeDocument/2006/relationships" xmlns:p="http://schemas.openxmlformats.org/presentationml/2006/main" xmlns:m="http://schemas.openxmlformats.org/officeDocument/2006/math" xmlns:w="http://schemas.openxmlformats.org/wordprocessingml/2006/main" matchingName="" preserve="1" showMasterPhAnim="0" type="objOnly" userDrawn="1">
-  <p:cSld name="Centered Text">
+<file path=ppt/slideLayouts/slideLayout19.xml><?xml version="1.0" encoding="utf-8"?>
+<p:sldLayout xmlns:a="http://schemas.openxmlformats.org/drawingml/2006/main" xmlns:r="http://schemas.openxmlformats.org/officeDocument/2006/relationships" xmlns:p="http://schemas.openxmlformats.org/presentationml/2006/main" xmlns:m="http://schemas.openxmlformats.org/officeDocument/2006/math" xmlns:w="http://schemas.openxmlformats.org/wordprocessingml/2006/main" matchingName="" preserve="0" showMasterPhAnim="0" type="blank" userDrawn="1">
+  <p:cSld name="Blank">
     <p:spTree>
       <p:nvGrpSpPr>
         <p:cNvPr id="1" name=""/>
@@ -1238,216 +2931,75 @@
       </p:grpSpPr>
       <p:sp>
         <p:nvSpPr>
-          <p:cNvPr id="48" name="PlaceHolder 1"/>
+          <p:cNvPr id="2" name="Дата 1"/>
           <p:cNvSpPr>
             <a:spLocks noGrp="1"/>
           </p:cNvSpPr>
           <p:nvPr>
-            <p:ph type="subTitle"/>
+            <p:ph type="dt" sz="half" idx="10"/>
           </p:nvPr>
         </p:nvSpPr>
-        <p:spPr bwMode="auto">
-          <a:xfrm>
-            <a:off x="457200" y="205200"/>
-            <a:ext cx="8229240" cy="3981240"/>
-          </a:xfrm>
-          <a:prstGeom prst="rect">
-            <a:avLst/>
-          </a:prstGeom>
-          <a:noFill/>
-          <a:ln w="0">
-            <a:noFill/>
-          </a:ln>
-        </p:spPr>
-        <p:txBody>
-          <a:bodyPr lIns="0" tIns="0" rIns="0" bIns="0" anchor="ctr">
-            <a:noAutofit/>
-          </a:bodyPr>
+        <p:spPr bwMode="auto"/>
+        <p:txBody>
+          <a:bodyPr/>
           <a:lstStyle/>
           <a:p>
-            <a:pPr algn="ctr">
-              <a:defRPr/>
-            </a:pPr>
-            <a:endParaRPr lang="it-IT" sz="3200" b="0" strike="noStrike" spc="-1">
-              <a:latin typeface="Arial"/>
-            </a:endParaRPr>
-          </a:p>
-        </p:txBody>
-      </p:sp>
-    </p:spTree>
-  </p:cSld>
-  <p:clrMapOvr>
-    <a:masterClrMapping/>
-  </p:clrMapOvr>
-</p:sldLayout>
-</file>
-
-<file path=ppt/slideLayouts/slideLayout19.xml><?xml version="1.0" encoding="utf-8"?>
-<p:sldLayout xmlns:a="http://schemas.openxmlformats.org/drawingml/2006/main" xmlns:r="http://schemas.openxmlformats.org/officeDocument/2006/relationships" xmlns:p="http://schemas.openxmlformats.org/presentationml/2006/main" xmlns:m="http://schemas.openxmlformats.org/officeDocument/2006/math" xmlns:w="http://schemas.openxmlformats.org/wordprocessingml/2006/main" matchingName="" preserve="1" showMasterPhAnim="0" type="twoObjAndObj" userDrawn="1">
-  <p:cSld name="Title, 2 Content and Content">
-    <p:spTree>
-      <p:nvGrpSpPr>
-        <p:cNvPr id="1" name=""/>
-        <p:cNvGrpSpPr/>
-        <p:nvPr/>
-      </p:nvGrpSpPr>
-      <p:grpSpPr bwMode="auto">
-        <a:xfrm>
-          <a:off x="0" y="0"/>
-          <a:ext cx="0" cy="0"/>
-          <a:chOff x="0" y="0"/>
-          <a:chExt cx="0" cy="0"/>
-        </a:xfrm>
-      </p:grpSpPr>
-      <p:sp>
-        <p:nvSpPr>
-          <p:cNvPr id="49" name="PlaceHolder 1"/>
+            <a:pPr>
+              <a:defRPr/>
+            </a:pPr>
+            <a:fld id="{51E84241-D031-42DE-84E4-CC10C30232F4}" type="datetimeFigureOut">
+              <a:rPr lang="ru-RU"/>
+              <a:t/>
+            </a:fld>
+            <a:endParaRPr lang="ru-RU"/>
+          </a:p>
+        </p:txBody>
+      </p:sp>
+      <p:sp>
+        <p:nvSpPr>
+          <p:cNvPr id="3" name="Нижний колонтитул 2"/>
           <p:cNvSpPr>
             <a:spLocks noGrp="1"/>
           </p:cNvSpPr>
           <p:nvPr>
-            <p:ph type="title"/>
+            <p:ph type="ftr" sz="quarter" idx="11"/>
           </p:nvPr>
         </p:nvSpPr>
-        <p:spPr bwMode="auto">
-          <a:xfrm>
-            <a:off x="457200" y="205200"/>
-            <a:ext cx="8229240" cy="858600"/>
-          </a:xfrm>
-          <a:prstGeom prst="rect">
-            <a:avLst/>
-          </a:prstGeom>
-          <a:noFill/>
-          <a:ln w="0">
-            <a:noFill/>
-          </a:ln>
-        </p:spPr>
-        <p:txBody>
-          <a:bodyPr lIns="0" tIns="0" rIns="0" bIns="0" anchor="ctr">
-            <a:noAutofit/>
-          </a:bodyPr>
+        <p:spPr bwMode="auto"/>
+        <p:txBody>
+          <a:bodyPr/>
           <a:lstStyle/>
           <a:p>
-            <a:pPr algn="ctr">
-              <a:defRPr/>
-            </a:pPr>
-            <a:endParaRPr lang="it-IT" sz="4400" b="0" strike="noStrike" spc="-1">
-              <a:latin typeface="Arial"/>
-            </a:endParaRPr>
-          </a:p>
-        </p:txBody>
-      </p:sp>
-      <p:sp>
-        <p:nvSpPr>
-          <p:cNvPr id="50" name="PlaceHolder 2"/>
+            <a:pPr>
+              <a:defRPr/>
+            </a:pPr>
+            <a:endParaRPr lang="ru-RU"/>
+          </a:p>
+        </p:txBody>
+      </p:sp>
+      <p:sp>
+        <p:nvSpPr>
+          <p:cNvPr id="4" name="Номер слайда 3"/>
           <p:cNvSpPr>
             <a:spLocks noGrp="1"/>
           </p:cNvSpPr>
           <p:nvPr>
-            <p:ph/>
+            <p:ph type="sldNum" sz="quarter" idx="12"/>
           </p:nvPr>
         </p:nvSpPr>
-        <p:spPr bwMode="auto">
-          <a:xfrm>
-            <a:off x="457200" y="1203480"/>
-            <a:ext cx="4015800" cy="1422720"/>
-          </a:xfrm>
-          <a:prstGeom prst="rect">
-            <a:avLst/>
-          </a:prstGeom>
-          <a:noFill/>
-          <a:ln w="0">
-            <a:noFill/>
-          </a:ln>
-        </p:spPr>
-        <p:txBody>
-          <a:bodyPr lIns="0" tIns="0" rIns="0" bIns="0" anchor="t">
-            <a:noAutofit/>
-          </a:bodyPr>
+        <p:spPr bwMode="auto"/>
+        <p:txBody>
+          <a:bodyPr/>
           <a:lstStyle/>
           <a:p>
             <a:pPr>
               <a:defRPr/>
             </a:pPr>
-            <a:endParaRPr lang="it-IT" sz="3200" b="0" strike="noStrike" spc="-1">
-              <a:latin typeface="Arial"/>
-            </a:endParaRPr>
-          </a:p>
-        </p:txBody>
-      </p:sp>
-      <p:sp>
-        <p:nvSpPr>
-          <p:cNvPr id="51" name="PlaceHolder 3"/>
-          <p:cNvSpPr>
-            <a:spLocks noGrp="1"/>
-          </p:cNvSpPr>
-          <p:nvPr>
-            <p:ph/>
-          </p:nvPr>
-        </p:nvSpPr>
-        <p:spPr bwMode="auto">
-          <a:xfrm>
-            <a:off x="4674240" y="1203480"/>
-            <a:ext cx="4015800" cy="2983320"/>
-          </a:xfrm>
-          <a:prstGeom prst="rect">
-            <a:avLst/>
-          </a:prstGeom>
-          <a:noFill/>
-          <a:ln w="0">
-            <a:noFill/>
-          </a:ln>
-        </p:spPr>
-        <p:txBody>
-          <a:bodyPr lIns="0" tIns="0" rIns="0" bIns="0" anchor="t">
-            <a:noAutofit/>
-          </a:bodyPr>
-          <a:lstStyle/>
-          <a:p>
-            <a:pPr>
-              <a:defRPr/>
-            </a:pPr>
-            <a:endParaRPr lang="it-IT" sz="3200" b="0" strike="noStrike" spc="-1">
-              <a:latin typeface="Arial"/>
-            </a:endParaRPr>
-          </a:p>
-        </p:txBody>
-      </p:sp>
-      <p:sp>
-        <p:nvSpPr>
-          <p:cNvPr id="52" name="PlaceHolder 4"/>
-          <p:cNvSpPr>
-            <a:spLocks noGrp="1"/>
-          </p:cNvSpPr>
-          <p:nvPr>
-            <p:ph/>
-          </p:nvPr>
-        </p:nvSpPr>
-        <p:spPr bwMode="auto">
-          <a:xfrm>
-            <a:off x="457200" y="2761920"/>
-            <a:ext cx="4015800" cy="1422720"/>
-          </a:xfrm>
-          <a:prstGeom prst="rect">
-            <a:avLst/>
-          </a:prstGeom>
-          <a:noFill/>
-          <a:ln w="0">
-            <a:noFill/>
-          </a:ln>
-        </p:spPr>
-        <p:txBody>
-          <a:bodyPr lIns="0" tIns="0" rIns="0" bIns="0" anchor="t">
-            <a:noAutofit/>
-          </a:bodyPr>
-          <a:lstStyle/>
-          <a:p>
-            <a:pPr>
-              <a:defRPr/>
-            </a:pPr>
-            <a:endParaRPr lang="it-IT" sz="3200" b="0" strike="noStrike" spc="-1">
-              <a:latin typeface="Arial"/>
-            </a:endParaRPr>
+            <a:fld id="{6B5AA3AA-5EA9-4976-BF6C-9891F6110747}" type="slidenum">
+              <a:rPr lang="ru-RU"/>
+              <a:t/>
+            </a:fld>
+            <a:endParaRPr lang="ru-RU"/>
           </a:p>
         </p:txBody>
       </p:sp>
@@ -1561,8 +3113,8 @@
 </file>
 
 <file path=ppt/slideLayouts/slideLayout20.xml><?xml version="1.0" encoding="utf-8"?>
-<p:sldLayout xmlns:a="http://schemas.openxmlformats.org/drawingml/2006/main" xmlns:r="http://schemas.openxmlformats.org/officeDocument/2006/relationships" xmlns:p="http://schemas.openxmlformats.org/presentationml/2006/main" xmlns:m="http://schemas.openxmlformats.org/officeDocument/2006/math" xmlns:w="http://schemas.openxmlformats.org/wordprocessingml/2006/main" matchingName="" preserve="1" showMasterPhAnim="0" type="objAndTwoObj" userDrawn="1">
-  <p:cSld name="Title Content and 2 Content">
+<p:sldLayout xmlns:a="http://schemas.openxmlformats.org/drawingml/2006/main" xmlns:r="http://schemas.openxmlformats.org/officeDocument/2006/relationships" xmlns:p="http://schemas.openxmlformats.org/presentationml/2006/main" xmlns:m="http://schemas.openxmlformats.org/officeDocument/2006/math" xmlns:w="http://schemas.openxmlformats.org/wordprocessingml/2006/main" matchingName="" preserve="0" showMasterPhAnim="0" type="objTx" userDrawn="1">
+  <p:cSld name="Content with Caption">
     <p:spTree>
       <p:nvGrpSpPr>
         <p:cNvPr id="1" name=""/>
@@ -1579,7 +3131,260 @@
       </p:grpSpPr>
       <p:sp>
         <p:nvSpPr>
-          <p:cNvPr id="53" name="PlaceHolder 1"/>
+          <p:cNvPr id="3" name="Объект 2"/>
+          <p:cNvSpPr>
+            <a:spLocks noGrp="1"/>
+          </p:cNvSpPr>
+          <p:nvPr>
+            <p:ph idx="1"/>
+          </p:nvPr>
+        </p:nvSpPr>
+        <p:spPr bwMode="auto">
+          <a:xfrm>
+            <a:off x="3575049" y="897564"/>
+            <a:ext cx="5111749" cy="3697057"/>
+          </a:xfrm>
+          <a:prstGeom prst="rect">
+            <a:avLst/>
+          </a:prstGeom>
+          <a:noFill/>
+        </p:spPr>
+        <p:txBody>
+          <a:bodyPr>
+            <a:normAutofit/>
+          </a:bodyPr>
+          <a:lstStyle>
+            <a:lvl1pPr>
+              <a:defRPr sz="2400"/>
+            </a:lvl1pPr>
+            <a:lvl2pPr>
+              <a:defRPr sz="2000"/>
+            </a:lvl2pPr>
+            <a:lvl3pPr>
+              <a:defRPr sz="1800"/>
+            </a:lvl3pPr>
+            <a:lvl4pPr>
+              <a:defRPr sz="1600"/>
+            </a:lvl4pPr>
+            <a:lvl5pPr>
+              <a:defRPr sz="1600"/>
+            </a:lvl5pPr>
+            <a:lvl6pPr>
+              <a:defRPr sz="2000"/>
+            </a:lvl6pPr>
+            <a:lvl7pPr>
+              <a:defRPr sz="2000"/>
+            </a:lvl7pPr>
+            <a:lvl8pPr>
+              <a:defRPr sz="2000"/>
+            </a:lvl8pPr>
+            <a:lvl9pPr>
+              <a:defRPr sz="2000"/>
+            </a:lvl9pPr>
+          </a:lstStyle>
+          <a:p>
+            <a:pPr lvl="0">
+              <a:defRPr/>
+            </a:pPr>
+            <a:r>
+              <a:rPr lang="ru-RU"/>
+              <a:t>Образец текста</a:t>
+            </a:r>
+            <a:endParaRPr/>
+          </a:p>
+          <a:p>
+            <a:pPr lvl="1">
+              <a:defRPr/>
+            </a:pPr>
+            <a:r>
+              <a:rPr lang="ru-RU"/>
+              <a:t>Второй уровень</a:t>
+            </a:r>
+            <a:endParaRPr/>
+          </a:p>
+          <a:p>
+            <a:pPr lvl="2">
+              <a:defRPr/>
+            </a:pPr>
+            <a:r>
+              <a:rPr lang="ru-RU"/>
+              <a:t>Третий уровень</a:t>
+            </a:r>
+            <a:endParaRPr/>
+          </a:p>
+          <a:p>
+            <a:pPr lvl="3">
+              <a:defRPr/>
+            </a:pPr>
+            <a:r>
+              <a:rPr lang="ru-RU"/>
+              <a:t>Четвертый уровень</a:t>
+            </a:r>
+            <a:endParaRPr/>
+          </a:p>
+          <a:p>
+            <a:pPr lvl="4">
+              <a:defRPr/>
+            </a:pPr>
+            <a:r>
+              <a:rPr lang="ru-RU"/>
+              <a:t>Пятый уровень</a:t>
+            </a:r>
+            <a:endParaRPr lang="ru-RU"/>
+          </a:p>
+        </p:txBody>
+      </p:sp>
+      <p:sp>
+        <p:nvSpPr>
+          <p:cNvPr id="4" name="Текст 3"/>
+          <p:cNvSpPr>
+            <a:spLocks noGrp="1"/>
+          </p:cNvSpPr>
+          <p:nvPr>
+            <p:ph type="body" sz="half" idx="2"/>
+          </p:nvPr>
+        </p:nvSpPr>
+        <p:spPr bwMode="auto">
+          <a:xfrm>
+            <a:off x="457200" y="897563"/>
+            <a:ext cx="3008313" cy="3697058"/>
+          </a:xfrm>
+          <a:prstGeom prst="rect">
+            <a:avLst/>
+          </a:prstGeom>
+          <a:noFill/>
+        </p:spPr>
+        <p:txBody>
+          <a:bodyPr>
+            <a:normAutofit/>
+          </a:bodyPr>
+          <a:lstStyle>
+            <a:lvl1pPr marL="0" indent="0">
+              <a:buNone/>
+              <a:defRPr sz="2400"/>
+            </a:lvl1pPr>
+            <a:lvl2pPr marL="457200" indent="0">
+              <a:buNone/>
+              <a:defRPr sz="1200"/>
+            </a:lvl2pPr>
+            <a:lvl3pPr marL="914400" indent="0">
+              <a:buNone/>
+              <a:defRPr sz="1000"/>
+            </a:lvl3pPr>
+            <a:lvl4pPr marL="1371600" indent="0">
+              <a:buNone/>
+              <a:defRPr sz="900"/>
+            </a:lvl4pPr>
+            <a:lvl5pPr marL="1828800" indent="0">
+              <a:buNone/>
+              <a:defRPr sz="900"/>
+            </a:lvl5pPr>
+            <a:lvl6pPr marL="2286000" indent="0">
+              <a:buNone/>
+              <a:defRPr sz="900"/>
+            </a:lvl6pPr>
+            <a:lvl7pPr marL="2743200" indent="0">
+              <a:buNone/>
+              <a:defRPr sz="900"/>
+            </a:lvl7pPr>
+            <a:lvl8pPr marL="3200400" indent="0">
+              <a:buNone/>
+              <a:defRPr sz="900"/>
+            </a:lvl8pPr>
+            <a:lvl9pPr marL="3657600" indent="0">
+              <a:buNone/>
+              <a:defRPr sz="900"/>
+            </a:lvl9pPr>
+          </a:lstStyle>
+          <a:p>
+            <a:pPr lvl="0">
+              <a:defRPr/>
+            </a:pPr>
+            <a:r>
+              <a:rPr lang="ru-RU"/>
+              <a:t>Образец текста</a:t>
+            </a:r>
+            <a:endParaRPr/>
+          </a:p>
+        </p:txBody>
+      </p:sp>
+      <p:sp>
+        <p:nvSpPr>
+          <p:cNvPr id="5" name="Дата 4"/>
+          <p:cNvSpPr>
+            <a:spLocks noGrp="1"/>
+          </p:cNvSpPr>
+          <p:nvPr>
+            <p:ph type="dt" sz="half" idx="10"/>
+          </p:nvPr>
+        </p:nvSpPr>
+        <p:spPr bwMode="auto"/>
+        <p:txBody>
+          <a:bodyPr/>
+          <a:lstStyle/>
+          <a:p>
+            <a:pPr>
+              <a:defRPr/>
+            </a:pPr>
+            <a:fld id="{51E84241-D031-42DE-84E4-CC10C30232F4}" type="datetimeFigureOut">
+              <a:rPr lang="ru-RU"/>
+              <a:t/>
+            </a:fld>
+            <a:endParaRPr lang="ru-RU"/>
+          </a:p>
+        </p:txBody>
+      </p:sp>
+      <p:sp>
+        <p:nvSpPr>
+          <p:cNvPr id="6" name="Нижний колонтитул 5"/>
+          <p:cNvSpPr>
+            <a:spLocks noGrp="1"/>
+          </p:cNvSpPr>
+          <p:nvPr>
+            <p:ph type="ftr" sz="quarter" idx="11"/>
+          </p:nvPr>
+        </p:nvSpPr>
+        <p:spPr bwMode="auto"/>
+        <p:txBody>
+          <a:bodyPr/>
+          <a:lstStyle/>
+          <a:p>
+            <a:pPr>
+              <a:defRPr/>
+            </a:pPr>
+            <a:endParaRPr lang="ru-RU"/>
+          </a:p>
+        </p:txBody>
+      </p:sp>
+      <p:sp>
+        <p:nvSpPr>
+          <p:cNvPr id="7" name="Номер слайда 6"/>
+          <p:cNvSpPr>
+            <a:spLocks noGrp="1"/>
+          </p:cNvSpPr>
+          <p:nvPr>
+            <p:ph type="sldNum" sz="quarter" idx="12"/>
+          </p:nvPr>
+        </p:nvSpPr>
+        <p:spPr bwMode="auto"/>
+        <p:txBody>
+          <a:bodyPr/>
+          <a:lstStyle/>
+          <a:p>
+            <a:pPr>
+              <a:defRPr/>
+            </a:pPr>
+            <a:fld id="{6B5AA3AA-5EA9-4976-BF6C-9891F6110747}" type="slidenum">
+              <a:rPr lang="ru-RU"/>
+              <a:t/>
+            </a:fld>
+            <a:endParaRPr lang="ru-RU"/>
+          </a:p>
+        </p:txBody>
+      </p:sp>
+      <p:sp>
+        <p:nvSpPr>
+          <p:cNvPr id="8" name="Заголовок 1"/>
           <p:cNvSpPr>
             <a:spLocks noGrp="1"/>
           </p:cNvSpPr>
@@ -1589,143 +3394,22 @@
         </p:nvSpPr>
         <p:spPr bwMode="auto">
           <a:xfrm>
-            <a:off x="457200" y="205200"/>
-            <a:ext cx="8229240" cy="858600"/>
-          </a:xfrm>
-          <a:prstGeom prst="rect">
-            <a:avLst/>
-          </a:prstGeom>
-          <a:noFill/>
-          <a:ln w="0">
-            <a:noFill/>
-          </a:ln>
-        </p:spPr>
-        <p:txBody>
-          <a:bodyPr lIns="0" tIns="0" rIns="0" bIns="0" anchor="ctr">
-            <a:noAutofit/>
-          </a:bodyPr>
+            <a:off x="539551" y="141480"/>
+            <a:ext cx="8064895" cy="648072"/>
+          </a:xfrm>
+        </p:spPr>
+        <p:txBody>
+          <a:bodyPr/>
           <a:lstStyle/>
           <a:p>
-            <a:pPr algn="ctr">
-              <a:defRPr/>
-            </a:pPr>
-            <a:endParaRPr lang="it-IT" sz="4400" b="0" strike="noStrike" spc="-1">
-              <a:latin typeface="Arial"/>
-            </a:endParaRPr>
-          </a:p>
-        </p:txBody>
-      </p:sp>
-      <p:sp>
-        <p:nvSpPr>
-          <p:cNvPr id="54" name="PlaceHolder 2"/>
-          <p:cNvSpPr>
-            <a:spLocks noGrp="1"/>
-          </p:cNvSpPr>
-          <p:nvPr>
-            <p:ph/>
-          </p:nvPr>
-        </p:nvSpPr>
-        <p:spPr bwMode="auto">
-          <a:xfrm>
-            <a:off x="457200" y="1203480"/>
-            <a:ext cx="4015800" cy="2983320"/>
-          </a:xfrm>
-          <a:prstGeom prst="rect">
-            <a:avLst/>
-          </a:prstGeom>
-          <a:noFill/>
-          <a:ln w="0">
-            <a:noFill/>
-          </a:ln>
-        </p:spPr>
-        <p:txBody>
-          <a:bodyPr lIns="0" tIns="0" rIns="0" bIns="0" anchor="t">
-            <a:noAutofit/>
-          </a:bodyPr>
-          <a:lstStyle/>
-          <a:p>
             <a:pPr>
               <a:defRPr/>
             </a:pPr>
-            <a:endParaRPr lang="it-IT" sz="3200" b="0" strike="noStrike" spc="-1">
-              <a:latin typeface="Arial"/>
-            </a:endParaRPr>
-          </a:p>
-        </p:txBody>
-      </p:sp>
-      <p:sp>
-        <p:nvSpPr>
-          <p:cNvPr id="55" name="PlaceHolder 3"/>
-          <p:cNvSpPr>
-            <a:spLocks noGrp="1"/>
-          </p:cNvSpPr>
-          <p:nvPr>
-            <p:ph/>
-          </p:nvPr>
-        </p:nvSpPr>
-        <p:spPr bwMode="auto">
-          <a:xfrm>
-            <a:off x="4674240" y="1203480"/>
-            <a:ext cx="4015800" cy="1422720"/>
-          </a:xfrm>
-          <a:prstGeom prst="rect">
-            <a:avLst/>
-          </a:prstGeom>
-          <a:noFill/>
-          <a:ln w="0">
-            <a:noFill/>
-          </a:ln>
-        </p:spPr>
-        <p:txBody>
-          <a:bodyPr lIns="0" tIns="0" rIns="0" bIns="0" anchor="t">
-            <a:noAutofit/>
-          </a:bodyPr>
-          <a:lstStyle/>
-          <a:p>
-            <a:pPr>
-              <a:defRPr/>
-            </a:pPr>
-            <a:endParaRPr lang="it-IT" sz="3200" b="0" strike="noStrike" spc="-1">
-              <a:latin typeface="Arial"/>
-            </a:endParaRPr>
-          </a:p>
-        </p:txBody>
-      </p:sp>
-      <p:sp>
-        <p:nvSpPr>
-          <p:cNvPr id="56" name="PlaceHolder 4"/>
-          <p:cNvSpPr>
-            <a:spLocks noGrp="1"/>
-          </p:cNvSpPr>
-          <p:nvPr>
-            <p:ph/>
-          </p:nvPr>
-        </p:nvSpPr>
-        <p:spPr bwMode="auto">
-          <a:xfrm>
-            <a:off x="4674240" y="2761920"/>
-            <a:ext cx="4015800" cy="1422720"/>
-          </a:xfrm>
-          <a:prstGeom prst="rect">
-            <a:avLst/>
-          </a:prstGeom>
-          <a:noFill/>
-          <a:ln w="0">
-            <a:noFill/>
-          </a:ln>
-        </p:spPr>
-        <p:txBody>
-          <a:bodyPr lIns="0" tIns="0" rIns="0" bIns="0" anchor="t">
-            <a:noAutofit/>
-          </a:bodyPr>
-          <a:lstStyle/>
-          <a:p>
-            <a:pPr>
-              <a:defRPr/>
-            </a:pPr>
-            <a:endParaRPr lang="it-IT" sz="3200" b="0" strike="noStrike" spc="-1">
-              <a:latin typeface="Arial"/>
-            </a:endParaRPr>
+            <a:r>
+              <a:rPr lang="ru-RU"/>
+              <a:t>Образец заголовка</a:t>
+            </a:r>
+            <a:endParaRPr lang="ru-RU"/>
           </a:p>
         </p:txBody>
       </p:sp>
@@ -1738,8 +3422,8 @@
 </file>
 
 <file path=ppt/slideLayouts/slideLayout21.xml><?xml version="1.0" encoding="utf-8"?>
-<p:sldLayout xmlns:a="http://schemas.openxmlformats.org/drawingml/2006/main" xmlns:r="http://schemas.openxmlformats.org/officeDocument/2006/relationships" xmlns:p="http://schemas.openxmlformats.org/presentationml/2006/main" xmlns:m="http://schemas.openxmlformats.org/officeDocument/2006/math" xmlns:w="http://schemas.openxmlformats.org/wordprocessingml/2006/main" matchingName="" preserve="1" showMasterPhAnim="0" type="twoObjOverTx" userDrawn="1">
-  <p:cSld name="Title, 2 Content over Content">
+<p:sldLayout xmlns:a="http://schemas.openxmlformats.org/drawingml/2006/main" xmlns:r="http://schemas.openxmlformats.org/officeDocument/2006/relationships" xmlns:p="http://schemas.openxmlformats.org/presentationml/2006/main" xmlns:m="http://schemas.openxmlformats.org/officeDocument/2006/math" xmlns:w="http://schemas.openxmlformats.org/wordprocessingml/2006/main" matchingName="" preserve="0" showMasterPhAnim="0" type="picTx" userDrawn="1">
+  <p:cSld name="Picture with Caption">
     <p:spTree>
       <p:nvGrpSpPr>
         <p:cNvPr id="1" name=""/>
@@ -1756,7 +3440,217 @@
       </p:grpSpPr>
       <p:sp>
         <p:nvSpPr>
-          <p:cNvPr id="57" name="PlaceHolder 1"/>
+          <p:cNvPr id="3" name="Рисунок 2"/>
+          <p:cNvSpPr>
+            <a:spLocks noGrp="1"/>
+          </p:cNvSpPr>
+          <p:nvPr>
+            <p:ph type="pic" idx="1"/>
+          </p:nvPr>
+        </p:nvSpPr>
+        <p:spPr bwMode="auto">
+          <a:xfrm>
+            <a:off x="1792287" y="897563"/>
+            <a:ext cx="5486400" cy="2592288"/>
+          </a:xfrm>
+        </p:spPr>
+        <p:txBody>
+          <a:bodyPr/>
+          <a:lstStyle>
+            <a:lvl1pPr marL="0" indent="0">
+              <a:buNone/>
+              <a:defRPr sz="3200"/>
+            </a:lvl1pPr>
+            <a:lvl2pPr marL="457200" indent="0">
+              <a:buNone/>
+              <a:defRPr sz="2800"/>
+            </a:lvl2pPr>
+            <a:lvl3pPr marL="914400" indent="0">
+              <a:buNone/>
+              <a:defRPr sz="2400"/>
+            </a:lvl3pPr>
+            <a:lvl4pPr marL="1371600" indent="0">
+              <a:buNone/>
+              <a:defRPr sz="2000"/>
+            </a:lvl4pPr>
+            <a:lvl5pPr marL="1828800" indent="0">
+              <a:buNone/>
+              <a:defRPr sz="2000"/>
+            </a:lvl5pPr>
+            <a:lvl6pPr marL="2286000" indent="0">
+              <a:buNone/>
+              <a:defRPr sz="2000"/>
+            </a:lvl6pPr>
+            <a:lvl7pPr marL="2743200" indent="0">
+              <a:buNone/>
+              <a:defRPr sz="2000"/>
+            </a:lvl7pPr>
+            <a:lvl8pPr marL="3200400" indent="0">
+              <a:buNone/>
+              <a:defRPr sz="2000"/>
+            </a:lvl8pPr>
+            <a:lvl9pPr marL="3657600" indent="0">
+              <a:buNone/>
+              <a:defRPr sz="2000"/>
+            </a:lvl9pPr>
+          </a:lstStyle>
+          <a:p>
+            <a:pPr>
+              <a:defRPr/>
+            </a:pPr>
+            <a:r>
+              <a:rPr lang="ru-RU"/>
+              <a:t>Вставка рисунка</a:t>
+            </a:r>
+            <a:endParaRPr lang="ru-RU"/>
+          </a:p>
+        </p:txBody>
+      </p:sp>
+      <p:sp>
+        <p:nvSpPr>
+          <p:cNvPr id="4" name="Текст 3"/>
+          <p:cNvSpPr>
+            <a:spLocks noGrp="1"/>
+          </p:cNvSpPr>
+          <p:nvPr>
+            <p:ph type="body" sz="half" idx="2"/>
+          </p:nvPr>
+        </p:nvSpPr>
+        <p:spPr bwMode="auto">
+          <a:xfrm>
+            <a:off x="1792287" y="3651869"/>
+            <a:ext cx="5486400" cy="977278"/>
+          </a:xfrm>
+        </p:spPr>
+        <p:txBody>
+          <a:bodyPr/>
+          <a:lstStyle>
+            <a:lvl1pPr marL="0" indent="0">
+              <a:buNone/>
+              <a:defRPr sz="1400"/>
+            </a:lvl1pPr>
+            <a:lvl2pPr marL="457200" indent="0">
+              <a:buNone/>
+              <a:defRPr sz="1200"/>
+            </a:lvl2pPr>
+            <a:lvl3pPr marL="914400" indent="0">
+              <a:buNone/>
+              <a:defRPr sz="1000"/>
+            </a:lvl3pPr>
+            <a:lvl4pPr marL="1371600" indent="0">
+              <a:buNone/>
+              <a:defRPr sz="900"/>
+            </a:lvl4pPr>
+            <a:lvl5pPr marL="1828800" indent="0">
+              <a:buNone/>
+              <a:defRPr sz="900"/>
+            </a:lvl5pPr>
+            <a:lvl6pPr marL="2286000" indent="0">
+              <a:buNone/>
+              <a:defRPr sz="900"/>
+            </a:lvl6pPr>
+            <a:lvl7pPr marL="2743200" indent="0">
+              <a:buNone/>
+              <a:defRPr sz="900"/>
+            </a:lvl7pPr>
+            <a:lvl8pPr marL="3200400" indent="0">
+              <a:buNone/>
+              <a:defRPr sz="900"/>
+            </a:lvl8pPr>
+            <a:lvl9pPr marL="3657600" indent="0">
+              <a:buNone/>
+              <a:defRPr sz="900"/>
+            </a:lvl9pPr>
+          </a:lstStyle>
+          <a:p>
+            <a:pPr lvl="0">
+              <a:defRPr/>
+            </a:pPr>
+            <a:r>
+              <a:rPr lang="ru-RU"/>
+              <a:t>Образец текста</a:t>
+            </a:r>
+            <a:endParaRPr/>
+          </a:p>
+        </p:txBody>
+      </p:sp>
+      <p:sp>
+        <p:nvSpPr>
+          <p:cNvPr id="5" name="Дата 4"/>
+          <p:cNvSpPr>
+            <a:spLocks noGrp="1"/>
+          </p:cNvSpPr>
+          <p:nvPr>
+            <p:ph type="dt" sz="half" idx="10"/>
+          </p:nvPr>
+        </p:nvSpPr>
+        <p:spPr bwMode="auto"/>
+        <p:txBody>
+          <a:bodyPr/>
+          <a:lstStyle/>
+          <a:p>
+            <a:pPr>
+              <a:defRPr/>
+            </a:pPr>
+            <a:fld id="{51E84241-D031-42DE-84E4-CC10C30232F4}" type="datetimeFigureOut">
+              <a:rPr lang="ru-RU"/>
+              <a:t/>
+            </a:fld>
+            <a:endParaRPr lang="ru-RU"/>
+          </a:p>
+        </p:txBody>
+      </p:sp>
+      <p:sp>
+        <p:nvSpPr>
+          <p:cNvPr id="6" name="Нижний колонтитул 5"/>
+          <p:cNvSpPr>
+            <a:spLocks noGrp="1"/>
+          </p:cNvSpPr>
+          <p:nvPr>
+            <p:ph type="ftr" sz="quarter" idx="11"/>
+          </p:nvPr>
+        </p:nvSpPr>
+        <p:spPr bwMode="auto"/>
+        <p:txBody>
+          <a:bodyPr/>
+          <a:lstStyle/>
+          <a:p>
+            <a:pPr>
+              <a:defRPr/>
+            </a:pPr>
+            <a:endParaRPr lang="ru-RU"/>
+          </a:p>
+        </p:txBody>
+      </p:sp>
+      <p:sp>
+        <p:nvSpPr>
+          <p:cNvPr id="7" name="Номер слайда 6"/>
+          <p:cNvSpPr>
+            <a:spLocks noGrp="1"/>
+          </p:cNvSpPr>
+          <p:nvPr>
+            <p:ph type="sldNum" sz="quarter" idx="12"/>
+          </p:nvPr>
+        </p:nvSpPr>
+        <p:spPr bwMode="auto"/>
+        <p:txBody>
+          <a:bodyPr/>
+          <a:lstStyle/>
+          <a:p>
+            <a:pPr>
+              <a:defRPr/>
+            </a:pPr>
+            <a:fld id="{6B5AA3AA-5EA9-4976-BF6C-9891F6110747}" type="slidenum">
+              <a:rPr lang="ru-RU"/>
+              <a:t/>
+            </a:fld>
+            <a:endParaRPr lang="ru-RU"/>
+          </a:p>
+        </p:txBody>
+      </p:sp>
+      <p:sp>
+        <p:nvSpPr>
+          <p:cNvPr id="8" name="Заголовок 1"/>
           <p:cNvSpPr>
             <a:spLocks noGrp="1"/>
           </p:cNvSpPr>
@@ -1766,143 +3660,22 @@
         </p:nvSpPr>
         <p:spPr bwMode="auto">
           <a:xfrm>
-            <a:off x="457200" y="205200"/>
-            <a:ext cx="8229240" cy="858600"/>
-          </a:xfrm>
-          <a:prstGeom prst="rect">
-            <a:avLst/>
-          </a:prstGeom>
-          <a:noFill/>
-          <a:ln w="0">
-            <a:noFill/>
-          </a:ln>
-        </p:spPr>
-        <p:txBody>
-          <a:bodyPr lIns="0" tIns="0" rIns="0" bIns="0" anchor="ctr">
-            <a:noAutofit/>
-          </a:bodyPr>
+            <a:off x="539551" y="141480"/>
+            <a:ext cx="8064895" cy="648072"/>
+          </a:xfrm>
+        </p:spPr>
+        <p:txBody>
+          <a:bodyPr/>
           <a:lstStyle/>
           <a:p>
-            <a:pPr algn="ctr">
-              <a:defRPr/>
-            </a:pPr>
-            <a:endParaRPr lang="it-IT" sz="4400" b="0" strike="noStrike" spc="-1">
-              <a:latin typeface="Arial"/>
-            </a:endParaRPr>
-          </a:p>
-        </p:txBody>
-      </p:sp>
-      <p:sp>
-        <p:nvSpPr>
-          <p:cNvPr id="58" name="PlaceHolder 2"/>
-          <p:cNvSpPr>
-            <a:spLocks noGrp="1"/>
-          </p:cNvSpPr>
-          <p:nvPr>
-            <p:ph/>
-          </p:nvPr>
-        </p:nvSpPr>
-        <p:spPr bwMode="auto">
-          <a:xfrm>
-            <a:off x="457200" y="1203480"/>
-            <a:ext cx="4015800" cy="1422720"/>
-          </a:xfrm>
-          <a:prstGeom prst="rect">
-            <a:avLst/>
-          </a:prstGeom>
-          <a:noFill/>
-          <a:ln w="0">
-            <a:noFill/>
-          </a:ln>
-        </p:spPr>
-        <p:txBody>
-          <a:bodyPr lIns="0" tIns="0" rIns="0" bIns="0" anchor="t">
-            <a:noAutofit/>
-          </a:bodyPr>
-          <a:lstStyle/>
-          <a:p>
             <a:pPr>
               <a:defRPr/>
             </a:pPr>
-            <a:endParaRPr lang="it-IT" sz="3200" b="0" strike="noStrike" spc="-1">
-              <a:latin typeface="Arial"/>
-            </a:endParaRPr>
-          </a:p>
-        </p:txBody>
-      </p:sp>
-      <p:sp>
-        <p:nvSpPr>
-          <p:cNvPr id="59" name="PlaceHolder 3"/>
-          <p:cNvSpPr>
-            <a:spLocks noGrp="1"/>
-          </p:cNvSpPr>
-          <p:nvPr>
-            <p:ph/>
-          </p:nvPr>
-        </p:nvSpPr>
-        <p:spPr bwMode="auto">
-          <a:xfrm>
-            <a:off x="4674240" y="1203480"/>
-            <a:ext cx="4015800" cy="1422720"/>
-          </a:xfrm>
-          <a:prstGeom prst="rect">
-            <a:avLst/>
-          </a:prstGeom>
-          <a:noFill/>
-          <a:ln w="0">
-            <a:noFill/>
-          </a:ln>
-        </p:spPr>
-        <p:txBody>
-          <a:bodyPr lIns="0" tIns="0" rIns="0" bIns="0" anchor="t">
-            <a:noAutofit/>
-          </a:bodyPr>
-          <a:lstStyle/>
-          <a:p>
-            <a:pPr>
-              <a:defRPr/>
-            </a:pPr>
-            <a:endParaRPr lang="it-IT" sz="3200" b="0" strike="noStrike" spc="-1">
-              <a:latin typeface="Arial"/>
-            </a:endParaRPr>
-          </a:p>
-        </p:txBody>
-      </p:sp>
-      <p:sp>
-        <p:nvSpPr>
-          <p:cNvPr id="60" name="PlaceHolder 4"/>
-          <p:cNvSpPr>
-            <a:spLocks noGrp="1"/>
-          </p:cNvSpPr>
-          <p:nvPr>
-            <p:ph/>
-          </p:nvPr>
-        </p:nvSpPr>
-        <p:spPr bwMode="auto">
-          <a:xfrm>
-            <a:off x="457200" y="2761920"/>
-            <a:ext cx="8229240" cy="1422720"/>
-          </a:xfrm>
-          <a:prstGeom prst="rect">
-            <a:avLst/>
-          </a:prstGeom>
-          <a:noFill/>
-          <a:ln w="0">
-            <a:noFill/>
-          </a:ln>
-        </p:spPr>
-        <p:txBody>
-          <a:bodyPr lIns="0" tIns="0" rIns="0" bIns="0" anchor="t">
-            <a:noAutofit/>
-          </a:bodyPr>
-          <a:lstStyle/>
-          <a:p>
-            <a:pPr>
-              <a:defRPr/>
-            </a:pPr>
-            <a:endParaRPr lang="it-IT" sz="3200" b="0" strike="noStrike" spc="-1">
-              <a:latin typeface="Arial"/>
-            </a:endParaRPr>
+            <a:r>
+              <a:rPr lang="ru-RU"/>
+              <a:t>Образец заголовка</a:t>
+            </a:r>
+            <a:endParaRPr lang="ru-RU"/>
           </a:p>
         </p:txBody>
       </p:sp>
@@ -1915,8 +3688,8 @@
 </file>
 
 <file path=ppt/slideLayouts/slideLayout22.xml><?xml version="1.0" encoding="utf-8"?>
-<p:sldLayout xmlns:a="http://schemas.openxmlformats.org/drawingml/2006/main" xmlns:r="http://schemas.openxmlformats.org/officeDocument/2006/relationships" xmlns:p="http://schemas.openxmlformats.org/presentationml/2006/main" xmlns:m="http://schemas.openxmlformats.org/officeDocument/2006/math" xmlns:w="http://schemas.openxmlformats.org/wordprocessingml/2006/main" matchingName="" preserve="1" showMasterPhAnim="0" type="objOverTx" userDrawn="1">
-  <p:cSld name="Title, Content over Content">
+<p:sldLayout xmlns:a="http://schemas.openxmlformats.org/drawingml/2006/main" xmlns:r="http://schemas.openxmlformats.org/officeDocument/2006/relationships" xmlns:p="http://schemas.openxmlformats.org/presentationml/2006/main" xmlns:m="http://schemas.openxmlformats.org/officeDocument/2006/math" xmlns:w="http://schemas.openxmlformats.org/wordprocessingml/2006/main" matchingName="" preserve="0" showMasterPhAnim="0" type="vertTx" userDrawn="1">
+  <p:cSld name="Title and Vertical Text">
     <p:spTree>
       <p:nvGrpSpPr>
         <p:cNvPr id="1" name=""/>
@@ -1933,7 +3706,7 @@
       </p:grpSpPr>
       <p:sp>
         <p:nvSpPr>
-          <p:cNvPr id="61" name="PlaceHolder 1"/>
+          <p:cNvPr id="2" name="Заголовок 1"/>
           <p:cNvSpPr>
             <a:spLocks noGrp="1"/>
           </p:cNvSpPr>
@@ -1941,107 +3714,159 @@
             <p:ph type="title"/>
           </p:nvPr>
         </p:nvSpPr>
-        <p:spPr bwMode="auto">
-          <a:xfrm>
-            <a:off x="457200" y="205200"/>
-            <a:ext cx="8229240" cy="858600"/>
-          </a:xfrm>
-          <a:prstGeom prst="rect">
-            <a:avLst/>
-          </a:prstGeom>
-          <a:noFill/>
-          <a:ln w="0">
-            <a:noFill/>
-          </a:ln>
-        </p:spPr>
-        <p:txBody>
-          <a:bodyPr lIns="0" tIns="0" rIns="0" bIns="0" anchor="ctr">
-            <a:noAutofit/>
-          </a:bodyPr>
+        <p:spPr bwMode="auto"/>
+        <p:txBody>
+          <a:bodyPr/>
           <a:lstStyle/>
           <a:p>
-            <a:pPr algn="ctr">
-              <a:defRPr/>
-            </a:pPr>
-            <a:endParaRPr lang="it-IT" sz="4400" b="0" strike="noStrike" spc="-1">
-              <a:latin typeface="Arial"/>
-            </a:endParaRPr>
-          </a:p>
-        </p:txBody>
-      </p:sp>
-      <p:sp>
-        <p:nvSpPr>
-          <p:cNvPr id="62" name="PlaceHolder 2"/>
+            <a:pPr>
+              <a:defRPr/>
+            </a:pPr>
+            <a:r>
+              <a:rPr lang="ru-RU"/>
+              <a:t>Образец заголовка</a:t>
+            </a:r>
+            <a:endParaRPr lang="ru-RU"/>
+          </a:p>
+        </p:txBody>
+      </p:sp>
+      <p:sp>
+        <p:nvSpPr>
+          <p:cNvPr id="3" name="Вертикальный текст 2"/>
           <p:cNvSpPr>
             <a:spLocks noGrp="1"/>
           </p:cNvSpPr>
           <p:nvPr>
-            <p:ph/>
+            <p:ph type="body" orient="vert" idx="1"/>
           </p:nvPr>
         </p:nvSpPr>
-        <p:spPr bwMode="auto">
-          <a:xfrm>
-            <a:off x="457200" y="1203480"/>
-            <a:ext cx="8229240" cy="1422720"/>
-          </a:xfrm>
-          <a:prstGeom prst="rect">
-            <a:avLst/>
-          </a:prstGeom>
-          <a:noFill/>
-          <a:ln w="0">
-            <a:noFill/>
-          </a:ln>
-        </p:spPr>
-        <p:txBody>
-          <a:bodyPr lIns="0" tIns="0" rIns="0" bIns="0" anchor="t">
-            <a:noAutofit/>
-          </a:bodyPr>
+        <p:spPr bwMode="auto"/>
+        <p:txBody>
+          <a:bodyPr vert="eaVert"/>
           <a:lstStyle/>
           <a:p>
-            <a:pPr>
-              <a:defRPr/>
-            </a:pPr>
-            <a:endParaRPr lang="it-IT" sz="3200" b="0" strike="noStrike" spc="-1">
-              <a:latin typeface="Arial"/>
-            </a:endParaRPr>
-          </a:p>
-        </p:txBody>
-      </p:sp>
-      <p:sp>
-        <p:nvSpPr>
-          <p:cNvPr id="63" name="PlaceHolder 3"/>
+            <a:pPr lvl="0">
+              <a:defRPr/>
+            </a:pPr>
+            <a:r>
+              <a:rPr lang="ru-RU"/>
+              <a:t>Образец текста</a:t>
+            </a:r>
+            <a:endParaRPr/>
+          </a:p>
+          <a:p>
+            <a:pPr lvl="1">
+              <a:defRPr/>
+            </a:pPr>
+            <a:r>
+              <a:rPr lang="ru-RU"/>
+              <a:t>Второй уровень</a:t>
+            </a:r>
+            <a:endParaRPr/>
+          </a:p>
+          <a:p>
+            <a:pPr lvl="2">
+              <a:defRPr/>
+            </a:pPr>
+            <a:r>
+              <a:rPr lang="ru-RU"/>
+              <a:t>Третий уровень</a:t>
+            </a:r>
+            <a:endParaRPr/>
+          </a:p>
+          <a:p>
+            <a:pPr lvl="3">
+              <a:defRPr/>
+            </a:pPr>
+            <a:r>
+              <a:rPr lang="ru-RU"/>
+              <a:t>Четвертый уровень</a:t>
+            </a:r>
+            <a:endParaRPr/>
+          </a:p>
+          <a:p>
+            <a:pPr lvl="4">
+              <a:defRPr/>
+            </a:pPr>
+            <a:r>
+              <a:rPr lang="ru-RU"/>
+              <a:t>Пятый уровень</a:t>
+            </a:r>
+            <a:endParaRPr lang="ru-RU"/>
+          </a:p>
+        </p:txBody>
+      </p:sp>
+      <p:sp>
+        <p:nvSpPr>
+          <p:cNvPr id="4" name="Дата 3"/>
           <p:cNvSpPr>
             <a:spLocks noGrp="1"/>
           </p:cNvSpPr>
           <p:nvPr>
-            <p:ph/>
+            <p:ph type="dt" sz="half" idx="10"/>
           </p:nvPr>
         </p:nvSpPr>
-        <p:spPr bwMode="auto">
-          <a:xfrm>
-            <a:off x="457200" y="2761920"/>
-            <a:ext cx="8229240" cy="1422720"/>
-          </a:xfrm>
-          <a:prstGeom prst="rect">
-            <a:avLst/>
-          </a:prstGeom>
-          <a:noFill/>
-          <a:ln w="0">
-            <a:noFill/>
-          </a:ln>
-        </p:spPr>
-        <p:txBody>
-          <a:bodyPr lIns="0" tIns="0" rIns="0" bIns="0" anchor="t">
-            <a:noAutofit/>
-          </a:bodyPr>
+        <p:spPr bwMode="auto"/>
+        <p:txBody>
+          <a:bodyPr/>
           <a:lstStyle/>
           <a:p>
             <a:pPr>
               <a:defRPr/>
             </a:pPr>
-            <a:endParaRPr lang="it-IT" sz="3200" b="0" strike="noStrike" spc="-1">
-              <a:latin typeface="Arial"/>
-            </a:endParaRPr>
+            <a:fld id="{51E84241-D031-42DE-84E4-CC10C30232F4}" type="datetimeFigureOut">
+              <a:rPr lang="ru-RU"/>
+              <a:t/>
+            </a:fld>
+            <a:endParaRPr lang="ru-RU"/>
+          </a:p>
+        </p:txBody>
+      </p:sp>
+      <p:sp>
+        <p:nvSpPr>
+          <p:cNvPr id="5" name="Нижний колонтитул 4"/>
+          <p:cNvSpPr>
+            <a:spLocks noGrp="1"/>
+          </p:cNvSpPr>
+          <p:nvPr>
+            <p:ph type="ftr" sz="quarter" idx="11"/>
+          </p:nvPr>
+        </p:nvSpPr>
+        <p:spPr bwMode="auto"/>
+        <p:txBody>
+          <a:bodyPr/>
+          <a:lstStyle/>
+          <a:p>
+            <a:pPr>
+              <a:defRPr/>
+            </a:pPr>
+            <a:endParaRPr lang="ru-RU"/>
+          </a:p>
+        </p:txBody>
+      </p:sp>
+      <p:sp>
+        <p:nvSpPr>
+          <p:cNvPr id="6" name="Номер слайда 5"/>
+          <p:cNvSpPr>
+            <a:spLocks noGrp="1"/>
+          </p:cNvSpPr>
+          <p:nvPr>
+            <p:ph type="sldNum" sz="quarter" idx="12"/>
+          </p:nvPr>
+        </p:nvSpPr>
+        <p:spPr bwMode="auto"/>
+        <p:txBody>
+          <a:bodyPr/>
+          <a:lstStyle/>
+          <a:p>
+            <a:pPr>
+              <a:defRPr/>
+            </a:pPr>
+            <a:fld id="{6B5AA3AA-5EA9-4976-BF6C-9891F6110747}" type="slidenum">
+              <a:rPr lang="ru-RU"/>
+              <a:t/>
+            </a:fld>
+            <a:endParaRPr lang="ru-RU"/>
           </a:p>
         </p:txBody>
       </p:sp>
@@ -2054,8 +3879,8 @@
 </file>
 
 <file path=ppt/slideLayouts/slideLayout23.xml><?xml version="1.0" encoding="utf-8"?>
-<p:sldLayout xmlns:a="http://schemas.openxmlformats.org/drawingml/2006/main" xmlns:r="http://schemas.openxmlformats.org/officeDocument/2006/relationships" xmlns:p="http://schemas.openxmlformats.org/presentationml/2006/main" xmlns:m="http://schemas.openxmlformats.org/officeDocument/2006/math" xmlns:w="http://schemas.openxmlformats.org/wordprocessingml/2006/main" matchingName="" preserve="1" showMasterPhAnim="0" type="fourObj" userDrawn="1">
-  <p:cSld name="Title, 4 Content">
+<p:sldLayout xmlns:a="http://schemas.openxmlformats.org/drawingml/2006/main" xmlns:r="http://schemas.openxmlformats.org/officeDocument/2006/relationships" xmlns:p="http://schemas.openxmlformats.org/presentationml/2006/main" xmlns:m="http://schemas.openxmlformats.org/officeDocument/2006/math" xmlns:w="http://schemas.openxmlformats.org/wordprocessingml/2006/main" matchingName="" preserve="0" showMasterPhAnim="0" type="vertTitleAndTx" userDrawn="1">
+  <p:cSld name="Vertical Title and Text">
     <p:spTree>
       <p:nvGrpSpPr>
         <p:cNvPr id="1" name=""/>
@@ -2072,482 +3897,177 @@
       </p:grpSpPr>
       <p:sp>
         <p:nvSpPr>
-          <p:cNvPr id="64" name="PlaceHolder 1"/>
+          <p:cNvPr id="2" name="Вертикальный заголовок 1"/>
           <p:cNvSpPr>
             <a:spLocks noGrp="1"/>
           </p:cNvSpPr>
           <p:nvPr>
-            <p:ph type="title"/>
+            <p:ph type="title" orient="vert"/>
           </p:nvPr>
         </p:nvSpPr>
         <p:spPr bwMode="auto">
           <a:xfrm>
-            <a:off x="457200" y="205200"/>
-            <a:ext cx="8229240" cy="858600"/>
-          </a:xfrm>
-          <a:prstGeom prst="rect">
-            <a:avLst/>
-          </a:prstGeom>
-          <a:noFill/>
-          <a:ln w="0">
-            <a:noFill/>
-          </a:ln>
-        </p:spPr>
-        <p:txBody>
-          <a:bodyPr lIns="0" tIns="0" rIns="0" bIns="0" anchor="ctr">
-            <a:noAutofit/>
-          </a:bodyPr>
+            <a:off x="6629400" y="205978"/>
+            <a:ext cx="2057400" cy="4388643"/>
+          </a:xfrm>
+        </p:spPr>
+        <p:txBody>
+          <a:bodyPr vert="eaVert"/>
           <a:lstStyle/>
           <a:p>
-            <a:pPr algn="ctr">
-              <a:defRPr/>
-            </a:pPr>
-            <a:endParaRPr lang="it-IT" sz="4400" b="0" strike="noStrike" spc="-1">
-              <a:latin typeface="Arial"/>
-            </a:endParaRPr>
-          </a:p>
-        </p:txBody>
-      </p:sp>
-      <p:sp>
-        <p:nvSpPr>
-          <p:cNvPr id="65" name="PlaceHolder 2"/>
+            <a:pPr>
+              <a:defRPr/>
+            </a:pPr>
+            <a:r>
+              <a:rPr lang="ru-RU"/>
+              <a:t>Образец заголовка</a:t>
+            </a:r>
+            <a:endParaRPr lang="ru-RU"/>
+          </a:p>
+        </p:txBody>
+      </p:sp>
+      <p:sp>
+        <p:nvSpPr>
+          <p:cNvPr id="3" name="Вертикальный текст 2"/>
           <p:cNvSpPr>
             <a:spLocks noGrp="1"/>
           </p:cNvSpPr>
           <p:nvPr>
-            <p:ph/>
+            <p:ph type="body" orient="vert" idx="1"/>
           </p:nvPr>
         </p:nvSpPr>
         <p:spPr bwMode="auto">
           <a:xfrm>
-            <a:off x="457200" y="1203480"/>
-            <a:ext cx="4015800" cy="1422720"/>
-          </a:xfrm>
-          <a:prstGeom prst="rect">
-            <a:avLst/>
-          </a:prstGeom>
-          <a:noFill/>
-          <a:ln w="0">
-            <a:noFill/>
-          </a:ln>
-        </p:spPr>
-        <p:txBody>
-          <a:bodyPr lIns="0" tIns="0" rIns="0" bIns="0" anchor="t">
-            <a:noAutofit/>
-          </a:bodyPr>
+            <a:off x="457200" y="205978"/>
+            <a:ext cx="6019799" cy="4388643"/>
+          </a:xfrm>
+        </p:spPr>
+        <p:txBody>
+          <a:bodyPr vert="eaVert"/>
           <a:lstStyle/>
           <a:p>
-            <a:pPr>
-              <a:defRPr/>
-            </a:pPr>
-            <a:endParaRPr lang="it-IT" sz="3200" b="0" strike="noStrike" spc="-1">
-              <a:latin typeface="Arial"/>
-            </a:endParaRPr>
-          </a:p>
-        </p:txBody>
-      </p:sp>
-      <p:sp>
-        <p:nvSpPr>
-          <p:cNvPr id="66" name="PlaceHolder 3"/>
+            <a:pPr lvl="0">
+              <a:defRPr/>
+            </a:pPr>
+            <a:r>
+              <a:rPr lang="ru-RU"/>
+              <a:t>Образец текста</a:t>
+            </a:r>
+            <a:endParaRPr/>
+          </a:p>
+          <a:p>
+            <a:pPr lvl="1">
+              <a:defRPr/>
+            </a:pPr>
+            <a:r>
+              <a:rPr lang="ru-RU"/>
+              <a:t>Второй уровень</a:t>
+            </a:r>
+            <a:endParaRPr/>
+          </a:p>
+          <a:p>
+            <a:pPr lvl="2">
+              <a:defRPr/>
+            </a:pPr>
+            <a:r>
+              <a:rPr lang="ru-RU"/>
+              <a:t>Третий уровень</a:t>
+            </a:r>
+            <a:endParaRPr/>
+          </a:p>
+          <a:p>
+            <a:pPr lvl="3">
+              <a:defRPr/>
+            </a:pPr>
+            <a:r>
+              <a:rPr lang="ru-RU"/>
+              <a:t>Четвертый уровень</a:t>
+            </a:r>
+            <a:endParaRPr/>
+          </a:p>
+          <a:p>
+            <a:pPr lvl="4">
+              <a:defRPr/>
+            </a:pPr>
+            <a:r>
+              <a:rPr lang="ru-RU"/>
+              <a:t>Пятый уровень</a:t>
+            </a:r>
+            <a:endParaRPr lang="ru-RU"/>
+          </a:p>
+        </p:txBody>
+      </p:sp>
+      <p:sp>
+        <p:nvSpPr>
+          <p:cNvPr id="4" name="Дата 3"/>
           <p:cNvSpPr>
             <a:spLocks noGrp="1"/>
           </p:cNvSpPr>
           <p:nvPr>
-            <p:ph/>
+            <p:ph type="dt" sz="half" idx="10"/>
           </p:nvPr>
         </p:nvSpPr>
-        <p:spPr bwMode="auto">
-          <a:xfrm>
-            <a:off x="4674240" y="1203480"/>
-            <a:ext cx="4015800" cy="1422720"/>
-          </a:xfrm>
-          <a:prstGeom prst="rect">
-            <a:avLst/>
-          </a:prstGeom>
-          <a:noFill/>
-          <a:ln w="0">
-            <a:noFill/>
-          </a:ln>
-        </p:spPr>
-        <p:txBody>
-          <a:bodyPr lIns="0" tIns="0" rIns="0" bIns="0" anchor="t">
-            <a:noAutofit/>
-          </a:bodyPr>
+        <p:spPr bwMode="auto"/>
+        <p:txBody>
+          <a:bodyPr/>
           <a:lstStyle/>
           <a:p>
             <a:pPr>
               <a:defRPr/>
             </a:pPr>
-            <a:endParaRPr lang="it-IT" sz="3200" b="0" strike="noStrike" spc="-1">
-              <a:latin typeface="Arial"/>
-            </a:endParaRPr>
-          </a:p>
-        </p:txBody>
-      </p:sp>
-      <p:sp>
-        <p:nvSpPr>
-          <p:cNvPr id="67" name="PlaceHolder 4"/>
+            <a:fld id="{51E84241-D031-42DE-84E4-CC10C30232F4}" type="datetimeFigureOut">
+              <a:rPr lang="ru-RU"/>
+              <a:t/>
+            </a:fld>
+            <a:endParaRPr lang="ru-RU"/>
+          </a:p>
+        </p:txBody>
+      </p:sp>
+      <p:sp>
+        <p:nvSpPr>
+          <p:cNvPr id="5" name="Нижний колонтитул 4"/>
           <p:cNvSpPr>
             <a:spLocks noGrp="1"/>
           </p:cNvSpPr>
           <p:nvPr>
-            <p:ph/>
+            <p:ph type="ftr" sz="quarter" idx="11"/>
           </p:nvPr>
         </p:nvSpPr>
-        <p:spPr bwMode="auto">
-          <a:xfrm>
-            <a:off x="457200" y="2761920"/>
-            <a:ext cx="4015800" cy="1422720"/>
-          </a:xfrm>
-          <a:prstGeom prst="rect">
-            <a:avLst/>
-          </a:prstGeom>
-          <a:noFill/>
-          <a:ln w="0">
-            <a:noFill/>
-          </a:ln>
-        </p:spPr>
-        <p:txBody>
-          <a:bodyPr lIns="0" tIns="0" rIns="0" bIns="0" anchor="t">
-            <a:noAutofit/>
-          </a:bodyPr>
+        <p:spPr bwMode="auto"/>
+        <p:txBody>
+          <a:bodyPr/>
           <a:lstStyle/>
           <a:p>
             <a:pPr>
               <a:defRPr/>
             </a:pPr>
-            <a:endParaRPr lang="it-IT" sz="3200" b="0" strike="noStrike" spc="-1">
-              <a:latin typeface="Arial"/>
-            </a:endParaRPr>
-          </a:p>
-        </p:txBody>
-      </p:sp>
-      <p:sp>
-        <p:nvSpPr>
-          <p:cNvPr id="68" name="PlaceHolder 5"/>
+            <a:endParaRPr lang="ru-RU"/>
+          </a:p>
+        </p:txBody>
+      </p:sp>
+      <p:sp>
+        <p:nvSpPr>
+          <p:cNvPr id="6" name="Номер слайда 5"/>
           <p:cNvSpPr>
             <a:spLocks noGrp="1"/>
           </p:cNvSpPr>
           <p:nvPr>
-            <p:ph/>
+            <p:ph type="sldNum" sz="quarter" idx="12"/>
           </p:nvPr>
         </p:nvSpPr>
-        <p:spPr bwMode="auto">
-          <a:xfrm>
-            <a:off x="4674240" y="2761920"/>
-            <a:ext cx="4015800" cy="1422720"/>
-          </a:xfrm>
-          <a:prstGeom prst="rect">
-            <a:avLst/>
-          </a:prstGeom>
-          <a:noFill/>
-          <a:ln w="0">
-            <a:noFill/>
-          </a:ln>
-        </p:spPr>
-        <p:txBody>
-          <a:bodyPr lIns="0" tIns="0" rIns="0" bIns="0" anchor="t">
-            <a:noAutofit/>
-          </a:bodyPr>
+        <p:spPr bwMode="auto"/>
+        <p:txBody>
+          <a:bodyPr/>
           <a:lstStyle/>
           <a:p>
             <a:pPr>
               <a:defRPr/>
             </a:pPr>
-            <a:endParaRPr lang="it-IT" sz="3200" b="0" strike="noStrike" spc="-1">
-              <a:latin typeface="Arial"/>
-            </a:endParaRPr>
-          </a:p>
-        </p:txBody>
-      </p:sp>
-    </p:spTree>
-  </p:cSld>
-  <p:clrMapOvr>
-    <a:masterClrMapping/>
-  </p:clrMapOvr>
-</p:sldLayout>
-</file>
-
-<file path=ppt/slideLayouts/slideLayout24.xml><?xml version="1.0" encoding="utf-8"?>
-<p:sldLayout xmlns:a="http://schemas.openxmlformats.org/drawingml/2006/main" xmlns:r="http://schemas.openxmlformats.org/officeDocument/2006/relationships" xmlns:p="http://schemas.openxmlformats.org/presentationml/2006/main" xmlns:m="http://schemas.openxmlformats.org/officeDocument/2006/math" xmlns:w="http://schemas.openxmlformats.org/wordprocessingml/2006/main" matchingName="" preserve="1" showMasterPhAnim="0" type="blank" userDrawn="1">
-  <p:cSld name="Title, 6 Content">
-    <p:spTree>
-      <p:nvGrpSpPr>
-        <p:cNvPr id="1" name=""/>
-        <p:cNvGrpSpPr/>
-        <p:nvPr/>
-      </p:nvGrpSpPr>
-      <p:grpSpPr bwMode="auto">
-        <a:xfrm>
-          <a:off x="0" y="0"/>
-          <a:ext cx="0" cy="0"/>
-          <a:chOff x="0" y="0"/>
-          <a:chExt cx="0" cy="0"/>
-        </a:xfrm>
-      </p:grpSpPr>
-      <p:sp>
-        <p:nvSpPr>
-          <p:cNvPr id="69" name="PlaceHolder 1"/>
-          <p:cNvSpPr>
-            <a:spLocks noGrp="1"/>
-          </p:cNvSpPr>
-          <p:nvPr>
-            <p:ph type="title"/>
-          </p:nvPr>
-        </p:nvSpPr>
-        <p:spPr bwMode="auto">
-          <a:xfrm>
-            <a:off x="457200" y="205200"/>
-            <a:ext cx="8229240" cy="858600"/>
-          </a:xfrm>
-          <a:prstGeom prst="rect">
-            <a:avLst/>
-          </a:prstGeom>
-          <a:noFill/>
-          <a:ln w="0">
-            <a:noFill/>
-          </a:ln>
-        </p:spPr>
-        <p:txBody>
-          <a:bodyPr lIns="0" tIns="0" rIns="0" bIns="0" anchor="ctr">
-            <a:noAutofit/>
-          </a:bodyPr>
-          <a:lstStyle/>
-          <a:p>
-            <a:pPr algn="ctr">
-              <a:defRPr/>
-            </a:pPr>
-            <a:endParaRPr lang="it-IT" sz="4400" b="0" strike="noStrike" spc="-1">
-              <a:latin typeface="Arial"/>
-            </a:endParaRPr>
-          </a:p>
-        </p:txBody>
-      </p:sp>
-      <p:sp>
-        <p:nvSpPr>
-          <p:cNvPr id="70" name="PlaceHolder 2"/>
-          <p:cNvSpPr>
-            <a:spLocks noGrp="1"/>
-          </p:cNvSpPr>
-          <p:nvPr>
-            <p:ph/>
-          </p:nvPr>
-        </p:nvSpPr>
-        <p:spPr bwMode="auto">
-          <a:xfrm>
-            <a:off x="457200" y="1203480"/>
-            <a:ext cx="2649600" cy="1422720"/>
-          </a:xfrm>
-          <a:prstGeom prst="rect">
-            <a:avLst/>
-          </a:prstGeom>
-          <a:noFill/>
-          <a:ln w="0">
-            <a:noFill/>
-          </a:ln>
-        </p:spPr>
-        <p:txBody>
-          <a:bodyPr lIns="0" tIns="0" rIns="0" bIns="0" anchor="t">
-            <a:noAutofit/>
-          </a:bodyPr>
-          <a:lstStyle/>
-          <a:p>
-            <a:pPr>
-              <a:defRPr/>
-            </a:pPr>
-            <a:endParaRPr lang="it-IT" sz="3200" b="0" strike="noStrike" spc="-1">
-              <a:latin typeface="Arial"/>
-            </a:endParaRPr>
-          </a:p>
-        </p:txBody>
-      </p:sp>
-      <p:sp>
-        <p:nvSpPr>
-          <p:cNvPr id="71" name="PlaceHolder 3"/>
-          <p:cNvSpPr>
-            <a:spLocks noGrp="1"/>
-          </p:cNvSpPr>
-          <p:nvPr>
-            <p:ph/>
-          </p:nvPr>
-        </p:nvSpPr>
-        <p:spPr bwMode="auto">
-          <a:xfrm>
-            <a:off x="3239640" y="1203480"/>
-            <a:ext cx="2649600" cy="1422720"/>
-          </a:xfrm>
-          <a:prstGeom prst="rect">
-            <a:avLst/>
-          </a:prstGeom>
-          <a:noFill/>
-          <a:ln w="0">
-            <a:noFill/>
-          </a:ln>
-        </p:spPr>
-        <p:txBody>
-          <a:bodyPr lIns="0" tIns="0" rIns="0" bIns="0" anchor="t">
-            <a:noAutofit/>
-          </a:bodyPr>
-          <a:lstStyle/>
-          <a:p>
-            <a:pPr>
-              <a:defRPr/>
-            </a:pPr>
-            <a:endParaRPr lang="it-IT" sz="3200" b="0" strike="noStrike" spc="-1">
-              <a:latin typeface="Arial"/>
-            </a:endParaRPr>
-          </a:p>
-        </p:txBody>
-      </p:sp>
-      <p:sp>
-        <p:nvSpPr>
-          <p:cNvPr id="72" name="PlaceHolder 4"/>
-          <p:cNvSpPr>
-            <a:spLocks noGrp="1"/>
-          </p:cNvSpPr>
-          <p:nvPr>
-            <p:ph/>
-          </p:nvPr>
-        </p:nvSpPr>
-        <p:spPr bwMode="auto">
-          <a:xfrm>
-            <a:off x="6022080" y="1203480"/>
-            <a:ext cx="2649600" cy="1422720"/>
-          </a:xfrm>
-          <a:prstGeom prst="rect">
-            <a:avLst/>
-          </a:prstGeom>
-          <a:noFill/>
-          <a:ln w="0">
-            <a:noFill/>
-          </a:ln>
-        </p:spPr>
-        <p:txBody>
-          <a:bodyPr lIns="0" tIns="0" rIns="0" bIns="0" anchor="t">
-            <a:noAutofit/>
-          </a:bodyPr>
-          <a:lstStyle/>
-          <a:p>
-            <a:pPr>
-              <a:defRPr/>
-            </a:pPr>
-            <a:endParaRPr lang="it-IT" sz="3200" b="0" strike="noStrike" spc="-1">
-              <a:latin typeface="Arial"/>
-            </a:endParaRPr>
-          </a:p>
-        </p:txBody>
-      </p:sp>
-      <p:sp>
-        <p:nvSpPr>
-          <p:cNvPr id="73" name="PlaceHolder 5"/>
-          <p:cNvSpPr>
-            <a:spLocks noGrp="1"/>
-          </p:cNvSpPr>
-          <p:nvPr>
-            <p:ph/>
-          </p:nvPr>
-        </p:nvSpPr>
-        <p:spPr bwMode="auto">
-          <a:xfrm>
-            <a:off x="457200" y="2761920"/>
-            <a:ext cx="2649600" cy="1422720"/>
-          </a:xfrm>
-          <a:prstGeom prst="rect">
-            <a:avLst/>
-          </a:prstGeom>
-          <a:noFill/>
-          <a:ln w="0">
-            <a:noFill/>
-          </a:ln>
-        </p:spPr>
-        <p:txBody>
-          <a:bodyPr lIns="0" tIns="0" rIns="0" bIns="0" anchor="t">
-            <a:noAutofit/>
-          </a:bodyPr>
-          <a:lstStyle/>
-          <a:p>
-            <a:pPr>
-              <a:defRPr/>
-            </a:pPr>
-            <a:endParaRPr lang="it-IT" sz="3200" b="0" strike="noStrike" spc="-1">
-              <a:latin typeface="Arial"/>
-            </a:endParaRPr>
-          </a:p>
-        </p:txBody>
-      </p:sp>
-      <p:sp>
-        <p:nvSpPr>
-          <p:cNvPr id="74" name="PlaceHolder 6"/>
-          <p:cNvSpPr>
-            <a:spLocks noGrp="1"/>
-          </p:cNvSpPr>
-          <p:nvPr>
-            <p:ph/>
-          </p:nvPr>
-        </p:nvSpPr>
-        <p:spPr bwMode="auto">
-          <a:xfrm>
-            <a:off x="3239640" y="2761920"/>
-            <a:ext cx="2649600" cy="1422720"/>
-          </a:xfrm>
-          <a:prstGeom prst="rect">
-            <a:avLst/>
-          </a:prstGeom>
-          <a:noFill/>
-          <a:ln w="0">
-            <a:noFill/>
-          </a:ln>
-        </p:spPr>
-        <p:txBody>
-          <a:bodyPr lIns="0" tIns="0" rIns="0" bIns="0" anchor="t">
-            <a:noAutofit/>
-          </a:bodyPr>
-          <a:lstStyle/>
-          <a:p>
-            <a:pPr>
-              <a:defRPr/>
-            </a:pPr>
-            <a:endParaRPr lang="it-IT" sz="3200" b="0" strike="noStrike" spc="-1">
-              <a:latin typeface="Arial"/>
-            </a:endParaRPr>
-          </a:p>
-        </p:txBody>
-      </p:sp>
-      <p:sp>
-        <p:nvSpPr>
-          <p:cNvPr id="75" name="PlaceHolder 7"/>
-          <p:cNvSpPr>
-            <a:spLocks noGrp="1"/>
-          </p:cNvSpPr>
-          <p:nvPr>
-            <p:ph/>
-          </p:nvPr>
-        </p:nvSpPr>
-        <p:spPr bwMode="auto">
-          <a:xfrm>
-            <a:off x="6022080" y="2761920"/>
-            <a:ext cx="2649600" cy="1422720"/>
-          </a:xfrm>
-          <a:prstGeom prst="rect">
-            <a:avLst/>
-          </a:prstGeom>
-          <a:noFill/>
-          <a:ln w="0">
-            <a:noFill/>
-          </a:ln>
-        </p:spPr>
-        <p:txBody>
-          <a:bodyPr lIns="0" tIns="0" rIns="0" bIns="0" anchor="t">
-            <a:noAutofit/>
-          </a:bodyPr>
-          <a:lstStyle/>
-          <a:p>
-            <a:pPr>
-              <a:defRPr/>
-            </a:pPr>
-            <a:endParaRPr lang="it-IT" sz="3200" b="0" strike="noStrike" spc="-1">
-              <a:latin typeface="Arial"/>
-            </a:endParaRPr>
+            <a:fld id="{6B5AA3AA-5EA9-4976-BF6C-9891F6110747}" type="slidenum">
+              <a:rPr lang="ru-RU"/>
+              <a:t/>
+            </a:fld>
+            <a:endParaRPr lang="ru-RU"/>
           </a:p>
         </p:txBody>
       </p:sp>
@@ -4096,9 +5616,12 @@
   <p:cSld name="">
     <p:bg>
       <p:bgPr shadeToTitle="0">
-        <a:solidFill>
-          <a:srgbClr val="FFFFFF"/>
-        </a:solidFill>
+        <a:blipFill>
+          <a:blip r:embed="rId13">
+            <a:lum/>
+          </a:blip>
+          <a:stretch/>
+        </a:blipFill>
       </p:bgPr>
     </p:bg>
     <p:spTree>
@@ -4117,7 +5640,7 @@
       </p:grpSpPr>
       <p:sp>
         <p:nvSpPr>
-          <p:cNvPr id="38" name="PlaceHolder 1"/>
+          <p:cNvPr id="2" name="Title Placeholder 1"/>
           <p:cNvSpPr>
             <a:spLocks noGrp="1"/>
           </p:cNvSpPr>
@@ -4127,210 +5650,226 @@
         </p:nvSpPr>
         <p:spPr bwMode="auto">
           <a:xfrm>
-            <a:off x="457200" y="205200"/>
-            <a:ext cx="8229240" cy="858600"/>
+            <a:off x="539551" y="141480"/>
+            <a:ext cx="8064895" cy="648072"/>
           </a:xfrm>
           <a:prstGeom prst="rect">
             <a:avLst/>
           </a:prstGeom>
-          <a:noFill/>
-          <a:ln w="0">
-            <a:noFill/>
-          </a:ln>
-        </p:spPr>
-        <p:txBody>
-          <a:bodyPr lIns="0" tIns="0" rIns="0" bIns="0" anchor="ctr">
-            <a:noAutofit/>
+        </p:spPr>
+        <p:txBody>
+          <a:bodyPr vert="horz" lIns="91440" tIns="45720" rIns="91440" bIns="45720" rtlCol="0" anchor="b" anchorCtr="0">
+            <a:normAutofit/>
           </a:bodyPr>
           <a:lstStyle/>
           <a:p>
-            <a:pPr algn="ctr">
-              <a:defRPr/>
-            </a:pPr>
-            <a:r>
-              <a:rPr lang="it-IT" sz="4400" b="0" strike="noStrike" spc="-1">
-                <a:latin typeface="Arial"/>
-              </a:rPr>
-              <a:t>Click to edit the title text format</a:t>
-            </a:r>
-            <a:endParaRPr/>
-          </a:p>
-        </p:txBody>
-      </p:sp>
-      <p:sp>
-        <p:nvSpPr>
-          <p:cNvPr id="39" name="PlaceHolder 2"/>
+            <a:pPr>
+              <a:defRPr/>
+            </a:pPr>
+            <a:endParaRPr lang="en-US"/>
+          </a:p>
+        </p:txBody>
+      </p:sp>
+      <p:sp>
+        <p:nvSpPr>
+          <p:cNvPr id="3" name="Text Placeholder 2"/>
           <p:cNvSpPr>
             <a:spLocks noGrp="1"/>
           </p:cNvSpPr>
           <p:nvPr>
-            <p:ph type="body"/>
+            <p:ph type="body" idx="1"/>
           </p:nvPr>
         </p:nvSpPr>
         <p:spPr bwMode="auto">
           <a:xfrm>
-            <a:off x="457200" y="1203480"/>
-            <a:ext cx="8229240" cy="2983320"/>
+            <a:off x="539551" y="1005575"/>
+            <a:ext cx="8064895" cy="3726414"/>
           </a:xfrm>
           <a:prstGeom prst="rect">
             <a:avLst/>
           </a:prstGeom>
-          <a:noFill/>
-          <a:ln w="0">
-            <a:noFill/>
-          </a:ln>
-        </p:spPr>
-        <p:txBody>
-          <a:bodyPr lIns="0" tIns="0" rIns="0" bIns="0" anchor="t">
-            <a:noAutofit/>
+          <a:solidFill>
+            <a:schemeClr val="bg1">
+              <a:alpha val="78000"/>
+            </a:schemeClr>
+          </a:solidFill>
+        </p:spPr>
+        <p:txBody>
+          <a:bodyPr vert="horz" lIns="91440" tIns="45720" rIns="91440" bIns="45720" rtlCol="0">
+            <a:normAutofit/>
           </a:bodyPr>
           <a:lstStyle/>
           <a:p>
-            <a:pPr marL="432000" indent="-324000">
-              <a:spcAft>
-                <a:spcPts val="1417"/>
-              </a:spcAft>
-              <a:buClr>
-                <a:srgbClr val="000000"/>
-              </a:buClr>
-              <a:buSzPct val="45000"/>
-              <a:buFont typeface="Wingdings"/>
-              <a:buChar char=""/>
-              <a:defRPr/>
-            </a:pPr>
-            <a:r>
-              <a:rPr lang="it-IT" sz="3200" b="0" strike="noStrike" spc="-1">
-                <a:latin typeface="Arial"/>
-              </a:rPr>
-              <a:t>Click to edit the outline text format</a:t>
+            <a:pPr lvl="0">
+              <a:defRPr/>
+            </a:pPr>
+            <a:r>
+              <a:rPr lang="ru-RU"/>
+              <a:t>Образец текста</a:t>
             </a:r>
             <a:endParaRPr/>
           </a:p>
           <a:p>
-            <a:pPr marL="864000" lvl="1" indent="-324000">
-              <a:spcAft>
-                <a:spcPts val="1134"/>
-              </a:spcAft>
-              <a:buClr>
-                <a:srgbClr val="000000"/>
-              </a:buClr>
-              <a:buSzPct val="75000"/>
-              <a:buFont typeface="Symbol"/>
-              <a:buChar char=""/>
-              <a:defRPr/>
-            </a:pPr>
-            <a:r>
-              <a:rPr lang="it-IT" sz="2800" b="0" strike="noStrike" spc="-1">
-                <a:latin typeface="Arial"/>
-              </a:rPr>
-              <a:t>Second Outline Level</a:t>
+            <a:pPr lvl="1">
+              <a:defRPr/>
+            </a:pPr>
+            <a:r>
+              <a:rPr lang="ru-RU"/>
+              <a:t>Второй уровень</a:t>
             </a:r>
             <a:endParaRPr/>
           </a:p>
           <a:p>
-            <a:pPr marL="1296000" lvl="2" indent="-288000">
-              <a:spcAft>
-                <a:spcPts val="850"/>
-              </a:spcAft>
-              <a:buClr>
-                <a:srgbClr val="000000"/>
-              </a:buClr>
-              <a:buSzPct val="45000"/>
-              <a:buFont typeface="Wingdings"/>
-              <a:buChar char=""/>
-              <a:defRPr/>
-            </a:pPr>
-            <a:r>
-              <a:rPr lang="it-IT" sz="2400" b="0" strike="noStrike" spc="-1">
-                <a:latin typeface="Arial"/>
-              </a:rPr>
-              <a:t>Third Outline Level</a:t>
+            <a:pPr lvl="2">
+              <a:defRPr/>
+            </a:pPr>
+            <a:r>
+              <a:rPr lang="ru-RU"/>
+              <a:t>Третий уровень</a:t>
             </a:r>
             <a:endParaRPr/>
           </a:p>
           <a:p>
-            <a:pPr marL="1728000" lvl="3" indent="-216000">
-              <a:spcAft>
-                <a:spcPts val="567"/>
-              </a:spcAft>
-              <a:buClr>
-                <a:srgbClr val="000000"/>
-              </a:buClr>
-              <a:buSzPct val="75000"/>
-              <a:buFont typeface="Symbol"/>
-              <a:buChar char=""/>
-              <a:defRPr/>
-            </a:pPr>
-            <a:r>
-              <a:rPr lang="it-IT" sz="2000" b="0" strike="noStrike" spc="-1">
-                <a:latin typeface="Arial"/>
-              </a:rPr>
-              <a:t>Fourth Outline Level</a:t>
+            <a:pPr lvl="3">
+              <a:defRPr/>
+            </a:pPr>
+            <a:r>
+              <a:rPr lang="ru-RU"/>
+              <a:t>Четвертый уровень</a:t>
             </a:r>
             <a:endParaRPr/>
           </a:p>
           <a:p>
-            <a:pPr marL="2160000" lvl="4" indent="-216000">
-              <a:spcAft>
-                <a:spcPts val="283"/>
-              </a:spcAft>
-              <a:buClr>
-                <a:srgbClr val="000000"/>
-              </a:buClr>
-              <a:buSzPct val="45000"/>
-              <a:buFont typeface="Wingdings"/>
-              <a:buChar char=""/>
-              <a:defRPr/>
-            </a:pPr>
-            <a:r>
-              <a:rPr lang="it-IT" sz="2000" b="0" strike="noStrike" spc="-1">
-                <a:latin typeface="Arial"/>
-              </a:rPr>
-              <a:t>Fifth Outline Level</a:t>
-            </a:r>
-            <a:endParaRPr/>
-          </a:p>
-          <a:p>
-            <a:pPr marL="2592000" lvl="5" indent="-216000">
-              <a:spcAft>
-                <a:spcPts val="283"/>
-              </a:spcAft>
-              <a:buClr>
-                <a:srgbClr val="000000"/>
-              </a:buClr>
-              <a:buSzPct val="45000"/>
-              <a:buFont typeface="Wingdings"/>
-              <a:buChar char=""/>
-              <a:defRPr/>
-            </a:pPr>
-            <a:r>
-              <a:rPr lang="it-IT" sz="2000" b="0" strike="noStrike" spc="-1">
-                <a:latin typeface="Arial"/>
-              </a:rPr>
-              <a:t>Sixth Outline Level</a:t>
-            </a:r>
-            <a:endParaRPr/>
-          </a:p>
-          <a:p>
-            <a:pPr marL="3024000" lvl="6" indent="-216000">
-              <a:spcAft>
-                <a:spcPts val="283"/>
-              </a:spcAft>
-              <a:buClr>
-                <a:srgbClr val="000000"/>
-              </a:buClr>
-              <a:buSzPct val="45000"/>
-              <a:buFont typeface="Wingdings"/>
-              <a:buChar char=""/>
-              <a:defRPr/>
-            </a:pPr>
-            <a:r>
-              <a:rPr lang="it-IT" sz="2000" b="0" strike="noStrike" spc="-1">
-                <a:latin typeface="Arial"/>
-              </a:rPr>
-              <a:t>Seventh Outline Level</a:t>
-            </a:r>
-            <a:endParaRPr/>
+            <a:pPr lvl="4">
+              <a:defRPr/>
+            </a:pPr>
+            <a:r>
+              <a:rPr lang="ru-RU"/>
+              <a:t>Пятый уровень</a:t>
+            </a:r>
+            <a:endParaRPr lang="en-US"/>
+          </a:p>
+        </p:txBody>
+      </p:sp>
+      <p:sp>
+        <p:nvSpPr>
+          <p:cNvPr id="5" name="Дата 3"/>
+          <p:cNvSpPr>
+            <a:spLocks noGrp="1"/>
+          </p:cNvSpPr>
+          <p:nvPr>
+            <p:ph type="dt" sz="half" idx="2"/>
+          </p:nvPr>
+        </p:nvSpPr>
+        <p:spPr bwMode="auto">
+          <a:xfrm>
+            <a:off x="539551" y="4831545"/>
+            <a:ext cx="2133599" cy="273843"/>
+          </a:xfrm>
+          <a:prstGeom prst="rect">
+            <a:avLst/>
+          </a:prstGeom>
+        </p:spPr>
+        <p:txBody>
+          <a:bodyPr/>
+          <a:lstStyle>
+            <a:lvl1pPr>
+              <a:defRPr sz="1400">
+                <a:solidFill>
+                  <a:schemeClr val="bg1"/>
+                </a:solidFill>
+              </a:defRPr>
+            </a:lvl1pPr>
+          </a:lstStyle>
+          <a:p>
+            <a:pPr>
+              <a:defRPr/>
+            </a:pPr>
+            <a:fld id="{51E84241-D031-42DE-84E4-CC10C30232F4}" type="datetimeFigureOut">
+              <a:rPr lang="ru-RU"/>
+              <a:t/>
+            </a:fld>
+            <a:endParaRPr lang="ru-RU"/>
+          </a:p>
+        </p:txBody>
+      </p:sp>
+      <p:sp>
+        <p:nvSpPr>
+          <p:cNvPr id="6" name="Нижний колонтитул 4"/>
+          <p:cNvSpPr>
+            <a:spLocks noGrp="1"/>
+          </p:cNvSpPr>
+          <p:nvPr>
+            <p:ph type="ftr" sz="quarter" idx="3"/>
+          </p:nvPr>
+        </p:nvSpPr>
+        <p:spPr bwMode="auto">
+          <a:xfrm>
+            <a:off x="5940151" y="4812374"/>
+            <a:ext cx="2895598" cy="273843"/>
+          </a:xfrm>
+          <a:prstGeom prst="rect">
+            <a:avLst/>
+          </a:prstGeom>
+        </p:spPr>
+        <p:txBody>
+          <a:bodyPr/>
+          <a:lstStyle>
+            <a:lvl1pPr>
+              <a:defRPr sz="1400">
+                <a:solidFill>
+                  <a:schemeClr val="bg1"/>
+                </a:solidFill>
+              </a:defRPr>
+            </a:lvl1pPr>
+          </a:lstStyle>
+          <a:p>
+            <a:pPr>
+              <a:defRPr/>
+            </a:pPr>
+            <a:endParaRPr lang="ru-RU"/>
+          </a:p>
+        </p:txBody>
+      </p:sp>
+      <p:sp>
+        <p:nvSpPr>
+          <p:cNvPr id="8" name="Номер слайда 8"/>
+          <p:cNvSpPr>
+            <a:spLocks noGrp="1"/>
+          </p:cNvSpPr>
+          <p:nvPr>
+            <p:ph type="sldNum" sz="quarter" idx="4"/>
+          </p:nvPr>
+        </p:nvSpPr>
+        <p:spPr bwMode="auto">
+          <a:xfrm>
+            <a:off x="4133849" y="4840002"/>
+            <a:ext cx="876299" cy="219074"/>
+          </a:xfrm>
+          <a:prstGeom prst="rect">
+            <a:avLst/>
+          </a:prstGeom>
+        </p:spPr>
+        <p:txBody>
+          <a:bodyPr/>
+          <a:lstStyle>
+            <a:lvl1pPr algn="ctr">
+              <a:defRPr>
+                <a:solidFill>
+                  <a:schemeClr val="bg1"/>
+                </a:solidFill>
+              </a:defRPr>
+            </a:lvl1pPr>
+          </a:lstStyle>
+          <a:p>
+            <a:pPr>
+              <a:defRPr/>
+            </a:pPr>
+            <a:fld id="{6B5AA3AA-5EA9-4976-BF6C-9891F6110747}" type="slidenum">
+              <a:rPr lang="ru-RU"/>
+              <a:t/>
+            </a:fld>
+            <a:endParaRPr lang="ru-RU"/>
           </a:p>
         </p:txBody>
       </p:sp>
@@ -4349,185 +5888,200 @@
     <p:sldLayoutId id="2147483670" r:id="rId9"/>
     <p:sldLayoutId id="2147483671" r:id="rId10"/>
     <p:sldLayoutId id="2147483672" r:id="rId11"/>
-    <p:sldLayoutId id="2147483673" r:id="rId12"/>
   </p:sldLayoutIdLst>
+  <p:hf dt="0" ftr="0" hdr="0" sldNum="0"/>
   <p:txStyles>
     <p:titleStyle>
-      <a:lvl1pPr algn="l" defTabSz="914400">
-        <a:lnSpc>
-          <a:spcPct val="90000"/>
-        </a:lnSpc>
+      <a:lvl1pPr algn="ctr" defTabSz="914400">
         <a:spcBef>
-          <a:spcPts val="0"/>
+          <a:spcPts val="398"/>
         </a:spcBef>
         <a:buNone/>
-        <a:defRPr sz="4400">
+        <a:defRPr sz="3600" b="0" cap="none" spc="0">
           <a:solidFill>
-            <a:schemeClr val="tx1"/>
+            <a:schemeClr val="bg1"/>
           </a:solidFill>
           <a:latin typeface="+mj-lt"/>
           <a:ea typeface="+mj-ea"/>
-          <a:cs typeface="+mj-cs"/>
+          <a:cs typeface="Arial"/>
         </a:defRPr>
       </a:lvl1pPr>
     </p:titleStyle>
     <p:bodyStyle>
-      <a:lvl1pPr marL="228600" indent="-228600" algn="l" defTabSz="914400">
-        <a:lnSpc>
-          <a:spcPct val="90000"/>
-        </a:lnSpc>
+      <a:lvl1pPr marL="342900" indent="-342900" algn="l" defTabSz="914400">
         <a:spcBef>
-          <a:spcPts val="1000"/>
+          <a:spcPts val="599"/>
         </a:spcBef>
+        <a:spcAft>
+          <a:spcPts val="0"/>
+        </a:spcAft>
+        <a:buClr>
+          <a:schemeClr val="accent1"/>
+        </a:buClr>
         <a:buFont typeface="Arial"/>
         <a:buChar char="•"/>
-        <a:defRPr sz="2800">
+        <a:defRPr sz="2200" b="0" i="0" cap="none" spc="28">
           <a:solidFill>
-            <a:schemeClr val="tx1"/>
+            <a:schemeClr val="tx1">
+              <a:lumMod val="85000"/>
+              <a:lumOff val="15000"/>
+            </a:schemeClr>
           </a:solidFill>
           <a:latin typeface="+mn-lt"/>
           <a:ea typeface="+mn-ea"/>
-          <a:cs typeface="+mn-cs"/>
+          <a:cs typeface="Arial"/>
         </a:defRPr>
       </a:lvl1pPr>
-      <a:lvl2pPr marL="685800" indent="-228600" algn="l" defTabSz="914400">
-        <a:lnSpc>
-          <a:spcPct val="90000"/>
-        </a:lnSpc>
+      <a:lvl2pPr marL="513651" indent="-342900" algn="l" defTabSz="914400">
         <a:spcBef>
-          <a:spcPts val="500"/>
+          <a:spcPts val="599"/>
         </a:spcBef>
-        <a:buFont typeface="Arial"/>
-        <a:buChar char="•"/>
-        <a:defRPr sz="2400">
+        <a:buClr>
+          <a:schemeClr val="accent1"/>
+        </a:buClr>
+        <a:buFont typeface="Times New Roman"/>
+        <a:buChar char="–"/>
+        <a:defRPr sz="2000">
           <a:solidFill>
-            <a:schemeClr val="tx1"/>
+            <a:schemeClr val="tx1">
+              <a:lumMod val="85000"/>
+              <a:lumOff val="15000"/>
+            </a:schemeClr>
           </a:solidFill>
           <a:latin typeface="+mn-lt"/>
           <a:ea typeface="+mn-ea"/>
-          <a:cs typeface="+mn-cs"/>
+          <a:cs typeface="Arial"/>
         </a:defRPr>
       </a:lvl2pPr>
-      <a:lvl3pPr marL="1143000" indent="-228600" algn="l" defTabSz="914400">
-        <a:lnSpc>
-          <a:spcPct val="90000"/>
-        </a:lnSpc>
+      <a:lvl3pPr marL="627951" indent="-285750" algn="l" defTabSz="914400">
         <a:spcBef>
-          <a:spcPts val="500"/>
+          <a:spcPts val="599"/>
         </a:spcBef>
-        <a:buFont typeface="Arial"/>
-        <a:buChar char="•"/>
-        <a:defRPr sz="2000">
-          <a:solidFill>
-            <a:schemeClr val="tx1"/>
-          </a:solidFill>
-          <a:latin typeface="+mn-lt"/>
-          <a:ea typeface="+mn-ea"/>
-          <a:cs typeface="+mn-cs"/>
-        </a:defRPr>
-      </a:lvl3pPr>
-      <a:lvl4pPr marL="1600200" indent="-228600" algn="l" defTabSz="914400">
-        <a:lnSpc>
-          <a:spcPct val="90000"/>
-        </a:lnSpc>
-        <a:spcBef>
-          <a:spcPts val="500"/>
-        </a:spcBef>
+        <a:buClr>
+          <a:schemeClr val="accent1"/>
+        </a:buClr>
         <a:buFont typeface="Arial"/>
         <a:buChar char="•"/>
         <a:defRPr sz="1800">
           <a:solidFill>
-            <a:schemeClr val="tx1"/>
+            <a:schemeClr val="tx1">
+              <a:lumMod val="85000"/>
+              <a:lumOff val="15000"/>
+            </a:schemeClr>
           </a:solidFill>
           <a:latin typeface="+mn-lt"/>
           <a:ea typeface="+mn-ea"/>
-          <a:cs typeface="+mn-cs"/>
+          <a:cs typeface="Arial"/>
         </a:defRPr>
-      </a:lvl4pPr>
-      <a:lvl5pPr marL="2057400" indent="-228600" algn="l" defTabSz="914400">
-        <a:lnSpc>
-          <a:spcPct val="90000"/>
-        </a:lnSpc>
+      </a:lvl3pPr>
+      <a:lvl4pPr marL="800988" indent="-285750" algn="l" defTabSz="914400">
         <a:spcBef>
-          <a:spcPts val="500"/>
+          <a:spcPts val="599"/>
         </a:spcBef>
-        <a:buFont typeface="Arial"/>
-        <a:buChar char="•"/>
-        <a:defRPr sz="1800">
+        <a:buClr>
+          <a:schemeClr val="accent1"/>
+        </a:buClr>
+        <a:buFont typeface="Times New Roman"/>
+        <a:buChar char="–"/>
+        <a:defRPr sz="1600">
           <a:solidFill>
-            <a:schemeClr val="tx1"/>
+            <a:schemeClr val="tx1">
+              <a:lumMod val="85000"/>
+              <a:lumOff val="15000"/>
+            </a:schemeClr>
           </a:solidFill>
           <a:latin typeface="+mn-lt"/>
           <a:ea typeface="+mn-ea"/>
-          <a:cs typeface="+mn-cs"/>
+          <a:cs typeface="Arial"/>
+        </a:defRPr>
+      </a:lvl4pPr>
+      <a:lvl5pPr marL="972438" indent="-285750" algn="l" defTabSz="914400">
+        <a:spcBef>
+          <a:spcPts val="599"/>
+        </a:spcBef>
+        <a:buClr>
+          <a:schemeClr val="accent1"/>
+        </a:buClr>
+        <a:buFont typeface="Times New Roman"/>
+        <a:buChar char="»"/>
+        <a:defRPr sz="1600">
+          <a:solidFill>
+            <a:schemeClr val="tx1">
+              <a:lumMod val="85000"/>
+              <a:lumOff val="15000"/>
+            </a:schemeClr>
+          </a:solidFill>
+          <a:latin typeface="+mn-lt"/>
+          <a:ea typeface="+mn-ea"/>
+          <a:cs typeface="Arial"/>
         </a:defRPr>
       </a:lvl5pPr>
-      <a:lvl6pPr marL="2514600" indent="-228600" algn="l" defTabSz="914400">
-        <a:lnSpc>
-          <a:spcPct val="90000"/>
-        </a:lnSpc>
+      <a:lvl6pPr marL="1051560" indent="-173735" algn="l" defTabSz="914400">
         <a:spcBef>
-          <a:spcPts val="500"/>
+          <a:spcPts val="0"/>
         </a:spcBef>
+        <a:buClr>
+          <a:schemeClr val="accent1"/>
+        </a:buClr>
         <a:buFont typeface="Arial"/>
         <a:buChar char="•"/>
-        <a:defRPr sz="1800">
+        <a:defRPr sz="1400">
           <a:solidFill>
-            <a:schemeClr val="tx1"/>
+            <a:schemeClr val="tx2"/>
           </a:solidFill>
           <a:latin typeface="+mn-lt"/>
           <a:ea typeface="+mn-ea"/>
           <a:cs typeface="+mn-cs"/>
         </a:defRPr>
       </a:lvl6pPr>
-      <a:lvl7pPr marL="2971800" indent="-228600" algn="l" defTabSz="914400">
-        <a:lnSpc>
-          <a:spcPct val="90000"/>
-        </a:lnSpc>
+      <a:lvl7pPr marL="1234440" indent="-173735" algn="l" defTabSz="914400">
         <a:spcBef>
-          <a:spcPts val="500"/>
+          <a:spcPts val="0"/>
         </a:spcBef>
+        <a:buClr>
+          <a:schemeClr val="accent1"/>
+        </a:buClr>
         <a:buFont typeface="Arial"/>
         <a:buChar char="•"/>
-        <a:defRPr sz="1800">
+        <a:defRPr sz="1400">
           <a:solidFill>
-            <a:schemeClr val="tx1"/>
+            <a:schemeClr val="tx2"/>
           </a:solidFill>
           <a:latin typeface="+mn-lt"/>
           <a:ea typeface="+mn-ea"/>
           <a:cs typeface="+mn-cs"/>
         </a:defRPr>
       </a:lvl7pPr>
-      <a:lvl8pPr marL="3429000" indent="-228600" algn="l" defTabSz="914400">
-        <a:lnSpc>
-          <a:spcPct val="90000"/>
-        </a:lnSpc>
+      <a:lvl8pPr marL="1417319" indent="-173735" algn="l" defTabSz="914400">
         <a:spcBef>
-          <a:spcPts val="500"/>
+          <a:spcPts val="0"/>
         </a:spcBef>
+        <a:buClr>
+          <a:schemeClr val="accent1"/>
+        </a:buClr>
         <a:buFont typeface="Arial"/>
         <a:buChar char="•"/>
-        <a:defRPr sz="1800">
+        <a:defRPr sz="1400">
           <a:solidFill>
-            <a:schemeClr val="tx1"/>
+            <a:schemeClr val="tx2"/>
           </a:solidFill>
           <a:latin typeface="+mn-lt"/>
           <a:ea typeface="+mn-ea"/>
           <a:cs typeface="+mn-cs"/>
         </a:defRPr>
       </a:lvl8pPr>
-      <a:lvl9pPr marL="3886200" indent="-228600" algn="l" defTabSz="914400">
-        <a:lnSpc>
-          <a:spcPct val="90000"/>
-        </a:lnSpc>
+      <a:lvl9pPr marL="1600200" indent="-173735" algn="l" defTabSz="914400">
         <a:spcBef>
-          <a:spcPts val="500"/>
+          <a:spcPts val="0"/>
         </a:spcBef>
+        <a:buClr>
+          <a:schemeClr val="accent1"/>
+        </a:buClr>
         <a:buFont typeface="Arial"/>
         <a:buChar char="•"/>
-        <a:defRPr sz="1800">
+        <a:defRPr sz="1400">
           <a:solidFill>
-            <a:schemeClr val="tx1"/>
+            <a:schemeClr val="tx2"/>
           </a:solidFill>
           <a:latin typeface="+mn-lt"/>
           <a:ea typeface="+mn-ea"/>
@@ -4537,7 +6091,7 @@
     </p:bodyStyle>
     <p:otherStyle>
       <a:defPPr>
-        <a:defRPr lang="it-IT"/>
+        <a:defRPr lang="en-US"/>
       </a:defPPr>
       <a:lvl1pPr marL="0" algn="l" defTabSz="914400">
         <a:defRPr sz="1800">
@@ -5578,14 +7132,54 @@
       </p:grpSpPr>
       <p:sp>
         <p:nvSpPr>
-          <p:cNvPr id="1562649539" name="CasellaDiTesto 9"/>
+          <p:cNvPr id="1691707891" name="CasellaDiTesto 2"/>
           <p:cNvSpPr txBox="1"/>
           <p:nvPr/>
         </p:nvSpPr>
         <p:spPr bwMode="auto">
           <a:xfrm>
-            <a:off x="8711952" y="4800697"/>
-            <a:ext cx="432046" cy="307776"/>
+            <a:off x="347778" y="453151"/>
+            <a:ext cx="8493437" cy="457559"/>
+          </a:xfrm>
+          <a:prstGeom prst="rect">
+            <a:avLst/>
+          </a:prstGeom>
+          <a:noFill/>
+        </p:spPr>
+        <p:txBody>
+          <a:bodyPr wrap="square" rtlCol="0">
+            <a:spAutoFit/>
+          </a:bodyPr>
+          <a:lstStyle/>
+          <a:p>
+            <a:pPr>
+              <a:defRPr/>
+            </a:pPr>
+            <a:r>
+              <a:rPr lang="it-IT" sz="2400" b="1" i="0" u="none" strike="noStrike" cap="none" spc="0">
+                <a:solidFill>
+                  <a:schemeClr val="tx1"/>
+                </a:solidFill>
+                <a:latin typeface="Calibri"/>
+                <a:ea typeface="Source Han Sans CN Medium"/>
+                <a:cs typeface="Calibri"/>
+              </a:rPr>
+              <a:t>Model Optimizations and Conversion to TFLite</a:t>
+            </a:r>
+            <a:endParaRPr/>
+          </a:p>
+        </p:txBody>
+      </p:sp>
+      <p:sp>
+        <p:nvSpPr>
+          <p:cNvPr id="897577095" name="CasellaDiTesto 9"/>
+          <p:cNvSpPr txBox="1"/>
+          <p:nvPr/>
+        </p:nvSpPr>
+        <p:spPr bwMode="auto">
+          <a:xfrm>
+            <a:off x="8711950" y="4800695"/>
+            <a:ext cx="432405" cy="305159"/>
           </a:xfrm>
           <a:prstGeom prst="rect">
             <a:avLst/>
@@ -5614,7 +7208,7 @@
       </p:sp>
       <p:cxnSp>
         <p:nvCxnSpPr>
-          <p:cNvPr id="1226417988" name=""/>
+          <p:cNvPr id="1586423967" name=""/>
           <p:cNvCxnSpPr>
             <a:cxnSpLocks/>
           </p:cNvCxnSpPr>
@@ -5622,8 +7216,8 @@
         </p:nvCxnSpPr>
         <p:spPr bwMode="auto">
           <a:xfrm flipH="0" flipV="1">
-            <a:off x="15643" y="1019472"/>
-            <a:ext cx="9190136" cy="0"/>
+            <a:off x="15643" y="1019471"/>
+            <a:ext cx="9190135" cy="0"/>
           </a:xfrm>
           <a:prstGeom prst="line">
             <a:avLst/>
@@ -5653,6 +7247,565 @@
           </a:fontRef>
         </p:style>
       </p:cxnSp>
+      <p:pic>
+        <p:nvPicPr>
+          <p:cNvPr id="262918332" name=""/>
+          <p:cNvPicPr>
+            <a:picLocks noChangeAspect="1"/>
+          </p:cNvPicPr>
+          <p:nvPr/>
+        </p:nvPicPr>
+        <p:blipFill>
+          <a:blip r:embed="rId2"/>
+          <a:stretch/>
+        </p:blipFill>
+        <p:spPr bwMode="auto">
+          <a:xfrm flipH="0" flipV="0">
+            <a:off x="5163903" y="2081807"/>
+            <a:ext cx="3756850" cy="1223525"/>
+          </a:xfrm>
+          <a:prstGeom prst="rect">
+            <a:avLst/>
+          </a:prstGeom>
+        </p:spPr>
+      </p:pic>
+      <p:pic>
+        <p:nvPicPr>
+          <p:cNvPr id="428030264" name=""/>
+          <p:cNvPicPr>
+            <a:picLocks noChangeAspect="1"/>
+          </p:cNvPicPr>
+          <p:nvPr/>
+        </p:nvPicPr>
+        <p:blipFill>
+          <a:blip r:embed="rId3"/>
+          <a:stretch/>
+        </p:blipFill>
+        <p:spPr bwMode="auto">
+          <a:xfrm flipH="0" flipV="0">
+            <a:off x="40394" y="1458078"/>
+            <a:ext cx="4570315" cy="2265759"/>
+          </a:xfrm>
+          <a:prstGeom prst="rect">
+            <a:avLst/>
+          </a:prstGeom>
+        </p:spPr>
+      </p:pic>
+      <p:sp>
+        <p:nvSpPr>
+          <p:cNvPr id="110610465" name=""/>
+          <p:cNvSpPr txBox="1"/>
+          <p:nvPr/>
+        </p:nvSpPr>
+        <p:spPr bwMode="auto">
+          <a:xfrm flipH="0" flipV="0">
+            <a:off x="412751" y="3943944"/>
+            <a:ext cx="3827396" cy="640439"/>
+          </a:xfrm>
+          <a:prstGeom prst="rect">
+            <a:avLst/>
+          </a:prstGeom>
+          <a:noFill/>
+        </p:spPr>
+        <p:txBody>
+          <a:bodyPr vertOverflow="overflow" horzOverflow="overflow" vert="horz" wrap="square" lIns="91440" tIns="45720" rIns="91440" bIns="45720" numCol="1" spcCol="0" rtlCol="0" fromWordArt="0" anchor="t" anchorCtr="0" forceAA="0" upright="0" compatLnSpc="0">
+            <a:spAutoFit/>
+          </a:bodyPr>
+          <a:p>
+            <a:pPr>
+              <a:defRPr/>
+            </a:pPr>
+            <a:r>
+              <a:rPr/>
+              <a:t>Neural network that uses DS convolutional layers</a:t>
+            </a:r>
+            <a:endParaRPr/>
+          </a:p>
+        </p:txBody>
+      </p:sp>
+      <p:sp>
+        <p:nvSpPr>
+          <p:cNvPr id="1642235389" name=""/>
+          <p:cNvSpPr txBox="1"/>
+          <p:nvPr/>
+        </p:nvSpPr>
+        <p:spPr bwMode="auto">
+          <a:xfrm flipH="0" flipV="0">
+            <a:off x="5339232" y="3611613"/>
+            <a:ext cx="3504138" cy="914759"/>
+          </a:xfrm>
+          <a:prstGeom prst="rect">
+            <a:avLst/>
+          </a:prstGeom>
+          <a:noFill/>
+        </p:spPr>
+        <p:txBody>
+          <a:bodyPr vertOverflow="overflow" horzOverflow="overflow" vert="horz" wrap="square" lIns="91440" tIns="45720" rIns="91440" bIns="45720" numCol="1" spcCol="0" rtlCol="0" fromWordArt="0" anchor="t" anchorCtr="0" forceAA="0" upright="0" compatLnSpc="0">
+            <a:spAutoFit/>
+          </a:bodyPr>
+          <a:p>
+            <a:pPr>
+              <a:defRPr/>
+            </a:pPr>
+            <a:r>
+              <a:rPr/>
+              <a:t>Width Scaling for reducing model complexity and thus reducing time required for training</a:t>
+            </a:r>
+            <a:endParaRPr/>
+          </a:p>
+        </p:txBody>
+      </p:sp>
+    </p:spTree>
+  </p:cSld>
+  <p:clrMapOvr>
+    <a:masterClrMapping/>
+  </p:clrMapOvr>
+  <mc:AlternateContent xmlns:mc="http://schemas.openxmlformats.org/markup-compatibility/2006">
+    <mc:Choice xmlns:p14="http://schemas.microsoft.com/office/powerpoint/2010/main" Requires="p14">
+      <p:transition p14:dur="2000" advClick="1"/>
+    </mc:Choice>
+    <mc:Fallback>
+      <p:transition advClick="1"/>
+    </mc:Fallback>
+  </mc:AlternateContent>
+  <p:timing>
+    <p:tnLst>
+      <p:par>
+        <p:cTn id="1" dur="indefinite" restart="never" nodeType="tmRoot">
+          <p:childTnLst>
+            <p:seq concurrent="1" nextAc="seek">
+              <p:cTn id="2" dur="indefinite" nodeType="mainSeq">
+                <p:childTnLst>
+                  <p:par>
+                    <p:cTn id="20" fill="hold">
+                      <p:stCondLst>
+                        <p:cond delay="indefinite"/>
+                      </p:stCondLst>
+                      <p:childTnLst>
+                        <p:par>
+                          <p:cTn id="21" fill="hold">
+                            <p:stCondLst>
+                              <p:cond delay="0"/>
+                            </p:stCondLst>
+                            <p:childTnLst>
+                              <p:par>
+                                <p:cTn id="22" presetID="53" presetClass="entr" presetSubtype="16" fill="hold" grpId="0" nodeType="clickEffect">
+                                  <p:stCondLst>
+                                    <p:cond delay="0"/>
+                                  </p:stCondLst>
+                                  <p:childTnLst>
+                                    <p:set>
+                                      <p:cBhvr>
+                                        <p:cTn id="26" dur="1" fill="hold">
+                                          <p:stCondLst>
+                                            <p:cond delay="0"/>
+                                          </p:stCondLst>
+                                        </p:cTn>
+                                        <p:tgtEl>
+                                          <p:spTgt spid="428030264"/>
+                                        </p:tgtEl>
+                                        <p:attrNameLst>
+                                          <p:attrName>style.visibility</p:attrName>
+                                        </p:attrNameLst>
+                                      </p:cBhvr>
+                                      <p:to>
+                                        <p:strVal val="visible"/>
+                                      </p:to>
+                                    </p:set>
+                                    <p:anim calcmode="lin" valueType="num">
+                                      <p:cBhvr>
+                                        <p:cTn id="25" dur="500" fill="hold"/>
+                                        <p:tgtEl>
+                                          <p:spTgt spid="428030264"/>
+                                        </p:tgtEl>
+                                        <p:attrNameLst>
+                                          <p:attrName>ppt_w</p:attrName>
+                                        </p:attrNameLst>
+                                      </p:cBhvr>
+                                      <p:tavLst>
+                                        <p:tav tm="0">
+                                          <p:val>
+                                            <p:fltVal val="0"/>
+                                          </p:val>
+                                        </p:tav>
+                                        <p:tav tm="100000">
+                                          <p:val>
+                                            <p:strVal val="#ppt_w"/>
+                                          </p:val>
+                                        </p:tav>
+                                      </p:tavLst>
+                                    </p:anim>
+                                    <p:anim calcmode="lin" valueType="num">
+                                      <p:cBhvr>
+                                        <p:cTn id="24" dur="500" fill="hold"/>
+                                        <p:tgtEl>
+                                          <p:spTgt spid="428030264"/>
+                                        </p:tgtEl>
+                                        <p:attrNameLst>
+                                          <p:attrName>ppt_h</p:attrName>
+                                        </p:attrNameLst>
+                                      </p:cBhvr>
+                                      <p:tavLst>
+                                        <p:tav tm="0">
+                                          <p:val>
+                                            <p:fltVal val="0"/>
+                                          </p:val>
+                                        </p:tav>
+                                        <p:tav tm="100000">
+                                          <p:val>
+                                            <p:strVal val="#ppt_h"/>
+                                          </p:val>
+                                        </p:tav>
+                                      </p:tavLst>
+                                    </p:anim>
+                                    <p:animEffect transition="in" filter="fade">
+                                      <p:cBhvr>
+                                        <p:cTn id="23" dur="500"/>
+                                        <p:tgtEl>
+                                          <p:spTgt spid="428030264"/>
+                                        </p:tgtEl>
+                                      </p:cBhvr>
+                                    </p:animEffect>
+                                  </p:childTnLst>
+                                </p:cTn>
+                              </p:par>
+                            </p:childTnLst>
+                          </p:cTn>
+                        </p:par>
+                      </p:childTnLst>
+                    </p:cTn>
+                  </p:par>
+                  <p:par>
+                    <p:cTn id="15" fill="hold">
+                      <p:stCondLst>
+                        <p:cond delay="indefinite"/>
+                      </p:stCondLst>
+                      <p:childTnLst>
+                        <p:par>
+                          <p:cTn id="16" fill="hold">
+                            <p:stCondLst>
+                              <p:cond delay="0"/>
+                            </p:stCondLst>
+                            <p:childTnLst>
+                              <p:par>
+                                <p:cTn id="17" presetID="16" presetClass="entr" presetSubtype="21" fill="hold" grpId="0" nodeType="clickEffect">
+                                  <p:stCondLst>
+                                    <p:cond delay="0"/>
+                                  </p:stCondLst>
+                                  <p:childTnLst>
+                                    <p:set>
+                                      <p:cBhvr>
+                                        <p:cTn id="19" dur="1" fill="hold">
+                                          <p:stCondLst>
+                                            <p:cond delay="0"/>
+                                          </p:stCondLst>
+                                        </p:cTn>
+                                        <p:tgtEl>
+                                          <p:spTgt spid="110610465"/>
+                                        </p:tgtEl>
+                                        <p:attrNameLst>
+                                          <p:attrName>style.visibility</p:attrName>
+                                        </p:attrNameLst>
+                                      </p:cBhvr>
+                                      <p:to>
+                                        <p:strVal val="visible"/>
+                                      </p:to>
+                                    </p:set>
+                                    <p:animEffect transition="in" filter="barn(inVertical)">
+                                      <p:cBhvr>
+                                        <p:cTn id="18" dur="500"/>
+                                        <p:tgtEl>
+                                          <p:spTgt spid="110610465"/>
+                                        </p:tgtEl>
+                                      </p:cBhvr>
+                                    </p:animEffect>
+                                  </p:childTnLst>
+                                </p:cTn>
+                              </p:par>
+                            </p:childTnLst>
+                          </p:cTn>
+                        </p:par>
+                      </p:childTnLst>
+                    </p:cTn>
+                  </p:par>
+                  <p:par>
+                    <p:cTn id="8" fill="hold">
+                      <p:stCondLst>
+                        <p:cond delay="indefinite"/>
+                      </p:stCondLst>
+                      <p:childTnLst>
+                        <p:par>
+                          <p:cTn id="9" fill="hold">
+                            <p:stCondLst>
+                              <p:cond delay="0"/>
+                            </p:stCondLst>
+                            <p:childTnLst>
+                              <p:par>
+                                <p:cTn id="10" presetID="53" presetClass="entr" presetSubtype="16" fill="hold" grpId="0" nodeType="clickEffect">
+                                  <p:stCondLst>
+                                    <p:cond delay="0"/>
+                                  </p:stCondLst>
+                                  <p:childTnLst>
+                                    <p:set>
+                                      <p:cBhvr>
+                                        <p:cTn id="14" dur="1" fill="hold">
+                                          <p:stCondLst>
+                                            <p:cond delay="0"/>
+                                          </p:stCondLst>
+                                        </p:cTn>
+                                        <p:tgtEl>
+                                          <p:spTgt spid="262918332"/>
+                                        </p:tgtEl>
+                                        <p:attrNameLst>
+                                          <p:attrName>style.visibility</p:attrName>
+                                        </p:attrNameLst>
+                                      </p:cBhvr>
+                                      <p:to>
+                                        <p:strVal val="visible"/>
+                                      </p:to>
+                                    </p:set>
+                                    <p:anim calcmode="lin" valueType="num">
+                                      <p:cBhvr>
+                                        <p:cTn id="13" dur="500" fill="hold"/>
+                                        <p:tgtEl>
+                                          <p:spTgt spid="262918332"/>
+                                        </p:tgtEl>
+                                        <p:attrNameLst>
+                                          <p:attrName>ppt_w</p:attrName>
+                                        </p:attrNameLst>
+                                      </p:cBhvr>
+                                      <p:tavLst>
+                                        <p:tav tm="0">
+                                          <p:val>
+                                            <p:fltVal val="0"/>
+                                          </p:val>
+                                        </p:tav>
+                                        <p:tav tm="100000">
+                                          <p:val>
+                                            <p:strVal val="#ppt_w"/>
+                                          </p:val>
+                                        </p:tav>
+                                      </p:tavLst>
+                                    </p:anim>
+                                    <p:anim calcmode="lin" valueType="num">
+                                      <p:cBhvr>
+                                        <p:cTn id="12" dur="500" fill="hold"/>
+                                        <p:tgtEl>
+                                          <p:spTgt spid="262918332"/>
+                                        </p:tgtEl>
+                                        <p:attrNameLst>
+                                          <p:attrName>ppt_h</p:attrName>
+                                        </p:attrNameLst>
+                                      </p:cBhvr>
+                                      <p:tavLst>
+                                        <p:tav tm="0">
+                                          <p:val>
+                                            <p:fltVal val="0"/>
+                                          </p:val>
+                                        </p:tav>
+                                        <p:tav tm="100000">
+                                          <p:val>
+                                            <p:strVal val="#ppt_h"/>
+                                          </p:val>
+                                        </p:tav>
+                                      </p:tavLst>
+                                    </p:anim>
+                                    <p:animEffect transition="in" filter="fade">
+                                      <p:cBhvr>
+                                        <p:cTn id="11" dur="500"/>
+                                        <p:tgtEl>
+                                          <p:spTgt spid="262918332"/>
+                                        </p:tgtEl>
+                                      </p:cBhvr>
+                                    </p:animEffect>
+                                  </p:childTnLst>
+                                </p:cTn>
+                              </p:par>
+                            </p:childTnLst>
+                          </p:cTn>
+                        </p:par>
+                      </p:childTnLst>
+                    </p:cTn>
+                  </p:par>
+                  <p:par>
+                    <p:cTn id="3" fill="hold">
+                      <p:stCondLst>
+                        <p:cond delay="indefinite"/>
+                      </p:stCondLst>
+                      <p:childTnLst>
+                        <p:par>
+                          <p:cTn id="4" fill="hold">
+                            <p:stCondLst>
+                              <p:cond delay="0"/>
+                            </p:stCondLst>
+                            <p:childTnLst>
+                              <p:par>
+                                <p:cTn id="5" presetID="22" presetClass="entr" presetSubtype="4" fill="hold" grpId="0" nodeType="clickEffect">
+                                  <p:stCondLst>
+                                    <p:cond delay="0"/>
+                                  </p:stCondLst>
+                                  <p:childTnLst>
+                                    <p:set>
+                                      <p:cBhvr>
+                                        <p:cTn id="7" dur="1" fill="hold">
+                                          <p:stCondLst>
+                                            <p:cond delay="0"/>
+                                          </p:stCondLst>
+                                        </p:cTn>
+                                        <p:tgtEl>
+                                          <p:spTgt spid="1642235389"/>
+                                        </p:tgtEl>
+                                        <p:attrNameLst>
+                                          <p:attrName>style.visibility</p:attrName>
+                                        </p:attrNameLst>
+                                      </p:cBhvr>
+                                      <p:to>
+                                        <p:strVal val="visible"/>
+                                      </p:to>
+                                    </p:set>
+                                    <p:animEffect transition="in" filter="wipe(down)">
+                                      <p:cBhvr>
+                                        <p:cTn id="6" dur="500"/>
+                                        <p:tgtEl>
+                                          <p:spTgt spid="1642235389"/>
+                                        </p:tgtEl>
+                                      </p:cBhvr>
+                                    </p:animEffect>
+                                  </p:childTnLst>
+                                </p:cTn>
+                              </p:par>
+                            </p:childTnLst>
+                          </p:cTn>
+                        </p:par>
+                      </p:childTnLst>
+                    </p:cTn>
+                  </p:par>
+                </p:childTnLst>
+              </p:cTn>
+              <p:prevCondLst>
+                <p:cond evt="onPrev" delay="0">
+                  <p:tgtEl>
+                    <p:sldTgt/>
+                  </p:tgtEl>
+                </p:cond>
+              </p:prevCondLst>
+              <p:nextCondLst>
+                <p:cond evt="onNext" delay="0">
+                  <p:tgtEl>
+                    <p:sldTgt/>
+                  </p:tgtEl>
+                </p:cond>
+              </p:nextCondLst>
+            </p:seq>
+          </p:childTnLst>
+        </p:cTn>
+      </p:par>
+    </p:tnLst>
+  </p:timing>
+</p:sld>
+</file>
+
+<file path=ppt/slides/slide11.xml><?xml version="1.0" encoding="utf-8"?>
+<p:sld xmlns:a="http://schemas.openxmlformats.org/drawingml/2006/main" xmlns:r="http://schemas.openxmlformats.org/officeDocument/2006/relationships" xmlns:p="http://schemas.openxmlformats.org/presentationml/2006/main" xmlns:m="http://schemas.openxmlformats.org/officeDocument/2006/math" xmlns:w="http://schemas.openxmlformats.org/wordprocessingml/2006/main" showMasterPhAnim="0" show="1">
+  <p:cSld name="">
+    <p:bg>
+      <p:bgPr shadeToTitle="0">
+        <a:solidFill>
+          <a:schemeClr val="bg1"/>
+        </a:solidFill>
+      </p:bgPr>
+    </p:bg>
+    <p:spTree>
+      <p:nvGrpSpPr>
+        <p:cNvPr id="1" name=""/>
+        <p:cNvGrpSpPr/>
+        <p:nvPr/>
+      </p:nvGrpSpPr>
+      <p:grpSpPr bwMode="auto">
+        <a:xfrm>
+          <a:off x="0" y="0"/>
+          <a:ext cx="0" cy="0"/>
+          <a:chOff x="0" y="0"/>
+          <a:chExt cx="0" cy="0"/>
+        </a:xfrm>
+      </p:grpSpPr>
+      <p:sp>
+        <p:nvSpPr>
+          <p:cNvPr id="1562649539" name="CasellaDiTesto 9"/>
+          <p:cNvSpPr txBox="1"/>
+          <p:nvPr/>
+        </p:nvSpPr>
+        <p:spPr bwMode="auto">
+          <a:xfrm>
+            <a:off x="8711951" y="4800696"/>
+            <a:ext cx="432405" cy="305159"/>
+          </a:xfrm>
+          <a:prstGeom prst="rect">
+            <a:avLst/>
+          </a:prstGeom>
+          <a:noFill/>
+        </p:spPr>
+        <p:txBody>
+          <a:bodyPr wrap="square" rtlCol="0">
+            <a:spAutoFit/>
+          </a:bodyPr>
+          <a:lstStyle/>
+          <a:p>
+            <a:pPr>
+              <a:defRPr/>
+            </a:pPr>
+            <a:r>
+              <a:rPr lang="it-IT" sz="1400">
+                <a:latin typeface="Calibri"/>
+                <a:cs typeface="Calibri"/>
+              </a:rPr>
+              <a:t>2</a:t>
+            </a:r>
+            <a:endParaRPr/>
+          </a:p>
+        </p:txBody>
+      </p:sp>
+      <p:cxnSp>
+        <p:nvCxnSpPr>
+          <p:cNvPr id="1226417988" name=""/>
+          <p:cNvCxnSpPr>
+            <a:cxnSpLocks/>
+          </p:cNvCxnSpPr>
+          <p:nvPr/>
+        </p:nvCxnSpPr>
+        <p:spPr bwMode="auto">
+          <a:xfrm flipH="0" flipV="1">
+            <a:off x="15643" y="1019472"/>
+            <a:ext cx="9190136" cy="0"/>
+          </a:xfrm>
+          <a:prstGeom prst="line">
+            <a:avLst/>
+          </a:prstGeom>
+          <a:ln w="38099" cap="flat" cmpd="sng" algn="ctr">
+            <a:solidFill>
+              <a:srgbClr val="FFC000"/>
+            </a:solidFill>
+            <a:prstDash val="solid"/>
+            <a:miter/>
+          </a:ln>
+        </p:spPr>
+        <p:style>
+          <a:lnRef idx="1">
+            <a:schemeClr val="accent1">
+              <a:shade val="50000"/>
+            </a:schemeClr>
+          </a:lnRef>
+          <a:fillRef idx="0">
+            <a:schemeClr val="accent1"/>
+          </a:fillRef>
+          <a:effectRef idx="0">
+            <a:schemeClr val="accent1"/>
+          </a:effectRef>
+          <a:fontRef idx="minor">
+            <a:schemeClr val="tx1"/>
+          </a:fontRef>
+        </p:style>
+      </p:cxnSp>
       <p:sp>
         <p:nvSpPr>
           <p:cNvPr id="1532416214" name=""/>
@@ -5661,8 +7814,8 @@
         </p:nvSpPr>
         <p:spPr bwMode="auto">
           <a:xfrm flipH="0" flipV="0">
-            <a:off x="238885" y="3705223"/>
-            <a:ext cx="8791328" cy="914760"/>
+            <a:off x="238884" y="3705222"/>
+            <a:ext cx="8791687" cy="914759"/>
           </a:xfrm>
           <a:prstGeom prst="rect">
             <a:avLst/>
@@ -5715,8 +7868,8 @@
         </p:nvSpPr>
         <p:spPr bwMode="auto">
           <a:xfrm>
-            <a:off x="347779" y="453153"/>
-            <a:ext cx="8485518" cy="457559"/>
+            <a:off x="347778" y="453152"/>
+            <a:ext cx="8485877" cy="457559"/>
           </a:xfrm>
           <a:prstGeom prst="rect">
             <a:avLst/>
@@ -5991,7 +8144,7 @@
 </p:sld>
 </file>
 
-<file path=ppt/slides/slide11.xml><?xml version="1.0" encoding="utf-8"?>
+<file path=ppt/slides/slide12.xml><?xml version="1.0" encoding="utf-8"?>
 <p:sld xmlns:a="http://schemas.openxmlformats.org/drawingml/2006/main" xmlns:r="http://schemas.openxmlformats.org/officeDocument/2006/relationships" xmlns:p="http://schemas.openxmlformats.org/presentationml/2006/main" xmlns:m="http://schemas.openxmlformats.org/officeDocument/2006/math" xmlns:w="http://schemas.openxmlformats.org/wordprocessingml/2006/main" showMasterPhAnim="0" show="1">
   <p:cSld name="">
     <p:bg>
@@ -6023,8 +8176,8 @@
         </p:nvSpPr>
         <p:spPr bwMode="auto">
           <a:xfrm>
-            <a:off x="8711951" y="4800696"/>
-            <a:ext cx="432045" cy="307775"/>
+            <a:off x="8711950" y="4800695"/>
+            <a:ext cx="432405" cy="305159"/>
           </a:xfrm>
           <a:prstGeom prst="rect">
             <a:avLst/>
@@ -6100,8 +8253,8 @@
         </p:nvSpPr>
         <p:spPr bwMode="auto">
           <a:xfrm flipH="0" flipV="0">
-            <a:off x="220806" y="3962696"/>
-            <a:ext cx="8868007" cy="914760"/>
+            <a:off x="220806" y="3962694"/>
+            <a:ext cx="8868366" cy="914759"/>
           </a:xfrm>
           <a:prstGeom prst="rect">
             <a:avLst/>
@@ -6132,8 +8285,8 @@
         </p:nvSpPr>
         <p:spPr bwMode="auto">
           <a:xfrm>
-            <a:off x="347778" y="453152"/>
-            <a:ext cx="8487677" cy="457559"/>
+            <a:off x="347778" y="453151"/>
+            <a:ext cx="8488036" cy="457559"/>
           </a:xfrm>
           <a:prstGeom prst="rect">
             <a:avLst/>
@@ -6331,7 +8484,7 @@
 </p:sld>
 </file>
 
-<file path=ppt/slides/slide12.xml><?xml version="1.0" encoding="utf-8"?>
+<file path=ppt/slides/slide13.xml><?xml version="1.0" encoding="utf-8"?>
 <p:sld xmlns:a="http://schemas.openxmlformats.org/drawingml/2006/main" xmlns:r="http://schemas.openxmlformats.org/officeDocument/2006/relationships" xmlns:p="http://schemas.openxmlformats.org/presentationml/2006/main" xmlns:m="http://schemas.openxmlformats.org/officeDocument/2006/math" xmlns:w="http://schemas.openxmlformats.org/wordprocessingml/2006/main" showMasterPhAnim="0" show="1">
   <p:cSld name="">
     <p:bg>
@@ -6363,8 +8516,8 @@
         </p:nvSpPr>
         <p:spPr bwMode="auto">
           <a:xfrm>
-            <a:off x="8711951" y="4800696"/>
-            <a:ext cx="432045" cy="307775"/>
+            <a:off x="8711950" y="4800695"/>
+            <a:ext cx="432405" cy="305159"/>
           </a:xfrm>
           <a:prstGeom prst="rect">
             <a:avLst/>
@@ -6440,8 +8593,8 @@
         </p:nvSpPr>
         <p:spPr bwMode="auto">
           <a:xfrm>
-            <a:off x="347778" y="453152"/>
-            <a:ext cx="8495237" cy="457559"/>
+            <a:off x="347778" y="453151"/>
+            <a:ext cx="8495596" cy="457559"/>
           </a:xfrm>
           <a:prstGeom prst="rect">
             <a:avLst/>
@@ -7067,7 +9220,7 @@
 </p:sld>
 </file>
 
-<file path=ppt/slides/slide13.xml><?xml version="1.0" encoding="utf-8"?>
+<file path=ppt/slides/slide14.xml><?xml version="1.0" encoding="utf-8"?>
 <p:sld xmlns:a="http://schemas.openxmlformats.org/drawingml/2006/main" xmlns:r="http://schemas.openxmlformats.org/officeDocument/2006/relationships" xmlns:p="http://schemas.openxmlformats.org/presentationml/2006/main" xmlns:m="http://schemas.openxmlformats.org/officeDocument/2006/math" xmlns:w="http://schemas.openxmlformats.org/wordprocessingml/2006/main" showMasterPhAnim="0" show="1">
   <p:cSld name="">
     <p:bg>
@@ -7803,8 +9956,8 @@
         </p:nvSpPr>
         <p:spPr bwMode="auto">
           <a:xfrm>
-            <a:off x="8711953" y="4800698"/>
-            <a:ext cx="432047" cy="307777"/>
+            <a:off x="8711952" y="4800697"/>
+            <a:ext cx="432406" cy="305159"/>
           </a:xfrm>
           <a:prstGeom prst="rect">
             <a:avLst/>
@@ -8028,14 +10181,554 @@
       </p:grpSpPr>
       <p:sp>
         <p:nvSpPr>
+          <p:cNvPr id="1772707568" name="CasellaDiTesto 2"/>
+          <p:cNvSpPr txBox="1"/>
+          <p:nvPr/>
+        </p:nvSpPr>
+        <p:spPr bwMode="auto">
+          <a:xfrm>
+            <a:off x="347778" y="453151"/>
+            <a:ext cx="8458517" cy="457559"/>
+          </a:xfrm>
+          <a:prstGeom prst="rect">
+            <a:avLst/>
+          </a:prstGeom>
+          <a:noFill/>
+        </p:spPr>
+        <p:txBody>
+          <a:bodyPr wrap="square" rtlCol="0">
+            <a:spAutoFit/>
+          </a:bodyPr>
+          <a:lstStyle/>
+          <a:p>
+            <a:pPr>
+              <a:spcAft>
+                <a:spcPts val="599"/>
+              </a:spcAft>
+              <a:defRPr/>
+            </a:pPr>
+            <a:r>
+              <a:rPr lang="it-IT" sz="2400" b="1">
+                <a:solidFill>
+                  <a:schemeClr val="tx1"/>
+                </a:solidFill>
+                <a:latin typeface="Calibri"/>
+                <a:cs typeface="Calibri"/>
+              </a:rPr>
+              <a:t>Table of Content</a:t>
+            </a:r>
+            <a:endParaRPr>
+              <a:solidFill>
+                <a:schemeClr val="tx1"/>
+              </a:solidFill>
+            </a:endParaRPr>
+          </a:p>
+        </p:txBody>
+      </p:sp>
+      <p:sp>
+        <p:nvSpPr>
+          <p:cNvPr id="720548485" name="CasellaDiTesto 9"/>
+          <p:cNvSpPr txBox="1"/>
+          <p:nvPr/>
+        </p:nvSpPr>
+        <p:spPr bwMode="auto">
+          <a:xfrm>
+            <a:off x="8711951" y="4800696"/>
+            <a:ext cx="435285" cy="305159"/>
+          </a:xfrm>
+          <a:prstGeom prst="rect">
+            <a:avLst/>
+          </a:prstGeom>
+          <a:noFill/>
+        </p:spPr>
+        <p:txBody>
+          <a:bodyPr wrap="square" rtlCol="0">
+            <a:spAutoFit/>
+          </a:bodyPr>
+          <a:lstStyle/>
+          <a:p>
+            <a:pPr>
+              <a:defRPr/>
+            </a:pPr>
+            <a:r>
+              <a:rPr lang="it-IT" sz="1400">
+                <a:solidFill>
+                  <a:schemeClr val="tx1"/>
+                </a:solidFill>
+                <a:highlight>
+                  <a:srgbClr val="FFFFFF"/>
+                </a:highlight>
+                <a:latin typeface="Calibri"/>
+                <a:cs typeface="Calibri"/>
+              </a:rPr>
+              <a:t>2</a:t>
+            </a:r>
+            <a:endParaRPr>
+              <a:solidFill>
+                <a:schemeClr val="tx1"/>
+              </a:solidFill>
+              <a:highlight>
+                <a:srgbClr val="FFFFFF"/>
+              </a:highlight>
+            </a:endParaRPr>
+          </a:p>
+        </p:txBody>
+      </p:sp>
+      <p:cxnSp>
+        <p:nvCxnSpPr>
+          <p:cNvPr id="1682515477" name=""/>
+          <p:cNvCxnSpPr>
+            <a:cxnSpLocks/>
+          </p:cNvCxnSpPr>
+          <p:nvPr/>
+        </p:nvCxnSpPr>
+        <p:spPr bwMode="auto">
+          <a:xfrm flipH="0" flipV="1">
+            <a:off x="15642" y="1019471"/>
+            <a:ext cx="9190135" cy="0"/>
+          </a:xfrm>
+          <a:prstGeom prst="line">
+            <a:avLst/>
+          </a:prstGeom>
+          <a:ln w="38099" cap="flat" cmpd="sng" algn="ctr">
+            <a:solidFill>
+              <a:schemeClr val="tx1"/>
+            </a:solidFill>
+            <a:prstDash val="solid"/>
+            <a:miter/>
+          </a:ln>
+        </p:spPr>
+        <p:style>
+          <a:lnRef idx="1">
+            <a:schemeClr val="accent1">
+              <a:shade val="50000"/>
+            </a:schemeClr>
+          </a:lnRef>
+          <a:fillRef idx="0">
+            <a:schemeClr val="accent1"/>
+          </a:fillRef>
+          <a:effectRef idx="0">
+            <a:schemeClr val="accent1"/>
+          </a:effectRef>
+          <a:fontRef idx="minor">
+            <a:schemeClr val="tx1"/>
+          </a:fontRef>
+        </p:style>
+      </p:cxnSp>
+      <p:sp>
+        <p:nvSpPr>
+          <p:cNvPr id="1019221618" name=""/>
+          <p:cNvSpPr txBox="1"/>
+          <p:nvPr/>
+        </p:nvSpPr>
+        <p:spPr bwMode="auto">
+          <a:xfrm flipH="0" flipV="0">
+            <a:off x="4561704" y="1600455"/>
+            <a:ext cx="3766941" cy="3109319"/>
+          </a:xfrm>
+          <a:prstGeom prst="rect">
+            <a:avLst/>
+          </a:prstGeom>
+          <a:noFill/>
+        </p:spPr>
+        <p:txBody>
+          <a:bodyPr vertOverflow="overflow" horzOverflow="overflow" vert="horz" wrap="square" lIns="91440" tIns="45720" rIns="91440" bIns="45720" numCol="1" spcCol="0" rtlCol="0" fromWordArt="0" anchor="t" anchorCtr="0" forceAA="0" upright="0" compatLnSpc="0">
+            <a:spAutoFit/>
+          </a:bodyPr>
+          <a:p>
+            <a:pPr marL="283879" indent="-283879">
+              <a:buFont typeface="Arial"/>
+              <a:buChar char="•"/>
+              <a:defRPr/>
+            </a:pPr>
+            <a:r>
+              <a:rPr>
+                <a:solidFill>
+                  <a:schemeClr val="tx1"/>
+                </a:solidFill>
+              </a:rPr>
+              <a:t>Model Inference</a:t>
+            </a:r>
+            <a:endParaRPr>
+              <a:solidFill>
+                <a:schemeClr val="tx1"/>
+              </a:solidFill>
+            </a:endParaRPr>
+          </a:p>
+          <a:p>
+            <a:pPr marL="283879" indent="-283879">
+              <a:buFont typeface="Arial"/>
+              <a:buChar char="•"/>
+              <a:defRPr/>
+            </a:pPr>
+            <a:endParaRPr>
+              <a:solidFill>
+                <a:schemeClr val="tx1"/>
+              </a:solidFill>
+            </a:endParaRPr>
+          </a:p>
+          <a:p>
+            <a:pPr marL="283879" indent="-283879">
+              <a:buFont typeface="Arial"/>
+              <a:buChar char="•"/>
+              <a:defRPr/>
+            </a:pPr>
+            <a:endParaRPr>
+              <a:solidFill>
+                <a:schemeClr val="tx1"/>
+              </a:solidFill>
+            </a:endParaRPr>
+          </a:p>
+          <a:p>
+            <a:pPr marL="283879" indent="-283879">
+              <a:buFont typeface="Arial"/>
+              <a:buChar char="•"/>
+              <a:defRPr/>
+            </a:pPr>
+            <a:r>
+              <a:rPr>
+                <a:solidFill>
+                  <a:schemeClr val="tx1"/>
+                </a:solidFill>
+              </a:rPr>
+              <a:t>MQTT and Redis Protocol</a:t>
+            </a:r>
+            <a:endParaRPr>
+              <a:solidFill>
+                <a:schemeClr val="tx1"/>
+              </a:solidFill>
+            </a:endParaRPr>
+          </a:p>
+          <a:p>
+            <a:pPr marL="283879" indent="-283879">
+              <a:buFont typeface="Arial"/>
+              <a:buChar char="•"/>
+              <a:defRPr/>
+            </a:pPr>
+            <a:endParaRPr>
+              <a:solidFill>
+                <a:schemeClr val="tx1"/>
+              </a:solidFill>
+            </a:endParaRPr>
+          </a:p>
+          <a:p>
+            <a:pPr marL="283879" indent="-283879">
+              <a:buFont typeface="Arial"/>
+              <a:buChar char="•"/>
+              <a:defRPr/>
+            </a:pPr>
+            <a:endParaRPr>
+              <a:solidFill>
+                <a:schemeClr val="tx1"/>
+              </a:solidFill>
+            </a:endParaRPr>
+          </a:p>
+          <a:p>
+            <a:pPr marL="283879" indent="-283879">
+              <a:buFont typeface="Arial"/>
+              <a:buChar char="•"/>
+              <a:defRPr/>
+            </a:pPr>
+            <a:r>
+              <a:rPr>
+                <a:solidFill>
+                  <a:schemeClr val="tx1"/>
+                </a:solidFill>
+              </a:rPr>
+              <a:t>Description of REST Architecture</a:t>
+            </a:r>
+            <a:br>
+              <a:rPr>
+                <a:solidFill>
+                  <a:schemeClr val="tx1"/>
+                </a:solidFill>
+              </a:rPr>
+            </a:br>
+            <a:endParaRPr>
+              <a:solidFill>
+                <a:schemeClr val="tx1"/>
+              </a:solidFill>
+            </a:endParaRPr>
+          </a:p>
+          <a:p>
+            <a:pPr marL="283879" indent="-283879">
+              <a:buFont typeface="Arial"/>
+              <a:buChar char="•"/>
+              <a:defRPr/>
+            </a:pPr>
+            <a:endParaRPr>
+              <a:solidFill>
+                <a:schemeClr val="tx1"/>
+              </a:solidFill>
+            </a:endParaRPr>
+          </a:p>
+          <a:p>
+            <a:pPr marL="283879" indent="-283879">
+              <a:buFont typeface="Arial"/>
+              <a:buChar char="•"/>
+              <a:defRPr/>
+            </a:pPr>
+            <a:r>
+              <a:rPr>
+                <a:solidFill>
+                  <a:schemeClr val="tx1"/>
+                </a:solidFill>
+              </a:rPr>
+              <a:t>Conclusion</a:t>
+            </a:r>
+            <a:endParaRPr>
+              <a:solidFill>
+                <a:schemeClr val="tx1"/>
+              </a:solidFill>
+            </a:endParaRPr>
+          </a:p>
+          <a:p>
+            <a:pPr marL="283879" indent="-283879">
+              <a:buFont typeface="Arial"/>
+              <a:buChar char="•"/>
+              <a:defRPr/>
+            </a:pPr>
+            <a:endParaRPr>
+              <a:solidFill>
+                <a:schemeClr val="tx1"/>
+              </a:solidFill>
+            </a:endParaRPr>
+          </a:p>
+        </p:txBody>
+      </p:sp>
+      <p:sp>
+        <p:nvSpPr>
+          <p:cNvPr id="1475936022" name=""/>
+          <p:cNvSpPr txBox="1"/>
+          <p:nvPr/>
+        </p:nvSpPr>
+        <p:spPr bwMode="auto">
+          <a:xfrm flipH="0" flipV="0">
+            <a:off x="347778" y="1600455"/>
+            <a:ext cx="3746781" cy="3109319"/>
+          </a:xfrm>
+          <a:prstGeom prst="rect">
+            <a:avLst/>
+          </a:prstGeom>
+          <a:noFill/>
+        </p:spPr>
+        <p:txBody>
+          <a:bodyPr vertOverflow="overflow" horzOverflow="overflow" vert="horz" wrap="square" lIns="91440" tIns="45720" rIns="91440" bIns="45720" numCol="1" spcCol="0" rtlCol="0" fromWordArt="0" anchor="t" anchorCtr="0" forceAA="0" upright="0" compatLnSpc="0">
+            <a:spAutoFit/>
+          </a:bodyPr>
+          <a:p>
+            <a:pPr marL="283878" indent="-283878">
+              <a:buFont typeface="Arial"/>
+              <a:buChar char="•"/>
+              <a:defRPr/>
+            </a:pPr>
+            <a:r>
+              <a:rPr>
+                <a:solidFill>
+                  <a:schemeClr val="tx1"/>
+                </a:solidFill>
+              </a:rPr>
+              <a:t>Architecture Description</a:t>
+            </a:r>
+            <a:endParaRPr>
+              <a:solidFill>
+                <a:schemeClr val="tx1"/>
+              </a:solidFill>
+            </a:endParaRPr>
+          </a:p>
+          <a:p>
+            <a:pPr marL="283878" indent="-283878">
+              <a:buFont typeface="Arial"/>
+              <a:buChar char="•"/>
+              <a:defRPr/>
+            </a:pPr>
+            <a:endParaRPr>
+              <a:solidFill>
+                <a:schemeClr val="tx1"/>
+              </a:solidFill>
+            </a:endParaRPr>
+          </a:p>
+          <a:p>
+            <a:pPr marL="283878" indent="-283878">
+              <a:buFont typeface="Arial"/>
+              <a:buChar char="•"/>
+              <a:defRPr/>
+            </a:pPr>
+            <a:endParaRPr>
+              <a:solidFill>
+                <a:schemeClr val="tx1"/>
+              </a:solidFill>
+            </a:endParaRPr>
+          </a:p>
+          <a:p>
+            <a:pPr marL="283878" indent="-283878">
+              <a:buFont typeface="Arial"/>
+              <a:buChar char="•"/>
+              <a:defRPr/>
+            </a:pPr>
+            <a:r>
+              <a:rPr>
+                <a:solidFill>
+                  <a:schemeClr val="tx1"/>
+                </a:solidFill>
+              </a:rPr>
+              <a:t>Dataset Description</a:t>
+            </a:r>
+            <a:endParaRPr>
+              <a:solidFill>
+                <a:schemeClr val="tx1"/>
+              </a:solidFill>
+            </a:endParaRPr>
+          </a:p>
+          <a:p>
+            <a:pPr>
+              <a:defRPr/>
+            </a:pPr>
+            <a:endParaRPr>
+              <a:solidFill>
+                <a:schemeClr val="tx1"/>
+              </a:solidFill>
+            </a:endParaRPr>
+          </a:p>
+          <a:p>
+            <a:pPr>
+              <a:defRPr/>
+            </a:pPr>
+            <a:endParaRPr>
+              <a:solidFill>
+                <a:schemeClr val="tx1"/>
+              </a:solidFill>
+            </a:endParaRPr>
+          </a:p>
+          <a:p>
+            <a:pPr marL="283878" indent="-283878">
+              <a:buFont typeface="Arial"/>
+              <a:buChar char="•"/>
+              <a:defRPr/>
+            </a:pPr>
+            <a:r>
+              <a:rPr>
+                <a:solidFill>
+                  <a:schemeClr val="tx1"/>
+                </a:solidFill>
+              </a:rPr>
+              <a:t>Model Training</a:t>
+            </a:r>
+            <a:endParaRPr>
+              <a:solidFill>
+                <a:schemeClr val="tx1"/>
+              </a:solidFill>
+            </a:endParaRPr>
+          </a:p>
+          <a:p>
+            <a:pPr marL="283878" indent="-283878">
+              <a:buFont typeface="Arial"/>
+              <a:buChar char="•"/>
+              <a:defRPr/>
+            </a:pPr>
+            <a:endParaRPr>
+              <a:solidFill>
+                <a:schemeClr val="tx1"/>
+              </a:solidFill>
+            </a:endParaRPr>
+          </a:p>
+          <a:p>
+            <a:pPr marL="283878" indent="-283878">
+              <a:buFont typeface="Arial"/>
+              <a:buChar char="•"/>
+              <a:defRPr/>
+            </a:pPr>
+            <a:endParaRPr>
+              <a:solidFill>
+                <a:schemeClr val="tx1"/>
+              </a:solidFill>
+            </a:endParaRPr>
+          </a:p>
+          <a:p>
+            <a:pPr marL="283878" indent="-283878">
+              <a:buFont typeface="Arial"/>
+              <a:buChar char="•"/>
+              <a:defRPr/>
+            </a:pPr>
+            <a:r>
+              <a:rPr>
+                <a:solidFill>
+                  <a:schemeClr val="tx1"/>
+                </a:solidFill>
+              </a:rPr>
+              <a:t>Model Optimization</a:t>
+            </a:r>
+            <a:endParaRPr>
+              <a:solidFill>
+                <a:schemeClr val="tx1"/>
+              </a:solidFill>
+            </a:endParaRPr>
+          </a:p>
+          <a:p>
+            <a:pPr marL="283878" indent="-283878">
+              <a:buFont typeface="Arial"/>
+              <a:buChar char="•"/>
+              <a:defRPr/>
+            </a:pPr>
+            <a:endParaRPr>
+              <a:solidFill>
+                <a:schemeClr val="tx1"/>
+              </a:solidFill>
+            </a:endParaRPr>
+          </a:p>
+        </p:txBody>
+      </p:sp>
+    </p:spTree>
+  </p:cSld>
+  <p:clrMapOvr>
+    <a:masterClrMapping/>
+  </p:clrMapOvr>
+  <mc:AlternateContent xmlns:mc="http://schemas.openxmlformats.org/markup-compatibility/2006">
+    <mc:Choice xmlns:p14="http://schemas.microsoft.com/office/powerpoint/2010/main" Requires="p14">
+      <p:transition p14:dur="2000" advClick="1"/>
+    </mc:Choice>
+    <mc:Fallback>
+      <p:transition advClick="1"/>
+    </mc:Fallback>
+  </mc:AlternateContent>
+  <p:timing/>
+</p:sld>
+</file>
+
+<file path=ppt/slides/slide3.xml><?xml version="1.0" encoding="utf-8"?>
+<p:sld xmlns:a="http://schemas.openxmlformats.org/drawingml/2006/main" xmlns:r="http://schemas.openxmlformats.org/officeDocument/2006/relationships" xmlns:p="http://schemas.openxmlformats.org/presentationml/2006/main" xmlns:m="http://schemas.openxmlformats.org/officeDocument/2006/math" xmlns:w="http://schemas.openxmlformats.org/wordprocessingml/2006/main" showMasterPhAnim="0" show="1">
+  <p:cSld name="">
+    <p:bg>
+      <p:bgPr shadeToTitle="0">
+        <a:solidFill>
+          <a:schemeClr val="bg1"/>
+        </a:solidFill>
+      </p:bgPr>
+    </p:bg>
+    <p:spTree>
+      <p:nvGrpSpPr>
+        <p:cNvPr id="1" name=""/>
+        <p:cNvGrpSpPr/>
+        <p:nvPr/>
+      </p:nvGrpSpPr>
+      <p:grpSpPr bwMode="auto">
+        <a:xfrm>
+          <a:off x="0" y="0"/>
+          <a:ext cx="0" cy="0"/>
+          <a:chOff x="0" y="0"/>
+          <a:chExt cx="0" cy="0"/>
+        </a:xfrm>
+      </p:grpSpPr>
+      <p:sp>
+        <p:nvSpPr>
           <p:cNvPr id="3" name="CasellaDiTesto 2"/>
           <p:cNvSpPr txBox="1"/>
           <p:nvPr/>
         </p:nvSpPr>
         <p:spPr bwMode="auto">
           <a:xfrm>
-            <a:off x="347779" y="453153"/>
-            <a:ext cx="8448439" cy="457559"/>
+            <a:off x="347778" y="453152"/>
+            <a:ext cx="8448798" cy="457559"/>
           </a:xfrm>
           <a:prstGeom prst="rect">
             <a:avLst/>
@@ -8073,8 +10766,8 @@
         </p:nvSpPr>
         <p:spPr bwMode="auto">
           <a:xfrm>
-            <a:off x="8711953" y="4800698"/>
-            <a:ext cx="432047" cy="307777"/>
+            <a:off x="8711952" y="4800697"/>
+            <a:ext cx="432406" cy="305159"/>
           </a:xfrm>
           <a:prstGeom prst="rect">
             <a:avLst/>
@@ -8115,7 +10808,7 @@
         </p:blipFill>
         <p:spPr bwMode="auto">
           <a:xfrm>
-            <a:off x="0" y="1347787"/>
+            <a:off x="15642" y="1090354"/>
             <a:ext cx="9143999" cy="2507456"/>
           </a:xfrm>
           <a:prstGeom prst="rect">
@@ -8141,7 +10834,7 @@
           </a:prstGeom>
           <a:ln w="38099" cap="flat" cmpd="sng" algn="ctr">
             <a:solidFill>
-              <a:srgbClr val="FFC000"/>
+              <a:schemeClr val="tx1"/>
             </a:solidFill>
             <a:prstDash val="solid"/>
             <a:miter/>
@@ -8305,7 +10998,7 @@
 </p:sld>
 </file>
 
-<file path=ppt/slides/slide3.xml><?xml version="1.0" encoding="utf-8"?>
+<file path=ppt/slides/slide4.xml><?xml version="1.0" encoding="utf-8"?>
 <p:sld xmlns:a="http://schemas.openxmlformats.org/drawingml/2006/main" xmlns:r="http://schemas.openxmlformats.org/officeDocument/2006/relationships" xmlns:p="http://schemas.openxmlformats.org/presentationml/2006/main" xmlns:m="http://schemas.openxmlformats.org/officeDocument/2006/math" xmlns:w="http://schemas.openxmlformats.org/wordprocessingml/2006/main" showMasterPhAnim="0" show="1">
   <p:cSld name="">
     <p:bg>
@@ -8337,8 +11030,8 @@
         </p:nvSpPr>
         <p:spPr bwMode="auto">
           <a:xfrm>
-            <a:off x="347779" y="453153"/>
-            <a:ext cx="8456359" cy="457559"/>
+            <a:off x="347778" y="453152"/>
+            <a:ext cx="8456718" cy="457559"/>
           </a:xfrm>
           <a:prstGeom prst="rect">
             <a:avLst/>
@@ -8379,8 +11072,8 @@
         </p:nvSpPr>
         <p:spPr bwMode="auto">
           <a:xfrm>
-            <a:off x="8711952" y="4800697"/>
-            <a:ext cx="432046" cy="307776"/>
+            <a:off x="8711951" y="4800696"/>
+            <a:ext cx="432405" cy="305159"/>
           </a:xfrm>
           <a:prstGeom prst="rect">
             <a:avLst/>
@@ -8500,8 +11193,8 @@
         </p:nvSpPr>
         <p:spPr bwMode="auto">
           <a:xfrm flipH="0" flipV="0">
-            <a:off x="543984" y="1469495"/>
-            <a:ext cx="1973052" cy="366120"/>
+            <a:off x="543983" y="1469494"/>
+            <a:ext cx="1973412" cy="366119"/>
           </a:xfrm>
           <a:prstGeom prst="rect">
             <a:avLst/>
@@ -8544,8 +11237,8 @@
         </p:nvSpPr>
         <p:spPr bwMode="auto">
           <a:xfrm flipH="0" flipV="0">
-            <a:off x="1384863" y="3467194"/>
-            <a:ext cx="3063416" cy="366119"/>
+            <a:off x="1384862" y="3467193"/>
+            <a:ext cx="3063775" cy="366119"/>
           </a:xfrm>
           <a:prstGeom prst="rect">
             <a:avLst/>
@@ -8590,8 +11283,8 @@
         </p:nvSpPr>
         <p:spPr bwMode="auto">
           <a:xfrm flipH="0" flipV="0">
-            <a:off x="5640660" y="3444870"/>
-            <a:ext cx="1792417" cy="366120"/>
+            <a:off x="5640660" y="3444869"/>
+            <a:ext cx="1792776" cy="366119"/>
           </a:xfrm>
           <a:prstGeom prst="rect">
             <a:avLst/>
@@ -9066,7 +11759,7 @@
 </p:sld>
 </file>
 
-<file path=ppt/slides/slide4.xml><?xml version="1.0" encoding="utf-8"?>
+<file path=ppt/slides/slide5.xml><?xml version="1.0" encoding="utf-8"?>
 <p:sld xmlns:a="http://schemas.openxmlformats.org/drawingml/2006/main" xmlns:r="http://schemas.openxmlformats.org/officeDocument/2006/relationships" xmlns:p="http://schemas.openxmlformats.org/presentationml/2006/main" xmlns:m="http://schemas.openxmlformats.org/officeDocument/2006/math" xmlns:w="http://schemas.openxmlformats.org/wordprocessingml/2006/main" showMasterPhAnim="0" show="1">
   <p:cSld name="">
     <p:bg>
@@ -9098,8 +11791,8 @@
         </p:nvSpPr>
         <p:spPr bwMode="auto">
           <a:xfrm>
-            <a:off x="347779" y="453153"/>
-            <a:ext cx="8472559" cy="457559"/>
+            <a:off x="347778" y="453152"/>
+            <a:ext cx="8472918" cy="457559"/>
           </a:xfrm>
           <a:prstGeom prst="rect">
             <a:avLst/>
@@ -9158,8 +11851,8 @@
         </p:nvSpPr>
         <p:spPr bwMode="auto">
           <a:xfrm>
-            <a:off x="8711952" y="4800697"/>
-            <a:ext cx="432046" cy="307776"/>
+            <a:off x="8711951" y="4800696"/>
+            <a:ext cx="432405" cy="305159"/>
           </a:xfrm>
           <a:prstGeom prst="rect">
             <a:avLst/>
@@ -9257,8 +11950,8 @@
         </p:nvSpPr>
         <p:spPr bwMode="auto">
           <a:xfrm flipH="0" flipV="0">
-            <a:off x="290976" y="1218748"/>
-            <a:ext cx="8422056" cy="579479"/>
+            <a:off x="290975" y="1218747"/>
+            <a:ext cx="8422416" cy="579479"/>
           </a:xfrm>
           <a:prstGeom prst="rect">
             <a:avLst/>
@@ -9586,7 +12279,7 @@
 </p:sld>
 </file>
 
-<file path=ppt/slides/slide5.xml><?xml version="1.0" encoding="utf-8"?>
+<file path=ppt/slides/slide6.xml><?xml version="1.0" encoding="utf-8"?>
 <p:sld xmlns:a="http://schemas.openxmlformats.org/drawingml/2006/main" xmlns:r="http://schemas.openxmlformats.org/officeDocument/2006/relationships" xmlns:p="http://schemas.openxmlformats.org/presentationml/2006/main" xmlns:m="http://schemas.openxmlformats.org/officeDocument/2006/math" xmlns:w="http://schemas.openxmlformats.org/wordprocessingml/2006/main" showMasterPhAnim="0" show="1">
   <p:cSld name="">
     <p:bg>
@@ -9618,8 +12311,8 @@
         </p:nvSpPr>
         <p:spPr bwMode="auto">
           <a:xfrm>
-            <a:off x="347779" y="453153"/>
-            <a:ext cx="8466079" cy="457559"/>
+            <a:off x="347778" y="453152"/>
+            <a:ext cx="8466438" cy="457559"/>
           </a:xfrm>
           <a:prstGeom prst="rect">
             <a:avLst/>
@@ -9669,8 +12362,8 @@
         </p:nvSpPr>
         <p:spPr bwMode="auto">
           <a:xfrm>
-            <a:off x="8711952" y="4800697"/>
-            <a:ext cx="432046" cy="307776"/>
+            <a:off x="8711951" y="4800696"/>
+            <a:ext cx="432405" cy="305159"/>
           </a:xfrm>
           <a:prstGeom prst="rect">
             <a:avLst/>
@@ -9934,7 +12627,7 @@
 </p:sld>
 </file>
 
-<file path=ppt/slides/slide6.xml><?xml version="1.0" encoding="utf-8"?>
+<file path=ppt/slides/slide7.xml><?xml version="1.0" encoding="utf-8"?>
 <p:sld xmlns:a="http://schemas.openxmlformats.org/drawingml/2006/main" xmlns:r="http://schemas.openxmlformats.org/officeDocument/2006/relationships" xmlns:p="http://schemas.openxmlformats.org/presentationml/2006/main" xmlns:m="http://schemas.openxmlformats.org/officeDocument/2006/math" xmlns:w="http://schemas.openxmlformats.org/wordprocessingml/2006/main" showMasterPhAnim="0" show="1">
   <p:cSld name="">
     <p:bg>
@@ -9966,8 +12659,8 @@
         </p:nvSpPr>
         <p:spPr bwMode="auto">
           <a:xfrm>
-            <a:off x="347779" y="453153"/>
-            <a:ext cx="8481919" cy="457559"/>
+            <a:off x="347778" y="453152"/>
+            <a:ext cx="8482278" cy="457559"/>
           </a:xfrm>
           <a:prstGeom prst="rect">
             <a:avLst/>
@@ -10006,8 +12699,8 @@
         </p:nvSpPr>
         <p:spPr bwMode="auto">
           <a:xfrm>
-            <a:off x="8711952" y="4800697"/>
-            <a:ext cx="432046" cy="307776"/>
+            <a:off x="8711951" y="4800696"/>
+            <a:ext cx="432405" cy="305159"/>
           </a:xfrm>
           <a:prstGeom prst="rect">
             <a:avLst/>
@@ -10105,8 +12798,8 @@
         </p:nvSpPr>
         <p:spPr bwMode="auto">
           <a:xfrm flipH="0" flipV="0">
-            <a:off x="2687108" y="1451073"/>
-            <a:ext cx="3021930" cy="366119"/>
+            <a:off x="2687107" y="1451072"/>
+            <a:ext cx="3022290" cy="366119"/>
           </a:xfrm>
           <a:prstGeom prst="rect">
             <a:avLst/>
@@ -10137,8 +12830,8 @@
         </p:nvSpPr>
         <p:spPr bwMode="auto">
           <a:xfrm flipH="0" flipV="0">
-            <a:off x="2687108" y="2072282"/>
-            <a:ext cx="3034890" cy="366119"/>
+            <a:off x="2687107" y="2072281"/>
+            <a:ext cx="3035250" cy="366119"/>
           </a:xfrm>
           <a:prstGeom prst="rect">
             <a:avLst/>
@@ -10169,8 +12862,8 @@
         </p:nvSpPr>
         <p:spPr bwMode="auto">
           <a:xfrm flipH="0" flipV="0">
-            <a:off x="2687108" y="2730697"/>
-            <a:ext cx="5767809" cy="366119"/>
+            <a:off x="2687107" y="2730696"/>
+            <a:ext cx="5768168" cy="366119"/>
           </a:xfrm>
           <a:prstGeom prst="rect">
             <a:avLst/>
@@ -10201,8 +12894,8 @@
         </p:nvSpPr>
         <p:spPr bwMode="auto">
           <a:xfrm flipH="0" flipV="0">
-            <a:off x="2687108" y="3339104"/>
-            <a:ext cx="5551047" cy="366119"/>
+            <a:off x="2687107" y="3339103"/>
+            <a:ext cx="5551407" cy="366119"/>
           </a:xfrm>
           <a:prstGeom prst="rect">
             <a:avLst/>
@@ -10233,8 +12926,8 @@
         </p:nvSpPr>
         <p:spPr bwMode="auto">
           <a:xfrm flipH="0" flipV="0">
-            <a:off x="2687108" y="3988295"/>
-            <a:ext cx="3038490" cy="366119"/>
+            <a:off x="2687107" y="3988294"/>
+            <a:ext cx="3038850" cy="366119"/>
           </a:xfrm>
           <a:prstGeom prst="rect">
             <a:avLst/>
@@ -10659,7 +13352,7 @@
 </p:sld>
 </file>
 
-<file path=ppt/slides/slide7.xml><?xml version="1.0" encoding="utf-8"?>
+<file path=ppt/slides/slide8.xml><?xml version="1.0" encoding="utf-8"?>
 <p:sld xmlns:a="http://schemas.openxmlformats.org/drawingml/2006/main" xmlns:r="http://schemas.openxmlformats.org/officeDocument/2006/relationships" xmlns:p="http://schemas.openxmlformats.org/presentationml/2006/main" xmlns:m="http://schemas.openxmlformats.org/officeDocument/2006/math" xmlns:w="http://schemas.openxmlformats.org/wordprocessingml/2006/main" showMasterPhAnim="0" show="1">
   <p:cSld name="">
     <p:bg>
@@ -10691,8 +13384,8 @@
         </p:nvSpPr>
         <p:spPr bwMode="auto">
           <a:xfrm>
-            <a:off x="347779" y="453153"/>
-            <a:ext cx="8481919" cy="457559"/>
+            <a:off x="347778" y="453152"/>
+            <a:ext cx="8482278" cy="457559"/>
           </a:xfrm>
           <a:prstGeom prst="rect">
             <a:avLst/>
@@ -10731,8 +13424,8 @@
         </p:nvSpPr>
         <p:spPr bwMode="auto">
           <a:xfrm>
-            <a:off x="8711952" y="4800697"/>
-            <a:ext cx="432046" cy="307776"/>
+            <a:off x="8711951" y="4800696"/>
+            <a:ext cx="432405" cy="305159"/>
           </a:xfrm>
           <a:prstGeom prst="rect">
             <a:avLst/>
@@ -10830,8 +13523,8 @@
         </p:nvSpPr>
         <p:spPr bwMode="auto">
           <a:xfrm flipH="0" flipV="0">
-            <a:off x="3818201" y="1480837"/>
-            <a:ext cx="4451391" cy="1189079"/>
+            <a:off x="3818200" y="1480836"/>
+            <a:ext cx="4451751" cy="1191176"/>
           </a:xfrm>
           <a:prstGeom prst="rect">
             <a:avLst/>
@@ -10948,8 +13641,8 @@
         </p:nvSpPr>
         <p:spPr bwMode="auto">
           <a:xfrm flipH="0" flipV="0">
-            <a:off x="3437749" y="4541436"/>
-            <a:ext cx="5490225" cy="518519"/>
+            <a:off x="3437748" y="4541436"/>
+            <a:ext cx="5490584" cy="518519"/>
           </a:xfrm>
           <a:prstGeom prst="rect">
             <a:avLst/>
@@ -11331,7 +14024,7 @@
 </p:sld>
 </file>
 
-<file path=ppt/slides/slide8.xml><?xml version="1.0" encoding="utf-8"?>
+<file path=ppt/slides/slide9.xml><?xml version="1.0" encoding="utf-8"?>
 <p:sld xmlns:a="http://schemas.openxmlformats.org/drawingml/2006/main" xmlns:r="http://schemas.openxmlformats.org/officeDocument/2006/relationships" xmlns:p="http://schemas.openxmlformats.org/presentationml/2006/main" xmlns:m="http://schemas.openxmlformats.org/officeDocument/2006/math" xmlns:w="http://schemas.openxmlformats.org/wordprocessingml/2006/main" showMasterPhAnim="0" show="1">
   <p:cSld name="">
     <p:bg>
@@ -11363,8 +14056,8 @@
         </p:nvSpPr>
         <p:spPr bwMode="auto">
           <a:xfrm>
-            <a:off x="347779" y="453153"/>
-            <a:ext cx="8479399" cy="457559"/>
+            <a:off x="347778" y="453152"/>
+            <a:ext cx="8479758" cy="457559"/>
           </a:xfrm>
           <a:prstGeom prst="rect">
             <a:avLst/>
@@ -11403,8 +14096,8 @@
         </p:nvSpPr>
         <p:spPr bwMode="auto">
           <a:xfrm>
-            <a:off x="8711952" y="4800697"/>
-            <a:ext cx="432046" cy="307776"/>
+            <a:off x="8711951" y="4800696"/>
+            <a:ext cx="432405" cy="305159"/>
           </a:xfrm>
           <a:prstGeom prst="rect">
             <a:avLst/>
@@ -11502,8 +14195,8 @@
         </p:nvSpPr>
         <p:spPr bwMode="auto">
           <a:xfrm flipH="0" flipV="0">
-            <a:off x="4567151" y="2030730"/>
-            <a:ext cx="4157038" cy="1189079"/>
+            <a:off x="4567150" y="2030729"/>
+            <a:ext cx="4157397" cy="1189079"/>
           </a:xfrm>
           <a:prstGeom prst="rect">
             <a:avLst/>
@@ -11732,644 +14425,45 @@
 </p:sld>
 </file>
 
-<file path=ppt/slides/slide9.xml><?xml version="1.0" encoding="utf-8"?>
-<p:sld xmlns:a="http://schemas.openxmlformats.org/drawingml/2006/main" xmlns:r="http://schemas.openxmlformats.org/officeDocument/2006/relationships" xmlns:p="http://schemas.openxmlformats.org/presentationml/2006/main" xmlns:m="http://schemas.openxmlformats.org/officeDocument/2006/math" xmlns:w="http://schemas.openxmlformats.org/wordprocessingml/2006/main" showMasterPhAnim="0" show="1">
-  <p:cSld name="">
-    <p:bg>
-      <p:bgPr shadeToTitle="0">
-        <a:solidFill>
-          <a:schemeClr val="bg1"/>
-        </a:solidFill>
-      </p:bgPr>
-    </p:bg>
-    <p:spTree>
-      <p:nvGrpSpPr>
-        <p:cNvPr id="1" name=""/>
-        <p:cNvGrpSpPr/>
-        <p:nvPr/>
-      </p:nvGrpSpPr>
-      <p:grpSpPr bwMode="auto">
-        <a:xfrm>
-          <a:off x="0" y="0"/>
-          <a:ext cx="0" cy="0"/>
-          <a:chOff x="0" y="0"/>
-          <a:chExt cx="0" cy="0"/>
-        </a:xfrm>
-      </p:grpSpPr>
-      <p:sp>
-        <p:nvSpPr>
-          <p:cNvPr id="1691707891" name="CasellaDiTesto 2"/>
-          <p:cNvSpPr txBox="1"/>
-          <p:nvPr/>
-        </p:nvSpPr>
-        <p:spPr bwMode="auto">
-          <a:xfrm>
-            <a:off x="347778" y="453152"/>
-            <a:ext cx="8493078" cy="457559"/>
-          </a:xfrm>
-          <a:prstGeom prst="rect">
-            <a:avLst/>
-          </a:prstGeom>
-          <a:noFill/>
-        </p:spPr>
-        <p:txBody>
-          <a:bodyPr wrap="square" rtlCol="0">
-            <a:spAutoFit/>
-          </a:bodyPr>
-          <a:lstStyle/>
-          <a:p>
-            <a:pPr>
-              <a:defRPr/>
-            </a:pPr>
-            <a:r>
-              <a:rPr lang="it-IT" sz="2400" b="1" i="0" u="none" strike="noStrike" cap="none" spc="0">
-                <a:solidFill>
-                  <a:schemeClr val="tx1"/>
-                </a:solidFill>
-                <a:latin typeface="Calibri"/>
-                <a:ea typeface="Source Han Sans CN Medium"/>
-                <a:cs typeface="Calibri"/>
-              </a:rPr>
-              <a:t>Model Optimizations and Conversion to TFLite</a:t>
-            </a:r>
-            <a:endParaRPr/>
-          </a:p>
-        </p:txBody>
-      </p:sp>
-      <p:sp>
-        <p:nvSpPr>
-          <p:cNvPr id="897577095" name="CasellaDiTesto 9"/>
-          <p:cNvSpPr txBox="1"/>
-          <p:nvPr/>
-        </p:nvSpPr>
-        <p:spPr bwMode="auto">
-          <a:xfrm>
-            <a:off x="8711951" y="4800696"/>
-            <a:ext cx="432045" cy="307775"/>
-          </a:xfrm>
-          <a:prstGeom prst="rect">
-            <a:avLst/>
-          </a:prstGeom>
-          <a:noFill/>
-        </p:spPr>
-        <p:txBody>
-          <a:bodyPr wrap="square" rtlCol="0">
-            <a:spAutoFit/>
-          </a:bodyPr>
-          <a:lstStyle/>
-          <a:p>
-            <a:pPr>
-              <a:defRPr/>
-            </a:pPr>
-            <a:r>
-              <a:rPr lang="it-IT" sz="1400">
-                <a:latin typeface="Calibri"/>
-                <a:cs typeface="Calibri"/>
-              </a:rPr>
-              <a:t>2</a:t>
-            </a:r>
-            <a:endParaRPr/>
-          </a:p>
-        </p:txBody>
-      </p:sp>
-      <p:cxnSp>
-        <p:nvCxnSpPr>
-          <p:cNvPr id="1586423967" name=""/>
-          <p:cNvCxnSpPr>
-            <a:cxnSpLocks/>
-          </p:cNvCxnSpPr>
-          <p:nvPr/>
-        </p:nvCxnSpPr>
-        <p:spPr bwMode="auto">
-          <a:xfrm flipH="0" flipV="1">
-            <a:off x="15643" y="1019471"/>
-            <a:ext cx="9190135" cy="0"/>
-          </a:xfrm>
-          <a:prstGeom prst="line">
-            <a:avLst/>
-          </a:prstGeom>
-          <a:ln w="38099" cap="flat" cmpd="sng" algn="ctr">
-            <a:solidFill>
-              <a:srgbClr val="FFC000"/>
-            </a:solidFill>
-            <a:prstDash val="solid"/>
-            <a:miter/>
-          </a:ln>
-        </p:spPr>
-        <p:style>
-          <a:lnRef idx="1">
-            <a:schemeClr val="accent1">
-              <a:shade val="50000"/>
-            </a:schemeClr>
-          </a:lnRef>
-          <a:fillRef idx="0">
-            <a:schemeClr val="accent1"/>
-          </a:fillRef>
-          <a:effectRef idx="0">
-            <a:schemeClr val="accent1"/>
-          </a:effectRef>
-          <a:fontRef idx="minor">
-            <a:schemeClr val="tx1"/>
-          </a:fontRef>
-        </p:style>
-      </p:cxnSp>
-      <p:pic>
-        <p:nvPicPr>
-          <p:cNvPr id="262918332" name=""/>
-          <p:cNvPicPr>
-            <a:picLocks noChangeAspect="1"/>
-          </p:cNvPicPr>
-          <p:nvPr/>
-        </p:nvPicPr>
-        <p:blipFill>
-          <a:blip r:embed="rId2"/>
-          <a:stretch/>
-        </p:blipFill>
-        <p:spPr bwMode="auto">
-          <a:xfrm flipH="0" flipV="0">
-            <a:off x="5163903" y="2081807"/>
-            <a:ext cx="3756850" cy="1223525"/>
-          </a:xfrm>
-          <a:prstGeom prst="rect">
-            <a:avLst/>
-          </a:prstGeom>
-        </p:spPr>
-      </p:pic>
-      <p:pic>
-        <p:nvPicPr>
-          <p:cNvPr id="428030264" name=""/>
-          <p:cNvPicPr>
-            <a:picLocks noChangeAspect="1"/>
-          </p:cNvPicPr>
-          <p:nvPr/>
-        </p:nvPicPr>
-        <p:blipFill>
-          <a:blip r:embed="rId3"/>
-          <a:stretch/>
-        </p:blipFill>
-        <p:spPr bwMode="auto">
-          <a:xfrm flipH="0" flipV="0">
-            <a:off x="40394" y="1458078"/>
-            <a:ext cx="4570315" cy="2265759"/>
-          </a:xfrm>
-          <a:prstGeom prst="rect">
-            <a:avLst/>
-          </a:prstGeom>
-        </p:spPr>
-      </p:pic>
-      <p:sp>
-        <p:nvSpPr>
-          <p:cNvPr id="110610465" name=""/>
-          <p:cNvSpPr txBox="1"/>
-          <p:nvPr/>
-        </p:nvSpPr>
-        <p:spPr bwMode="auto">
-          <a:xfrm flipH="0" flipV="0">
-            <a:off x="412752" y="3943945"/>
-            <a:ext cx="3827038" cy="640440"/>
-          </a:xfrm>
-          <a:prstGeom prst="rect">
-            <a:avLst/>
-          </a:prstGeom>
-          <a:noFill/>
-        </p:spPr>
-        <p:txBody>
-          <a:bodyPr vertOverflow="overflow" horzOverflow="overflow" vert="horz" wrap="square" lIns="91440" tIns="45720" rIns="91440" bIns="45720" numCol="1" spcCol="0" rtlCol="0" fromWordArt="0" anchor="t" anchorCtr="0" forceAA="0" upright="0" compatLnSpc="0">
-            <a:spAutoFit/>
-          </a:bodyPr>
-          <a:p>
-            <a:pPr>
-              <a:defRPr/>
-            </a:pPr>
-            <a:r>
-              <a:rPr/>
-              <a:t>Neural network that uses DS convolutional layers</a:t>
-            </a:r>
-            <a:endParaRPr/>
-          </a:p>
-        </p:txBody>
-      </p:sp>
-      <p:sp>
-        <p:nvSpPr>
-          <p:cNvPr id="1642235389" name=""/>
-          <p:cNvSpPr txBox="1"/>
-          <p:nvPr/>
-        </p:nvSpPr>
-        <p:spPr bwMode="auto">
-          <a:xfrm flipH="0" flipV="0">
-            <a:off x="5339234" y="3611615"/>
-            <a:ext cx="3503060" cy="1189079"/>
-          </a:xfrm>
-          <a:prstGeom prst="rect">
-            <a:avLst/>
-          </a:prstGeom>
-          <a:noFill/>
-        </p:spPr>
-        <p:txBody>
-          <a:bodyPr vertOverflow="overflow" horzOverflow="overflow" vert="horz" wrap="square" lIns="91440" tIns="45720" rIns="91440" bIns="45720" numCol="1" spcCol="0" rtlCol="0" fromWordArt="0" anchor="t" anchorCtr="0" forceAA="0" upright="0" compatLnSpc="0">
-            <a:spAutoFit/>
-          </a:bodyPr>
-          <a:p>
-            <a:pPr>
-              <a:defRPr/>
-            </a:pPr>
-            <a:r>
-              <a:rPr/>
-              <a:t>Width Scaling for reducing model complexity and this reducing time required for training</a:t>
-            </a:r>
-            <a:endParaRPr/>
-          </a:p>
-        </p:txBody>
-      </p:sp>
-    </p:spTree>
-  </p:cSld>
-  <p:clrMapOvr>
-    <a:masterClrMapping/>
-  </p:clrMapOvr>
-  <mc:AlternateContent xmlns:mc="http://schemas.openxmlformats.org/markup-compatibility/2006">
-    <mc:Choice xmlns:p14="http://schemas.microsoft.com/office/powerpoint/2010/main" Requires="p14">
-      <p:transition p14:dur="2000" advClick="1"/>
-    </mc:Choice>
-    <mc:Fallback>
-      <p:transition advClick="1"/>
-    </mc:Fallback>
-  </mc:AlternateContent>
-  <p:timing>
-    <p:tnLst>
-      <p:par>
-        <p:cTn id="1" dur="indefinite" restart="never" nodeType="tmRoot">
-          <p:childTnLst>
-            <p:seq concurrent="1" nextAc="seek">
-              <p:cTn id="2" dur="indefinite" nodeType="mainSeq">
-                <p:childTnLst>
-                  <p:par>
-                    <p:cTn id="20" fill="hold">
-                      <p:stCondLst>
-                        <p:cond delay="indefinite"/>
-                      </p:stCondLst>
-                      <p:childTnLst>
-                        <p:par>
-                          <p:cTn id="21" fill="hold">
-                            <p:stCondLst>
-                              <p:cond delay="0"/>
-                            </p:stCondLst>
-                            <p:childTnLst>
-                              <p:par>
-                                <p:cTn id="22" presetID="53" presetClass="entr" presetSubtype="16" fill="hold" grpId="0" nodeType="clickEffect">
-                                  <p:stCondLst>
-                                    <p:cond delay="0"/>
-                                  </p:stCondLst>
-                                  <p:childTnLst>
-                                    <p:set>
-                                      <p:cBhvr>
-                                        <p:cTn id="26" dur="1" fill="hold">
-                                          <p:stCondLst>
-                                            <p:cond delay="0"/>
-                                          </p:stCondLst>
-                                        </p:cTn>
-                                        <p:tgtEl>
-                                          <p:spTgt spid="428030264"/>
-                                        </p:tgtEl>
-                                        <p:attrNameLst>
-                                          <p:attrName>style.visibility</p:attrName>
-                                        </p:attrNameLst>
-                                      </p:cBhvr>
-                                      <p:to>
-                                        <p:strVal val="visible"/>
-                                      </p:to>
-                                    </p:set>
-                                    <p:anim calcmode="lin" valueType="num">
-                                      <p:cBhvr>
-                                        <p:cTn id="25" dur="500" fill="hold"/>
-                                        <p:tgtEl>
-                                          <p:spTgt spid="428030264"/>
-                                        </p:tgtEl>
-                                        <p:attrNameLst>
-                                          <p:attrName>ppt_w</p:attrName>
-                                        </p:attrNameLst>
-                                      </p:cBhvr>
-                                      <p:tavLst>
-                                        <p:tav tm="0">
-                                          <p:val>
-                                            <p:fltVal val="0"/>
-                                          </p:val>
-                                        </p:tav>
-                                        <p:tav tm="100000">
-                                          <p:val>
-                                            <p:strVal val="#ppt_w"/>
-                                          </p:val>
-                                        </p:tav>
-                                      </p:tavLst>
-                                    </p:anim>
-                                    <p:anim calcmode="lin" valueType="num">
-                                      <p:cBhvr>
-                                        <p:cTn id="24" dur="500" fill="hold"/>
-                                        <p:tgtEl>
-                                          <p:spTgt spid="428030264"/>
-                                        </p:tgtEl>
-                                        <p:attrNameLst>
-                                          <p:attrName>ppt_h</p:attrName>
-                                        </p:attrNameLst>
-                                      </p:cBhvr>
-                                      <p:tavLst>
-                                        <p:tav tm="0">
-                                          <p:val>
-                                            <p:fltVal val="0"/>
-                                          </p:val>
-                                        </p:tav>
-                                        <p:tav tm="100000">
-                                          <p:val>
-                                            <p:strVal val="#ppt_h"/>
-                                          </p:val>
-                                        </p:tav>
-                                      </p:tavLst>
-                                    </p:anim>
-                                    <p:animEffect transition="in" filter="fade">
-                                      <p:cBhvr>
-                                        <p:cTn id="23" dur="500"/>
-                                        <p:tgtEl>
-                                          <p:spTgt spid="428030264"/>
-                                        </p:tgtEl>
-                                      </p:cBhvr>
-                                    </p:animEffect>
-                                  </p:childTnLst>
-                                </p:cTn>
-                              </p:par>
-                            </p:childTnLst>
-                          </p:cTn>
-                        </p:par>
-                      </p:childTnLst>
-                    </p:cTn>
-                  </p:par>
-                  <p:par>
-                    <p:cTn id="15" fill="hold">
-                      <p:stCondLst>
-                        <p:cond delay="indefinite"/>
-                      </p:stCondLst>
-                      <p:childTnLst>
-                        <p:par>
-                          <p:cTn id="16" fill="hold">
-                            <p:stCondLst>
-                              <p:cond delay="0"/>
-                            </p:stCondLst>
-                            <p:childTnLst>
-                              <p:par>
-                                <p:cTn id="17" presetID="16" presetClass="entr" presetSubtype="21" fill="hold" grpId="0" nodeType="clickEffect">
-                                  <p:stCondLst>
-                                    <p:cond delay="0"/>
-                                  </p:stCondLst>
-                                  <p:childTnLst>
-                                    <p:set>
-                                      <p:cBhvr>
-                                        <p:cTn id="19" dur="1" fill="hold">
-                                          <p:stCondLst>
-                                            <p:cond delay="0"/>
-                                          </p:stCondLst>
-                                        </p:cTn>
-                                        <p:tgtEl>
-                                          <p:spTgt spid="110610465"/>
-                                        </p:tgtEl>
-                                        <p:attrNameLst>
-                                          <p:attrName>style.visibility</p:attrName>
-                                        </p:attrNameLst>
-                                      </p:cBhvr>
-                                      <p:to>
-                                        <p:strVal val="visible"/>
-                                      </p:to>
-                                    </p:set>
-                                    <p:animEffect transition="in" filter="barn(inVertical)">
-                                      <p:cBhvr>
-                                        <p:cTn id="18" dur="500"/>
-                                        <p:tgtEl>
-                                          <p:spTgt spid="110610465"/>
-                                        </p:tgtEl>
-                                      </p:cBhvr>
-                                    </p:animEffect>
-                                  </p:childTnLst>
-                                </p:cTn>
-                              </p:par>
-                            </p:childTnLst>
-                          </p:cTn>
-                        </p:par>
-                      </p:childTnLst>
-                    </p:cTn>
-                  </p:par>
-                  <p:par>
-                    <p:cTn id="8" fill="hold">
-                      <p:stCondLst>
-                        <p:cond delay="indefinite"/>
-                      </p:stCondLst>
-                      <p:childTnLst>
-                        <p:par>
-                          <p:cTn id="9" fill="hold">
-                            <p:stCondLst>
-                              <p:cond delay="0"/>
-                            </p:stCondLst>
-                            <p:childTnLst>
-                              <p:par>
-                                <p:cTn id="10" presetID="53" presetClass="entr" presetSubtype="16" fill="hold" grpId="0" nodeType="clickEffect">
-                                  <p:stCondLst>
-                                    <p:cond delay="0"/>
-                                  </p:stCondLst>
-                                  <p:childTnLst>
-                                    <p:set>
-                                      <p:cBhvr>
-                                        <p:cTn id="14" dur="1" fill="hold">
-                                          <p:stCondLst>
-                                            <p:cond delay="0"/>
-                                          </p:stCondLst>
-                                        </p:cTn>
-                                        <p:tgtEl>
-                                          <p:spTgt spid="262918332"/>
-                                        </p:tgtEl>
-                                        <p:attrNameLst>
-                                          <p:attrName>style.visibility</p:attrName>
-                                        </p:attrNameLst>
-                                      </p:cBhvr>
-                                      <p:to>
-                                        <p:strVal val="visible"/>
-                                      </p:to>
-                                    </p:set>
-                                    <p:anim calcmode="lin" valueType="num">
-                                      <p:cBhvr>
-                                        <p:cTn id="13" dur="500" fill="hold"/>
-                                        <p:tgtEl>
-                                          <p:spTgt spid="262918332"/>
-                                        </p:tgtEl>
-                                        <p:attrNameLst>
-                                          <p:attrName>ppt_w</p:attrName>
-                                        </p:attrNameLst>
-                                      </p:cBhvr>
-                                      <p:tavLst>
-                                        <p:tav tm="0">
-                                          <p:val>
-                                            <p:fltVal val="0"/>
-                                          </p:val>
-                                        </p:tav>
-                                        <p:tav tm="100000">
-                                          <p:val>
-                                            <p:strVal val="#ppt_w"/>
-                                          </p:val>
-                                        </p:tav>
-                                      </p:tavLst>
-                                    </p:anim>
-                                    <p:anim calcmode="lin" valueType="num">
-                                      <p:cBhvr>
-                                        <p:cTn id="12" dur="500" fill="hold"/>
-                                        <p:tgtEl>
-                                          <p:spTgt spid="262918332"/>
-                                        </p:tgtEl>
-                                        <p:attrNameLst>
-                                          <p:attrName>ppt_h</p:attrName>
-                                        </p:attrNameLst>
-                                      </p:cBhvr>
-                                      <p:tavLst>
-                                        <p:tav tm="0">
-                                          <p:val>
-                                            <p:fltVal val="0"/>
-                                          </p:val>
-                                        </p:tav>
-                                        <p:tav tm="100000">
-                                          <p:val>
-                                            <p:strVal val="#ppt_h"/>
-                                          </p:val>
-                                        </p:tav>
-                                      </p:tavLst>
-                                    </p:anim>
-                                    <p:animEffect transition="in" filter="fade">
-                                      <p:cBhvr>
-                                        <p:cTn id="11" dur="500"/>
-                                        <p:tgtEl>
-                                          <p:spTgt spid="262918332"/>
-                                        </p:tgtEl>
-                                      </p:cBhvr>
-                                    </p:animEffect>
-                                  </p:childTnLst>
-                                </p:cTn>
-                              </p:par>
-                            </p:childTnLst>
-                          </p:cTn>
-                        </p:par>
-                      </p:childTnLst>
-                    </p:cTn>
-                  </p:par>
-                  <p:par>
-                    <p:cTn id="3" fill="hold">
-                      <p:stCondLst>
-                        <p:cond delay="indefinite"/>
-                      </p:stCondLst>
-                      <p:childTnLst>
-                        <p:par>
-                          <p:cTn id="4" fill="hold">
-                            <p:stCondLst>
-                              <p:cond delay="0"/>
-                            </p:stCondLst>
-                            <p:childTnLst>
-                              <p:par>
-                                <p:cTn id="5" presetID="22" presetClass="entr" presetSubtype="4" fill="hold" grpId="0" nodeType="clickEffect">
-                                  <p:stCondLst>
-                                    <p:cond delay="0"/>
-                                  </p:stCondLst>
-                                  <p:childTnLst>
-                                    <p:set>
-                                      <p:cBhvr>
-                                        <p:cTn id="7" dur="1" fill="hold">
-                                          <p:stCondLst>
-                                            <p:cond delay="0"/>
-                                          </p:stCondLst>
-                                        </p:cTn>
-                                        <p:tgtEl>
-                                          <p:spTgt spid="1642235389"/>
-                                        </p:tgtEl>
-                                        <p:attrNameLst>
-                                          <p:attrName>style.visibility</p:attrName>
-                                        </p:attrNameLst>
-                                      </p:cBhvr>
-                                      <p:to>
-                                        <p:strVal val="visible"/>
-                                      </p:to>
-                                    </p:set>
-                                    <p:animEffect transition="in" filter="wipe(down)">
-                                      <p:cBhvr>
-                                        <p:cTn id="6" dur="500"/>
-                                        <p:tgtEl>
-                                          <p:spTgt spid="1642235389"/>
-                                        </p:tgtEl>
-                                      </p:cBhvr>
-                                    </p:animEffect>
-                                  </p:childTnLst>
-                                </p:cTn>
-                              </p:par>
-                            </p:childTnLst>
-                          </p:cTn>
-                        </p:par>
-                      </p:childTnLst>
-                    </p:cTn>
-                  </p:par>
-                </p:childTnLst>
-              </p:cTn>
-              <p:prevCondLst>
-                <p:cond evt="onPrev" delay="0">
-                  <p:tgtEl>
-                    <p:sldTgt/>
-                  </p:tgtEl>
-                </p:cond>
-              </p:prevCondLst>
-              <p:nextCondLst>
-                <p:cond evt="onNext" delay="0">
-                  <p:tgtEl>
-                    <p:sldTgt/>
-                  </p:tgtEl>
-                </p:cond>
-              </p:nextCondLst>
-            </p:seq>
-          </p:childTnLst>
-        </p:cTn>
-      </p:par>
-    </p:tnLst>
-  </p:timing>
-</p:sld>
-</file>
-
 <file path=ppt/theme/theme1.xml><?xml version="1.0" encoding="utf-8"?>
 <a:theme xmlns:a="http://schemas.openxmlformats.org/drawingml/2006/main" xmlns:r="http://schemas.openxmlformats.org/officeDocument/2006/relationships" xmlns:p="http://schemas.openxmlformats.org/presentationml/2006/main" name="Office Theme">
   <a:themeElements>
-    <a:clrScheme name="Office">
+    <a:clrScheme name="Metro">
       <a:dk1>
-        <a:sysClr val="windowText" lastClr="000000"/>
+        <a:srgbClr val="000000"/>
       </a:dk1>
       <a:lt1>
-        <a:sysClr val="window" lastClr="FFFFFF"/>
+        <a:srgbClr val="FFFFFF"/>
       </a:lt1>
       <a:dk2>
-        <a:srgbClr val="1F497D"/>
+        <a:srgbClr val="4E5B6F"/>
       </a:dk2>
       <a:lt2>
-        <a:srgbClr val="EEECE1"/>
+        <a:srgbClr val="D6ECFF"/>
       </a:lt2>
       <a:accent1>
-        <a:srgbClr val="4F81BD"/>
+        <a:srgbClr val="7FD13B"/>
       </a:accent1>
       <a:accent2>
-        <a:srgbClr val="C0504D"/>
+        <a:srgbClr val="EA157A"/>
       </a:accent2>
       <a:accent3>
-        <a:srgbClr val="9BBB59"/>
+        <a:srgbClr val="FEB80A"/>
       </a:accent3>
       <a:accent4>
-        <a:srgbClr val="8064A2"/>
+        <a:srgbClr val="00ADDC"/>
       </a:accent4>
       <a:accent5>
-        <a:srgbClr val="4BACC6"/>
+        <a:srgbClr val="738AC8"/>
       </a:accent5>
       <a:accent6>
-        <a:srgbClr val="F79646"/>
+        <a:srgbClr val="1AB39F"/>
       </a:accent6>
       <a:hlink>
-        <a:srgbClr val="0000FF"/>
+        <a:srgbClr val="EB8803"/>
       </a:hlink>
       <a:folHlink>
-        <a:srgbClr val="800080"/>
+        <a:srgbClr val="5F7791"/>
       </a:folHlink>
     </a:clrScheme>
     <a:fontScheme name="Office">
@@ -12544,9 +14638,9 @@
 </file>
 
 <file path=ppt/theme/theme2.xml><?xml version="1.0" encoding="utf-8"?>
-<a:theme xmlns:a="http://schemas.openxmlformats.org/drawingml/2006/main" xmlns:r="http://schemas.openxmlformats.org/officeDocument/2006/relationships" xmlns:p="http://schemas.openxmlformats.org/presentationml/2006/main" name="Office Theme">
+<a:theme xmlns:a="http://schemas.openxmlformats.org/drawingml/2006/main" xmlns:r="http://schemas.openxmlformats.org/officeDocument/2006/relationships" xmlns:p="http://schemas.openxmlformats.org/presentationml/2006/main" name="Green leaf">
   <a:themeElements>
-    <a:clrScheme name="Office">
+    <a:clrScheme name="Paper">
       <a:dk1>
         <a:sysClr val="windowText" lastClr="000000"/>
       </a:dk1>
@@ -12554,49 +14648,49 @@
         <a:sysClr val="window" lastClr="FFFFFF"/>
       </a:lt1>
       <a:dk2>
-        <a:srgbClr val="1F497D"/>
+        <a:srgbClr val="444D26"/>
       </a:dk2>
       <a:lt2>
-        <a:srgbClr val="EEECE1"/>
+        <a:srgbClr val="FEFAC9"/>
       </a:lt2>
       <a:accent1>
-        <a:srgbClr val="4F81BD"/>
+        <a:srgbClr val="A5B592"/>
       </a:accent1>
       <a:accent2>
-        <a:srgbClr val="C0504D"/>
+        <a:srgbClr val="F3A447"/>
       </a:accent2>
       <a:accent3>
-        <a:srgbClr val="9BBB59"/>
+        <a:srgbClr val="E7BC29"/>
       </a:accent3>
       <a:accent4>
-        <a:srgbClr val="8064A2"/>
+        <a:srgbClr val="D092A7"/>
       </a:accent4>
       <a:accent5>
-        <a:srgbClr val="4BACC6"/>
+        <a:srgbClr val="9C85C0"/>
       </a:accent5>
       <a:accent6>
-        <a:srgbClr val="F79646"/>
+        <a:srgbClr val="809EC2"/>
       </a:accent6>
       <a:hlink>
-        <a:srgbClr val="0000FF"/>
+        <a:srgbClr val="8E58B6"/>
       </a:hlink>
       <a:folHlink>
-        <a:srgbClr val="800080"/>
+        <a:srgbClr val="7F6F6F"/>
       </a:folHlink>
     </a:clrScheme>
-    <a:fontScheme name="Office">
+    <a:fontScheme name="Классическая">
       <a:majorFont>
         <a:latin typeface="Arial"/>
-        <a:ea typeface="DejaVu Sans"/>
-        <a:cs typeface="DejaVu Sans"/>
+        <a:ea typeface="Arial"/>
+        <a:cs typeface="Arial"/>
       </a:majorFont>
       <a:minorFont>
-        <a:latin typeface="Arial"/>
-        <a:ea typeface="DejaVu Sans"/>
-        <a:cs typeface="DejaVu Sans"/>
+        <a:latin typeface="Times New Roman"/>
+        <a:ea typeface="Arial"/>
+        <a:cs typeface="Arial"/>
       </a:minorFont>
     </a:fontScheme>
-    <a:fmtScheme name="Office">
+    <a:fmtScheme name="SOHO">
       <a:fillStyleLst>
         <a:solidFill>
           <a:schemeClr val="phClr"/>
@@ -12605,73 +14699,103 @@
           <a:gsLst>
             <a:gs pos="0">
               <a:schemeClr val="phClr">
-                <a:tint val="50000"/>
-                <a:satMod val="300000"/>
+                <a:tint val="45000"/>
+                <a:satMod val="200000"/>
               </a:schemeClr>
             </a:gs>
-            <a:gs pos="35000">
+            <a:gs pos="30000">
               <a:schemeClr val="phClr">
-                <a:tint val="37000"/>
-                <a:satMod val="300000"/>
+                <a:tint val="61000"/>
+                <a:satMod val="200000"/>
+              </a:schemeClr>
+            </a:gs>
+            <a:gs pos="45000">
+              <a:schemeClr val="phClr">
+                <a:tint val="66000"/>
+                <a:satMod val="200000"/>
+              </a:schemeClr>
+            </a:gs>
+            <a:gs pos="55000">
+              <a:schemeClr val="phClr">
+                <a:tint val="66000"/>
+                <a:satMod val="200000"/>
+              </a:schemeClr>
+            </a:gs>
+            <a:gs pos="73000">
+              <a:schemeClr val="phClr">
+                <a:tint val="61000"/>
+                <a:satMod val="200000"/>
               </a:schemeClr>
             </a:gs>
             <a:gs pos="100000">
               <a:schemeClr val="phClr">
-                <a:tint val="15000"/>
-                <a:satMod val="350000"/>
+                <a:tint val="45000"/>
+                <a:satMod val="200000"/>
               </a:schemeClr>
             </a:gs>
           </a:gsLst>
-          <a:lin ang="16200000" scaled="1"/>
+          <a:lin ang="950000" scaled="1"/>
         </a:gradFill>
         <a:gradFill>
           <a:gsLst>
             <a:gs pos="0">
               <a:schemeClr val="phClr">
-                <a:shade val="51000"/>
+                <a:shade val="67000"/>
+                <a:satMod val="150000"/>
+              </a:schemeClr>
+            </a:gs>
+            <a:gs pos="30000">
+              <a:schemeClr val="phClr">
+                <a:shade val="94000"/>
                 <a:satMod val="130000"/>
               </a:schemeClr>
             </a:gs>
-            <a:gs pos="80000">
+            <a:gs pos="45000">
               <a:schemeClr val="phClr">
-                <a:shade val="93000"/>
+                <a:shade val="100000"/>
+                <a:satMod val="120000"/>
+              </a:schemeClr>
+            </a:gs>
+            <a:gs pos="55000">
+              <a:schemeClr val="phClr">
+                <a:shade val="100000"/>
+                <a:satMod val="118000"/>
+              </a:schemeClr>
+            </a:gs>
+            <a:gs pos="73000">
+              <a:schemeClr val="phClr">
+                <a:shade val="94000"/>
                 <a:satMod val="130000"/>
               </a:schemeClr>
             </a:gs>
             <a:gs pos="100000">
               <a:schemeClr val="phClr">
-                <a:shade val="94000"/>
-                <a:satMod val="135000"/>
+                <a:shade val="67000"/>
+                <a:satMod val="150000"/>
               </a:schemeClr>
             </a:gs>
           </a:gsLst>
-          <a:lin ang="16200000" scaled="0"/>
+          <a:lin ang="950000" scaled="1"/>
         </a:gradFill>
       </a:fillStyleLst>
       <a:lnStyleLst>
         <a:ln w="9525" cap="flat" cmpd="sng" algn="ctr">
           <a:solidFill>
-            <a:schemeClr val="phClr">
-              <a:shade val="95000"/>
-              <a:satMod val="105000"/>
-            </a:schemeClr>
+            <a:schemeClr val="phClr"/>
           </a:solidFill>
           <a:prstDash val="solid"/>
-          <a:miter/>
+        </a:ln>
+        <a:ln w="19050" cap="flat" cmpd="sng" algn="ctr">
+          <a:solidFill>
+            <a:schemeClr val="phClr"/>
+          </a:solidFill>
+          <a:prstDash val="solid"/>
         </a:ln>
         <a:ln w="25400" cap="flat" cmpd="sng" algn="ctr">
           <a:solidFill>
             <a:schemeClr val="phClr"/>
           </a:solidFill>
           <a:prstDash val="solid"/>
-          <a:miter/>
-        </a:ln>
-        <a:ln w="38100" cap="flat" cmpd="sng" algn="ctr">
-          <a:solidFill>
-            <a:schemeClr val="phClr"/>
-          </a:solidFill>
-          <a:prstDash val="solid"/>
-          <a:miter/>
         </a:ln>
       </a:lnStyleLst>
       <a:effectStyleLst>
@@ -12711,43 +14835,44 @@
           <a:gsLst>
             <a:gs pos="0">
               <a:schemeClr val="phClr">
-                <a:tint val="40000"/>
-                <a:satMod val="350000"/>
+                <a:tint val="64000"/>
+                <a:satMod val="210000"/>
               </a:schemeClr>
             </a:gs>
             <a:gs pos="40000">
               <a:schemeClr val="phClr">
-                <a:tint val="45000"/>
+                <a:tint val="72000"/>
                 <a:shade val="99000"/>
-                <a:satMod val="350000"/>
+                <a:satMod val="200000"/>
               </a:schemeClr>
             </a:gs>
             <a:gs pos="100000">
               <a:schemeClr val="phClr">
-                <a:shade val="20000"/>
-                <a:satMod val="255000"/>
+                <a:tint val="100000"/>
+                <a:shade val="30000"/>
+                <a:alpha val="100000"/>
+                <a:satMod val="175000"/>
+                <a:lumMod val="100000"/>
               </a:schemeClr>
             </a:gs>
           </a:gsLst>
           <a:path path="circle"/>
         </a:gradFill>
-        <a:gradFill>
-          <a:gsLst>
-            <a:gs pos="0">
+        <a:blipFill>
+          <a:blip r:embed="rId1">
+            <a:duotone>
               <a:schemeClr val="phClr">
-                <a:tint val="80000"/>
-                <a:satMod val="300000"/>
+                <a:tint val="86000"/>
+                <a:alpha val="90000"/>
               </a:schemeClr>
-            </a:gs>
-            <a:gs pos="100000">
               <a:schemeClr val="phClr">
-                <a:shade val="30000"/>
-                <a:satMod val="200000"/>
+                <a:shade val="49000"/>
+                <a:satMod val="120000"/>
               </a:schemeClr>
-            </a:gs>
-          </a:gsLst>
-          <a:path path="circle"/>
-        </a:gradFill>
+            </a:duotone>
+          </a:blip>
+          <a:stretch/>
+        </a:blipFill>
       </a:bgFillStyleLst>
     </a:fmtScheme>
   </a:themeElements>
